--- a/Kick-Off Presentation.pptx
+++ b/Kick-Off Presentation.pptx
@@ -7,20 +7,21 @@
   <p:sldIdLst>
     <p:sldId id="256" r:id="rId2"/>
     <p:sldId id="257" r:id="rId3"/>
-    <p:sldId id="258" r:id="rId4"/>
-    <p:sldId id="259" r:id="rId5"/>
-    <p:sldId id="260" r:id="rId6"/>
-    <p:sldId id="263" r:id="rId7"/>
-    <p:sldId id="270" r:id="rId8"/>
-    <p:sldId id="271" r:id="rId9"/>
-    <p:sldId id="264" r:id="rId10"/>
-    <p:sldId id="272" r:id="rId11"/>
-    <p:sldId id="265" r:id="rId12"/>
-    <p:sldId id="266" r:id="rId13"/>
-    <p:sldId id="268" r:id="rId14"/>
-    <p:sldId id="269" r:id="rId15"/>
-    <p:sldId id="261" r:id="rId16"/>
-    <p:sldId id="262" r:id="rId17"/>
+    <p:sldId id="273" r:id="rId4"/>
+    <p:sldId id="258" r:id="rId5"/>
+    <p:sldId id="259" r:id="rId6"/>
+    <p:sldId id="260" r:id="rId7"/>
+    <p:sldId id="263" r:id="rId8"/>
+    <p:sldId id="270" r:id="rId9"/>
+    <p:sldId id="271" r:id="rId10"/>
+    <p:sldId id="264" r:id="rId11"/>
+    <p:sldId id="272" r:id="rId12"/>
+    <p:sldId id="265" r:id="rId13"/>
+    <p:sldId id="266" r:id="rId14"/>
+    <p:sldId id="268" r:id="rId15"/>
+    <p:sldId id="269" r:id="rId16"/>
+    <p:sldId id="261" r:id="rId17"/>
+    <p:sldId id="262" r:id="rId18"/>
   </p:sldIdLst>
   <p:sldSz cx="12192000" cy="6858000"/>
   <p:notesSz cx="6858000" cy="9144000"/>
@@ -130,6 +131,7 @@
 <file path=ppt/revisionInfo.xml><?xml version="1.0" encoding="utf-8"?>
 <p1510:revInfo xmlns:a="http://schemas.openxmlformats.org/drawingml/2006/main" xmlns:r="http://schemas.openxmlformats.org/officeDocument/2006/relationships" xmlns:p1510="http://schemas.microsoft.com/office/powerpoint/2015/10/main">
   <p1510:revLst>
+    <p1510:client id="{0C50F5AC-F121-4ABC-82C3-800D9A2726C8}" v="275" dt="2022-11-21T23:57:56.972"/>
     <p1510:client id="{65FD3D1F-3F58-416E-8288-5E877AD1D4B9}" v="2711" dt="2022-11-20T14:18:51.338"/>
   </p1510:revLst>
 </p1510:revInfo>
@@ -1816,12 +1818,12 @@
         <a:lstStyle/>
         <a:p>
           <a:r>
-            <a:rPr lang="en-US" dirty="0">
+            <a:rPr lang="en-US">
               <a:latin typeface="Georgia Pro Semibold"/>
             </a:rPr>
             <a:t>Selection of projects</a:t>
           </a:r>
-          <a:endParaRPr lang="en-US" dirty="0"/>
+          <a:endParaRPr lang="en-US"/>
         </a:p>
       </dgm:t>
     </dgm:pt>
@@ -1848,12 +1850,12 @@
         <a:lstStyle/>
         <a:p>
           <a:r>
-            <a:rPr lang="en-US" dirty="0">
+            <a:rPr lang="en-US">
               <a:latin typeface="Georgia Pro Semibold"/>
             </a:rPr>
             <a:t>Execution of projects</a:t>
           </a:r>
-          <a:endParaRPr lang="en-US" dirty="0"/>
+          <a:endParaRPr lang="en-US"/>
         </a:p>
       </dgm:t>
     </dgm:pt>
@@ -1880,12 +1882,12 @@
         <a:lstStyle/>
         <a:p>
           <a:r>
-            <a:rPr lang="en-US" dirty="0">
+            <a:rPr lang="en-US">
               <a:latin typeface="Georgia Pro Semibold"/>
             </a:rPr>
             <a:t>Automation</a:t>
           </a:r>
-          <a:endParaRPr lang="en-US" dirty="0"/>
+          <a:endParaRPr lang="en-US"/>
         </a:p>
       </dgm:t>
     </dgm:pt>
@@ -1912,7 +1914,7 @@
         <a:lstStyle/>
         <a:p>
           <a:r>
-            <a:rPr lang="en-US" dirty="0">
+            <a:rPr lang="en-US">
               <a:latin typeface="Georgia Pro Semibold"/>
             </a:rPr>
             <a:t>Creation of Framework</a:t>
@@ -1943,7 +1945,7 @@
         <a:lstStyle/>
         <a:p>
           <a:r>
-            <a:rPr lang="en-US" dirty="0">
+            <a:rPr lang="en-US">
               <a:latin typeface="Georgia Pro Semibold"/>
             </a:rPr>
             <a:t>Empirical Study</a:t>
@@ -2107,12 +2109,12 @@
         <a:lstStyle/>
         <a:p>
           <a:r>
-            <a:rPr lang="en-US" dirty="0">
+            <a:rPr lang="en-US">
               <a:latin typeface="Georgia Pro Semibold"/>
             </a:rPr>
             <a:t>Selection of projects</a:t>
           </a:r>
-          <a:endParaRPr lang="en-US" dirty="0"/>
+          <a:endParaRPr lang="en-US"/>
         </a:p>
       </dgm:t>
     </dgm:pt>
@@ -2139,12 +2141,12 @@
         <a:lstStyle/>
         <a:p>
           <a:r>
-            <a:rPr lang="en-US" dirty="0">
+            <a:rPr lang="en-US">
               <a:latin typeface="Georgia Pro Semibold"/>
             </a:rPr>
             <a:t>Execution of projects</a:t>
           </a:r>
-          <a:endParaRPr lang="en-US" dirty="0"/>
+          <a:endParaRPr lang="en-US"/>
         </a:p>
       </dgm:t>
     </dgm:pt>
@@ -2171,12 +2173,12 @@
         <a:lstStyle/>
         <a:p>
           <a:r>
-            <a:rPr lang="en-US" dirty="0">
+            <a:rPr lang="en-US">
               <a:latin typeface="Georgia Pro Semibold"/>
             </a:rPr>
             <a:t>Automation</a:t>
           </a:r>
-          <a:endParaRPr lang="en-US" dirty="0"/>
+          <a:endParaRPr lang="en-US"/>
         </a:p>
       </dgm:t>
     </dgm:pt>
@@ -2203,7 +2205,7 @@
         <a:lstStyle/>
         <a:p>
           <a:r>
-            <a:rPr lang="en-US" dirty="0">
+            <a:rPr lang="en-US">
               <a:latin typeface="Georgia Pro Semibold"/>
             </a:rPr>
             <a:t>Creation of Framework</a:t>
@@ -2234,7 +2236,7 @@
         <a:lstStyle/>
         <a:p>
           <a:r>
-            <a:rPr lang="en-US" dirty="0">
+            <a:rPr lang="en-US">
               <a:latin typeface="Georgia Pro Semibold"/>
             </a:rPr>
             <a:t>Empirical Study</a:t>
@@ -2469,12 +2471,12 @@
             <a:buNone/>
           </a:pPr>
           <a:r>
-            <a:rPr lang="en-US" sz="2600" kern="1200" dirty="0">
+            <a:rPr lang="en-US" sz="2600" kern="1200">
               <a:latin typeface="Georgia Pro Semibold"/>
             </a:rPr>
             <a:t>Selection of projects</a:t>
           </a:r>
-          <a:endParaRPr lang="en-US" sz="2600" kern="1200" dirty="0"/>
+          <a:endParaRPr lang="en-US" sz="2600" kern="1200"/>
         </a:p>
       </dsp:txBody>
       <dsp:txXfrm>
@@ -2621,12 +2623,12 @@
             <a:buNone/>
           </a:pPr>
           <a:r>
-            <a:rPr lang="en-US" sz="2600" kern="1200" dirty="0">
+            <a:rPr lang="en-US" sz="2600" kern="1200">
               <a:latin typeface="Georgia Pro Semibold"/>
             </a:rPr>
             <a:t>Execution of projects</a:t>
           </a:r>
-          <a:endParaRPr lang="en-US" sz="2600" kern="1200" dirty="0"/>
+          <a:endParaRPr lang="en-US" sz="2600" kern="1200"/>
         </a:p>
       </dsp:txBody>
       <dsp:txXfrm>
@@ -2773,12 +2775,12 @@
             <a:buNone/>
           </a:pPr>
           <a:r>
-            <a:rPr lang="en-US" sz="2600" kern="1200" dirty="0">
+            <a:rPr lang="en-US" sz="2600" kern="1200">
               <a:latin typeface="Georgia Pro Semibold"/>
             </a:rPr>
             <a:t>Automation</a:t>
           </a:r>
-          <a:endParaRPr lang="en-US" sz="2600" kern="1200" dirty="0"/>
+          <a:endParaRPr lang="en-US" sz="2600" kern="1200"/>
         </a:p>
       </dsp:txBody>
       <dsp:txXfrm>
@@ -2925,7 +2927,7 @@
             <a:buNone/>
           </a:pPr>
           <a:r>
-            <a:rPr lang="en-US" sz="2600" kern="1200" dirty="0">
+            <a:rPr lang="en-US" sz="2600" kern="1200">
               <a:latin typeface="Georgia Pro Semibold"/>
             </a:rPr>
             <a:t>Creation of Framework</a:t>
@@ -3076,7 +3078,7 @@
             <a:buNone/>
           </a:pPr>
           <a:r>
-            <a:rPr lang="en-US" sz="2600" kern="1200" dirty="0">
+            <a:rPr lang="en-US" sz="2600" kern="1200">
               <a:latin typeface="Georgia Pro Semibold"/>
             </a:rPr>
             <a:t>Empirical Study</a:t>
@@ -3165,12 +3167,12 @@
             <a:buNone/>
           </a:pPr>
           <a:r>
-            <a:rPr lang="en-US" sz="2600" kern="1200" dirty="0">
+            <a:rPr lang="en-US" sz="2600" kern="1200">
               <a:latin typeface="Georgia Pro Semibold"/>
             </a:rPr>
             <a:t>Selection of projects</a:t>
           </a:r>
-          <a:endParaRPr lang="en-US" sz="2600" kern="1200" dirty="0"/>
+          <a:endParaRPr lang="en-US" sz="2600" kern="1200"/>
         </a:p>
       </dsp:txBody>
       <dsp:txXfrm>
@@ -3313,12 +3315,12 @@
             <a:buNone/>
           </a:pPr>
           <a:r>
-            <a:rPr lang="en-US" sz="2600" kern="1200" dirty="0">
+            <a:rPr lang="en-US" sz="2600" kern="1200">
               <a:latin typeface="Georgia Pro Semibold"/>
             </a:rPr>
             <a:t>Execution of projects</a:t>
           </a:r>
-          <a:endParaRPr lang="en-US" sz="2600" kern="1200" dirty="0"/>
+          <a:endParaRPr lang="en-US" sz="2600" kern="1200"/>
         </a:p>
       </dsp:txBody>
       <dsp:txXfrm>
@@ -3466,12 +3468,12 @@
             <a:buNone/>
           </a:pPr>
           <a:r>
-            <a:rPr lang="en-US" sz="2600" kern="1200" dirty="0">
+            <a:rPr lang="en-US" sz="2600" kern="1200">
               <a:latin typeface="Georgia Pro Semibold"/>
             </a:rPr>
             <a:t>Automation</a:t>
           </a:r>
-          <a:endParaRPr lang="en-US" sz="2600" kern="1200" dirty="0"/>
+          <a:endParaRPr lang="en-US" sz="2600" kern="1200"/>
         </a:p>
       </dsp:txBody>
       <dsp:txXfrm>
@@ -3619,7 +3621,7 @@
             <a:buNone/>
           </a:pPr>
           <a:r>
-            <a:rPr lang="en-US" sz="2600" kern="1200" dirty="0">
+            <a:rPr lang="en-US" sz="2600" kern="1200">
               <a:latin typeface="Georgia Pro Semibold"/>
             </a:rPr>
             <a:t>Creation of Framework</a:t>
@@ -3771,7 +3773,7 @@
             <a:buNone/>
           </a:pPr>
           <a:r>
-            <a:rPr lang="en-US" sz="2600" kern="1200" dirty="0">
+            <a:rPr lang="en-US" sz="2600" kern="1200">
               <a:latin typeface="Georgia Pro Semibold"/>
             </a:rPr>
             <a:t>Empirical Study</a:t>
@@ -6250,7 +6252,6 @@
               <a:rPr lang="en-US"/>
               <a:t>Click to edit Master title style</a:t>
             </a:r>
-            <a:endParaRPr lang="en-US" dirty="0"/>
           </a:p>
         </p:txBody>
       </p:sp>
@@ -6323,7 +6324,6 @@
               <a:rPr lang="en-US"/>
               <a:t>Click to edit Master subtitle style</a:t>
             </a:r>
-            <a:endParaRPr lang="en-US" dirty="0"/>
           </a:p>
         </p:txBody>
       </p:sp>
@@ -6359,9 +6359,9 @@
           <a:p>
             <a:fld id="{524C6359-9BB8-4148-8114-537E698DA205}" type="datetime1">
               <a:rPr lang="en-US" smtClean="0"/>
-              <a:t>11/20/2022</a:t>
+              <a:t>11/21/2022</a:t>
             </a:fld>
-            <a:endParaRPr lang="en-US" dirty="0"/>
+            <a:endParaRPr lang="en-US"/>
           </a:p>
         </p:txBody>
       </p:sp>
@@ -7289,6 +7289,7 @@
   <p:clrMapOvr>
     <a:masterClrMapping/>
   </p:clrMapOvr>
+  <p:hf hdr="0" ftr="0" dt="0"/>
 </p:sldLayout>
 </file>
 
@@ -7334,7 +7335,6 @@
               <a:rPr lang="en-US"/>
               <a:t>Click to edit Master title style</a:t>
             </a:r>
-            <a:endParaRPr lang="en-US" dirty="0"/>
           </a:p>
         </p:txBody>
       </p:sp>
@@ -7392,7 +7392,6 @@
               <a:rPr lang="en-US"/>
               <a:t>Fifth level</a:t>
             </a:r>
-            <a:endParaRPr lang="en-US" dirty="0"/>
           </a:p>
         </p:txBody>
       </p:sp>
@@ -7419,7 +7418,7 @@
           <a:p>
             <a:fld id="{A4649BD0-10DB-43E7-8F22-40B3D51B8FC3}" type="datetime1">
               <a:rPr lang="en-US" smtClean="0"/>
-              <a:t>11/20/2022</a:t>
+              <a:t>11/21/2022</a:t>
             </a:fld>
             <a:endParaRPr lang="en-US"/>
           </a:p>
@@ -8340,6 +8339,7 @@
   <p:clrMapOvr>
     <a:masterClrMapping/>
   </p:clrMapOvr>
+  <p:hf hdr="0" ftr="0" dt="0"/>
 </p:sldLayout>
 </file>
 
@@ -8390,7 +8390,6 @@
               <a:rPr lang="en-US"/>
               <a:t>Click to edit Master title style</a:t>
             </a:r>
-            <a:endParaRPr lang="en-US" dirty="0"/>
           </a:p>
         </p:txBody>
       </p:sp>
@@ -8453,7 +8452,6 @@
               <a:rPr lang="en-US"/>
               <a:t>Fifth level</a:t>
             </a:r>
-            <a:endParaRPr lang="en-US" dirty="0"/>
           </a:p>
         </p:txBody>
       </p:sp>
@@ -8480,7 +8478,7 @@
           <a:p>
             <a:fld id="{0A16C79C-F566-427A-93F6-434A4E613134}" type="datetime1">
               <a:rPr lang="en-US" smtClean="0"/>
-              <a:t>11/20/2022</a:t>
+              <a:t>11/21/2022</a:t>
             </a:fld>
             <a:endParaRPr lang="en-US"/>
           </a:p>
@@ -9401,6 +9399,7 @@
   <p:clrMapOvr>
     <a:masterClrMapping/>
   </p:clrMapOvr>
+  <p:hf hdr="0" ftr="0" dt="0"/>
 </p:sldLayout>
 </file>
 
@@ -9446,7 +9445,6 @@
               <a:rPr lang="en-US"/>
               <a:t>Click to edit Master title style</a:t>
             </a:r>
-            <a:endParaRPr lang="en-US" dirty="0"/>
           </a:p>
         </p:txBody>
       </p:sp>
@@ -9504,7 +9502,6 @@
               <a:rPr lang="en-US"/>
               <a:t>Fifth level</a:t>
             </a:r>
-            <a:endParaRPr lang="en-US" dirty="0"/>
           </a:p>
         </p:txBody>
       </p:sp>
@@ -9536,9 +9533,9 @@
           <a:p>
             <a:fld id="{9376191F-481E-48E9-BB9A-369A67A7362D}" type="datetime1">
               <a:rPr lang="en-US" smtClean="0"/>
-              <a:t>11/20/2022</a:t>
+              <a:t>11/21/2022</a:t>
             </a:fld>
-            <a:endParaRPr lang="en-US" dirty="0"/>
+            <a:endParaRPr lang="en-US"/>
           </a:p>
         </p:txBody>
       </p:sp>
@@ -10457,6 +10454,7 @@
   <p:clrMapOvr>
     <a:masterClrMapping/>
   </p:clrMapOvr>
+  <p:hf hdr="0" ftr="0" dt="0"/>
 </p:sldLayout>
 </file>
 
@@ -10513,7 +10511,6 @@
               <a:rPr lang="en-US"/>
               <a:t>Click to edit Master title style</a:t>
             </a:r>
-            <a:endParaRPr lang="en-US" dirty="0"/>
           </a:p>
         </p:txBody>
       </p:sp>
@@ -10665,7 +10662,7 @@
           <a:p>
             <a:fld id="{6C5677DE-DD04-48CC-9C18-7BE9FF2DEB6B}" type="datetime1">
               <a:rPr lang="en-US" smtClean="0"/>
-              <a:t>11/20/2022</a:t>
+              <a:t>11/21/2022</a:t>
             </a:fld>
             <a:endParaRPr lang="en-US"/>
           </a:p>
@@ -11586,6 +11583,7 @@
   <p:clrMapOvr>
     <a:masterClrMapping/>
   </p:clrMapOvr>
+  <p:hf hdr="0" ftr="0" dt="0"/>
 </p:sldLayout>
 </file>
 
@@ -11631,7 +11629,6 @@
               <a:rPr lang="en-US"/>
               <a:t>Click to edit Master title style</a:t>
             </a:r>
-            <a:endParaRPr lang="en-US" dirty="0"/>
           </a:p>
         </p:txBody>
       </p:sp>
@@ -11694,7 +11691,6 @@
               <a:rPr lang="en-US"/>
               <a:t>Fifth level</a:t>
             </a:r>
-            <a:endParaRPr lang="en-US" dirty="0"/>
           </a:p>
         </p:txBody>
       </p:sp>
@@ -11757,7 +11753,6 @@
               <a:rPr lang="en-US"/>
               <a:t>Fifth level</a:t>
             </a:r>
-            <a:endParaRPr lang="en-US" dirty="0"/>
           </a:p>
         </p:txBody>
       </p:sp>
@@ -11784,7 +11779,7 @@
           <a:p>
             <a:fld id="{463255ED-7101-4D18-A8AE-3B5E4CB87EA5}" type="datetime1">
               <a:rPr lang="en-US" smtClean="0"/>
-              <a:t>11/20/2022</a:t>
+              <a:t>11/21/2022</a:t>
             </a:fld>
             <a:endParaRPr lang="en-US"/>
           </a:p>
@@ -12705,6 +12700,7 @@
   <p:clrMapOvr>
     <a:masterClrMapping/>
   </p:clrMapOvr>
+  <p:hf hdr="0" ftr="0" dt="0"/>
 </p:sldLayout>
 </file>
 
@@ -12755,7 +12751,6 @@
               <a:rPr lang="en-US"/>
               <a:t>Click to edit Master title style</a:t>
             </a:r>
-            <a:endParaRPr lang="en-US" dirty="0"/>
           </a:p>
         </p:txBody>
       </p:sp>
@@ -12909,7 +12904,6 @@
               <a:rPr lang="en-US"/>
               <a:t>Fifth level</a:t>
             </a:r>
-            <a:endParaRPr lang="en-US" dirty="0"/>
           </a:p>
         </p:txBody>
       </p:sp>
@@ -13063,7 +13057,6 @@
               <a:rPr lang="en-US"/>
               <a:t>Fifth level</a:t>
             </a:r>
-            <a:endParaRPr lang="en-US" dirty="0"/>
           </a:p>
         </p:txBody>
       </p:sp>
@@ -13090,7 +13083,7 @@
           <a:p>
             <a:fld id="{CD52F23D-51F6-4C94-8CD5-B9ABBF67EE23}" type="datetime1">
               <a:rPr lang="en-US" smtClean="0"/>
-              <a:t>11/20/2022</a:t>
+              <a:t>11/21/2022</a:t>
             </a:fld>
             <a:endParaRPr lang="en-US"/>
           </a:p>
@@ -13160,6 +13153,7 @@
   <p:clrMapOvr>
     <a:masterClrMapping/>
   </p:clrMapOvr>
+  <p:hf hdr="0" ftr="0" dt="0"/>
 </p:sldLayout>
 </file>
 
@@ -13210,7 +13204,6 @@
               <a:rPr lang="en-US"/>
               <a:t>Click to edit Master title style</a:t>
             </a:r>
-            <a:endParaRPr lang="en-US" dirty="0"/>
           </a:p>
         </p:txBody>
       </p:sp>
@@ -13237,7 +13230,7 @@
           <a:p>
             <a:fld id="{D51A702F-6367-4FD1-89A8-3744BE6BA9A2}" type="datetime1">
               <a:rPr lang="en-US" smtClean="0"/>
-              <a:t>11/20/2022</a:t>
+              <a:t>11/21/2022</a:t>
             </a:fld>
             <a:endParaRPr lang="en-US"/>
           </a:p>
@@ -14158,6 +14151,7 @@
   <p:clrMapOvr>
     <a:masterClrMapping/>
   </p:clrMapOvr>
+  <p:hf hdr="0" ftr="0" dt="0"/>
 </p:sldLayout>
 </file>
 
@@ -14201,7 +14195,7 @@
           <a:p>
             <a:fld id="{4A6E99BD-4B4F-4460-B452-0E8146ACCF8F}" type="datetime1">
               <a:rPr lang="en-US" smtClean="0"/>
-              <a:t>11/20/2022</a:t>
+              <a:t>11/21/2022</a:t>
             </a:fld>
             <a:endParaRPr lang="en-US"/>
           </a:p>
@@ -14271,6 +14265,7 @@
   <p:clrMapOvr>
     <a:masterClrMapping/>
   </p:clrMapOvr>
+  <p:hf hdr="0" ftr="0" dt="0"/>
 </p:sldLayout>
 </file>
 
@@ -14327,7 +14322,6 @@
               <a:rPr lang="en-US"/>
               <a:t>Click to edit Master title style</a:t>
             </a:r>
-            <a:endParaRPr lang="en-US" dirty="0"/>
           </a:p>
         </p:txBody>
       </p:sp>
@@ -14420,7 +14414,6 @@
               <a:rPr lang="en-US"/>
               <a:t>Fifth level</a:t>
             </a:r>
-            <a:endParaRPr lang="en-US" dirty="0"/>
           </a:p>
         </p:txBody>
       </p:sp>
@@ -14520,7 +14513,7 @@
           <a:p>
             <a:fld id="{EB6FD34C-1867-42A9-AC54-D15ADD8A65E7}" type="datetime1">
               <a:rPr lang="en-US" smtClean="0"/>
-              <a:t>11/20/2022</a:t>
+              <a:t>11/21/2022</a:t>
             </a:fld>
             <a:endParaRPr lang="en-US"/>
           </a:p>
@@ -15441,6 +15434,7 @@
   <p:clrMapOvr>
     <a:masterClrMapping/>
   </p:clrMapOvr>
+  <p:hf hdr="0" ftr="0" dt="0"/>
 </p:sldLayout>
 </file>
 
@@ -15497,7 +15491,6 @@
               <a:rPr lang="en-US"/>
               <a:t>Click to edit Master title style</a:t>
             </a:r>
-            <a:endParaRPr lang="en-US" dirty="0"/>
           </a:p>
         </p:txBody>
       </p:sp>
@@ -15568,7 +15561,6 @@
               <a:rPr lang="en-US"/>
               <a:t>Click icon to add picture</a:t>
             </a:r>
-            <a:endParaRPr lang="en-US" dirty="0"/>
           </a:p>
         </p:txBody>
       </p:sp>
@@ -15668,7 +15660,7 @@
           <a:p>
             <a:fld id="{336133E9-A654-4C17-8C3C-DDCAC83D6EBF}" type="datetime1">
               <a:rPr lang="en-US" smtClean="0"/>
-              <a:t>11/20/2022</a:t>
+              <a:t>11/21/2022</a:t>
             </a:fld>
             <a:endParaRPr lang="en-US"/>
           </a:p>
@@ -16589,6 +16581,7 @@
   <p:clrMapOvr>
     <a:masterClrMapping/>
   </p:clrMapOvr>
+  <p:hf hdr="0" ftr="0" dt="0"/>
 </p:sldLayout>
 </file>
 
@@ -16759,7 +16752,7 @@
           <a:lstStyle/>
           <a:p>
             <a:pPr algn="ctr"/>
-            <a:endParaRPr lang="en-US" dirty="0"/>
+            <a:endParaRPr lang="en-US"/>
           </a:p>
         </p:txBody>
       </p:sp>
@@ -17785,7 +17778,7 @@
             <a:lstStyle/>
             <a:p>
               <a:pPr algn="ctr"/>
-              <a:endParaRPr lang="en-US" dirty="0"/>
+              <a:endParaRPr lang="en-US"/>
             </a:p>
           </p:txBody>
         </p:sp>
@@ -17964,7 +17957,6 @@
               <a:rPr lang="en-US"/>
               <a:t>Click to edit Master title style</a:t>
             </a:r>
-            <a:endParaRPr lang="en-US" dirty="0"/>
           </a:p>
         </p:txBody>
       </p:sp>
@@ -18032,7 +18024,6 @@
               <a:rPr lang="en-US"/>
               <a:t>Fifth level</a:t>
             </a:r>
-            <a:endParaRPr lang="en-US" dirty="0"/>
           </a:p>
         </p:txBody>
       </p:sp>
@@ -18078,9 +18069,9 @@
           <a:p>
             <a:fld id="{8769D389-4C4C-4FD7-9E6B-9F44477F0EB8}" type="datetime1">
               <a:rPr lang="en-US" smtClean="0"/>
-              <a:t>11/20/2022</a:t>
+              <a:t>11/21/2022</a:t>
             </a:fld>
-            <a:endParaRPr lang="en-US" dirty="0"/>
+            <a:endParaRPr lang="en-US"/>
           </a:p>
         </p:txBody>
       </p:sp>
@@ -18197,7 +18188,7 @@
     <p:sldLayoutId id="2147483699" r:id="rId10"/>
     <p:sldLayoutId id="2147483701" r:id="rId11"/>
   </p:sldLayoutIdLst>
-  <p:hf sldNum="0" hdr="0" ftr="0" dt="0"/>
+  <p:hf hdr="0" ftr="0" dt="0"/>
   <p:txStyles>
     <p:titleStyle>
       <a:lvl1pPr algn="l" defTabSz="914400" rtl="0" eaLnBrk="1" latinLnBrk="0" hangingPunct="1">
@@ -18567,7 +18558,7 @@
           <a:bodyPr rtlCol="0" anchor="ctr"/>
           <a:lstStyle/>
           <a:p>
-            <a:endParaRPr lang="en-US" dirty="0"/>
+            <a:endParaRPr lang="en-US"/>
           </a:p>
         </p:txBody>
       </p:sp>
@@ -18630,7 +18621,7 @@
               </a:spcBef>
             </a:pPr>
             <a:r>
-              <a:rPr lang="en-US" dirty="0">
+              <a:rPr lang="en-US">
                 <a:solidFill>
                   <a:srgbClr val="FFFFFF"/>
                 </a:solidFill>
@@ -18638,10 +18629,10 @@
               <a:t>DyPyBench</a:t>
             </a:r>
             <a:br>
-              <a:rPr lang="en-US" dirty="0"/>
+              <a:rPr lang="en-US"/>
             </a:br>
             <a:r>
-              <a:rPr lang="en-US" sz="2800" dirty="0">
+              <a:rPr lang="en-US" sz="2800">
                 <a:solidFill>
                   <a:srgbClr val="FFFFFF"/>
                 </a:solidFill>
@@ -18675,7 +18666,7 @@
           <a:lstStyle/>
           <a:p>
             <a:r>
-              <a:rPr lang="en-US" dirty="0">
+              <a:rPr lang="en-US">
                 <a:solidFill>
                   <a:srgbClr val="FFFFFF"/>
                 </a:solidFill>
@@ -18685,7 +18676,7 @@
           </a:p>
           <a:p>
             <a:r>
-              <a:rPr lang="en-US" dirty="0">
+              <a:rPr lang="en-US">
                 <a:solidFill>
                   <a:srgbClr val="FFFFFF"/>
                 </a:solidFill>
@@ -18695,7 +18686,7 @@
           </a:p>
           <a:p>
             <a:r>
-              <a:rPr lang="en-US" dirty="0">
+              <a:rPr lang="en-US">
                 <a:solidFill>
                   <a:srgbClr val="FFFFFF"/>
                 </a:solidFill>
@@ -18703,7 +18694,7 @@
               <a:t>Supervisor: Islem </a:t>
             </a:r>
             <a:r>
-              <a:rPr lang="en-US" dirty="0" err="1">
+              <a:rPr lang="en-US" err="1">
                 <a:solidFill>
                   <a:srgbClr val="FFFFFF"/>
                 </a:solidFill>
@@ -19781,7 +19772,7 @@
           <a:lstStyle/>
           <a:p>
             <a:pPr algn="ctr"/>
-            <a:endParaRPr lang="en-US" dirty="0"/>
+            <a:endParaRPr lang="en-US"/>
           </a:p>
         </p:txBody>
       </p:sp>
@@ -20881,11 +20872,40 @@
             <a:lstStyle/>
             <a:p>
               <a:pPr algn="ctr"/>
-              <a:endParaRPr lang="en-US" dirty="0"/>
+              <a:endParaRPr lang="en-US"/>
             </a:p>
           </p:txBody>
         </p:sp>
       </p:grpSp>
+      <p:sp>
+        <p:nvSpPr>
+          <p:cNvPr id="5" name="Slide Number Placeholder 4">
+            <a:extLst>
+              <a:ext uri="{FF2B5EF4-FFF2-40B4-BE49-F238E27FC236}">
+                <a16:creationId xmlns:a16="http://schemas.microsoft.com/office/drawing/2014/main" id="{519BDBA2-AE1C-A30B-B5A8-DF72BEA8FF4C}"/>
+              </a:ext>
+            </a:extLst>
+          </p:cNvPr>
+          <p:cNvSpPr>
+            <a:spLocks noGrp="1"/>
+          </p:cNvSpPr>
+          <p:nvPr>
+            <p:ph type="sldNum" sz="quarter" idx="12"/>
+          </p:nvPr>
+        </p:nvSpPr>
+        <p:spPr/>
+        <p:txBody>
+          <a:bodyPr/>
+          <a:lstStyle/>
+          <a:p>
+            <a:fld id="{E1076ED0-0DB3-4879-AAE5-5C20D22C1DF4}" type="slidenum">
+              <a:rPr lang="en-US" smtClean="0"/>
+              <a:t>1</a:t>
+            </a:fld>
+            <a:endParaRPr lang="en-US"/>
+          </a:p>
+        </p:txBody>
+      </p:sp>
     </p:spTree>
     <p:extLst>
       <p:ext uri="{BB962C8B-B14F-4D97-AF65-F5344CB8AC3E}">
@@ -20900,6 +20920,188 @@
 </file>
 
 <file path=ppt/slides/slide10.xml><?xml version="1.0" encoding="utf-8"?>
+<p:sld xmlns:a="http://schemas.openxmlformats.org/drawingml/2006/main" xmlns:r="http://schemas.openxmlformats.org/officeDocument/2006/relationships" xmlns:p="http://schemas.openxmlformats.org/presentationml/2006/main">
+  <p:cSld>
+    <p:spTree>
+      <p:nvGrpSpPr>
+        <p:cNvPr id="1" name=""/>
+        <p:cNvGrpSpPr/>
+        <p:nvPr/>
+      </p:nvGrpSpPr>
+      <p:grpSpPr>
+        <a:xfrm>
+          <a:off x="0" y="0"/>
+          <a:ext cx="0" cy="0"/>
+          <a:chOff x="0" y="0"/>
+          <a:chExt cx="0" cy="0"/>
+        </a:xfrm>
+      </p:grpSpPr>
+      <p:sp>
+        <p:nvSpPr>
+          <p:cNvPr id="2" name="Title 1">
+            <a:extLst>
+              <a:ext uri="{FF2B5EF4-FFF2-40B4-BE49-F238E27FC236}">
+                <a16:creationId xmlns:a16="http://schemas.microsoft.com/office/drawing/2014/main" id="{A2E0A4C7-2365-53ED-6ECD-971BB99732B0}"/>
+              </a:ext>
+            </a:extLst>
+          </p:cNvPr>
+          <p:cNvSpPr>
+            <a:spLocks noGrp="1"/>
+          </p:cNvSpPr>
+          <p:nvPr>
+            <p:ph type="title"/>
+          </p:nvPr>
+        </p:nvSpPr>
+        <p:spPr/>
+        <p:txBody>
+          <a:bodyPr/>
+          <a:lstStyle/>
+          <a:p>
+            <a:r>
+              <a:rPr lang="en-US"/>
+              <a:t>Approach : Execution of Projects</a:t>
+            </a:r>
+          </a:p>
+        </p:txBody>
+      </p:sp>
+      <p:sp>
+        <p:nvSpPr>
+          <p:cNvPr id="3" name="Content Placeholder 2">
+            <a:extLst>
+              <a:ext uri="{FF2B5EF4-FFF2-40B4-BE49-F238E27FC236}">
+                <a16:creationId xmlns:a16="http://schemas.microsoft.com/office/drawing/2014/main" id="{A52A912C-8FDA-4718-45EA-095D8963E01E}"/>
+              </a:ext>
+            </a:extLst>
+          </p:cNvPr>
+          <p:cNvSpPr>
+            <a:spLocks noGrp="1"/>
+          </p:cNvSpPr>
+          <p:nvPr>
+            <p:ph idx="1"/>
+          </p:nvPr>
+        </p:nvSpPr>
+        <p:spPr/>
+        <p:txBody>
+          <a:bodyPr vert="horz" lIns="91440" tIns="45720" rIns="91440" bIns="45720" rtlCol="0" anchor="t">
+            <a:normAutofit/>
+          </a:bodyPr>
+          <a:lstStyle/>
+          <a:p>
+            <a:pPr marL="342900" indent="-342900">
+              <a:buChar char="•"/>
+            </a:pPr>
+            <a:r>
+              <a:rPr lang="en-US"/>
+              <a:t>Finding similarities and differences during setup and running of the selected python projects.</a:t>
+            </a:r>
+          </a:p>
+          <a:p>
+            <a:pPr marL="342900" indent="-342900">
+              <a:buChar char="•"/>
+            </a:pPr>
+            <a:r>
+              <a:rPr lang="en-US"/>
+              <a:t>Generic steps for setup and running of sample projects:</a:t>
+            </a:r>
+          </a:p>
+          <a:p>
+            <a:pPr marL="742950" lvl="2" indent="-285750">
+              <a:buChar char="•"/>
+            </a:pPr>
+            <a:r>
+              <a:rPr lang="en-US"/>
+              <a:t>Clone repository.</a:t>
+            </a:r>
+          </a:p>
+          <a:p>
+            <a:pPr marL="742950" lvl="2" indent="-285750">
+              <a:buChar char="•"/>
+            </a:pPr>
+            <a:r>
+              <a:rPr lang="en-US"/>
+              <a:t>Create and activate python virtual environment.</a:t>
+            </a:r>
+          </a:p>
+          <a:p>
+            <a:pPr marL="742950" lvl="2" indent="-285750">
+              <a:buChar char="•"/>
+            </a:pPr>
+            <a:r>
+              <a:rPr lang="en-US"/>
+              <a:t>Install requirements using pip or install the project using setup.py.</a:t>
+            </a:r>
+          </a:p>
+          <a:p>
+            <a:pPr marL="742950" lvl="2" indent="-285750">
+              <a:buChar char="•"/>
+            </a:pPr>
+            <a:r>
+              <a:rPr lang="en-US"/>
+              <a:t>Install </a:t>
+            </a:r>
+            <a:r>
+              <a:rPr lang="en-US" err="1"/>
+              <a:t>pytest</a:t>
+            </a:r>
+            <a:r>
+              <a:rPr lang="en-US"/>
+              <a:t> for testing.</a:t>
+            </a:r>
+          </a:p>
+          <a:p>
+            <a:pPr marL="742950" lvl="2" indent="-285750">
+              <a:buChar char="•"/>
+            </a:pPr>
+            <a:r>
+              <a:rPr lang="en-US"/>
+              <a:t>Run tests and observe result statistics such as number of test cases, success rate, time to run tests.</a:t>
+            </a:r>
+          </a:p>
+        </p:txBody>
+      </p:sp>
+      <p:sp>
+        <p:nvSpPr>
+          <p:cNvPr id="4" name="Slide Number Placeholder 3">
+            <a:extLst>
+              <a:ext uri="{FF2B5EF4-FFF2-40B4-BE49-F238E27FC236}">
+                <a16:creationId xmlns:a16="http://schemas.microsoft.com/office/drawing/2014/main" id="{6253C17F-7E2C-B943-8C08-1E60782496C0}"/>
+              </a:ext>
+            </a:extLst>
+          </p:cNvPr>
+          <p:cNvSpPr>
+            <a:spLocks noGrp="1"/>
+          </p:cNvSpPr>
+          <p:nvPr>
+            <p:ph type="sldNum" sz="quarter" idx="12"/>
+          </p:nvPr>
+        </p:nvSpPr>
+        <p:spPr/>
+        <p:txBody>
+          <a:bodyPr/>
+          <a:lstStyle/>
+          <a:p>
+            <a:fld id="{E1076ED0-0DB3-4879-AAE5-5C20D22C1DF4}" type="slidenum">
+              <a:rPr lang="en-US" smtClean="0"/>
+              <a:t>10</a:t>
+            </a:fld>
+            <a:endParaRPr lang="en-US"/>
+          </a:p>
+        </p:txBody>
+      </p:sp>
+    </p:spTree>
+    <p:extLst>
+      <p:ext uri="{BB962C8B-B14F-4D97-AF65-F5344CB8AC3E}">
+        <p14:creationId xmlns:p14="http://schemas.microsoft.com/office/powerpoint/2010/main" val="3611525401"/>
+      </p:ext>
+    </p:extLst>
+  </p:cSld>
+  <p:clrMapOvr>
+    <a:masterClrMapping/>
+  </p:clrMapOvr>
+</p:sld>
+</file>
+
+<file path=ppt/slides/slide11.xml><?xml version="1.0" encoding="utf-8"?>
 <p:sld xmlns:a="http://schemas.openxmlformats.org/drawingml/2006/main" xmlns:r="http://schemas.openxmlformats.org/officeDocument/2006/relationships" xmlns:p="http://schemas.openxmlformats.org/presentationml/2006/main">
   <p:cSld>
     <p:spTree>
@@ -20938,8 +21140,8 @@
           <a:lstStyle/>
           <a:p>
             <a:r>
-              <a:rPr lang="en-US" dirty="0"/>
-              <a:t>Comparison : Execution of Projects</a:t>
+              <a:rPr lang="en-US"/>
+              <a:t>Approach: Execution of Projects (example)</a:t>
             </a:r>
           </a:p>
         </p:txBody>
@@ -20966,7 +21168,7 @@
           <a:lstStyle/>
           <a:p>
             <a:r>
-              <a:rPr lang="en-US" dirty="0"/>
+              <a:rPr lang="en-US"/>
               <a:t>Python Robotics</a:t>
             </a:r>
           </a:p>
@@ -20999,7 +21201,7 @@
               <a:buChar char="•"/>
             </a:pPr>
             <a:r>
-              <a:rPr lang="en-US" dirty="0">
+              <a:rPr lang="en-US">
                 <a:solidFill>
                   <a:srgbClr val="0070C0"/>
                 </a:solidFill>
@@ -21014,7 +21216,7 @@
               <a:buChar char="•"/>
             </a:pPr>
             <a:r>
-              <a:rPr lang="en-US" dirty="0" err="1">
+              <a:rPr lang="en-US" err="1">
                 <a:solidFill>
                   <a:srgbClr val="0070C0"/>
                 </a:solidFill>
@@ -21024,7 +21226,7 @@
               <a:t>virtualenv</a:t>
             </a:r>
             <a:r>
-              <a:rPr lang="en-US" dirty="0">
+              <a:rPr lang="en-US">
                 <a:solidFill>
                   <a:srgbClr val="0070C0"/>
                 </a:solidFill>
@@ -21034,7 +21236,7 @@
               <a:t> </a:t>
             </a:r>
             <a:r>
-              <a:rPr lang="en-US" dirty="0" err="1">
+              <a:rPr lang="en-US" err="1">
                 <a:solidFill>
                   <a:srgbClr val="0070C0"/>
                 </a:solidFill>
@@ -21043,7 +21245,7 @@
               </a:rPr>
               <a:t>vm</a:t>
             </a:r>
-            <a:endParaRPr lang="en-US" dirty="0">
+            <a:endParaRPr lang="en-US">
               <a:solidFill>
                 <a:srgbClr val="000000"/>
               </a:solidFill>
@@ -21056,7 +21258,7 @@
               <a:buChar char="•"/>
             </a:pPr>
             <a:r>
-              <a:rPr lang="en-US" dirty="0">
+              <a:rPr lang="en-US">
                 <a:solidFill>
                   <a:srgbClr val="0070C0"/>
                 </a:solidFill>
@@ -21066,7 +21268,7 @@
               <a:t>source </a:t>
             </a:r>
             <a:r>
-              <a:rPr lang="en-US" dirty="0" err="1">
+              <a:rPr lang="en-US" err="1">
                 <a:solidFill>
                   <a:srgbClr val="0070C0"/>
                 </a:solidFill>
@@ -21076,7 +21278,7 @@
               <a:t>vm</a:t>
             </a:r>
             <a:r>
-              <a:rPr lang="en-US" dirty="0">
+              <a:rPr lang="en-US">
                 <a:solidFill>
                   <a:srgbClr val="0070C0"/>
                 </a:solidFill>
@@ -21091,7 +21293,7 @@
               <a:buChar char="•"/>
             </a:pPr>
             <a:r>
-              <a:rPr lang="en-US" dirty="0">
+              <a:rPr lang="en-US">
                 <a:solidFill>
                   <a:srgbClr val="FF0000"/>
                 </a:solidFill>
@@ -21106,7 +21308,7 @@
               <a:buChar char="•"/>
             </a:pPr>
             <a:r>
-              <a:rPr lang="en-US" dirty="0" err="1">
+              <a:rPr lang="en-US" err="1">
                 <a:solidFill>
                   <a:srgbClr val="0070C0"/>
                 </a:solidFill>
@@ -21116,7 +21318,7 @@
               <a:t>pytest</a:t>
             </a:r>
             <a:r>
-              <a:rPr lang="en-US" dirty="0">
+              <a:rPr lang="en-US">
                 <a:solidFill>
                   <a:srgbClr val="0070C0"/>
                 </a:solidFill>
@@ -21128,13 +21330,13 @@
           </a:p>
           <a:p>
             <a:r>
-              <a:rPr lang="en-US" b="1" dirty="0">
+              <a:rPr lang="en-US" b="1">
                 <a:ea typeface="+mn-lt"/>
                 <a:cs typeface="+mn-lt"/>
               </a:rPr>
               <a:t>103 tests in 314.54 seconds, failures = 0</a:t>
             </a:r>
-            <a:endParaRPr lang="en-US" dirty="0"/>
+            <a:endParaRPr lang="en-US"/>
           </a:p>
         </p:txBody>
       </p:sp>
@@ -21160,7 +21362,7 @@
           <a:lstStyle/>
           <a:p>
             <a:r>
-              <a:rPr lang="en-US" dirty="0"/>
+              <a:rPr lang="en-US"/>
               <a:t>Flask-Api</a:t>
             </a:r>
           </a:p>
@@ -21193,7 +21395,7 @@
               <a:buChar char="•"/>
             </a:pPr>
             <a:r>
-              <a:rPr lang="en-US" dirty="0">
+              <a:rPr lang="en-US">
                 <a:solidFill>
                   <a:srgbClr val="0070C0"/>
                 </a:solidFill>
@@ -21208,7 +21410,7 @@
               <a:buChar char="•"/>
             </a:pPr>
             <a:r>
-              <a:rPr lang="en-US" dirty="0" err="1">
+              <a:rPr lang="en-US" err="1">
                 <a:solidFill>
                   <a:srgbClr val="0070C0"/>
                 </a:solidFill>
@@ -21218,7 +21420,7 @@
               <a:t>virtualenv</a:t>
             </a:r>
             <a:r>
-              <a:rPr lang="en-US" dirty="0">
+              <a:rPr lang="en-US">
                 <a:solidFill>
                   <a:srgbClr val="0070C0"/>
                 </a:solidFill>
@@ -21228,7 +21430,7 @@
               <a:t> </a:t>
             </a:r>
             <a:r>
-              <a:rPr lang="en-US" dirty="0" err="1">
+              <a:rPr lang="en-US" err="1">
                 <a:solidFill>
                   <a:srgbClr val="0070C0"/>
                 </a:solidFill>
@@ -21237,7 +21439,7 @@
               </a:rPr>
               <a:t>vm</a:t>
             </a:r>
-            <a:endParaRPr lang="en-US" dirty="0">
+            <a:endParaRPr lang="en-US">
               <a:solidFill>
                 <a:srgbClr val="0070C0"/>
               </a:solidFill>
@@ -21250,7 +21452,7 @@
               <a:buChar char="•"/>
             </a:pPr>
             <a:r>
-              <a:rPr lang="en-US" dirty="0">
+              <a:rPr lang="en-US">
                 <a:solidFill>
                   <a:srgbClr val="0070C0"/>
                 </a:solidFill>
@@ -21260,7 +21462,7 @@
               <a:t>source </a:t>
             </a:r>
             <a:r>
-              <a:rPr lang="en-US" dirty="0" err="1">
+              <a:rPr lang="en-US" err="1">
                 <a:solidFill>
                   <a:srgbClr val="0070C0"/>
                 </a:solidFill>
@@ -21270,7 +21472,7 @@
               <a:t>vm</a:t>
             </a:r>
             <a:r>
-              <a:rPr lang="en-US" dirty="0">
+              <a:rPr lang="en-US">
                 <a:solidFill>
                   <a:srgbClr val="0070C0"/>
                 </a:solidFill>
@@ -21285,7 +21487,7 @@
               <a:buChar char="•"/>
             </a:pPr>
             <a:r>
-              <a:rPr lang="en-US" dirty="0">
+              <a:rPr lang="en-US">
                 <a:solidFill>
                   <a:srgbClr val="FF0000"/>
                 </a:solidFill>
@@ -21300,7 +21502,7 @@
               <a:buChar char="•"/>
             </a:pPr>
             <a:r>
-              <a:rPr lang="en-US" dirty="0">
+              <a:rPr lang="en-US">
                 <a:solidFill>
                   <a:srgbClr val="FF0000"/>
                 </a:solidFill>
@@ -21310,7 +21512,7 @@
               <a:t>pip install </a:t>
             </a:r>
             <a:r>
-              <a:rPr lang="en-US" dirty="0" err="1">
+              <a:rPr lang="en-US" err="1">
                 <a:solidFill>
                   <a:srgbClr val="FF0000"/>
                 </a:solidFill>
@@ -21319,7 +21521,7 @@
               </a:rPr>
               <a:t>pytest</a:t>
             </a:r>
-            <a:endParaRPr lang="en-US" dirty="0">
+            <a:endParaRPr lang="en-US">
               <a:solidFill>
                 <a:srgbClr val="FF0000"/>
               </a:solidFill>
@@ -21332,7 +21534,7 @@
               <a:buChar char="•"/>
             </a:pPr>
             <a:r>
-              <a:rPr lang="en-US" dirty="0" err="1">
+              <a:rPr lang="en-US" err="1">
                 <a:solidFill>
                   <a:srgbClr val="0070C0"/>
                 </a:solidFill>
@@ -21342,7 +21544,7 @@
               <a:t>pytest</a:t>
             </a:r>
             <a:r>
-              <a:rPr lang="en-US" dirty="0">
+              <a:rPr lang="en-US">
                 <a:solidFill>
                   <a:srgbClr val="0070C0"/>
                 </a:solidFill>
@@ -21352,7 +21554,7 @@
               <a:t> </a:t>
             </a:r>
             <a:r>
-              <a:rPr lang="en-US" dirty="0" err="1">
+              <a:rPr lang="en-US" err="1">
                 <a:solidFill>
                   <a:srgbClr val="0070C0"/>
                 </a:solidFill>
@@ -21362,7 +21564,7 @@
               <a:t>flask_api</a:t>
             </a:r>
             <a:r>
-              <a:rPr lang="en-US" dirty="0">
+              <a:rPr lang="en-US">
                 <a:solidFill>
                   <a:srgbClr val="0070C0"/>
                 </a:solidFill>
@@ -21374,16 +21576,45 @@
           </a:p>
           <a:p>
             <a:r>
-              <a:rPr lang="en-US" b="1" dirty="0">
+              <a:rPr lang="en-US" b="1">
                 <a:ea typeface="+mn-lt"/>
                 <a:cs typeface="+mn-lt"/>
               </a:rPr>
               <a:t>63 tests in 0.55 seconds, failures = 1</a:t>
             </a:r>
-            <a:endParaRPr lang="en-US" dirty="0">
+            <a:endParaRPr lang="en-US">
               <a:ea typeface="+mn-lt"/>
               <a:cs typeface="+mn-lt"/>
             </a:endParaRPr>
+          </a:p>
+        </p:txBody>
+      </p:sp>
+      <p:sp>
+        <p:nvSpPr>
+          <p:cNvPr id="7" name="Slide Number Placeholder 6">
+            <a:extLst>
+              <a:ext uri="{FF2B5EF4-FFF2-40B4-BE49-F238E27FC236}">
+                <a16:creationId xmlns:a16="http://schemas.microsoft.com/office/drawing/2014/main" id="{4C3F38BA-C90F-8BA3-7878-252E67D7AD5A}"/>
+              </a:ext>
+            </a:extLst>
+          </p:cNvPr>
+          <p:cNvSpPr>
+            <a:spLocks noGrp="1"/>
+          </p:cNvSpPr>
+          <p:nvPr>
+            <p:ph type="sldNum" sz="quarter" idx="12"/>
+          </p:nvPr>
+        </p:nvSpPr>
+        <p:spPr/>
+        <p:txBody>
+          <a:bodyPr/>
+          <a:lstStyle/>
+          <a:p>
+            <a:fld id="{E1076ED0-0DB3-4879-AAE5-5C20D22C1DF4}" type="slidenum">
+              <a:rPr lang="en-US" smtClean="0"/>
+              <a:t>11</a:t>
+            </a:fld>
+            <a:endParaRPr lang="en-US"/>
           </a:p>
         </p:txBody>
       </p:sp>
@@ -21400,7 +21631,7 @@
 </p:sld>
 </file>
 
-<file path=ppt/slides/slide11.xml><?xml version="1.0" encoding="utf-8"?>
+<file path=ppt/slides/slide12.xml><?xml version="1.0" encoding="utf-8"?>
 <p:sld xmlns:a="http://schemas.openxmlformats.org/drawingml/2006/main" xmlns:r="http://schemas.openxmlformats.org/officeDocument/2006/relationships" xmlns:p="http://schemas.openxmlformats.org/presentationml/2006/main">
   <p:cSld>
     <p:spTree>
@@ -21439,7 +21670,7 @@
           <a:lstStyle/>
           <a:p>
             <a:r>
-              <a:rPr lang="en-US" dirty="0"/>
+              <a:rPr lang="en-US"/>
               <a:t>Approach : Automation</a:t>
             </a:r>
           </a:p>
@@ -21472,8 +21703,8 @@
               <a:buChar char="•"/>
             </a:pPr>
             <a:r>
-              <a:rPr lang="en-US" dirty="0"/>
-              <a:t>Write scripts to automate all the steps involved in setting up the selected python projects.</a:t>
+              <a:rPr lang="en-US"/>
+              <a:t>Automate all the steps involved in setting up the selected python projects.</a:t>
             </a:r>
           </a:p>
           <a:p>
@@ -21481,8 +21712,8 @@
               <a:buChar char="•"/>
             </a:pPr>
             <a:r>
-              <a:rPr lang="en-US" dirty="0"/>
-              <a:t>Write scripts to automate the steps involved for running the selected python projects.</a:t>
+              <a:rPr lang="en-US"/>
+              <a:t>Automate the steps involved for executing the test suites of selected python projects.</a:t>
             </a:r>
           </a:p>
           <a:p>
@@ -21490,9 +21721,38 @@
               <a:buChar char="•"/>
             </a:pPr>
             <a:r>
-              <a:rPr lang="en-US" dirty="0"/>
-              <a:t>Write scripts to execute common steps automatically for any new python project.</a:t>
+              <a:rPr lang="en-US"/>
+              <a:t>Execute common steps automatically for executing tests of any new python project.</a:t>
             </a:r>
+          </a:p>
+        </p:txBody>
+      </p:sp>
+      <p:sp>
+        <p:nvSpPr>
+          <p:cNvPr id="4" name="Slide Number Placeholder 3">
+            <a:extLst>
+              <a:ext uri="{FF2B5EF4-FFF2-40B4-BE49-F238E27FC236}">
+                <a16:creationId xmlns:a16="http://schemas.microsoft.com/office/drawing/2014/main" id="{082CF88D-53DD-5A66-FB25-0C9B0CD32621}"/>
+              </a:ext>
+            </a:extLst>
+          </p:cNvPr>
+          <p:cNvSpPr>
+            <a:spLocks noGrp="1"/>
+          </p:cNvSpPr>
+          <p:nvPr>
+            <p:ph type="sldNum" sz="quarter" idx="12"/>
+          </p:nvPr>
+        </p:nvSpPr>
+        <p:spPr/>
+        <p:txBody>
+          <a:bodyPr/>
+          <a:lstStyle/>
+          <a:p>
+            <a:fld id="{E1076ED0-0DB3-4879-AAE5-5C20D22C1DF4}" type="slidenum">
+              <a:rPr lang="en-US" smtClean="0"/>
+              <a:t>12</a:t>
+            </a:fld>
+            <a:endParaRPr lang="en-US"/>
           </a:p>
         </p:txBody>
       </p:sp>
@@ -21509,7 +21769,7 @@
 </p:sld>
 </file>
 
-<file path=ppt/slides/slide12.xml><?xml version="1.0" encoding="utf-8"?>
+<file path=ppt/slides/slide13.xml><?xml version="1.0" encoding="utf-8"?>
 <p:sld xmlns:a="http://schemas.openxmlformats.org/drawingml/2006/main" xmlns:r="http://schemas.openxmlformats.org/officeDocument/2006/relationships" xmlns:p="http://schemas.openxmlformats.org/presentationml/2006/main">
   <p:cSld>
     <p:spTree>
@@ -21548,8 +21808,8 @@
           <a:lstStyle/>
           <a:p>
             <a:r>
-              <a:rPr lang="en-US" dirty="0"/>
-              <a:t>Approach : Creation of Framework</a:t>
+              <a:rPr lang="en-US"/>
+              <a:t>Result of Project : Creation of Framework</a:t>
             </a:r>
           </a:p>
         </p:txBody>
@@ -21581,7 +21841,7 @@
               <a:buChar char="•"/>
             </a:pPr>
             <a:r>
-              <a:rPr lang="en-US" dirty="0"/>
+              <a:rPr lang="en-US"/>
               <a:t>Create a framework for dynamic benchmarking.</a:t>
             </a:r>
           </a:p>
@@ -21590,7 +21850,7 @@
               <a:buChar char="•"/>
             </a:pPr>
             <a:r>
-              <a:rPr lang="en-US" dirty="0"/>
+              <a:rPr lang="en-US"/>
               <a:t>Framework should be able to run test cases for different python projects.</a:t>
             </a:r>
           </a:p>
@@ -21599,9 +21859,38 @@
               <a:buChar char="•"/>
             </a:pPr>
             <a:r>
-              <a:rPr lang="en-US" dirty="0"/>
+              <a:rPr lang="en-US"/>
               <a:t>Framework should be able to perform dynamic analysis of python projects.</a:t>
             </a:r>
+          </a:p>
+        </p:txBody>
+      </p:sp>
+      <p:sp>
+        <p:nvSpPr>
+          <p:cNvPr id="4" name="Slide Number Placeholder 3">
+            <a:extLst>
+              <a:ext uri="{FF2B5EF4-FFF2-40B4-BE49-F238E27FC236}">
+                <a16:creationId xmlns:a16="http://schemas.microsoft.com/office/drawing/2014/main" id="{398B6D05-2772-C3B1-6236-BCBB34B90251}"/>
+              </a:ext>
+            </a:extLst>
+          </p:cNvPr>
+          <p:cNvSpPr>
+            <a:spLocks noGrp="1"/>
+          </p:cNvSpPr>
+          <p:nvPr>
+            <p:ph type="sldNum" sz="quarter" idx="12"/>
+          </p:nvPr>
+        </p:nvSpPr>
+        <p:spPr/>
+        <p:txBody>
+          <a:bodyPr/>
+          <a:lstStyle/>
+          <a:p>
+            <a:fld id="{E1076ED0-0DB3-4879-AAE5-5C20D22C1DF4}" type="slidenum">
+              <a:rPr lang="en-US" smtClean="0"/>
+              <a:t>13</a:t>
+            </a:fld>
+            <a:endParaRPr lang="en-US"/>
           </a:p>
         </p:txBody>
       </p:sp>
@@ -21618,7 +21907,7 @@
 </p:sld>
 </file>
 
-<file path=ppt/slides/slide13.xml><?xml version="1.0" encoding="utf-8"?>
+<file path=ppt/slides/slide14.xml><?xml version="1.0" encoding="utf-8"?>
 <p:sld xmlns:a="http://schemas.openxmlformats.org/drawingml/2006/main" xmlns:r="http://schemas.openxmlformats.org/officeDocument/2006/relationships" xmlns:p="http://schemas.openxmlformats.org/presentationml/2006/main">
   <p:cSld>
     <p:spTree>
@@ -21657,8 +21946,8 @@
           <a:lstStyle/>
           <a:p>
             <a:r>
-              <a:rPr lang="en-US" dirty="0"/>
-              <a:t>Approach : Empirical Study</a:t>
+              <a:rPr lang="en-US"/>
+              <a:t>Evaluation : Empirical Study</a:t>
             </a:r>
           </a:p>
         </p:txBody>
@@ -21690,15 +21979,15 @@
               <a:buChar char="•"/>
             </a:pPr>
             <a:r>
-              <a:rPr lang="en-US" dirty="0"/>
+              <a:rPr lang="en-US"/>
               <a:t>Study dynamic properties of python using benchmark and </a:t>
             </a:r>
             <a:r>
-              <a:rPr lang="en-US" dirty="0" err="1"/>
+              <a:rPr lang="en-US" err="1"/>
               <a:t>DynaPyt</a:t>
             </a:r>
             <a:r>
-              <a:rPr lang="en-US" dirty="0"/>
+              <a:rPr lang="en-US"/>
               <a:t> framework.</a:t>
             </a:r>
           </a:p>
@@ -21707,7 +21996,7 @@
               <a:buChar char="•"/>
             </a:pPr>
             <a:r>
-              <a:rPr lang="en-US" dirty="0"/>
+              <a:rPr lang="en-US"/>
               <a:t>Some dynamic properties to be studied include:</a:t>
             </a:r>
           </a:p>
@@ -21716,7 +22005,7 @@
               <a:buChar char="•"/>
             </a:pPr>
             <a:r>
-              <a:rPr lang="en-US" dirty="0"/>
+              <a:rPr lang="en-US"/>
               <a:t>Objects</a:t>
             </a:r>
           </a:p>
@@ -21725,7 +22014,7 @@
               <a:buChar char="•"/>
             </a:pPr>
             <a:r>
-              <a:rPr lang="en-US" dirty="0"/>
+              <a:rPr lang="en-US"/>
               <a:t>Call Targets</a:t>
             </a:r>
           </a:p>
@@ -21734,9 +22023,38 @@
               <a:buChar char="•"/>
             </a:pPr>
             <a:r>
-              <a:rPr lang="en-US" dirty="0"/>
+              <a:rPr lang="en-US"/>
               <a:t>Variable usage</a:t>
             </a:r>
+          </a:p>
+        </p:txBody>
+      </p:sp>
+      <p:sp>
+        <p:nvSpPr>
+          <p:cNvPr id="4" name="Slide Number Placeholder 3">
+            <a:extLst>
+              <a:ext uri="{FF2B5EF4-FFF2-40B4-BE49-F238E27FC236}">
+                <a16:creationId xmlns:a16="http://schemas.microsoft.com/office/drawing/2014/main" id="{7B49CDB6-C495-0773-59AD-56ABE23BA5EE}"/>
+              </a:ext>
+            </a:extLst>
+          </p:cNvPr>
+          <p:cNvSpPr>
+            <a:spLocks noGrp="1"/>
+          </p:cNvSpPr>
+          <p:nvPr>
+            <p:ph type="sldNum" sz="quarter" idx="12"/>
+          </p:nvPr>
+        </p:nvSpPr>
+        <p:spPr/>
+        <p:txBody>
+          <a:bodyPr/>
+          <a:lstStyle/>
+          <a:p>
+            <a:fld id="{E1076ED0-0DB3-4879-AAE5-5C20D22C1DF4}" type="slidenum">
+              <a:rPr lang="en-US" smtClean="0"/>
+              <a:t>14</a:t>
+            </a:fld>
+            <a:endParaRPr lang="en-US"/>
           </a:p>
         </p:txBody>
       </p:sp>
@@ -21753,7 +22071,7 @@
 </p:sld>
 </file>
 
-<file path=ppt/slides/slide14.xml><?xml version="1.0" encoding="utf-8"?>
+<file path=ppt/slides/slide15.xml><?xml version="1.0" encoding="utf-8"?>
 <p:sld xmlns:a="http://schemas.openxmlformats.org/drawingml/2006/main" xmlns:r="http://schemas.openxmlformats.org/officeDocument/2006/relationships" xmlns:p="http://schemas.openxmlformats.org/presentationml/2006/main">
   <p:cSld>
     <p:spTree>
@@ -21792,7 +22110,7 @@
           <a:lstStyle/>
           <a:p>
             <a:r>
-              <a:rPr lang="en-US" dirty="0"/>
+              <a:rPr lang="en-US"/>
               <a:t>Current Status</a:t>
             </a:r>
           </a:p>
@@ -21829,6 +22147,35 @@
           </a:graphicData>
         </a:graphic>
       </p:graphicFrame>
+      <p:sp>
+        <p:nvSpPr>
+          <p:cNvPr id="34" name="Slide Number Placeholder 33">
+            <a:extLst>
+              <a:ext uri="{FF2B5EF4-FFF2-40B4-BE49-F238E27FC236}">
+                <a16:creationId xmlns:a16="http://schemas.microsoft.com/office/drawing/2014/main" id="{4413B2AB-3147-EEAB-3ABE-86963A9B483D}"/>
+              </a:ext>
+            </a:extLst>
+          </p:cNvPr>
+          <p:cNvSpPr>
+            <a:spLocks noGrp="1"/>
+          </p:cNvSpPr>
+          <p:nvPr>
+            <p:ph type="sldNum" sz="quarter" idx="12"/>
+          </p:nvPr>
+        </p:nvSpPr>
+        <p:spPr/>
+        <p:txBody>
+          <a:bodyPr/>
+          <a:lstStyle/>
+          <a:p>
+            <a:fld id="{E1076ED0-0DB3-4879-AAE5-5C20D22C1DF4}" type="slidenum">
+              <a:rPr lang="en-US" smtClean="0"/>
+              <a:t>15</a:t>
+            </a:fld>
+            <a:endParaRPr lang="en-US"/>
+          </a:p>
+        </p:txBody>
+      </p:sp>
     </p:spTree>
     <p:extLst>
       <p:ext uri="{BB962C8B-B14F-4D97-AF65-F5344CB8AC3E}">
@@ -21842,7 +22189,7 @@
 </p:sld>
 </file>
 
-<file path=ppt/slides/slide15.xml><?xml version="1.0" encoding="utf-8"?>
+<file path=ppt/slides/slide16.xml><?xml version="1.0" encoding="utf-8"?>
 <p:sld xmlns:a="http://schemas.openxmlformats.org/drawingml/2006/main" xmlns:r="http://schemas.openxmlformats.org/officeDocument/2006/relationships" xmlns:p="http://schemas.openxmlformats.org/presentationml/2006/main">
   <p:cSld>
     <p:spTree>
@@ -21891,11 +22238,40 @@
           <a:lstStyle/>
           <a:p>
             <a:r>
-              <a:rPr lang="en-US" sz="4000" b="1" i="1" dirty="0">
+              <a:rPr lang="en-US" sz="4000" b="1" i="1">
                 <a:latin typeface="Georgia Pro Semibold"/>
               </a:rPr>
               <a:t>Questions and Suggestions ?</a:t>
             </a:r>
+          </a:p>
+        </p:txBody>
+      </p:sp>
+      <p:sp>
+        <p:nvSpPr>
+          <p:cNvPr id="3" name="Slide Number Placeholder 2">
+            <a:extLst>
+              <a:ext uri="{FF2B5EF4-FFF2-40B4-BE49-F238E27FC236}">
+                <a16:creationId xmlns:a16="http://schemas.microsoft.com/office/drawing/2014/main" id="{1898B3A1-B98B-9A6D-D16F-7F485D8C151A}"/>
+              </a:ext>
+            </a:extLst>
+          </p:cNvPr>
+          <p:cNvSpPr>
+            <a:spLocks noGrp="1"/>
+          </p:cNvSpPr>
+          <p:nvPr>
+            <p:ph type="sldNum" sz="quarter" idx="12"/>
+          </p:nvPr>
+        </p:nvSpPr>
+        <p:spPr/>
+        <p:txBody>
+          <a:bodyPr/>
+          <a:lstStyle/>
+          <a:p>
+            <a:fld id="{E1076ED0-0DB3-4879-AAE5-5C20D22C1DF4}" type="slidenum">
+              <a:rPr lang="en-US" smtClean="0"/>
+              <a:t>16</a:t>
+            </a:fld>
+            <a:endParaRPr lang="en-US"/>
           </a:p>
         </p:txBody>
       </p:sp>
@@ -21912,7 +22288,7 @@
 </p:sld>
 </file>
 
-<file path=ppt/slides/slide16.xml><?xml version="1.0" encoding="utf-8"?>
+<file path=ppt/slides/slide17.xml><?xml version="1.0" encoding="utf-8"?>
 <p:sld xmlns:a="http://schemas.openxmlformats.org/drawingml/2006/main" xmlns:r="http://schemas.openxmlformats.org/officeDocument/2006/relationships" xmlns:p="http://schemas.openxmlformats.org/presentationml/2006/main">
   <p:cSld>
     <p:spTree>
@@ -21961,11 +22337,40 @@
           <a:lstStyle/>
           <a:p>
             <a:r>
-              <a:rPr lang="en-US" sz="4000" i="1" dirty="0">
+              <a:rPr lang="en-US" sz="4000" i="1">
                 <a:latin typeface="Georgia Pro Semibold"/>
               </a:rPr>
               <a:t>Thank You</a:t>
             </a:r>
+          </a:p>
+        </p:txBody>
+      </p:sp>
+      <p:sp>
+        <p:nvSpPr>
+          <p:cNvPr id="3" name="Slide Number Placeholder 2">
+            <a:extLst>
+              <a:ext uri="{FF2B5EF4-FFF2-40B4-BE49-F238E27FC236}">
+                <a16:creationId xmlns:a16="http://schemas.microsoft.com/office/drawing/2014/main" id="{A0E97AF2-B2EA-3864-7870-43142BF506F4}"/>
+              </a:ext>
+            </a:extLst>
+          </p:cNvPr>
+          <p:cNvSpPr>
+            <a:spLocks noGrp="1"/>
+          </p:cNvSpPr>
+          <p:nvPr>
+            <p:ph type="sldNum" sz="quarter" idx="12"/>
+          </p:nvPr>
+        </p:nvSpPr>
+        <p:spPr/>
+        <p:txBody>
+          <a:bodyPr/>
+          <a:lstStyle/>
+          <a:p>
+            <a:fld id="{E1076ED0-0DB3-4879-AAE5-5C20D22C1DF4}" type="slidenum">
+              <a:rPr lang="en-US" smtClean="0"/>
+              <a:t>17</a:t>
+            </a:fld>
+            <a:endParaRPr lang="en-US"/>
           </a:p>
         </p:txBody>
       </p:sp>
@@ -22021,8 +22426,8 @@
           <a:lstStyle/>
           <a:p>
             <a:r>
-              <a:rPr lang="en-US" dirty="0"/>
-              <a:t>Introduction (1)</a:t>
+              <a:rPr lang="en-US"/>
+              <a:t>Introduction : Background and Motivation</a:t>
             </a:r>
           </a:p>
         </p:txBody>
@@ -22054,7 +22459,7 @@
               <a:buChar char="•"/>
             </a:pPr>
             <a:r>
-              <a:rPr lang="en-US" dirty="0"/>
+              <a:rPr lang="en-US"/>
               <a:t>What is Benchmarking?</a:t>
             </a:r>
           </a:p>
@@ -22063,8 +22468,15 @@
               <a:buChar char="•"/>
             </a:pPr>
             <a:r>
-              <a:rPr lang="en-US" dirty="0"/>
-              <a:t>SPEC benchmarks.</a:t>
+              <a:rPr lang="en-US"/>
+              <a:t>SPEC benchmarks. (</a:t>
+            </a:r>
+            <a:r>
+              <a:rPr lang="en-US">
+                <a:ea typeface="+mn-lt"/>
+                <a:cs typeface="+mn-lt"/>
+              </a:rPr>
+              <a:t>https://www.spec.org/benchmarks.html) </a:t>
             </a:r>
           </a:p>
           <a:p>
@@ -22072,8 +22484,15 @@
               <a:buChar char="•"/>
             </a:pPr>
             <a:r>
-              <a:rPr lang="en-US" dirty="0"/>
-              <a:t>DaCapo Benchmark.</a:t>
+              <a:rPr lang="en-US"/>
+              <a:t>DaCapo Benchmark. (</a:t>
+            </a:r>
+            <a:r>
+              <a:rPr lang="en-US">
+                <a:ea typeface="+mn-lt"/>
+                <a:cs typeface="+mn-lt"/>
+              </a:rPr>
+              <a:t>https://www.dacapobench.org/)</a:t>
             </a:r>
           </a:p>
           <a:p>
@@ -22081,57 +22500,13 @@
               <a:buChar char="•"/>
             </a:pPr>
             <a:r>
-              <a:rPr lang="en-US" dirty="0"/>
+              <a:rPr lang="en-US"/>
               <a:t>Why a Dynamic Benchmark?</a:t>
             </a:r>
-          </a:p>
-          <a:p>
-            <a:pPr marL="342900" indent="-342900">
-              <a:buChar char="•"/>
-            </a:pPr>
-            <a:r>
-              <a:rPr lang="en-US" dirty="0"/>
-              <a:t>Challenges faced in dynamic benchmarking</a:t>
-            </a:r>
-          </a:p>
-          <a:p>
-            <a:pPr marL="742950" lvl="2" indent="-285750">
-              <a:buFont typeface="Arial,Sans-Serif" panose="020B0604020202020204" pitchFamily="34" charset="0"/>
-              <a:buChar char="•"/>
-            </a:pPr>
-            <a:r>
-              <a:rPr lang="en-US" dirty="0">
-                <a:ea typeface="+mn-lt"/>
-                <a:cs typeface="+mn-lt"/>
-              </a:rPr>
-              <a:t>Time for setting up projects.</a:t>
-            </a:r>
-          </a:p>
-          <a:p>
-            <a:pPr marL="742950" lvl="2" indent="-285750">
-              <a:buFont typeface="Arial,Sans-Serif" panose="020B0604020202020204" pitchFamily="34" charset="0"/>
-              <a:buChar char="•"/>
-            </a:pPr>
-            <a:r>
-              <a:rPr lang="en-US" dirty="0">
-                <a:ea typeface="+mn-lt"/>
-                <a:cs typeface="+mn-lt"/>
-              </a:rPr>
-              <a:t>Different versions, dependencies and steps involved.</a:t>
-            </a:r>
-          </a:p>
-          <a:p>
-            <a:pPr marL="742950" lvl="2" indent="-285750">
-              <a:buFont typeface="Arial,Sans-Serif" panose="020B0604020202020204" pitchFamily="34" charset="0"/>
-              <a:buChar char="•"/>
-            </a:pPr>
-            <a:r>
-              <a:rPr lang="en-US" dirty="0">
-                <a:ea typeface="+mn-lt"/>
-                <a:cs typeface="+mn-lt"/>
-              </a:rPr>
-              <a:t>Time for running test cases.</a:t>
-            </a:r>
+            <a:endParaRPr lang="en-US">
+              <a:ea typeface="+mn-lt"/>
+              <a:cs typeface="+mn-lt"/>
+            </a:endParaRPr>
           </a:p>
         </p:txBody>
       </p:sp>
@@ -22149,7 +22524,7 @@
         </p:nvSpPr>
         <p:spPr>
           <a:xfrm>
-            <a:off x="523301" y="5857301"/>
+            <a:off x="550843" y="4728072"/>
             <a:ext cx="9141359" cy="400110"/>
           </a:xfrm>
           <a:prstGeom prst="rect">
@@ -22167,13 +22542,42 @@
           <a:lstStyle/>
           <a:p>
             <a:r>
-              <a:rPr lang="en-US" sz="2000" b="1" dirty="0">
+              <a:rPr lang="en-US" sz="2000" b="1">
                 <a:ea typeface="+mn-lt"/>
                 <a:cs typeface="+mn-lt"/>
               </a:rPr>
               <a:t>We choose Python since it does not have a dynamic benchmark.</a:t>
             </a:r>
             <a:endParaRPr lang="en-US" sz="2000" b="1"/>
+          </a:p>
+        </p:txBody>
+      </p:sp>
+      <p:sp>
+        <p:nvSpPr>
+          <p:cNvPr id="5" name="Slide Number Placeholder 4">
+            <a:extLst>
+              <a:ext uri="{FF2B5EF4-FFF2-40B4-BE49-F238E27FC236}">
+                <a16:creationId xmlns:a16="http://schemas.microsoft.com/office/drawing/2014/main" id="{F9346698-AEA3-33FA-54BC-92631D18F097}"/>
+              </a:ext>
+            </a:extLst>
+          </p:cNvPr>
+          <p:cNvSpPr>
+            <a:spLocks noGrp="1"/>
+          </p:cNvSpPr>
+          <p:nvPr>
+            <p:ph type="sldNum" sz="quarter" idx="12"/>
+          </p:nvPr>
+        </p:nvSpPr>
+        <p:spPr/>
+        <p:txBody>
+          <a:bodyPr/>
+          <a:lstStyle/>
+          <a:p>
+            <a:fld id="{E1076ED0-0DB3-4879-AAE5-5C20D22C1DF4}" type="slidenum">
+              <a:rPr lang="en-US" smtClean="0"/>
+              <a:t>2</a:t>
+            </a:fld>
+            <a:endParaRPr lang="en-US"/>
           </a:p>
         </p:txBody>
       </p:sp>
@@ -22212,6 +22616,172 @@
           <p:cNvPr id="2" name="Title 1">
             <a:extLst>
               <a:ext uri="{FF2B5EF4-FFF2-40B4-BE49-F238E27FC236}">
+                <a16:creationId xmlns:a16="http://schemas.microsoft.com/office/drawing/2014/main" id="{FB8F192E-3E2A-26F1-4C1C-82B43D03D0AF}"/>
+              </a:ext>
+            </a:extLst>
+          </p:cNvPr>
+          <p:cNvSpPr>
+            <a:spLocks noGrp="1"/>
+          </p:cNvSpPr>
+          <p:nvPr>
+            <p:ph type="title"/>
+          </p:nvPr>
+        </p:nvSpPr>
+        <p:spPr/>
+        <p:txBody>
+          <a:bodyPr/>
+          <a:lstStyle/>
+          <a:p>
+            <a:r>
+              <a:rPr lang="en-US"/>
+              <a:t>Introduction : Challenges</a:t>
+            </a:r>
+          </a:p>
+        </p:txBody>
+      </p:sp>
+      <p:sp>
+        <p:nvSpPr>
+          <p:cNvPr id="3" name="Content Placeholder 2">
+            <a:extLst>
+              <a:ext uri="{FF2B5EF4-FFF2-40B4-BE49-F238E27FC236}">
+                <a16:creationId xmlns:a16="http://schemas.microsoft.com/office/drawing/2014/main" id="{82CE9B51-3FB1-9B9A-0C2E-1865350126C9}"/>
+              </a:ext>
+            </a:extLst>
+          </p:cNvPr>
+          <p:cNvSpPr>
+            <a:spLocks noGrp="1"/>
+          </p:cNvSpPr>
+          <p:nvPr>
+            <p:ph idx="1"/>
+          </p:nvPr>
+        </p:nvSpPr>
+        <p:spPr/>
+        <p:txBody>
+          <a:bodyPr vert="horz" lIns="91440" tIns="45720" rIns="91440" bIns="45720" rtlCol="0" anchor="t">
+            <a:normAutofit/>
+          </a:bodyPr>
+          <a:lstStyle/>
+          <a:p>
+            <a:pPr marL="342900" indent="-342900">
+              <a:buFont typeface="Arial,Sans-Serif"/>
+              <a:buChar char="•"/>
+            </a:pPr>
+            <a:r>
+              <a:rPr lang="en-US">
+                <a:ea typeface="+mn-lt"/>
+                <a:cs typeface="+mn-lt"/>
+              </a:rPr>
+              <a:t>Challenges faced in dynamic benchmarking</a:t>
+            </a:r>
+          </a:p>
+          <a:p>
+            <a:pPr marL="742950" lvl="2" indent="-285750">
+              <a:buFont typeface="Arial,Sans-Serif"/>
+              <a:buChar char="•"/>
+            </a:pPr>
+            <a:r>
+              <a:rPr lang="en-US">
+                <a:ea typeface="+mn-lt"/>
+                <a:cs typeface="+mn-lt"/>
+              </a:rPr>
+              <a:t>Time for setting up projects.</a:t>
+            </a:r>
+          </a:p>
+          <a:p>
+            <a:pPr marL="742950" lvl="2" indent="-285750">
+              <a:buFont typeface="Arial,Sans-Serif"/>
+              <a:buChar char="•"/>
+            </a:pPr>
+            <a:r>
+              <a:rPr lang="en-US">
+                <a:ea typeface="+mn-lt"/>
+                <a:cs typeface="+mn-lt"/>
+              </a:rPr>
+              <a:t>Different versions, dependencies and steps involved.</a:t>
+            </a:r>
+          </a:p>
+          <a:p>
+            <a:pPr marL="742950" lvl="2" indent="-285750">
+              <a:buFont typeface="Arial,Sans-Serif"/>
+              <a:buChar char="•"/>
+            </a:pPr>
+            <a:r>
+              <a:rPr lang="en-US">
+                <a:ea typeface="+mn-lt"/>
+                <a:cs typeface="+mn-lt"/>
+              </a:rPr>
+              <a:t>Time for running test cases.</a:t>
+            </a:r>
+          </a:p>
+          <a:p>
+            <a:endParaRPr lang="en-US"/>
+          </a:p>
+        </p:txBody>
+      </p:sp>
+      <p:sp>
+        <p:nvSpPr>
+          <p:cNvPr id="4" name="Slide Number Placeholder 3">
+            <a:extLst>
+              <a:ext uri="{FF2B5EF4-FFF2-40B4-BE49-F238E27FC236}">
+                <a16:creationId xmlns:a16="http://schemas.microsoft.com/office/drawing/2014/main" id="{050BE1DD-5C64-EA59-1AC7-042ED9E79414}"/>
+              </a:ext>
+            </a:extLst>
+          </p:cNvPr>
+          <p:cNvSpPr>
+            <a:spLocks noGrp="1"/>
+          </p:cNvSpPr>
+          <p:nvPr>
+            <p:ph type="sldNum" sz="quarter" idx="12"/>
+          </p:nvPr>
+        </p:nvSpPr>
+        <p:spPr/>
+        <p:txBody>
+          <a:bodyPr/>
+          <a:lstStyle/>
+          <a:p>
+            <a:fld id="{E1076ED0-0DB3-4879-AAE5-5C20D22C1DF4}" type="slidenum">
+              <a:rPr lang="en-US" smtClean="0"/>
+              <a:t>3</a:t>
+            </a:fld>
+            <a:endParaRPr lang="en-US"/>
+          </a:p>
+        </p:txBody>
+      </p:sp>
+    </p:spTree>
+    <p:extLst>
+      <p:ext uri="{BB962C8B-B14F-4D97-AF65-F5344CB8AC3E}">
+        <p14:creationId xmlns:p14="http://schemas.microsoft.com/office/powerpoint/2010/main" val="213732515"/>
+      </p:ext>
+    </p:extLst>
+  </p:cSld>
+  <p:clrMapOvr>
+    <a:masterClrMapping/>
+  </p:clrMapOvr>
+</p:sld>
+</file>
+
+<file path=ppt/slides/slide4.xml><?xml version="1.0" encoding="utf-8"?>
+<p:sld xmlns:a="http://schemas.openxmlformats.org/drawingml/2006/main" xmlns:r="http://schemas.openxmlformats.org/officeDocument/2006/relationships" xmlns:p="http://schemas.openxmlformats.org/presentationml/2006/main">
+  <p:cSld>
+    <p:spTree>
+      <p:nvGrpSpPr>
+        <p:cNvPr id="1" name=""/>
+        <p:cNvGrpSpPr/>
+        <p:nvPr/>
+      </p:nvGrpSpPr>
+      <p:grpSpPr>
+        <a:xfrm>
+          <a:off x="0" y="0"/>
+          <a:ext cx="0" cy="0"/>
+          <a:chOff x="0" y="0"/>
+          <a:chExt cx="0" cy="0"/>
+        </a:xfrm>
+      </p:grpSpPr>
+      <p:sp>
+        <p:nvSpPr>
+          <p:cNvPr id="2" name="Title 1">
+            <a:extLst>
+              <a:ext uri="{FF2B5EF4-FFF2-40B4-BE49-F238E27FC236}">
                 <a16:creationId xmlns:a16="http://schemas.microsoft.com/office/drawing/2014/main" id="{44ED04F5-FEA8-AF0D-9118-6BE9B2D52D28}"/>
               </a:ext>
             </a:extLst>
@@ -22229,8 +22799,8 @@
           <a:lstStyle/>
           <a:p>
             <a:r>
-              <a:rPr lang="en-US" dirty="0"/>
-              <a:t>Introduction (2)</a:t>
+              <a:rPr lang="en-US"/>
+              <a:t>Introduction : Proposal</a:t>
             </a:r>
           </a:p>
         </p:txBody>
@@ -22263,7 +22833,7 @@
             </a:pPr>
             <a:r>
               <a:rPr lang="en-US" dirty="0"/>
-              <a:t>With this project, we try to solve the challenges faced in dynamic benchmarking of Python.</a:t>
+              <a:t>With this project, we aim to solve the challenges faced in execution of Python projects and focus on performing dynamic benchmarking.</a:t>
             </a:r>
           </a:p>
           <a:p>
@@ -22336,7 +22906,36 @@
             <a:pPr marL="742950" lvl="2" indent="-285750">
               <a:buChar char="•"/>
             </a:pPr>
-            <a:endParaRPr lang="en-US" dirty="0"/>
+            <a:endParaRPr lang="en-US"/>
+          </a:p>
+        </p:txBody>
+      </p:sp>
+      <p:sp>
+        <p:nvSpPr>
+          <p:cNvPr id="4" name="Slide Number Placeholder 3">
+            <a:extLst>
+              <a:ext uri="{FF2B5EF4-FFF2-40B4-BE49-F238E27FC236}">
+                <a16:creationId xmlns:a16="http://schemas.microsoft.com/office/drawing/2014/main" id="{8DFBFC77-B743-1ACE-7FE1-F92DEC8A6572}"/>
+              </a:ext>
+            </a:extLst>
+          </p:cNvPr>
+          <p:cNvSpPr>
+            <a:spLocks noGrp="1"/>
+          </p:cNvSpPr>
+          <p:nvPr>
+            <p:ph type="sldNum" sz="quarter" idx="12"/>
+          </p:nvPr>
+        </p:nvSpPr>
+        <p:spPr/>
+        <p:txBody>
+          <a:bodyPr/>
+          <a:lstStyle/>
+          <a:p>
+            <a:fld id="{E1076ED0-0DB3-4879-AAE5-5C20D22C1DF4}" type="slidenum">
+              <a:rPr lang="en-US" smtClean="0"/>
+              <a:t>4</a:t>
+            </a:fld>
+            <a:endParaRPr lang="en-US"/>
           </a:p>
         </p:txBody>
       </p:sp>
@@ -22353,7 +22952,7 @@
 </p:sld>
 </file>
 
-<file path=ppt/slides/slide4.xml><?xml version="1.0" encoding="utf-8"?>
+<file path=ppt/slides/slide5.xml><?xml version="1.0" encoding="utf-8"?>
 <p:sld xmlns:a="http://schemas.openxmlformats.org/drawingml/2006/main" xmlns:r="http://schemas.openxmlformats.org/officeDocument/2006/relationships" xmlns:p="http://schemas.openxmlformats.org/presentationml/2006/main">
   <p:cSld>
     <p:spTree>
@@ -22393,7 +22992,7 @@
           <a:p>
             <a:r>
               <a:rPr lang="en-US" dirty="0"/>
-              <a:t>Tasks</a:t>
+              <a:t>Introduction : Tasks Involved</a:t>
             </a:r>
           </a:p>
         </p:txBody>
@@ -22425,8 +23024,8 @@
               <a:buChar char="•"/>
             </a:pPr>
             <a:r>
-              <a:rPr lang="en-US" dirty="0"/>
-              <a:t>Gathering a set of 20 to 30 popular and diverse python projects and execute their code and test suites.</a:t>
+              <a:rPr lang="en-US"/>
+              <a:t>Gathering a set of 50 to 100 popular and diverse python projects and execute their code and test suites.</a:t>
             </a:r>
           </a:p>
           <a:p>
@@ -22434,7 +23033,7 @@
               <a:buChar char="•"/>
             </a:pPr>
             <a:r>
-              <a:rPr lang="en-US" dirty="0"/>
+              <a:rPr lang="en-US"/>
               <a:t>Design and implement a benchmark with a unique interface to setup, run and analyze different python projects.</a:t>
             </a:r>
           </a:p>
@@ -22443,17 +23042,46 @@
               <a:buChar char="•"/>
             </a:pPr>
             <a:r>
-              <a:rPr lang="en-US" dirty="0"/>
+              <a:rPr lang="en-US"/>
               <a:t>Perform empirical study of dynamic features, call targets, objects and other features of Python using the benchmark and </a:t>
             </a:r>
             <a:r>
-              <a:rPr lang="en-US" dirty="0" err="1"/>
+              <a:rPr lang="en-US" err="1"/>
               <a:t>DynaPyt</a:t>
             </a:r>
             <a:r>
-              <a:rPr lang="en-US" dirty="0"/>
+              <a:rPr lang="en-US"/>
               <a:t> framework. </a:t>
             </a:r>
+          </a:p>
+        </p:txBody>
+      </p:sp>
+      <p:sp>
+        <p:nvSpPr>
+          <p:cNvPr id="4" name="Slide Number Placeholder 3">
+            <a:extLst>
+              <a:ext uri="{FF2B5EF4-FFF2-40B4-BE49-F238E27FC236}">
+                <a16:creationId xmlns:a16="http://schemas.microsoft.com/office/drawing/2014/main" id="{025EAE19-3954-E27C-03D7-170F680D698B}"/>
+              </a:ext>
+            </a:extLst>
+          </p:cNvPr>
+          <p:cNvSpPr>
+            <a:spLocks noGrp="1"/>
+          </p:cNvSpPr>
+          <p:nvPr>
+            <p:ph type="sldNum" sz="quarter" idx="12"/>
+          </p:nvPr>
+        </p:nvSpPr>
+        <p:spPr/>
+        <p:txBody>
+          <a:bodyPr/>
+          <a:lstStyle/>
+          <a:p>
+            <a:fld id="{E1076ED0-0DB3-4879-AAE5-5C20D22C1DF4}" type="slidenum">
+              <a:rPr lang="en-US" smtClean="0"/>
+              <a:t>5</a:t>
+            </a:fld>
+            <a:endParaRPr lang="en-US"/>
           </a:p>
         </p:txBody>
       </p:sp>
@@ -22470,7 +23098,7 @@
 </p:sld>
 </file>
 
-<file path=ppt/slides/slide5.xml><?xml version="1.0" encoding="utf-8"?>
+<file path=ppt/slides/slide6.xml><?xml version="1.0" encoding="utf-8"?>
 <p:sld xmlns:a="http://schemas.openxmlformats.org/drawingml/2006/main" xmlns:r="http://schemas.openxmlformats.org/officeDocument/2006/relationships" xmlns:p="http://schemas.openxmlformats.org/presentationml/2006/main">
   <p:cSld>
     <p:bg>
@@ -22566,7 +23194,7 @@
           <a:bodyPr rtlCol="0" anchor="ctr"/>
           <a:lstStyle/>
           <a:p>
-            <a:endParaRPr lang="en-US" dirty="0"/>
+            <a:endParaRPr lang="en-US"/>
           </a:p>
         </p:txBody>
       </p:sp>
@@ -22749,7 +23377,7 @@
           <a:lstStyle/>
           <a:p>
             <a:r>
-              <a:rPr lang="en-US" dirty="0"/>
+              <a:rPr lang="en-US"/>
               <a:t>Approach</a:t>
             </a:r>
           </a:p>
@@ -23824,7 +24452,7 @@
           <a:lstStyle/>
           <a:p>
             <a:pPr algn="ctr"/>
-            <a:endParaRPr lang="en-US" dirty="0"/>
+            <a:endParaRPr lang="en-US"/>
           </a:p>
         </p:txBody>
       </p:sp>
@@ -24924,7 +25552,7 @@
             <a:lstStyle/>
             <a:p>
               <a:pPr algn="ctr"/>
-              <a:endParaRPr lang="en-US" dirty="0"/>
+              <a:endParaRPr lang="en-US"/>
             </a:p>
           </p:txBody>
         </p:sp>
@@ -24960,6 +25588,35 @@
           </a:graphicData>
         </a:graphic>
       </p:graphicFrame>
+      <p:sp>
+        <p:nvSpPr>
+          <p:cNvPr id="52" name="Slide Number Placeholder 51">
+            <a:extLst>
+              <a:ext uri="{FF2B5EF4-FFF2-40B4-BE49-F238E27FC236}">
+                <a16:creationId xmlns:a16="http://schemas.microsoft.com/office/drawing/2014/main" id="{EF91F429-A4D2-973E-9414-246956F10E4C}"/>
+              </a:ext>
+            </a:extLst>
+          </p:cNvPr>
+          <p:cNvSpPr>
+            <a:spLocks noGrp="1"/>
+          </p:cNvSpPr>
+          <p:nvPr>
+            <p:ph type="sldNum" sz="quarter" idx="12"/>
+          </p:nvPr>
+        </p:nvSpPr>
+        <p:spPr/>
+        <p:txBody>
+          <a:bodyPr/>
+          <a:lstStyle/>
+          <a:p>
+            <a:fld id="{E1076ED0-0DB3-4879-AAE5-5C20D22C1DF4}" type="slidenum">
+              <a:rPr lang="en-US" smtClean="0"/>
+              <a:t>6</a:t>
+            </a:fld>
+            <a:endParaRPr lang="en-US"/>
+          </a:p>
+        </p:txBody>
+      </p:sp>
     </p:spTree>
     <p:extLst>
       <p:ext uri="{BB962C8B-B14F-4D97-AF65-F5344CB8AC3E}">
@@ -24973,7 +25630,7 @@
 </p:sld>
 </file>
 
-<file path=ppt/slides/slide6.xml><?xml version="1.0" encoding="utf-8"?>
+<file path=ppt/slides/slide7.xml><?xml version="1.0" encoding="utf-8"?>
 <p:sld xmlns:a="http://schemas.openxmlformats.org/drawingml/2006/main" xmlns:r="http://schemas.openxmlformats.org/officeDocument/2006/relationships" xmlns:p="http://schemas.openxmlformats.org/presentationml/2006/main">
   <p:cSld>
     <p:spTree>
@@ -25012,7 +25669,7 @@
           <a:lstStyle/>
           <a:p>
             <a:r>
-              <a:rPr lang="en-US" dirty="0"/>
+              <a:rPr lang="en-US"/>
               <a:t>Approach : Selection of Projects</a:t>
             </a:r>
           </a:p>
@@ -25045,21 +25702,11 @@
               <a:buChar char="•"/>
             </a:pPr>
             <a:r>
-              <a:rPr lang="en-US" dirty="0">
+              <a:rPr lang="en-US">
                 <a:ea typeface="+mn-lt"/>
                 <a:cs typeface="+mn-lt"/>
               </a:rPr>
               <a:t>Popular and open source projects.</a:t>
-            </a:r>
-            <a:endParaRPr lang="en-US" dirty="0"/>
-          </a:p>
-          <a:p>
-            <a:pPr marL="342900" indent="-342900">
-              <a:buChar char="•"/>
-            </a:pPr>
-            <a:r>
-              <a:rPr lang="en-US" dirty="0"/>
-              <a:t>Focus mainly on projects having test suites.</a:t>
             </a:r>
             <a:endParaRPr lang="en-US"/>
           </a:p>
@@ -25068,7 +25715,16 @@
               <a:buChar char="•"/>
             </a:pPr>
             <a:r>
-              <a:rPr lang="en-US" dirty="0"/>
+              <a:rPr lang="en-US"/>
+              <a:t>Focus mainly on projects having test suites.</a:t>
+            </a:r>
+          </a:p>
+          <a:p>
+            <a:pPr marL="342900" indent="-342900">
+              <a:buChar char="•"/>
+            </a:pPr>
+            <a:r>
+              <a:rPr lang="en-US"/>
               <a:t>Automatically create test suites for other projects.</a:t>
             </a:r>
           </a:p>
@@ -25077,7 +25733,7 @@
               <a:buChar char="•"/>
             </a:pPr>
             <a:r>
-              <a:rPr lang="en-US" dirty="0"/>
+              <a:rPr lang="en-US"/>
               <a:t>Awesome python website projects.</a:t>
             </a:r>
           </a:p>
@@ -25086,9 +25742,38 @@
               <a:buChar char="•"/>
             </a:pPr>
             <a:r>
-              <a:rPr lang="en-US" dirty="0"/>
+              <a:rPr lang="en-US"/>
               <a:t>Projects from different categories defined by awesome python.</a:t>
             </a:r>
+          </a:p>
+        </p:txBody>
+      </p:sp>
+      <p:sp>
+        <p:nvSpPr>
+          <p:cNvPr id="4" name="Slide Number Placeholder 3">
+            <a:extLst>
+              <a:ext uri="{FF2B5EF4-FFF2-40B4-BE49-F238E27FC236}">
+                <a16:creationId xmlns:a16="http://schemas.microsoft.com/office/drawing/2014/main" id="{5A4502FA-2C45-AF68-2668-C676079C6E51}"/>
+              </a:ext>
+            </a:extLst>
+          </p:cNvPr>
+          <p:cNvSpPr>
+            <a:spLocks noGrp="1"/>
+          </p:cNvSpPr>
+          <p:nvPr>
+            <p:ph type="sldNum" sz="quarter" idx="12"/>
+          </p:nvPr>
+        </p:nvSpPr>
+        <p:spPr/>
+        <p:txBody>
+          <a:bodyPr/>
+          <a:lstStyle/>
+          <a:p>
+            <a:fld id="{E1076ED0-0DB3-4879-AAE5-5C20D22C1DF4}" type="slidenum">
+              <a:rPr lang="en-US" smtClean="0"/>
+              <a:t>7</a:t>
+            </a:fld>
+            <a:endParaRPr lang="en-US"/>
           </a:p>
         </p:txBody>
       </p:sp>
@@ -25105,7 +25790,7 @@
 </p:sld>
 </file>
 
-<file path=ppt/slides/slide7.xml><?xml version="1.0" encoding="utf-8"?>
+<file path=ppt/slides/slide8.xml><?xml version="1.0" encoding="utf-8"?>
 <p:sld xmlns:a="http://schemas.openxmlformats.org/drawingml/2006/main" xmlns:r="http://schemas.openxmlformats.org/officeDocument/2006/relationships" xmlns:p="http://schemas.openxmlformats.org/presentationml/2006/main">
   <p:cSld>
     <p:bg>
@@ -25286,7 +25971,7 @@
           <a:lstStyle/>
           <a:p>
             <a:pPr algn="ctr"/>
-            <a:endParaRPr lang="en-US" dirty="0"/>
+            <a:endParaRPr lang="en-US"/>
           </a:p>
         </p:txBody>
       </p:sp>
@@ -26386,7 +27071,7 @@
             <a:lstStyle/>
             <a:p>
               <a:pPr algn="ctr"/>
-              <a:endParaRPr lang="en-US" dirty="0"/>
+              <a:endParaRPr lang="en-US"/>
             </a:p>
           </p:txBody>
         </p:sp>
@@ -27525,7 +28210,7 @@
           <a:bodyPr rtlCol="0" anchor="ctr"/>
           <a:lstStyle/>
           <a:p>
-            <a:endParaRPr lang="en-US" dirty="0"/>
+            <a:endParaRPr lang="en-US"/>
           </a:p>
         </p:txBody>
       </p:sp>
@@ -28590,6 +29275,35 @@
           </p:sp>
         </p:grpSp>
       </p:grpSp>
+      <p:sp>
+        <p:nvSpPr>
+          <p:cNvPr id="3" name="Slide Number Placeholder 2">
+            <a:extLst>
+              <a:ext uri="{FF2B5EF4-FFF2-40B4-BE49-F238E27FC236}">
+                <a16:creationId xmlns:a16="http://schemas.microsoft.com/office/drawing/2014/main" id="{F2614E7D-0C81-FFF8-4FBE-8170342C5A62}"/>
+              </a:ext>
+            </a:extLst>
+          </p:cNvPr>
+          <p:cNvSpPr>
+            <a:spLocks noGrp="1"/>
+          </p:cNvSpPr>
+          <p:nvPr>
+            <p:ph type="sldNum" sz="quarter" idx="12"/>
+          </p:nvPr>
+        </p:nvSpPr>
+        <p:spPr/>
+        <p:txBody>
+          <a:bodyPr/>
+          <a:lstStyle/>
+          <a:p>
+            <a:fld id="{E1076ED0-0DB3-4879-AAE5-5C20D22C1DF4}" type="slidenum">
+              <a:rPr lang="en-US" smtClean="0"/>
+              <a:t>8</a:t>
+            </a:fld>
+            <a:endParaRPr lang="en-US"/>
+          </a:p>
+        </p:txBody>
+      </p:sp>
     </p:spTree>
     <p:extLst>
       <p:ext uri="{BB962C8B-B14F-4D97-AF65-F5344CB8AC3E}">
@@ -28603,7 +29317,7 @@
 </p:sld>
 </file>
 
-<file path=ppt/slides/slide8.xml><?xml version="1.0" encoding="utf-8"?>
+<file path=ppt/slides/slide9.xml><?xml version="1.0" encoding="utf-8"?>
 <p:sld xmlns:a="http://schemas.openxmlformats.org/drawingml/2006/main" xmlns:r="http://schemas.openxmlformats.org/officeDocument/2006/relationships" xmlns:p="http://schemas.openxmlformats.org/presentationml/2006/main">
   <p:cSld>
     <p:spTree>
@@ -28642,8 +29356,8 @@
           <a:lstStyle/>
           <a:p>
             <a:r>
-              <a:rPr lang="en-US" dirty="0"/>
-              <a:t>Awesome Python : Statistical Analysis</a:t>
+              <a:rPr lang="en-US"/>
+              <a:t>Approach : Selection of Projects (2)</a:t>
             </a:r>
           </a:p>
         </p:txBody>
@@ -28672,45 +29386,45 @@
           <a:lstStyle/>
           <a:p>
             <a:r>
-              <a:rPr lang="en-US" dirty="0"/>
+              <a:rPr lang="en-US"/>
               <a:t>Overall Projects : </a:t>
             </a:r>
             <a:r>
-              <a:rPr lang="en-US" b="1" dirty="0"/>
+              <a:rPr lang="en-US" b="1"/>
               <a:t>679</a:t>
             </a:r>
           </a:p>
           <a:p>
             <a:r>
-              <a:rPr lang="en-US" dirty="0"/>
+              <a:rPr lang="en-US"/>
               <a:t>Type of Projects : </a:t>
             </a:r>
             <a:r>
-              <a:rPr lang="en-US" b="1" dirty="0"/>
+              <a:rPr lang="en-US" b="1"/>
               <a:t>Frameworks, Libraries, Software</a:t>
             </a:r>
           </a:p>
           <a:p>
             <a:r>
-              <a:rPr lang="en-US" dirty="0"/>
+              <a:rPr lang="en-US"/>
               <a:t>Main Categories : </a:t>
             </a:r>
             <a:r>
-              <a:rPr lang="en-US" b="1" dirty="0"/>
+              <a:rPr lang="en-US" b="1"/>
               <a:t>92</a:t>
             </a:r>
           </a:p>
           <a:p>
             <a:r>
-              <a:rPr lang="en-US" dirty="0"/>
+              <a:rPr lang="en-US"/>
               <a:t>Some of the main categories and the number of projects in them:</a:t>
             </a:r>
           </a:p>
           <a:p>
-            <a:endParaRPr lang="en-US" dirty="0"/>
+            <a:endParaRPr lang="en-US"/>
           </a:p>
           <a:p>
-            <a:endParaRPr lang="en-US" dirty="0"/>
+            <a:endParaRPr lang="en-US"/>
           </a:p>
         </p:txBody>
       </p:sp>
@@ -28767,7 +29481,7 @@
                     <a:lstStyle/>
                     <a:p>
                       <a:r>
-                        <a:rPr lang="en-US" dirty="0"/>
+                        <a:rPr lang="en-US"/>
                         <a:t>Category</a:t>
                       </a:r>
                     </a:p>
@@ -28780,7 +29494,7 @@
                     <a:lstStyle/>
                     <a:p>
                       <a:r>
-                        <a:rPr lang="en-US" dirty="0"/>
+                        <a:rPr lang="en-US"/>
                         <a:t>No. Of Projects</a:t>
                       </a:r>
                     </a:p>
@@ -28800,7 +29514,7 @@
                     <a:lstStyle/>
                     <a:p>
                       <a:r>
-                        <a:rPr lang="en-US" dirty="0"/>
+                        <a:rPr lang="en-US"/>
                         <a:t>Admin Panels</a:t>
                       </a:r>
                     </a:p>
@@ -28813,7 +29527,7 @@
                     <a:lstStyle/>
                     <a:p>
                       <a:r>
-                        <a:rPr lang="en-US" b="1" dirty="0"/>
+                        <a:rPr lang="en-US" b="1"/>
                         <a:t>9</a:t>
                       </a:r>
                     </a:p>
@@ -28836,10 +29550,9 @@
                         <a:buNone/>
                       </a:pPr>
                       <a:r>
-                        <a:rPr lang="en-US" dirty="0"/>
+                        <a:rPr lang="en-US"/>
                         <a:t>Code Analysis</a:t>
                       </a:r>
-                      <a:endParaRPr lang="en-US"/>
                     </a:p>
                   </a:txBody>
                   <a:tcPr/>
@@ -28850,11 +29563,11 @@
                     <a:lstStyle/>
                     <a:p>
                       <a:r>
-                        <a:rPr lang="en-US" b="1" dirty="0"/>
+                        <a:rPr lang="en-US" b="1"/>
                         <a:t>18</a:t>
                       </a:r>
                       <a:r>
-                        <a:rPr lang="en-US" dirty="0"/>
+                        <a:rPr lang="en-US"/>
                         <a:t> (5 sub-categories)</a:t>
                       </a:r>
                     </a:p>
@@ -28877,10 +29590,9 @@
                         <a:buNone/>
                       </a:pPr>
                       <a:r>
-                        <a:rPr lang="en-US" dirty="0"/>
+                        <a:rPr lang="en-US"/>
                         <a:t>Computer Vision</a:t>
                       </a:r>
-                      <a:endParaRPr lang="en-US"/>
                     </a:p>
                   </a:txBody>
                   <a:tcPr/>
@@ -28891,7 +29603,7 @@
                     <a:lstStyle/>
                     <a:p>
                       <a:r>
-                        <a:rPr lang="en-US" b="1" dirty="0"/>
+                        <a:rPr lang="en-US" b="1"/>
                         <a:t>7</a:t>
                       </a:r>
                     </a:p>
@@ -28914,10 +29626,9 @@
                         <a:buNone/>
                       </a:pPr>
                       <a:r>
-                        <a:rPr lang="en-US" dirty="0"/>
+                        <a:rPr lang="en-US"/>
                         <a:t>Deep Learning</a:t>
                       </a:r>
-                      <a:endParaRPr lang="en-US"/>
                     </a:p>
                   </a:txBody>
                   <a:tcPr/>
@@ -28928,7 +29639,7 @@
                     <a:lstStyle/>
                     <a:p>
                       <a:r>
-                        <a:rPr lang="en-US" b="1" dirty="0"/>
+                        <a:rPr lang="en-US" b="1"/>
                         <a:t>7</a:t>
                       </a:r>
                     </a:p>
@@ -28951,12 +29662,12 @@
                         <a:buNone/>
                       </a:pPr>
                       <a:r>
-                        <a:rPr lang="en-US" sz="1800" b="0" i="0" u="none" strike="noStrike" noProof="0" dirty="0">
+                        <a:rPr lang="en-US" sz="1800" b="0" i="0" u="none" strike="noStrike" noProof="0">
                           <a:latin typeface="Avenir Next LT Pro"/>
                         </a:rPr>
                         <a:t>Documentation</a:t>
                       </a:r>
-                      <a:endParaRPr lang="en-US" dirty="0"/>
+                      <a:endParaRPr lang="en-US"/>
                     </a:p>
                   </a:txBody>
                   <a:tcPr/>
@@ -28967,7 +29678,7 @@
                     <a:lstStyle/>
                     <a:p>
                       <a:r>
-                        <a:rPr lang="en-US" b="1" dirty="0"/>
+                        <a:rPr lang="en-US" b="1"/>
                         <a:t>3</a:t>
                       </a:r>
                     </a:p>
@@ -29037,7 +29748,7 @@
                     <a:lstStyle/>
                     <a:p>
                       <a:r>
-                        <a:rPr lang="en-US" dirty="0"/>
+                        <a:rPr lang="en-US"/>
                         <a:t>Category</a:t>
                       </a:r>
                     </a:p>
@@ -29050,7 +29761,7 @@
                     <a:lstStyle/>
                     <a:p>
                       <a:r>
-                        <a:rPr lang="en-US" dirty="0"/>
+                        <a:rPr lang="en-US"/>
                         <a:t>No. Of Projects</a:t>
                       </a:r>
                     </a:p>
@@ -29073,7 +29784,7 @@
                         <a:buNone/>
                       </a:pPr>
                       <a:r>
-                        <a:rPr lang="en-US" dirty="0"/>
+                        <a:rPr lang="en-US"/>
                         <a:t>Files</a:t>
                       </a:r>
                     </a:p>
@@ -29086,7 +29797,7 @@
                     <a:lstStyle/>
                     <a:p>
                       <a:r>
-                        <a:rPr lang="en-US" b="1" dirty="0"/>
+                        <a:rPr lang="en-US" b="1"/>
                         <a:t>7</a:t>
                       </a:r>
                     </a:p>
@@ -29109,7 +29820,7 @@
                         <a:buNone/>
                       </a:pPr>
                       <a:r>
-                        <a:rPr lang="en-US" dirty="0"/>
+                        <a:rPr lang="en-US"/>
                         <a:t>GUI Development</a:t>
                       </a:r>
                     </a:p>
@@ -29122,7 +29833,7 @@
                     <a:lstStyle/>
                     <a:p>
                       <a:r>
-                        <a:rPr lang="en-US" b="1" dirty="0"/>
+                        <a:rPr lang="en-US" b="1"/>
                         <a:t>16</a:t>
                       </a:r>
                     </a:p>
@@ -29142,7 +29853,7 @@
                     <a:lstStyle/>
                     <a:p>
                       <a:r>
-                        <a:rPr lang="en-US" dirty="0"/>
+                        <a:rPr lang="en-US"/>
                         <a:t>Robotics</a:t>
                       </a:r>
                     </a:p>
@@ -29155,7 +29866,7 @@
                     <a:lstStyle/>
                     <a:p>
                       <a:r>
-                        <a:rPr lang="en-US" b="1" dirty="0"/>
+                        <a:rPr lang="en-US" b="1"/>
                         <a:t>2</a:t>
                       </a:r>
                     </a:p>
@@ -29178,7 +29889,7 @@
                         <a:buNone/>
                       </a:pPr>
                       <a:r>
-                        <a:rPr lang="en-US" dirty="0"/>
+                        <a:rPr lang="en-US"/>
                         <a:t>Task Queues</a:t>
                       </a:r>
                     </a:p>
@@ -29191,7 +29902,7 @@
                     <a:lstStyle/>
                     <a:p>
                       <a:r>
-                        <a:rPr lang="en-US" b="1" dirty="0"/>
+                        <a:rPr lang="en-US" b="1"/>
                         <a:t>5</a:t>
                       </a:r>
                     </a:p>
@@ -29214,7 +29925,7 @@
                         <a:buNone/>
                       </a:pPr>
                       <a:r>
-                        <a:rPr lang="en-US" dirty="0"/>
+                        <a:rPr lang="en-US"/>
                         <a:t>Web Frameworks</a:t>
                       </a:r>
                     </a:p>
@@ -29227,11 +29938,11 @@
                     <a:lstStyle/>
                     <a:p>
                       <a:r>
-                        <a:rPr lang="en-US" b="1" dirty="0"/>
+                        <a:rPr lang="en-US" b="1"/>
                         <a:t>5</a:t>
                       </a:r>
                       <a:r>
-                        <a:rPr lang="en-US" dirty="0"/>
+                        <a:rPr lang="en-US"/>
                         <a:t> (2 sub-categories)</a:t>
                       </a:r>
                     </a:p>
@@ -29248,42 +29959,12 @@
           </a:graphicData>
         </a:graphic>
       </p:graphicFrame>
-    </p:spTree>
-    <p:extLst>
-      <p:ext uri="{BB962C8B-B14F-4D97-AF65-F5344CB8AC3E}">
-        <p14:creationId xmlns:p14="http://schemas.microsoft.com/office/powerpoint/2010/main" val="1352093332"/>
-      </p:ext>
-    </p:extLst>
-  </p:cSld>
-  <p:clrMapOvr>
-    <a:masterClrMapping/>
-  </p:clrMapOvr>
-</p:sld>
-</file>
-
-<file path=ppt/slides/slide9.xml><?xml version="1.0" encoding="utf-8"?>
-<p:sld xmlns:a="http://schemas.openxmlformats.org/drawingml/2006/main" xmlns:r="http://schemas.openxmlformats.org/officeDocument/2006/relationships" xmlns:p="http://schemas.openxmlformats.org/presentationml/2006/main">
-  <p:cSld>
-    <p:spTree>
-      <p:nvGrpSpPr>
-        <p:cNvPr id="1" name=""/>
-        <p:cNvGrpSpPr/>
-        <p:nvPr/>
-      </p:nvGrpSpPr>
-      <p:grpSpPr>
-        <a:xfrm>
-          <a:off x="0" y="0"/>
-          <a:ext cx="0" cy="0"/>
-          <a:chOff x="0" y="0"/>
-          <a:chExt cx="0" cy="0"/>
-        </a:xfrm>
-      </p:grpSpPr>
       <p:sp>
         <p:nvSpPr>
-          <p:cNvPr id="2" name="Title 1">
+          <p:cNvPr id="6" name="Slide Number Placeholder 5">
             <a:extLst>
               <a:ext uri="{FF2B5EF4-FFF2-40B4-BE49-F238E27FC236}">
-                <a16:creationId xmlns:a16="http://schemas.microsoft.com/office/drawing/2014/main" id="{A2E0A4C7-2365-53ED-6ECD-971BB99732B0}"/>
+                <a16:creationId xmlns:a16="http://schemas.microsoft.com/office/drawing/2014/main" id="{DD189708-4DBB-E736-76FF-2E4E106D0EB5}"/>
               </a:ext>
             </a:extLst>
           </p:cNvPr>
@@ -29291,7 +29972,7 @@
             <a:spLocks noGrp="1"/>
           </p:cNvSpPr>
           <p:nvPr>
-            <p:ph type="title"/>
+            <p:ph type="sldNum" sz="quarter" idx="12"/>
           </p:nvPr>
         </p:nvSpPr>
         <p:spPr/>
@@ -29299,112 +29980,18 @@
           <a:bodyPr/>
           <a:lstStyle/>
           <a:p>
-            <a:r>
-              <a:rPr lang="en-US" dirty="0"/>
-              <a:t>Approach : Execution of Projects</a:t>
-            </a:r>
-          </a:p>
-        </p:txBody>
-      </p:sp>
-      <p:sp>
-        <p:nvSpPr>
-          <p:cNvPr id="3" name="Content Placeholder 2">
-            <a:extLst>
-              <a:ext uri="{FF2B5EF4-FFF2-40B4-BE49-F238E27FC236}">
-                <a16:creationId xmlns:a16="http://schemas.microsoft.com/office/drawing/2014/main" id="{A52A912C-8FDA-4718-45EA-095D8963E01E}"/>
-              </a:ext>
-            </a:extLst>
-          </p:cNvPr>
-          <p:cNvSpPr>
-            <a:spLocks noGrp="1"/>
-          </p:cNvSpPr>
-          <p:nvPr>
-            <p:ph idx="1"/>
-          </p:nvPr>
-        </p:nvSpPr>
-        <p:spPr/>
-        <p:txBody>
-          <a:bodyPr vert="horz" lIns="91440" tIns="45720" rIns="91440" bIns="45720" rtlCol="0" anchor="t">
-            <a:normAutofit/>
-          </a:bodyPr>
-          <a:lstStyle/>
-          <a:p>
-            <a:pPr marL="342900" indent="-342900">
-              <a:buChar char="•"/>
-            </a:pPr>
-            <a:r>
-              <a:rPr lang="en-US" dirty="0"/>
-              <a:t>Finding similarities and differences during setup and running of the selected python projects.</a:t>
-            </a:r>
-          </a:p>
-          <a:p>
-            <a:pPr marL="342900" indent="-342900">
-              <a:buChar char="•"/>
-            </a:pPr>
-            <a:r>
-              <a:rPr lang="en-US" dirty="0"/>
-              <a:t>Generic steps for setup and running of sample projects:</a:t>
-            </a:r>
-          </a:p>
-          <a:p>
-            <a:pPr marL="742950" lvl="2" indent="-285750">
-              <a:buChar char="•"/>
-            </a:pPr>
-            <a:r>
-              <a:rPr lang="en-US" dirty="0"/>
-              <a:t>Clone repository.</a:t>
-            </a:r>
-          </a:p>
-          <a:p>
-            <a:pPr marL="742950" lvl="2" indent="-285750">
-              <a:buChar char="•"/>
-            </a:pPr>
-            <a:r>
-              <a:rPr lang="en-US" dirty="0"/>
-              <a:t>Create and activate python virtual environment.</a:t>
-            </a:r>
-          </a:p>
-          <a:p>
-            <a:pPr marL="742950" lvl="2" indent="-285750">
-              <a:buChar char="•"/>
-            </a:pPr>
-            <a:r>
-              <a:rPr lang="en-US" dirty="0"/>
-              <a:t>Install requirements using pip.</a:t>
-            </a:r>
-          </a:p>
-          <a:p>
-            <a:pPr marL="742950" lvl="2" indent="-285750">
-              <a:buChar char="•"/>
-            </a:pPr>
-            <a:r>
-              <a:rPr lang="en-US" dirty="0"/>
-              <a:t>Install </a:t>
-            </a:r>
-            <a:r>
-              <a:rPr lang="en-US" dirty="0" err="1"/>
-              <a:t>pytest</a:t>
-            </a:r>
-            <a:r>
-              <a:rPr lang="en-US" dirty="0"/>
-              <a:t> for testing.</a:t>
-            </a:r>
-          </a:p>
-          <a:p>
-            <a:pPr marL="742950" lvl="2" indent="-285750">
-              <a:buChar char="•"/>
-            </a:pPr>
-            <a:r>
-              <a:rPr lang="en-US" dirty="0"/>
-              <a:t>Run tests and observe result statistics.</a:t>
-            </a:r>
+            <a:fld id="{E1076ED0-0DB3-4879-AAE5-5C20D22C1DF4}" type="slidenum">
+              <a:rPr lang="en-US" smtClean="0"/>
+              <a:t>9</a:t>
+            </a:fld>
+            <a:endParaRPr lang="en-US"/>
           </a:p>
         </p:txBody>
       </p:sp>
     </p:spTree>
     <p:extLst>
       <p:ext uri="{BB962C8B-B14F-4D97-AF65-F5344CB8AC3E}">
-        <p14:creationId xmlns:p14="http://schemas.microsoft.com/office/powerpoint/2010/main" val="3611525401"/>
+        <p14:creationId xmlns:p14="http://schemas.microsoft.com/office/powerpoint/2010/main" val="1352093332"/>
       </p:ext>
     </p:extLst>
   </p:cSld>

--- a/Kick-Off Presentation.pptx
+++ b/Kick-Off Presentation.pptx
@@ -12,16 +12,14 @@
     <p:sldId id="259" r:id="rId6"/>
     <p:sldId id="260" r:id="rId7"/>
     <p:sldId id="263" r:id="rId8"/>
-    <p:sldId id="270" r:id="rId9"/>
-    <p:sldId id="271" r:id="rId10"/>
-    <p:sldId id="264" r:id="rId11"/>
-    <p:sldId id="272" r:id="rId12"/>
-    <p:sldId id="265" r:id="rId13"/>
-    <p:sldId id="266" r:id="rId14"/>
-    <p:sldId id="268" r:id="rId15"/>
-    <p:sldId id="269" r:id="rId16"/>
-    <p:sldId id="261" r:id="rId17"/>
-    <p:sldId id="262" r:id="rId18"/>
+    <p:sldId id="271" r:id="rId9"/>
+    <p:sldId id="264" r:id="rId10"/>
+    <p:sldId id="272" r:id="rId11"/>
+    <p:sldId id="265" r:id="rId12"/>
+    <p:sldId id="268" r:id="rId13"/>
+    <p:sldId id="269" r:id="rId14"/>
+    <p:sldId id="261" r:id="rId15"/>
+    <p:sldId id="262" r:id="rId16"/>
   </p:sldIdLst>
   <p:sldSz cx="12192000" cy="6858000"/>
   <p:notesSz cx="6858000" cy="9144000"/>
@@ -133,6 +131,7 @@
   <p1510:revLst>
     <p1510:client id="{0C50F5AC-F121-4ABC-82C3-800D9A2726C8}" v="275" dt="2022-11-21T23:57:56.972"/>
     <p1510:client id="{65FD3D1F-3F58-416E-8288-5E877AD1D4B9}" v="2711" dt="2022-11-20T14:18:51.338"/>
+    <p1510:client id="{E8C0E4EF-C312-4263-BEEA-47D1B63374EF}" v="750" dt="2022-11-22T10:03:21.597"/>
   </p1510:revLst>
 </p1510:revInfo>
 </file>
@@ -1057,11 +1056,11 @@
 </file>
 
 <file path=ppt/diagrams/colors2.xml><?xml version="1.0" encoding="utf-8"?>
-<dgm:colorsDef xmlns:dgm="http://schemas.openxmlformats.org/drawingml/2006/diagram" xmlns:a="http://schemas.openxmlformats.org/drawingml/2006/main" uniqueId="urn:microsoft.com/office/officeart/2005/8/colors/accent1_2">
+<dgm:colorsDef xmlns:dgm="http://schemas.openxmlformats.org/drawingml/2006/diagram" xmlns:a="http://schemas.openxmlformats.org/drawingml/2006/main" uniqueId="urn:microsoft.com/office/officeart/2005/8/colors/colorful1">
   <dgm:title val=""/>
   <dgm:desc val=""/>
   <dgm:catLst>
-    <dgm:cat type="accent1" pri="11200"/>
+    <dgm:cat type="colorful" pri="10100"/>
   </dgm:catLst>
   <dgm:styleLbl name="node0">
     <dgm:fillClrLst meth="repeat">
@@ -1075,21 +1074,13 @@
     <dgm:txFillClrLst/>
     <dgm:txEffectClrLst/>
   </dgm:styleLbl>
-  <dgm:styleLbl name="alignNode1">
-    <dgm:fillClrLst meth="repeat">
-      <a:schemeClr val="accent1"/>
-    </dgm:fillClrLst>
-    <dgm:linClrLst meth="repeat">
-      <a:schemeClr val="accent1"/>
-    </dgm:linClrLst>
-    <dgm:effectClrLst/>
-    <dgm:txLinClrLst/>
-    <dgm:txFillClrLst/>
-    <dgm:txEffectClrLst/>
-  </dgm:styleLbl>
   <dgm:styleLbl name="node1">
     <dgm:fillClrLst meth="repeat">
-      <a:schemeClr val="accent1"/>
+      <a:schemeClr val="accent2"/>
+      <a:schemeClr val="accent3"/>
+      <a:schemeClr val="accent4"/>
+      <a:schemeClr val="accent5"/>
+      <a:schemeClr val="accent6"/>
     </dgm:fillClrLst>
     <dgm:linClrLst meth="repeat">
       <a:schemeClr val="lt1"/>
@@ -1099,9 +1090,33 @@
     <dgm:txFillClrLst/>
     <dgm:txEffectClrLst/>
   </dgm:styleLbl>
+  <dgm:styleLbl name="alignNode1">
+    <dgm:fillClrLst meth="repeat">
+      <a:schemeClr val="accent2"/>
+      <a:schemeClr val="accent3"/>
+      <a:schemeClr val="accent4"/>
+      <a:schemeClr val="accent5"/>
+      <a:schemeClr val="accent6"/>
+    </dgm:fillClrLst>
+    <dgm:linClrLst meth="repeat">
+      <a:schemeClr val="accent2"/>
+      <a:schemeClr val="accent3"/>
+      <a:schemeClr val="accent4"/>
+      <a:schemeClr val="accent5"/>
+      <a:schemeClr val="accent6"/>
+    </dgm:linClrLst>
+    <dgm:effectClrLst/>
+    <dgm:txLinClrLst/>
+    <dgm:txFillClrLst/>
+    <dgm:txEffectClrLst/>
+  </dgm:styleLbl>
   <dgm:styleLbl name="lnNode1">
     <dgm:fillClrLst meth="repeat">
-      <a:schemeClr val="accent1"/>
+      <a:schemeClr val="accent2"/>
+      <a:schemeClr val="accent3"/>
+      <a:schemeClr val="accent4"/>
+      <a:schemeClr val="accent5"/>
+      <a:schemeClr val="accent6"/>
     </dgm:fillClrLst>
     <dgm:linClrLst meth="repeat">
       <a:schemeClr val="lt1"/>
@@ -1113,7 +1128,19 @@
   </dgm:styleLbl>
   <dgm:styleLbl name="vennNode1">
     <dgm:fillClrLst meth="repeat">
-      <a:schemeClr val="accent1">
+      <a:schemeClr val="accent2">
+        <a:alpha val="50000"/>
+      </a:schemeClr>
+      <a:schemeClr val="accent3">
+        <a:alpha val="50000"/>
+      </a:schemeClr>
+      <a:schemeClr val="accent4">
+        <a:alpha val="50000"/>
+      </a:schemeClr>
+      <a:schemeClr val="accent5">
+        <a:alpha val="50000"/>
+      </a:schemeClr>
+      <a:schemeClr val="accent6">
         <a:alpha val="50000"/>
       </a:schemeClr>
     </dgm:fillClrLst>
@@ -1126,8 +1153,8 @@
     <dgm:txEffectClrLst/>
   </dgm:styleLbl>
   <dgm:styleLbl name="node2">
-    <dgm:fillClrLst meth="repeat">
-      <a:schemeClr val="accent1"/>
+    <dgm:fillClrLst>
+      <a:schemeClr val="accent2"/>
     </dgm:fillClrLst>
     <dgm:linClrLst meth="repeat">
       <a:schemeClr val="lt1"/>
@@ -1138,8 +1165,8 @@
     <dgm:txEffectClrLst/>
   </dgm:styleLbl>
   <dgm:styleLbl name="node3">
-    <dgm:fillClrLst meth="repeat">
-      <a:schemeClr val="accent1"/>
+    <dgm:fillClrLst>
+      <a:schemeClr val="accent3"/>
     </dgm:fillClrLst>
     <dgm:linClrLst meth="repeat">
       <a:schemeClr val="lt1"/>
@@ -1150,8 +1177,8 @@
     <dgm:txEffectClrLst/>
   </dgm:styleLbl>
   <dgm:styleLbl name="node4">
-    <dgm:fillClrLst meth="repeat">
-      <a:schemeClr val="accent1"/>
+    <dgm:fillClrLst>
+      <a:schemeClr val="accent4"/>
     </dgm:fillClrLst>
     <dgm:linClrLst meth="repeat">
       <a:schemeClr val="lt1"/>
@@ -1163,7 +1190,19 @@
   </dgm:styleLbl>
   <dgm:styleLbl name="fgImgPlace1">
     <dgm:fillClrLst meth="repeat">
-      <a:schemeClr val="accent1">
+      <a:schemeClr val="accent2">
+        <a:tint val="50000"/>
+      </a:schemeClr>
+      <a:schemeClr val="accent3">
+        <a:tint val="50000"/>
+      </a:schemeClr>
+      <a:schemeClr val="accent4">
+        <a:tint val="50000"/>
+      </a:schemeClr>
+      <a:schemeClr val="accent5">
+        <a:tint val="50000"/>
+      </a:schemeClr>
+      <a:schemeClr val="accent6">
         <a:tint val="50000"/>
       </a:schemeClr>
     </dgm:fillClrLst>
@@ -1178,9 +1217,12 @@
     <dgm:txEffectClrLst/>
   </dgm:styleLbl>
   <dgm:styleLbl name="alignImgPlace1">
-    <dgm:fillClrLst meth="repeat">
+    <dgm:fillClrLst>
       <a:schemeClr val="accent1">
         <a:tint val="50000"/>
+      </a:schemeClr>
+      <a:schemeClr val="accent2">
+        <a:tint val="20000"/>
       </a:schemeClr>
     </dgm:fillClrLst>
     <dgm:linClrLst meth="repeat">
@@ -1194,9 +1236,12 @@
     <dgm:txEffectClrLst/>
   </dgm:styleLbl>
   <dgm:styleLbl name="bgImgPlace1">
-    <dgm:fillClrLst meth="repeat">
+    <dgm:fillClrLst>
       <a:schemeClr val="accent1">
         <a:tint val="50000"/>
+      </a:schemeClr>
+      <a:schemeClr val="accent2">
+        <a:tint val="20000"/>
       </a:schemeClr>
     </dgm:fillClrLst>
     <dgm:linClrLst meth="repeat">
@@ -1211,14 +1256,14 @@
   </dgm:styleLbl>
   <dgm:styleLbl name="sibTrans2D1">
     <dgm:fillClrLst meth="repeat">
-      <a:schemeClr val="accent1">
-        <a:tint val="60000"/>
-      </a:schemeClr>
+      <a:schemeClr val="accent2"/>
+      <a:schemeClr val="accent3"/>
+      <a:schemeClr val="accent4"/>
+      <a:schemeClr val="accent5"/>
+      <a:schemeClr val="accent6"/>
     </dgm:fillClrLst>
-    <dgm:linClrLst meth="repeat">
-      <a:schemeClr val="accent1">
-        <a:tint val="60000"/>
-      </a:schemeClr>
+    <dgm:linClrLst meth="cycle">
+      <a:schemeClr val="lt1"/>
     </dgm:linClrLst>
     <dgm:effectClrLst/>
     <dgm:txLinClrLst/>
@@ -1227,42 +1272,54 @@
   </dgm:styleLbl>
   <dgm:styleLbl name="fgSibTrans2D1">
     <dgm:fillClrLst meth="repeat">
-      <a:schemeClr val="accent1">
-        <a:tint val="60000"/>
-      </a:schemeClr>
+      <a:schemeClr val="accent2"/>
+      <a:schemeClr val="accent3"/>
+      <a:schemeClr val="accent4"/>
+      <a:schemeClr val="accent5"/>
+      <a:schemeClr val="accent6"/>
     </dgm:fillClrLst>
-    <dgm:linClrLst meth="repeat">
-      <a:schemeClr val="accent1">
-        <a:tint val="60000"/>
-      </a:schemeClr>
+    <dgm:linClrLst meth="cycle">
+      <a:schemeClr val="lt1"/>
     </dgm:linClrLst>
     <dgm:effectClrLst/>
     <dgm:txLinClrLst/>
-    <dgm:txFillClrLst/>
+    <dgm:txFillClrLst meth="repeat">
+      <a:schemeClr val="lt1"/>
+    </dgm:txFillClrLst>
     <dgm:txEffectClrLst/>
   </dgm:styleLbl>
   <dgm:styleLbl name="bgSibTrans2D1">
     <dgm:fillClrLst meth="repeat">
-      <a:schemeClr val="accent1">
-        <a:tint val="60000"/>
-      </a:schemeClr>
+      <a:schemeClr val="accent2"/>
+      <a:schemeClr val="accent3"/>
+      <a:schemeClr val="accent4"/>
+      <a:schemeClr val="accent5"/>
+      <a:schemeClr val="accent6"/>
     </dgm:fillClrLst>
-    <dgm:linClrLst meth="repeat">
-      <a:schemeClr val="accent1">
-        <a:tint val="60000"/>
-      </a:schemeClr>
+    <dgm:linClrLst meth="cycle">
+      <a:schemeClr val="lt1"/>
     </dgm:linClrLst>
     <dgm:effectClrLst/>
     <dgm:txLinClrLst/>
-    <dgm:txFillClrLst/>
+    <dgm:txFillClrLst meth="repeat">
+      <a:schemeClr val="lt1"/>
+    </dgm:txFillClrLst>
     <dgm:txEffectClrLst/>
   </dgm:styleLbl>
   <dgm:styleLbl name="sibTrans1D1">
     <dgm:fillClrLst meth="repeat">
-      <a:schemeClr val="accent1"/>
+      <a:schemeClr val="accent2"/>
+      <a:schemeClr val="accent3"/>
+      <a:schemeClr val="accent4"/>
+      <a:schemeClr val="accent5"/>
+      <a:schemeClr val="accent6"/>
     </dgm:fillClrLst>
     <dgm:linClrLst meth="repeat">
-      <a:schemeClr val="accent1"/>
+      <a:schemeClr val="accent2"/>
+      <a:schemeClr val="accent3"/>
+      <a:schemeClr val="accent4"/>
+      <a:schemeClr val="accent5"/>
+      <a:schemeClr val="accent6"/>
     </dgm:linClrLst>
     <dgm:effectClrLst/>
     <dgm:txLinClrLst/>
@@ -1273,10 +1330,10 @@
   </dgm:styleLbl>
   <dgm:styleLbl name="callout">
     <dgm:fillClrLst meth="repeat">
-      <a:schemeClr val="accent1"/>
+      <a:schemeClr val="accent2"/>
     </dgm:fillClrLst>
     <dgm:linClrLst meth="repeat">
-      <a:schemeClr val="accent1">
+      <a:schemeClr val="accent2">
         <a:tint val="50000"/>
       </a:schemeClr>
     </dgm:linClrLst>
@@ -1301,7 +1358,7 @@
   </dgm:styleLbl>
   <dgm:styleLbl name="asst1">
     <dgm:fillClrLst meth="repeat">
-      <a:schemeClr val="accent1"/>
+      <a:schemeClr val="accent2"/>
     </dgm:fillClrLst>
     <dgm:linClrLst meth="repeat">
       <a:schemeClr val="lt1"/>
@@ -1312,8 +1369,8 @@
     <dgm:txEffectClrLst/>
   </dgm:styleLbl>
   <dgm:styleLbl name="asst2">
-    <dgm:fillClrLst meth="repeat">
-      <a:schemeClr val="accent1"/>
+    <dgm:fillClrLst>
+      <a:schemeClr val="accent3"/>
     </dgm:fillClrLst>
     <dgm:linClrLst meth="repeat">
       <a:schemeClr val="lt1"/>
@@ -1324,8 +1381,8 @@
     <dgm:txEffectClrLst/>
   </dgm:styleLbl>
   <dgm:styleLbl name="asst3">
-    <dgm:fillClrLst meth="repeat">
-      <a:schemeClr val="accent1"/>
+    <dgm:fillClrLst>
+      <a:schemeClr val="accent4"/>
     </dgm:fillClrLst>
     <dgm:linClrLst meth="repeat">
       <a:schemeClr val="lt1"/>
@@ -1336,8 +1393,8 @@
     <dgm:txEffectClrLst/>
   </dgm:styleLbl>
   <dgm:styleLbl name="asst4">
-    <dgm:fillClrLst meth="repeat">
-      <a:schemeClr val="accent1"/>
+    <dgm:fillClrLst>
+      <a:schemeClr val="accent5"/>
     </dgm:fillClrLst>
     <dgm:linClrLst meth="repeat">
       <a:schemeClr val="lt1"/>
@@ -1349,14 +1406,10 @@
   </dgm:styleLbl>
   <dgm:styleLbl name="parChTrans2D1">
     <dgm:fillClrLst meth="repeat">
-      <a:schemeClr val="accent1">
-        <a:tint val="60000"/>
-      </a:schemeClr>
+      <a:schemeClr val="accent2"/>
     </dgm:fillClrLst>
     <dgm:linClrLst meth="repeat">
-      <a:schemeClr val="accent1">
-        <a:tint val="60000"/>
-      </a:schemeClr>
+      <a:schemeClr val="lt1"/>
     </dgm:linClrLst>
     <dgm:effectClrLst/>
     <dgm:txLinClrLst/>
@@ -1367,38 +1420,34 @@
   </dgm:styleLbl>
   <dgm:styleLbl name="parChTrans2D2">
     <dgm:fillClrLst meth="repeat">
-      <a:schemeClr val="accent1"/>
+      <a:schemeClr val="accent3"/>
     </dgm:fillClrLst>
     <dgm:linClrLst meth="repeat">
-      <a:schemeClr val="accent1"/>
+      <a:schemeClr val="lt1"/>
     </dgm:linClrLst>
     <dgm:effectClrLst/>
     <dgm:txLinClrLst/>
-    <dgm:txFillClrLst meth="repeat">
-      <a:schemeClr val="lt1"/>
-    </dgm:txFillClrLst>
+    <dgm:txFillClrLst/>
     <dgm:txEffectClrLst/>
   </dgm:styleLbl>
   <dgm:styleLbl name="parChTrans2D3">
     <dgm:fillClrLst meth="repeat">
-      <a:schemeClr val="accent1"/>
+      <a:schemeClr val="accent4"/>
     </dgm:fillClrLst>
     <dgm:linClrLst meth="repeat">
-      <a:schemeClr val="accent1"/>
+      <a:schemeClr val="lt1"/>
     </dgm:linClrLst>
     <dgm:effectClrLst/>
     <dgm:txLinClrLst/>
-    <dgm:txFillClrLst meth="repeat">
-      <a:schemeClr val="lt1"/>
-    </dgm:txFillClrLst>
+    <dgm:txFillClrLst/>
     <dgm:txEffectClrLst/>
   </dgm:styleLbl>
   <dgm:styleLbl name="parChTrans2D4">
     <dgm:fillClrLst meth="repeat">
-      <a:schemeClr val="accent1"/>
+      <a:schemeClr val="accent5"/>
     </dgm:fillClrLst>
     <dgm:linClrLst meth="repeat">
-      <a:schemeClr val="accent1"/>
+      <a:schemeClr val="lt1"/>
     </dgm:linClrLst>
     <dgm:effectClrLst/>
     <dgm:txLinClrLst/>
@@ -1409,12 +1458,10 @@
   </dgm:styleLbl>
   <dgm:styleLbl name="parChTrans1D1">
     <dgm:fillClrLst meth="repeat">
-      <a:schemeClr val="accent1"/>
+      <a:schemeClr val="accent2"/>
     </dgm:fillClrLst>
     <dgm:linClrLst meth="repeat">
-      <a:schemeClr val="accent1">
-        <a:shade val="60000"/>
-      </a:schemeClr>
+      <a:schemeClr val="accent1"/>
     </dgm:linClrLst>
     <dgm:effectClrLst/>
     <dgm:txLinClrLst/>
@@ -1425,12 +1472,12 @@
   </dgm:styleLbl>
   <dgm:styleLbl name="parChTrans1D2">
     <dgm:fillClrLst meth="repeat">
-      <a:schemeClr val="accent1"/>
+      <a:schemeClr val="accent3">
+        <a:tint val="90000"/>
+      </a:schemeClr>
     </dgm:fillClrLst>
     <dgm:linClrLst meth="repeat">
-      <a:schemeClr val="accent1">
-        <a:shade val="60000"/>
-      </a:schemeClr>
+      <a:schemeClr val="accent2"/>
     </dgm:linClrLst>
     <dgm:effectClrLst/>
     <dgm:txLinClrLst/>
@@ -1441,12 +1488,12 @@
   </dgm:styleLbl>
   <dgm:styleLbl name="parChTrans1D3">
     <dgm:fillClrLst meth="repeat">
-      <a:schemeClr val="accent1"/>
+      <a:schemeClr val="accent4">
+        <a:tint val="70000"/>
+      </a:schemeClr>
     </dgm:fillClrLst>
     <dgm:linClrLst meth="repeat">
-      <a:schemeClr val="accent1">
-        <a:shade val="80000"/>
-      </a:schemeClr>
+      <a:schemeClr val="accent3"/>
     </dgm:linClrLst>
     <dgm:effectClrLst/>
     <dgm:txLinClrLst/>
@@ -1457,12 +1504,12 @@
   </dgm:styleLbl>
   <dgm:styleLbl name="parChTrans1D4">
     <dgm:fillClrLst meth="repeat">
-      <a:schemeClr val="accent1"/>
+      <a:schemeClr val="accent5">
+        <a:tint val="50000"/>
+      </a:schemeClr>
     </dgm:fillClrLst>
     <dgm:linClrLst meth="repeat">
-      <a:schemeClr val="accent1">
-        <a:shade val="80000"/>
-      </a:schemeClr>
+      <a:schemeClr val="accent4"/>
     </dgm:linClrLst>
     <dgm:effectClrLst/>
     <dgm:txLinClrLst/>
@@ -1478,7 +1525,11 @@
       </a:schemeClr>
     </dgm:fillClrLst>
     <dgm:linClrLst meth="repeat">
-      <a:schemeClr val="accent1"/>
+      <a:schemeClr val="accent2"/>
+      <a:schemeClr val="accent3"/>
+      <a:schemeClr val="accent4"/>
+      <a:schemeClr val="accent5"/>
+      <a:schemeClr val="accent6"/>
     </dgm:linClrLst>
     <dgm:effectClrLst/>
     <dgm:txLinClrLst/>
@@ -1494,7 +1545,11 @@
       </a:schemeClr>
     </dgm:fillClrLst>
     <dgm:linClrLst meth="repeat">
-      <a:schemeClr val="accent1"/>
+      <a:schemeClr val="accent2"/>
+      <a:schemeClr val="accent3"/>
+      <a:schemeClr val="accent4"/>
+      <a:schemeClr val="accent5"/>
+      <a:schemeClr val="accent6"/>
     </dgm:linClrLst>
     <dgm:effectClrLst/>
     <dgm:txLinClrLst/>
@@ -1510,7 +1565,11 @@
       </a:schemeClr>
     </dgm:fillClrLst>
     <dgm:linClrLst meth="repeat">
-      <a:schemeClr val="accent1"/>
+      <a:schemeClr val="accent2"/>
+      <a:schemeClr val="accent3"/>
+      <a:schemeClr val="accent4"/>
+      <a:schemeClr val="accent5"/>
+      <a:schemeClr val="accent6"/>
     </dgm:linClrLst>
     <dgm:effectClrLst/>
     <dgm:txLinClrLst/>
@@ -1542,7 +1601,11 @@
       </a:schemeClr>
     </dgm:fillClrLst>
     <dgm:linClrLst meth="repeat">
-      <a:schemeClr val="accent1"/>
+      <a:schemeClr val="accent2"/>
+      <a:schemeClr val="accent3"/>
+      <a:schemeClr val="accent4"/>
+      <a:schemeClr val="accent5"/>
+      <a:schemeClr val="accent6"/>
     </dgm:linClrLst>
     <dgm:effectClrLst/>
     <dgm:txLinClrLst/>
@@ -1556,7 +1619,11 @@
       <a:schemeClr val="lt1"/>
     </dgm:fillClrLst>
     <dgm:linClrLst meth="repeat">
-      <a:schemeClr val="accent1"/>
+      <a:schemeClr val="accent2"/>
+      <a:schemeClr val="accent3"/>
+      <a:schemeClr val="accent4"/>
+      <a:schemeClr val="accent5"/>
+      <a:schemeClr val="accent6"/>
     </dgm:linClrLst>
     <dgm:effectClrLst/>
     <dgm:txLinClrLst/>
@@ -1570,7 +1637,11 @@
       <a:schemeClr val="lt1"/>
     </dgm:fillClrLst>
     <dgm:linClrLst meth="repeat">
-      <a:schemeClr val="accent1"/>
+      <a:schemeClr val="accent2"/>
+      <a:schemeClr val="accent3"/>
+      <a:schemeClr val="accent4"/>
+      <a:schemeClr val="accent5"/>
+      <a:schemeClr val="accent6"/>
     </dgm:linClrLst>
     <dgm:effectClrLst/>
     <dgm:txLinClrLst/>
@@ -1584,7 +1655,11 @@
       <a:schemeClr val="lt1"/>
     </dgm:fillClrLst>
     <dgm:linClrLst meth="repeat">
-      <a:schemeClr val="accent1"/>
+      <a:schemeClr val="accent2"/>
+      <a:schemeClr val="accent3"/>
+      <a:schemeClr val="accent4"/>
+      <a:schemeClr val="accent5"/>
+      <a:schemeClr val="accent6"/>
     </dgm:linClrLst>
     <dgm:effectClrLst/>
     <dgm:txLinClrLst/>
@@ -1595,15 +1670,47 @@
   </dgm:styleLbl>
   <dgm:styleLbl name="fgAccFollowNode1">
     <dgm:fillClrLst meth="repeat">
-      <a:schemeClr val="accent1">
+      <a:schemeClr val="accent2">
+        <a:tint val="40000"/>
         <a:alpha val="90000"/>
+      </a:schemeClr>
+      <a:schemeClr val="accent3">
         <a:tint val="40000"/>
+        <a:alpha val="90000"/>
+      </a:schemeClr>
+      <a:schemeClr val="accent4">
+        <a:tint val="40000"/>
+        <a:alpha val="90000"/>
+      </a:schemeClr>
+      <a:schemeClr val="accent5">
+        <a:tint val="40000"/>
+        <a:alpha val="90000"/>
+      </a:schemeClr>
+      <a:schemeClr val="accent6">
+        <a:tint val="40000"/>
+        <a:alpha val="90000"/>
       </a:schemeClr>
     </dgm:fillClrLst>
     <dgm:linClrLst meth="repeat">
-      <a:schemeClr val="accent1">
+      <a:schemeClr val="accent2">
+        <a:tint val="40000"/>
         <a:alpha val="90000"/>
+      </a:schemeClr>
+      <a:schemeClr val="accent3">
         <a:tint val="40000"/>
+        <a:alpha val="90000"/>
+      </a:schemeClr>
+      <a:schemeClr val="accent4">
+        <a:tint val="40000"/>
+        <a:alpha val="90000"/>
+      </a:schemeClr>
+      <a:schemeClr val="accent5">
+        <a:tint val="40000"/>
+        <a:alpha val="90000"/>
+      </a:schemeClr>
+      <a:schemeClr val="accent6">
+        <a:tint val="40000"/>
+        <a:alpha val="90000"/>
       </a:schemeClr>
     </dgm:linClrLst>
     <dgm:effectClrLst/>
@@ -1615,15 +1722,47 @@
   </dgm:styleLbl>
   <dgm:styleLbl name="alignAccFollowNode1">
     <dgm:fillClrLst meth="repeat">
-      <a:schemeClr val="accent1">
+      <a:schemeClr val="accent2">
+        <a:tint val="40000"/>
         <a:alpha val="90000"/>
+      </a:schemeClr>
+      <a:schemeClr val="accent3">
         <a:tint val="40000"/>
+        <a:alpha val="90000"/>
+      </a:schemeClr>
+      <a:schemeClr val="accent4">
+        <a:tint val="40000"/>
+        <a:alpha val="90000"/>
+      </a:schemeClr>
+      <a:schemeClr val="accent5">
+        <a:tint val="40000"/>
+        <a:alpha val="90000"/>
+      </a:schemeClr>
+      <a:schemeClr val="accent6">
+        <a:tint val="40000"/>
+        <a:alpha val="90000"/>
       </a:schemeClr>
     </dgm:fillClrLst>
     <dgm:linClrLst meth="repeat">
-      <a:schemeClr val="accent1">
+      <a:schemeClr val="accent2">
+        <a:tint val="40000"/>
         <a:alpha val="90000"/>
+      </a:schemeClr>
+      <a:schemeClr val="accent3">
         <a:tint val="40000"/>
+        <a:alpha val="90000"/>
+      </a:schemeClr>
+      <a:schemeClr val="accent4">
+        <a:tint val="40000"/>
+        <a:alpha val="90000"/>
+      </a:schemeClr>
+      <a:schemeClr val="accent5">
+        <a:tint val="40000"/>
+        <a:alpha val="90000"/>
+      </a:schemeClr>
+      <a:schemeClr val="accent6">
+        <a:tint val="40000"/>
+        <a:alpha val="90000"/>
       </a:schemeClr>
     </dgm:linClrLst>
     <dgm:effectClrLst/>
@@ -1635,15 +1774,47 @@
   </dgm:styleLbl>
   <dgm:styleLbl name="bgAccFollowNode1">
     <dgm:fillClrLst meth="repeat">
-      <a:schemeClr val="accent1">
+      <a:schemeClr val="accent2">
+        <a:tint val="40000"/>
         <a:alpha val="90000"/>
+      </a:schemeClr>
+      <a:schemeClr val="accent3">
         <a:tint val="40000"/>
+        <a:alpha val="90000"/>
+      </a:schemeClr>
+      <a:schemeClr val="accent4">
+        <a:tint val="40000"/>
+        <a:alpha val="90000"/>
+      </a:schemeClr>
+      <a:schemeClr val="accent5">
+        <a:tint val="40000"/>
+        <a:alpha val="90000"/>
+      </a:schemeClr>
+      <a:schemeClr val="accent6">
+        <a:tint val="40000"/>
+        <a:alpha val="90000"/>
       </a:schemeClr>
     </dgm:fillClrLst>
     <dgm:linClrLst meth="repeat">
-      <a:schemeClr val="accent1">
+      <a:schemeClr val="accent2">
+        <a:tint val="40000"/>
         <a:alpha val="90000"/>
+      </a:schemeClr>
+      <a:schemeClr val="accent3">
         <a:tint val="40000"/>
+        <a:alpha val="90000"/>
+      </a:schemeClr>
+      <a:schemeClr val="accent4">
+        <a:tint val="40000"/>
+        <a:alpha val="90000"/>
+      </a:schemeClr>
+      <a:schemeClr val="accent5">
+        <a:tint val="40000"/>
+        <a:alpha val="90000"/>
+      </a:schemeClr>
+      <a:schemeClr val="accent6">
+        <a:tint val="40000"/>
+        <a:alpha val="90000"/>
       </a:schemeClr>
     </dgm:linClrLst>
     <dgm:effectClrLst/>
@@ -1659,7 +1830,7 @@
         <a:alpha val="90000"/>
       </a:schemeClr>
     </dgm:fillClrLst>
-    <dgm:linClrLst meth="repeat">
+    <dgm:linClrLst>
       <a:schemeClr val="accent1"/>
     </dgm:linClrLst>
     <dgm:effectClrLst/>
@@ -1675,8 +1846,8 @@
         <a:alpha val="90000"/>
       </a:schemeClr>
     </dgm:fillClrLst>
-    <dgm:linClrLst meth="repeat">
-      <a:schemeClr val="accent1"/>
+    <dgm:linClrLst>
+      <a:schemeClr val="accent2"/>
     </dgm:linClrLst>
     <dgm:effectClrLst/>
     <dgm:txLinClrLst/>
@@ -1691,8 +1862,8 @@
         <a:alpha val="90000"/>
       </a:schemeClr>
     </dgm:fillClrLst>
-    <dgm:linClrLst meth="repeat">
-      <a:schemeClr val="accent1"/>
+    <dgm:linClrLst>
+      <a:schemeClr val="accent3"/>
     </dgm:linClrLst>
     <dgm:effectClrLst/>
     <dgm:txLinClrLst/>
@@ -1707,8 +1878,8 @@
         <a:alpha val="90000"/>
       </a:schemeClr>
     </dgm:fillClrLst>
-    <dgm:linClrLst meth="repeat">
-      <a:schemeClr val="accent1"/>
+    <dgm:linClrLst>
+      <a:schemeClr val="accent4"/>
     </dgm:linClrLst>
     <dgm:effectClrLst/>
     <dgm:txLinClrLst/>
@@ -1719,12 +1890,12 @@
   </dgm:styleLbl>
   <dgm:styleLbl name="bgShp">
     <dgm:fillClrLst meth="repeat">
-      <a:schemeClr val="accent1">
+      <a:schemeClr val="accent2">
         <a:tint val="40000"/>
       </a:schemeClr>
     </dgm:fillClrLst>
     <dgm:linClrLst meth="repeat">
-      <a:schemeClr val="accent1"/>
+      <a:schemeClr val="dk1"/>
     </dgm:linClrLst>
     <dgm:effectClrLst/>
     <dgm:txLinClrLst/>
@@ -1735,12 +1906,12 @@
   </dgm:styleLbl>
   <dgm:styleLbl name="dkBgShp">
     <dgm:fillClrLst meth="repeat">
-      <a:schemeClr val="accent1">
-        <a:shade val="80000"/>
+      <a:schemeClr val="accent2">
+        <a:shade val="90000"/>
       </a:schemeClr>
     </dgm:fillClrLst>
     <dgm:linClrLst meth="repeat">
-      <a:schemeClr val="accent1"/>
+      <a:schemeClr val="dk1"/>
     </dgm:linClrLst>
     <dgm:effectClrLst/>
     <dgm:txLinClrLst/>
@@ -1757,7 +1928,7 @@
       </a:schemeClr>
     </dgm:fillClrLst>
     <dgm:linClrLst meth="repeat">
-      <a:schemeClr val="accent1"/>
+      <a:schemeClr val="accent2"/>
     </dgm:linClrLst>
     <dgm:effectClrLst/>
     <dgm:txLinClrLst/>
@@ -1768,8 +1939,8 @@
   </dgm:styleLbl>
   <dgm:styleLbl name="fgShp">
     <dgm:fillClrLst meth="repeat">
-      <a:schemeClr val="accent1">
-        <a:tint val="60000"/>
+      <a:schemeClr val="accent2">
+        <a:tint val="40000"/>
       </a:schemeClr>
     </dgm:fillClrLst>
     <dgm:linClrLst meth="repeat">
@@ -1818,12 +1989,12 @@
         <a:lstStyle/>
         <a:p>
           <a:r>
-            <a:rPr lang="en-US">
+            <a:rPr lang="en-US" dirty="0">
               <a:latin typeface="Georgia Pro Semibold"/>
             </a:rPr>
             <a:t>Selection of projects</a:t>
           </a:r>
-          <a:endParaRPr lang="en-US"/>
+          <a:endParaRPr lang="en-US" dirty="0"/>
         </a:p>
       </dgm:t>
     </dgm:pt>
@@ -1850,12 +2021,12 @@
         <a:lstStyle/>
         <a:p>
           <a:r>
-            <a:rPr lang="en-US">
+            <a:rPr lang="en-US" dirty="0">
               <a:latin typeface="Georgia Pro Semibold"/>
             </a:rPr>
             <a:t>Execution of projects</a:t>
           </a:r>
-          <a:endParaRPr lang="en-US"/>
+          <a:endParaRPr lang="en-US" dirty="0"/>
         </a:p>
       </dgm:t>
     </dgm:pt>
@@ -1882,12 +2053,12 @@
         <a:lstStyle/>
         <a:p>
           <a:r>
-            <a:rPr lang="en-US">
+            <a:rPr lang="en-US" dirty="0">
               <a:latin typeface="Georgia Pro Semibold"/>
             </a:rPr>
             <a:t>Automation</a:t>
           </a:r>
-          <a:endParaRPr lang="en-US"/>
+          <a:endParaRPr lang="en-US" dirty="0"/>
         </a:p>
       </dgm:t>
     </dgm:pt>
@@ -1896,68 +2067,6 @@
       <dgm:spPr/>
     </dgm:pt>
     <dgm:pt modelId="{9DFF8C78-DFF6-4894-9097-3BC3ADC771E0}" type="sibTrans" cxnId="{9EEFF5A3-8D99-4CDC-BB60-FA482E489821}">
-      <dgm:prSet/>
-      <dgm:spPr/>
-      <dgm:t>
-        <a:bodyPr/>
-        <a:lstStyle/>
-        <a:p>
-          <a:endParaRPr lang="en-US"/>
-        </a:p>
-      </dgm:t>
-    </dgm:pt>
-    <dgm:pt modelId="{99ECAB76-9D95-4F25-A908-045E6411F215}">
-      <dgm:prSet phldr="0"/>
-      <dgm:spPr/>
-      <dgm:t>
-        <a:bodyPr/>
-        <a:lstStyle/>
-        <a:p>
-          <a:r>
-            <a:rPr lang="en-US">
-              <a:latin typeface="Georgia Pro Semibold"/>
-            </a:rPr>
-            <a:t>Creation of Framework</a:t>
-          </a:r>
-        </a:p>
-      </dgm:t>
-    </dgm:pt>
-    <dgm:pt modelId="{3DC2619B-3342-4E48-B5B8-C8573913B398}" type="parTrans" cxnId="{30EB7E95-74DE-4B1C-ADDA-477C05F9D42C}">
-      <dgm:prSet/>
-      <dgm:spPr/>
-    </dgm:pt>
-    <dgm:pt modelId="{204073F1-1570-49CC-A4CA-A28E50C207FE}" type="sibTrans" cxnId="{30EB7E95-74DE-4B1C-ADDA-477C05F9D42C}">
-      <dgm:prSet/>
-      <dgm:spPr/>
-      <dgm:t>
-        <a:bodyPr/>
-        <a:lstStyle/>
-        <a:p>
-          <a:endParaRPr lang="en-US"/>
-        </a:p>
-      </dgm:t>
-    </dgm:pt>
-    <dgm:pt modelId="{8FF7E635-EF16-4441-BD3B-EA792ED94C38}">
-      <dgm:prSet phldr="0"/>
-      <dgm:spPr/>
-      <dgm:t>
-        <a:bodyPr/>
-        <a:lstStyle/>
-        <a:p>
-          <a:r>
-            <a:rPr lang="en-US">
-              <a:latin typeface="Georgia Pro Semibold"/>
-            </a:rPr>
-            <a:t>Empirical Study</a:t>
-          </a:r>
-        </a:p>
-      </dgm:t>
-    </dgm:pt>
-    <dgm:pt modelId="{18370D3F-0556-410A-9202-E8FAE0B5A273}" type="parTrans" cxnId="{5D8107DC-72ED-44FC-B6B1-2680F1159FAF}">
-      <dgm:prSet/>
-      <dgm:spPr/>
-    </dgm:pt>
-    <dgm:pt modelId="{37AB7AAA-D541-4045-945C-69928BC5C82F}" type="sibTrans" cxnId="{5D8107DC-72ED-44FC-B6B1-2680F1159FAF}">
       <dgm:prSet/>
       <dgm:spPr/>
       <dgm:t>
@@ -1978,7 +2087,7 @@
       <dgm:spPr/>
     </dgm:pt>
     <dgm:pt modelId="{7EC0C1F7-4656-46F4-B5D7-1CA5631A5CB5}" type="pres">
-      <dgm:prSet presAssocID="{23C29978-2FBA-4A12-9A54-1897E99A9A96}" presName="node" presStyleLbl="node1" presStyleIdx="0" presStyleCnt="5">
+      <dgm:prSet presAssocID="{23C29978-2FBA-4A12-9A54-1897E99A9A96}" presName="node" presStyleLbl="node1" presStyleIdx="0" presStyleCnt="3">
         <dgm:presLayoutVars>
           <dgm:bulletEnabled val="1"/>
         </dgm:presLayoutVars>
@@ -1986,15 +2095,15 @@
       <dgm:spPr/>
     </dgm:pt>
     <dgm:pt modelId="{09BE5A6C-2EDB-4EF1-B7E8-F05C5CF598BD}" type="pres">
-      <dgm:prSet presAssocID="{DA3778BF-918C-4834-9736-AF86D876B29E}" presName="sibTrans" presStyleLbl="sibTrans2D1" presStyleIdx="0" presStyleCnt="4"/>
+      <dgm:prSet presAssocID="{DA3778BF-918C-4834-9736-AF86D876B29E}" presName="sibTrans" presStyleLbl="sibTrans2D1" presStyleIdx="0" presStyleCnt="2"/>
       <dgm:spPr/>
     </dgm:pt>
     <dgm:pt modelId="{2A61FE8E-CB94-4515-B179-4753AB35E149}" type="pres">
-      <dgm:prSet presAssocID="{DA3778BF-918C-4834-9736-AF86D876B29E}" presName="connectorText" presStyleLbl="sibTrans2D1" presStyleIdx="0" presStyleCnt="4"/>
+      <dgm:prSet presAssocID="{DA3778BF-918C-4834-9736-AF86D876B29E}" presName="connectorText" presStyleLbl="sibTrans2D1" presStyleIdx="0" presStyleCnt="2"/>
       <dgm:spPr/>
     </dgm:pt>
     <dgm:pt modelId="{2D79B42C-261C-4506-84BF-83191063CFBB}" type="pres">
-      <dgm:prSet presAssocID="{6766C14A-5744-4A20-9537-5018C133B23B}" presName="node" presStyleLbl="node1" presStyleIdx="1" presStyleCnt="5">
+      <dgm:prSet presAssocID="{6766C14A-5744-4A20-9537-5018C133B23B}" presName="node" presStyleLbl="node1" presStyleIdx="1" presStyleCnt="3">
         <dgm:presLayoutVars>
           <dgm:bulletEnabled val="1"/>
         </dgm:presLayoutVars>
@@ -2002,47 +2111,15 @@
       <dgm:spPr/>
     </dgm:pt>
     <dgm:pt modelId="{C42412D2-663D-4CCD-9712-E6E567C0526A}" type="pres">
-      <dgm:prSet presAssocID="{D7245D40-B906-4B05-9900-99C3F1EE6434}" presName="sibTrans" presStyleLbl="sibTrans2D1" presStyleIdx="1" presStyleCnt="4"/>
+      <dgm:prSet presAssocID="{D7245D40-B906-4B05-9900-99C3F1EE6434}" presName="sibTrans" presStyleLbl="sibTrans2D1" presStyleIdx="1" presStyleCnt="2"/>
       <dgm:spPr/>
     </dgm:pt>
     <dgm:pt modelId="{C585330D-9064-419B-9214-73E90194F2BA}" type="pres">
-      <dgm:prSet presAssocID="{D7245D40-B906-4B05-9900-99C3F1EE6434}" presName="connectorText" presStyleLbl="sibTrans2D1" presStyleIdx="1" presStyleCnt="4"/>
+      <dgm:prSet presAssocID="{D7245D40-B906-4B05-9900-99C3F1EE6434}" presName="connectorText" presStyleLbl="sibTrans2D1" presStyleIdx="1" presStyleCnt="2"/>
       <dgm:spPr/>
     </dgm:pt>
     <dgm:pt modelId="{8214D17A-CE82-47B9-BB81-2F76D4E77653}" type="pres">
-      <dgm:prSet presAssocID="{5305ADC7-0364-436E-A6C6-093A2E69A265}" presName="node" presStyleLbl="node1" presStyleIdx="2" presStyleCnt="5">
-        <dgm:presLayoutVars>
-          <dgm:bulletEnabled val="1"/>
-        </dgm:presLayoutVars>
-      </dgm:prSet>
-      <dgm:spPr/>
-    </dgm:pt>
-    <dgm:pt modelId="{F980015C-82D8-40A3-B594-647FC2467E0A}" type="pres">
-      <dgm:prSet presAssocID="{9DFF8C78-DFF6-4894-9097-3BC3ADC771E0}" presName="sibTrans" presStyleLbl="sibTrans2D1" presStyleIdx="2" presStyleCnt="4"/>
-      <dgm:spPr/>
-    </dgm:pt>
-    <dgm:pt modelId="{72F142E0-77FA-4711-BA7A-271A4904F0E9}" type="pres">
-      <dgm:prSet presAssocID="{9DFF8C78-DFF6-4894-9097-3BC3ADC771E0}" presName="connectorText" presStyleLbl="sibTrans2D1" presStyleIdx="2" presStyleCnt="4"/>
-      <dgm:spPr/>
-    </dgm:pt>
-    <dgm:pt modelId="{F4AF8AFE-0E7C-4571-958B-55795FA21160}" type="pres">
-      <dgm:prSet presAssocID="{99ECAB76-9D95-4F25-A908-045E6411F215}" presName="node" presStyleLbl="node1" presStyleIdx="3" presStyleCnt="5">
-        <dgm:presLayoutVars>
-          <dgm:bulletEnabled val="1"/>
-        </dgm:presLayoutVars>
-      </dgm:prSet>
-      <dgm:spPr/>
-    </dgm:pt>
-    <dgm:pt modelId="{C3FB28C0-66A8-46A0-BD82-69E18A400669}" type="pres">
-      <dgm:prSet presAssocID="{204073F1-1570-49CC-A4CA-A28E50C207FE}" presName="sibTrans" presStyleLbl="sibTrans2D1" presStyleIdx="3" presStyleCnt="4"/>
-      <dgm:spPr/>
-    </dgm:pt>
-    <dgm:pt modelId="{6814F197-FECD-49C3-B8E3-98A1733A8470}" type="pres">
-      <dgm:prSet presAssocID="{204073F1-1570-49CC-A4CA-A28E50C207FE}" presName="connectorText" presStyleLbl="sibTrans2D1" presStyleIdx="3" presStyleCnt="4"/>
-      <dgm:spPr/>
-    </dgm:pt>
-    <dgm:pt modelId="{B61C36D8-EAD2-4278-96A8-2D23FDD13C4F}" type="pres">
-      <dgm:prSet presAssocID="{8FF7E635-EF16-4441-BD3B-EA792ED94C38}" presName="node" presStyleLbl="node1" presStyleIdx="4" presStyleCnt="5">
+      <dgm:prSet presAssocID="{5305ADC7-0364-436E-A6C6-093A2E69A265}" presName="node" presStyleLbl="node1" presStyleIdx="2" presStyleCnt="3">
         <dgm:presLayoutVars>
           <dgm:bulletEnabled val="1"/>
         </dgm:presLayoutVars>
@@ -2053,23 +2130,15 @@
   <dgm:cxnLst>
     <dgm:cxn modelId="{3983F403-F590-4818-9F45-B25158CDC284}" type="presOf" srcId="{3EB77AA3-017C-4DEE-AA55-DAD10D4E4A30}" destId="{E30B3191-BE1E-4C04-94B3-F26189724A52}" srcOrd="0" destOrd="0" presId="urn:microsoft.com/office/officeart/2005/8/layout/process5"/>
     <dgm:cxn modelId="{0BA30A13-C184-42EF-90EF-C53B0615632B}" type="presOf" srcId="{DA3778BF-918C-4834-9736-AF86D876B29E}" destId="{09BE5A6C-2EDB-4EF1-B7E8-F05C5CF598BD}" srcOrd="0" destOrd="0" presId="urn:microsoft.com/office/officeart/2005/8/layout/process5"/>
-    <dgm:cxn modelId="{AA782C3A-9C84-4783-BEF0-69BFEA29B91A}" type="presOf" srcId="{204073F1-1570-49CC-A4CA-A28E50C207FE}" destId="{6814F197-FECD-49C3-B8E3-98A1733A8470}" srcOrd="1" destOrd="0" presId="urn:microsoft.com/office/officeart/2005/8/layout/process5"/>
     <dgm:cxn modelId="{105B503B-BC0F-4CEF-A5F7-10D287D9F358}" srcId="{3EB77AA3-017C-4DEE-AA55-DAD10D4E4A30}" destId="{6766C14A-5744-4A20-9537-5018C133B23B}" srcOrd="1" destOrd="0" parTransId="{7F788022-6638-4608-8D2F-0D5F0D498379}" sibTransId="{D7245D40-B906-4B05-9900-99C3F1EE6434}"/>
     <dgm:cxn modelId="{8A53405C-EB79-4763-9CC0-E9EC0A0DBBEB}" type="presOf" srcId="{5305ADC7-0364-436E-A6C6-093A2E69A265}" destId="{8214D17A-CE82-47B9-BB81-2F76D4E77653}" srcOrd="0" destOrd="0" presId="urn:microsoft.com/office/officeart/2005/8/layout/process5"/>
-    <dgm:cxn modelId="{E9EE6443-2E11-440D-B6B1-D1C611C86F52}" type="presOf" srcId="{8FF7E635-EF16-4441-BD3B-EA792ED94C38}" destId="{B61C36D8-EAD2-4278-96A8-2D23FDD13C4F}" srcOrd="0" destOrd="0" presId="urn:microsoft.com/office/officeart/2005/8/layout/process5"/>
     <dgm:cxn modelId="{AE672E6C-3E58-411E-AA66-AA1CA578319C}" srcId="{3EB77AA3-017C-4DEE-AA55-DAD10D4E4A30}" destId="{23C29978-2FBA-4A12-9A54-1897E99A9A96}" srcOrd="0" destOrd="0" parTransId="{24C136D3-A8F5-4F8F-B97C-66F7232F1179}" sibTransId="{DA3778BF-918C-4834-9736-AF86D876B29E}"/>
     <dgm:cxn modelId="{C562E773-B6EB-4C20-9233-F4070726A45D}" type="presOf" srcId="{DA3778BF-918C-4834-9736-AF86D876B29E}" destId="{2A61FE8E-CB94-4515-B179-4753AB35E149}" srcOrd="1" destOrd="0" presId="urn:microsoft.com/office/officeart/2005/8/layout/process5"/>
-    <dgm:cxn modelId="{3EC50B57-D656-4BA7-BE70-EBA70510D333}" type="presOf" srcId="{204073F1-1570-49CC-A4CA-A28E50C207FE}" destId="{C3FB28C0-66A8-46A0-BD82-69E18A400669}" srcOrd="0" destOrd="0" presId="urn:microsoft.com/office/officeart/2005/8/layout/process5"/>
     <dgm:cxn modelId="{92D03659-DE35-46E5-A102-1173363840C4}" type="presOf" srcId="{D7245D40-B906-4B05-9900-99C3F1EE6434}" destId="{C42412D2-663D-4CCD-9712-E6E567C0526A}" srcOrd="0" destOrd="0" presId="urn:microsoft.com/office/officeart/2005/8/layout/process5"/>
-    <dgm:cxn modelId="{30EB7E95-74DE-4B1C-ADDA-477C05F9D42C}" srcId="{3EB77AA3-017C-4DEE-AA55-DAD10D4E4A30}" destId="{99ECAB76-9D95-4F25-A908-045E6411F215}" srcOrd="3" destOrd="0" parTransId="{3DC2619B-3342-4E48-B5B8-C8573913B398}" sibTransId="{204073F1-1570-49CC-A4CA-A28E50C207FE}"/>
     <dgm:cxn modelId="{9EEFF5A3-8D99-4CDC-BB60-FA482E489821}" srcId="{3EB77AA3-017C-4DEE-AA55-DAD10D4E4A30}" destId="{5305ADC7-0364-436E-A6C6-093A2E69A265}" srcOrd="2" destOrd="0" parTransId="{E20C740A-8A1F-4176-9D81-7DEC1FB154E7}" sibTransId="{9DFF8C78-DFF6-4894-9097-3BC3ADC771E0}"/>
     <dgm:cxn modelId="{EB7008CA-63BE-45D9-B294-B975B1CC8AAF}" type="presOf" srcId="{23C29978-2FBA-4A12-9A54-1897E99A9A96}" destId="{7EC0C1F7-4656-46F4-B5D7-1CA5631A5CB5}" srcOrd="0" destOrd="0" presId="urn:microsoft.com/office/officeart/2005/8/layout/process5"/>
     <dgm:cxn modelId="{D60139D3-E20C-409A-B7E1-083ADC295C3B}" type="presOf" srcId="{6766C14A-5744-4A20-9537-5018C133B23B}" destId="{2D79B42C-261C-4506-84BF-83191063CFBB}" srcOrd="0" destOrd="0" presId="urn:microsoft.com/office/officeart/2005/8/layout/process5"/>
-    <dgm:cxn modelId="{727DF0D5-3ACD-45EC-974B-0780137B5867}" type="presOf" srcId="{9DFF8C78-DFF6-4894-9097-3BC3ADC771E0}" destId="{72F142E0-77FA-4711-BA7A-271A4904F0E9}" srcOrd="1" destOrd="0" presId="urn:microsoft.com/office/officeart/2005/8/layout/process5"/>
-    <dgm:cxn modelId="{5D8107DC-72ED-44FC-B6B1-2680F1159FAF}" srcId="{3EB77AA3-017C-4DEE-AA55-DAD10D4E4A30}" destId="{8FF7E635-EF16-4441-BD3B-EA792ED94C38}" srcOrd="4" destOrd="0" parTransId="{18370D3F-0556-410A-9202-E8FAE0B5A273}" sibTransId="{37AB7AAA-D541-4045-945C-69928BC5C82F}"/>
-    <dgm:cxn modelId="{03CBFBE6-83D4-4896-86F4-0F8EA0884154}" type="presOf" srcId="{9DFF8C78-DFF6-4894-9097-3BC3ADC771E0}" destId="{F980015C-82D8-40A3-B594-647FC2467E0A}" srcOrd="0" destOrd="0" presId="urn:microsoft.com/office/officeart/2005/8/layout/process5"/>
     <dgm:cxn modelId="{A5328AEC-C79E-480E-A5E1-59400FF89E41}" type="presOf" srcId="{D7245D40-B906-4B05-9900-99C3F1EE6434}" destId="{C585330D-9064-419B-9214-73E90194F2BA}" srcOrd="1" destOrd="0" presId="urn:microsoft.com/office/officeart/2005/8/layout/process5"/>
-    <dgm:cxn modelId="{95576DF0-5DBB-4A60-9C60-22040BAFEE64}" type="presOf" srcId="{99ECAB76-9D95-4F25-A908-045E6411F215}" destId="{F4AF8AFE-0E7C-4571-958B-55795FA21160}" srcOrd="0" destOrd="0" presId="urn:microsoft.com/office/officeart/2005/8/layout/process5"/>
     <dgm:cxn modelId="{93E27FBD-704B-47B9-A2DD-BC1044899C13}" type="presParOf" srcId="{E30B3191-BE1E-4C04-94B3-F26189724A52}" destId="{7EC0C1F7-4656-46F4-B5D7-1CA5631A5CB5}" srcOrd="0" destOrd="0" presId="urn:microsoft.com/office/officeart/2005/8/layout/process5"/>
     <dgm:cxn modelId="{0C902794-6AA7-45C2-8FD1-7E3641A1CA1B}" type="presParOf" srcId="{E30B3191-BE1E-4C04-94B3-F26189724A52}" destId="{09BE5A6C-2EDB-4EF1-B7E8-F05C5CF598BD}" srcOrd="1" destOrd="0" presId="urn:microsoft.com/office/officeart/2005/8/layout/process5"/>
     <dgm:cxn modelId="{4990D896-AD92-4E0F-BE4A-FF449030E801}" type="presParOf" srcId="{09BE5A6C-2EDB-4EF1-B7E8-F05C5CF598BD}" destId="{2A61FE8E-CB94-4515-B179-4753AB35E149}" srcOrd="0" destOrd="0" presId="urn:microsoft.com/office/officeart/2005/8/layout/process5"/>
@@ -2077,12 +2146,6 @@
     <dgm:cxn modelId="{5E4832CB-D311-46FA-9BFB-232C50808E72}" type="presParOf" srcId="{E30B3191-BE1E-4C04-94B3-F26189724A52}" destId="{C42412D2-663D-4CCD-9712-E6E567C0526A}" srcOrd="3" destOrd="0" presId="urn:microsoft.com/office/officeart/2005/8/layout/process5"/>
     <dgm:cxn modelId="{E4A87F6A-1364-4CB5-A033-B0D3E3DA0C17}" type="presParOf" srcId="{C42412D2-663D-4CCD-9712-E6E567C0526A}" destId="{C585330D-9064-419B-9214-73E90194F2BA}" srcOrd="0" destOrd="0" presId="urn:microsoft.com/office/officeart/2005/8/layout/process5"/>
     <dgm:cxn modelId="{62A0CA66-021F-4FD4-BC24-4E99C8BAD965}" type="presParOf" srcId="{E30B3191-BE1E-4C04-94B3-F26189724A52}" destId="{8214D17A-CE82-47B9-BB81-2F76D4E77653}" srcOrd="4" destOrd="0" presId="urn:microsoft.com/office/officeart/2005/8/layout/process5"/>
-    <dgm:cxn modelId="{D2A5F868-0B56-4EC4-952C-FA1795E75FD3}" type="presParOf" srcId="{E30B3191-BE1E-4C04-94B3-F26189724A52}" destId="{F980015C-82D8-40A3-B594-647FC2467E0A}" srcOrd="5" destOrd="0" presId="urn:microsoft.com/office/officeart/2005/8/layout/process5"/>
-    <dgm:cxn modelId="{792D610E-7FC9-4571-A129-B0B19601EFFF}" type="presParOf" srcId="{F980015C-82D8-40A3-B594-647FC2467E0A}" destId="{72F142E0-77FA-4711-BA7A-271A4904F0E9}" srcOrd="0" destOrd="0" presId="urn:microsoft.com/office/officeart/2005/8/layout/process5"/>
-    <dgm:cxn modelId="{12ACD75E-0408-4717-B115-3C9231008430}" type="presParOf" srcId="{E30B3191-BE1E-4C04-94B3-F26189724A52}" destId="{F4AF8AFE-0E7C-4571-958B-55795FA21160}" srcOrd="6" destOrd="0" presId="urn:microsoft.com/office/officeart/2005/8/layout/process5"/>
-    <dgm:cxn modelId="{973E1D29-0B9E-4F67-80DB-D534EAF84C4A}" type="presParOf" srcId="{E30B3191-BE1E-4C04-94B3-F26189724A52}" destId="{C3FB28C0-66A8-46A0-BD82-69E18A400669}" srcOrd="7" destOrd="0" presId="urn:microsoft.com/office/officeart/2005/8/layout/process5"/>
-    <dgm:cxn modelId="{937D73C0-78DE-4FB1-96DA-4D971DB39058}" type="presParOf" srcId="{C3FB28C0-66A8-46A0-BD82-69E18A400669}" destId="{6814F197-FECD-49C3-B8E3-98A1733A8470}" srcOrd="0" destOrd="0" presId="urn:microsoft.com/office/officeart/2005/8/layout/process5"/>
-    <dgm:cxn modelId="{1AEF7A9B-36B5-42DB-BDE9-482E6DA4AB56}" type="presParOf" srcId="{E30B3191-BE1E-4C04-94B3-F26189724A52}" destId="{B61C36D8-EAD2-4278-96A8-2D23FDD13C4F}" srcOrd="8" destOrd="0" presId="urn:microsoft.com/office/officeart/2005/8/layout/process5"/>
   </dgm:cxnLst>
   <dgm:bg/>
   <dgm:whole/>
@@ -2098,7 +2161,7 @@
 <dgm:dataModel xmlns:dgm="http://schemas.openxmlformats.org/drawingml/2006/diagram" xmlns:a="http://schemas.openxmlformats.org/drawingml/2006/main">
   <dgm:ptLst>
     <dgm:pt modelId="{3EB77AA3-017C-4DEE-AA55-DAD10D4E4A30}" type="doc">
-      <dgm:prSet loTypeId="urn:microsoft.com/office/officeart/2005/8/layout/process5" loCatId="process" qsTypeId="urn:microsoft.com/office/officeart/2005/8/quickstyle/simple1" qsCatId="simple" csTypeId="urn:microsoft.com/office/officeart/2005/8/colors/accent1_2" csCatId="accent1" phldr="1"/>
+      <dgm:prSet loTypeId="urn:microsoft.com/office/officeart/2005/8/layout/process5" loCatId="process" qsTypeId="urn:microsoft.com/office/officeart/2005/8/quickstyle/simple1" qsCatId="simple" csTypeId="urn:microsoft.com/office/officeart/2005/8/colors/colorful1" csCatId="colorful" phldr="1"/>
       <dgm:spPr/>
     </dgm:pt>
     <dgm:pt modelId="{23C29978-2FBA-4A12-9A54-1897E99A9A96}">
@@ -2109,12 +2172,12 @@
         <a:lstStyle/>
         <a:p>
           <a:r>
-            <a:rPr lang="en-US">
+            <a:rPr lang="en-US" dirty="0">
               <a:latin typeface="Georgia Pro Semibold"/>
             </a:rPr>
             <a:t>Selection of projects</a:t>
           </a:r>
-          <a:endParaRPr lang="en-US"/>
+          <a:endParaRPr lang="en-US" dirty="0"/>
         </a:p>
       </dgm:t>
     </dgm:pt>
@@ -2141,12 +2204,12 @@
         <a:lstStyle/>
         <a:p>
           <a:r>
-            <a:rPr lang="en-US">
+            <a:rPr lang="en-US" dirty="0">
               <a:latin typeface="Georgia Pro Semibold"/>
             </a:rPr>
             <a:t>Execution of projects</a:t>
           </a:r>
-          <a:endParaRPr lang="en-US"/>
+          <a:endParaRPr lang="en-US" dirty="0"/>
         </a:p>
       </dgm:t>
     </dgm:pt>
@@ -2173,12 +2236,12 @@
         <a:lstStyle/>
         <a:p>
           <a:r>
-            <a:rPr lang="en-US">
+            <a:rPr lang="en-US" dirty="0">
               <a:latin typeface="Georgia Pro Semibold"/>
             </a:rPr>
             <a:t>Automation</a:t>
           </a:r>
-          <a:endParaRPr lang="en-US"/>
+          <a:endParaRPr lang="en-US" dirty="0"/>
         </a:p>
       </dgm:t>
     </dgm:pt>
@@ -2197,69 +2260,7 @@
         </a:p>
       </dgm:t>
     </dgm:pt>
-    <dgm:pt modelId="{99ECAB76-9D95-4F25-A908-045E6411F215}">
-      <dgm:prSet phldr="0"/>
-      <dgm:spPr/>
-      <dgm:t>
-        <a:bodyPr/>
-        <a:lstStyle/>
-        <a:p>
-          <a:r>
-            <a:rPr lang="en-US">
-              <a:latin typeface="Georgia Pro Semibold"/>
-            </a:rPr>
-            <a:t>Creation of Framework</a:t>
-          </a:r>
-        </a:p>
-      </dgm:t>
-    </dgm:pt>
-    <dgm:pt modelId="{3DC2619B-3342-4E48-B5B8-C8573913B398}" type="parTrans" cxnId="{30EB7E95-74DE-4B1C-ADDA-477C05F9D42C}">
-      <dgm:prSet/>
-      <dgm:spPr/>
-    </dgm:pt>
-    <dgm:pt modelId="{204073F1-1570-49CC-A4CA-A28E50C207FE}" type="sibTrans" cxnId="{30EB7E95-74DE-4B1C-ADDA-477C05F9D42C}">
-      <dgm:prSet/>
-      <dgm:spPr/>
-      <dgm:t>
-        <a:bodyPr/>
-        <a:lstStyle/>
-        <a:p>
-          <a:endParaRPr lang="en-US"/>
-        </a:p>
-      </dgm:t>
-    </dgm:pt>
-    <dgm:pt modelId="{8FF7E635-EF16-4441-BD3B-EA792ED94C38}">
-      <dgm:prSet phldr="0"/>
-      <dgm:spPr/>
-      <dgm:t>
-        <a:bodyPr/>
-        <a:lstStyle/>
-        <a:p>
-          <a:r>
-            <a:rPr lang="en-US">
-              <a:latin typeface="Georgia Pro Semibold"/>
-            </a:rPr>
-            <a:t>Empirical Study</a:t>
-          </a:r>
-        </a:p>
-      </dgm:t>
-    </dgm:pt>
-    <dgm:pt modelId="{18370D3F-0556-410A-9202-E8FAE0B5A273}" type="parTrans" cxnId="{5D8107DC-72ED-44FC-B6B1-2680F1159FAF}">
-      <dgm:prSet/>
-      <dgm:spPr/>
-    </dgm:pt>
-    <dgm:pt modelId="{37AB7AAA-D541-4045-945C-69928BC5C82F}" type="sibTrans" cxnId="{5D8107DC-72ED-44FC-B6B1-2680F1159FAF}">
-      <dgm:prSet/>
-      <dgm:spPr/>
-      <dgm:t>
-        <a:bodyPr/>
-        <a:lstStyle/>
-        <a:p>
-          <a:endParaRPr lang="en-US"/>
-        </a:p>
-      </dgm:t>
-    </dgm:pt>
-    <dgm:pt modelId="{CE936CBA-44A2-457E-80B0-2DA26300CE59}" type="pres">
+    <dgm:pt modelId="{E30B3191-BE1E-4C04-94B3-F26189724A52}" type="pres">
       <dgm:prSet presAssocID="{3EB77AA3-017C-4DEE-AA55-DAD10D4E4A30}" presName="diagram" presStyleCnt="0">
         <dgm:presLayoutVars>
           <dgm:dir/>
@@ -2268,8 +2269,8 @@
       </dgm:prSet>
       <dgm:spPr/>
     </dgm:pt>
-    <dgm:pt modelId="{D4106FE0-7A55-4F7C-94AC-6520E6AC6673}" type="pres">
-      <dgm:prSet presAssocID="{23C29978-2FBA-4A12-9A54-1897E99A9A96}" presName="node" presStyleLbl="node1" presStyleIdx="0" presStyleCnt="5">
+    <dgm:pt modelId="{7EC0C1F7-4656-46F4-B5D7-1CA5631A5CB5}" type="pres">
+      <dgm:prSet presAssocID="{23C29978-2FBA-4A12-9A54-1897E99A9A96}" presName="node" presStyleLbl="node1" presStyleIdx="0" presStyleCnt="3">
         <dgm:presLayoutVars>
           <dgm:bulletEnabled val="1"/>
         </dgm:presLayoutVars>
@@ -2280,16 +2281,16 @@
         </a:solidFill>
       </dgm:spPr>
     </dgm:pt>
-    <dgm:pt modelId="{645F4115-D69C-43EF-A10C-5BF20E519F45}" type="pres">
-      <dgm:prSet presAssocID="{DA3778BF-918C-4834-9736-AF86D876B29E}" presName="sibTrans" presStyleLbl="sibTrans2D1" presStyleIdx="0" presStyleCnt="4"/>
+    <dgm:pt modelId="{09BE5A6C-2EDB-4EF1-B7E8-F05C5CF598BD}" type="pres">
+      <dgm:prSet presAssocID="{DA3778BF-918C-4834-9736-AF86D876B29E}" presName="sibTrans" presStyleLbl="sibTrans2D1" presStyleIdx="0" presStyleCnt="2"/>
       <dgm:spPr/>
     </dgm:pt>
-    <dgm:pt modelId="{5515F6B8-BA5A-4254-99BD-ACFD12F12323}" type="pres">
-      <dgm:prSet presAssocID="{DA3778BF-918C-4834-9736-AF86D876B29E}" presName="connectorText" presStyleLbl="sibTrans2D1" presStyleIdx="0" presStyleCnt="4"/>
+    <dgm:pt modelId="{2A61FE8E-CB94-4515-B179-4753AB35E149}" type="pres">
+      <dgm:prSet presAssocID="{DA3778BF-918C-4834-9736-AF86D876B29E}" presName="connectorText" presStyleLbl="sibTrans2D1" presStyleIdx="0" presStyleCnt="2"/>
       <dgm:spPr/>
     </dgm:pt>
-    <dgm:pt modelId="{DD5E048D-42BB-474D-B3CF-4E2A1B0A7C4B}" type="pres">
-      <dgm:prSet presAssocID="{6766C14A-5744-4A20-9537-5018C133B23B}" presName="node" presStyleLbl="node1" presStyleIdx="1" presStyleCnt="5">
+    <dgm:pt modelId="{2D79B42C-261C-4506-84BF-83191063CFBB}" type="pres">
+      <dgm:prSet presAssocID="{6766C14A-5744-4A20-9537-5018C133B23B}" presName="node" presStyleLbl="node1" presStyleIdx="1" presStyleCnt="3">
         <dgm:presLayoutVars>
           <dgm:bulletEnabled val="1"/>
         </dgm:presLayoutVars>
@@ -2300,48 +2301,16 @@
         </a:solidFill>
       </dgm:spPr>
     </dgm:pt>
-    <dgm:pt modelId="{28B2CEDC-E1E8-475C-943B-64D483DDD083}" type="pres">
-      <dgm:prSet presAssocID="{D7245D40-B906-4B05-9900-99C3F1EE6434}" presName="sibTrans" presStyleLbl="sibTrans2D1" presStyleIdx="1" presStyleCnt="4"/>
+    <dgm:pt modelId="{C42412D2-663D-4CCD-9712-E6E567C0526A}" type="pres">
+      <dgm:prSet presAssocID="{D7245D40-B906-4B05-9900-99C3F1EE6434}" presName="sibTrans" presStyleLbl="sibTrans2D1" presStyleIdx="1" presStyleCnt="2"/>
       <dgm:spPr/>
     </dgm:pt>
-    <dgm:pt modelId="{B9296936-9E56-4720-8BAC-417AFA7B9501}" type="pres">
-      <dgm:prSet presAssocID="{D7245D40-B906-4B05-9900-99C3F1EE6434}" presName="connectorText" presStyleLbl="sibTrans2D1" presStyleIdx="1" presStyleCnt="4"/>
+    <dgm:pt modelId="{C585330D-9064-419B-9214-73E90194F2BA}" type="pres">
+      <dgm:prSet presAssocID="{D7245D40-B906-4B05-9900-99C3F1EE6434}" presName="connectorText" presStyleLbl="sibTrans2D1" presStyleIdx="1" presStyleCnt="2"/>
       <dgm:spPr/>
     </dgm:pt>
-    <dgm:pt modelId="{54ABB4D7-F70D-4C54-B16D-24BF8DECDA9F}" type="pres">
-      <dgm:prSet presAssocID="{5305ADC7-0364-436E-A6C6-093A2E69A265}" presName="node" presStyleLbl="node1" presStyleIdx="2" presStyleCnt="5">
-        <dgm:presLayoutVars>
-          <dgm:bulletEnabled val="1"/>
-        </dgm:presLayoutVars>
-      </dgm:prSet>
-      <dgm:spPr/>
-    </dgm:pt>
-    <dgm:pt modelId="{FFA2EA42-A808-449F-B323-453336AB77B6}" type="pres">
-      <dgm:prSet presAssocID="{9DFF8C78-DFF6-4894-9097-3BC3ADC771E0}" presName="sibTrans" presStyleLbl="sibTrans2D1" presStyleIdx="2" presStyleCnt="4"/>
-      <dgm:spPr/>
-    </dgm:pt>
-    <dgm:pt modelId="{41812C11-21E5-46F0-875B-B42BEBB77930}" type="pres">
-      <dgm:prSet presAssocID="{9DFF8C78-DFF6-4894-9097-3BC3ADC771E0}" presName="connectorText" presStyleLbl="sibTrans2D1" presStyleIdx="2" presStyleCnt="4"/>
-      <dgm:spPr/>
-    </dgm:pt>
-    <dgm:pt modelId="{CF3F11DE-0408-474D-8F18-529E407E4970}" type="pres">
-      <dgm:prSet presAssocID="{99ECAB76-9D95-4F25-A908-045E6411F215}" presName="node" presStyleLbl="node1" presStyleIdx="3" presStyleCnt="5">
-        <dgm:presLayoutVars>
-          <dgm:bulletEnabled val="1"/>
-        </dgm:presLayoutVars>
-      </dgm:prSet>
-      <dgm:spPr/>
-    </dgm:pt>
-    <dgm:pt modelId="{22BF64BF-743E-4617-9FA1-569AE4AEA933}" type="pres">
-      <dgm:prSet presAssocID="{204073F1-1570-49CC-A4CA-A28E50C207FE}" presName="sibTrans" presStyleLbl="sibTrans2D1" presStyleIdx="3" presStyleCnt="4"/>
-      <dgm:spPr/>
-    </dgm:pt>
-    <dgm:pt modelId="{6262C3D0-5E19-4086-9C53-CBFDEB92DE5D}" type="pres">
-      <dgm:prSet presAssocID="{204073F1-1570-49CC-A4CA-A28E50C207FE}" presName="connectorText" presStyleLbl="sibTrans2D1" presStyleIdx="3" presStyleCnt="4"/>
-      <dgm:spPr/>
-    </dgm:pt>
-    <dgm:pt modelId="{8A4DC5D6-C569-4E0D-A592-ADA09EE3FB65}" type="pres">
-      <dgm:prSet presAssocID="{8FF7E635-EF16-4441-BD3B-EA792ED94C38}" presName="node" presStyleLbl="node1" presStyleIdx="4" presStyleCnt="5">
+    <dgm:pt modelId="{8214D17A-CE82-47B9-BB81-2F76D4E77653}" type="pres">
+      <dgm:prSet presAssocID="{5305ADC7-0364-436E-A6C6-093A2E69A265}" presName="node" presStyleLbl="node1" presStyleIdx="2" presStyleCnt="3">
         <dgm:presLayoutVars>
           <dgm:bulletEnabled val="1"/>
         </dgm:presLayoutVars>
@@ -2350,38 +2319,24 @@
     </dgm:pt>
   </dgm:ptLst>
   <dgm:cxnLst>
-    <dgm:cxn modelId="{03DCDD03-F134-4D36-8663-A13143D73997}" type="presOf" srcId="{99ECAB76-9D95-4F25-A908-045E6411F215}" destId="{CF3F11DE-0408-474D-8F18-529E407E4970}" srcOrd="0" destOrd="0" presId="urn:microsoft.com/office/officeart/2005/8/layout/process5"/>
-    <dgm:cxn modelId="{192C712B-C5DB-441C-B95C-BF641BD5A1D9}" type="presOf" srcId="{8FF7E635-EF16-4441-BD3B-EA792ED94C38}" destId="{8A4DC5D6-C569-4E0D-A592-ADA09EE3FB65}" srcOrd="0" destOrd="0" presId="urn:microsoft.com/office/officeart/2005/8/layout/process5"/>
-    <dgm:cxn modelId="{CE4C472F-FEF1-4735-A48C-9213BB011CB6}" type="presOf" srcId="{3EB77AA3-017C-4DEE-AA55-DAD10D4E4A30}" destId="{CE936CBA-44A2-457E-80B0-2DA26300CE59}" srcOrd="0" destOrd="0" presId="urn:microsoft.com/office/officeart/2005/8/layout/process5"/>
+    <dgm:cxn modelId="{3983F403-F590-4818-9F45-B25158CDC284}" type="presOf" srcId="{3EB77AA3-017C-4DEE-AA55-DAD10D4E4A30}" destId="{E30B3191-BE1E-4C04-94B3-F26189724A52}" srcOrd="0" destOrd="0" presId="urn:microsoft.com/office/officeart/2005/8/layout/process5"/>
+    <dgm:cxn modelId="{0BA30A13-C184-42EF-90EF-C53B0615632B}" type="presOf" srcId="{DA3778BF-918C-4834-9736-AF86D876B29E}" destId="{09BE5A6C-2EDB-4EF1-B7E8-F05C5CF598BD}" srcOrd="0" destOrd="0" presId="urn:microsoft.com/office/officeart/2005/8/layout/process5"/>
     <dgm:cxn modelId="{105B503B-BC0F-4CEF-A5F7-10D287D9F358}" srcId="{3EB77AA3-017C-4DEE-AA55-DAD10D4E4A30}" destId="{6766C14A-5744-4A20-9537-5018C133B23B}" srcOrd="1" destOrd="0" parTransId="{7F788022-6638-4608-8D2F-0D5F0D498379}" sibTransId="{D7245D40-B906-4B05-9900-99C3F1EE6434}"/>
-    <dgm:cxn modelId="{B90B0D3D-C5CF-4343-A16A-0F316490B191}" type="presOf" srcId="{9DFF8C78-DFF6-4894-9097-3BC3ADC771E0}" destId="{41812C11-21E5-46F0-875B-B42BEBB77930}" srcOrd="1" destOrd="0" presId="urn:microsoft.com/office/officeart/2005/8/layout/process5"/>
-    <dgm:cxn modelId="{1CF1433E-2F61-4FF8-A0F0-3751C2337562}" type="presOf" srcId="{23C29978-2FBA-4A12-9A54-1897E99A9A96}" destId="{D4106FE0-7A55-4F7C-94AC-6520E6AC6673}" srcOrd="0" destOrd="0" presId="urn:microsoft.com/office/officeart/2005/8/layout/process5"/>
-    <dgm:cxn modelId="{22D15843-4F7E-4CDB-AB38-4651501EEE2D}" type="presOf" srcId="{204073F1-1570-49CC-A4CA-A28E50C207FE}" destId="{22BF64BF-743E-4617-9FA1-569AE4AEA933}" srcOrd="0" destOrd="0" presId="urn:microsoft.com/office/officeart/2005/8/layout/process5"/>
-    <dgm:cxn modelId="{47935164-B6F1-4972-83F1-7346112B9948}" type="presOf" srcId="{DA3778BF-918C-4834-9736-AF86D876B29E}" destId="{5515F6B8-BA5A-4254-99BD-ACFD12F12323}" srcOrd="1" destOrd="0" presId="urn:microsoft.com/office/officeart/2005/8/layout/process5"/>
-    <dgm:cxn modelId="{0F2B5067-37B1-42AE-BE40-5111BFA29F4A}" type="presOf" srcId="{6766C14A-5744-4A20-9537-5018C133B23B}" destId="{DD5E048D-42BB-474D-B3CF-4E2A1B0A7C4B}" srcOrd="0" destOrd="0" presId="urn:microsoft.com/office/officeart/2005/8/layout/process5"/>
+    <dgm:cxn modelId="{8A53405C-EB79-4763-9CC0-E9EC0A0DBBEB}" type="presOf" srcId="{5305ADC7-0364-436E-A6C6-093A2E69A265}" destId="{8214D17A-CE82-47B9-BB81-2F76D4E77653}" srcOrd="0" destOrd="0" presId="urn:microsoft.com/office/officeart/2005/8/layout/process5"/>
     <dgm:cxn modelId="{AE672E6C-3E58-411E-AA66-AA1CA578319C}" srcId="{3EB77AA3-017C-4DEE-AA55-DAD10D4E4A30}" destId="{23C29978-2FBA-4A12-9A54-1897E99A9A96}" srcOrd="0" destOrd="0" parTransId="{24C136D3-A8F5-4F8F-B97C-66F7232F1179}" sibTransId="{DA3778BF-918C-4834-9736-AF86D876B29E}"/>
-    <dgm:cxn modelId="{27A1374C-C774-4D4E-879C-6D5C23F823D2}" type="presOf" srcId="{D7245D40-B906-4B05-9900-99C3F1EE6434}" destId="{28B2CEDC-E1E8-475C-943B-64D483DDD083}" srcOrd="0" destOrd="0" presId="urn:microsoft.com/office/officeart/2005/8/layout/process5"/>
-    <dgm:cxn modelId="{87191E8A-4111-4C80-9A96-CE738C9724F4}" type="presOf" srcId="{9DFF8C78-DFF6-4894-9097-3BC3ADC771E0}" destId="{FFA2EA42-A808-449F-B323-453336AB77B6}" srcOrd="0" destOrd="0" presId="urn:microsoft.com/office/officeart/2005/8/layout/process5"/>
-    <dgm:cxn modelId="{30EB7E95-74DE-4B1C-ADDA-477C05F9D42C}" srcId="{3EB77AA3-017C-4DEE-AA55-DAD10D4E4A30}" destId="{99ECAB76-9D95-4F25-A908-045E6411F215}" srcOrd="3" destOrd="0" parTransId="{3DC2619B-3342-4E48-B5B8-C8573913B398}" sibTransId="{204073F1-1570-49CC-A4CA-A28E50C207FE}"/>
-    <dgm:cxn modelId="{F68F999A-EE27-4A23-8822-BA6E47A80B40}" type="presOf" srcId="{5305ADC7-0364-436E-A6C6-093A2E69A265}" destId="{54ABB4D7-F70D-4C54-B16D-24BF8DECDA9F}" srcOrd="0" destOrd="0" presId="urn:microsoft.com/office/officeart/2005/8/layout/process5"/>
+    <dgm:cxn modelId="{C562E773-B6EB-4C20-9233-F4070726A45D}" type="presOf" srcId="{DA3778BF-918C-4834-9736-AF86D876B29E}" destId="{2A61FE8E-CB94-4515-B179-4753AB35E149}" srcOrd="1" destOrd="0" presId="urn:microsoft.com/office/officeart/2005/8/layout/process5"/>
+    <dgm:cxn modelId="{92D03659-DE35-46E5-A102-1173363840C4}" type="presOf" srcId="{D7245D40-B906-4B05-9900-99C3F1EE6434}" destId="{C42412D2-663D-4CCD-9712-E6E567C0526A}" srcOrd="0" destOrd="0" presId="urn:microsoft.com/office/officeart/2005/8/layout/process5"/>
     <dgm:cxn modelId="{9EEFF5A3-8D99-4CDC-BB60-FA482E489821}" srcId="{3EB77AA3-017C-4DEE-AA55-DAD10D4E4A30}" destId="{5305ADC7-0364-436E-A6C6-093A2E69A265}" srcOrd="2" destOrd="0" parTransId="{E20C740A-8A1F-4176-9D81-7DEC1FB154E7}" sibTransId="{9DFF8C78-DFF6-4894-9097-3BC3ADC771E0}"/>
-    <dgm:cxn modelId="{5346DCC9-697F-4DED-8C42-B8A7219921E8}" type="presOf" srcId="{DA3778BF-918C-4834-9736-AF86D876B29E}" destId="{645F4115-D69C-43EF-A10C-5BF20E519F45}" srcOrd="0" destOrd="0" presId="urn:microsoft.com/office/officeart/2005/8/layout/process5"/>
-    <dgm:cxn modelId="{A88D05D6-585B-4B84-AF24-AB6434401223}" type="presOf" srcId="{D7245D40-B906-4B05-9900-99C3F1EE6434}" destId="{B9296936-9E56-4720-8BAC-417AFA7B9501}" srcOrd="1" destOrd="0" presId="urn:microsoft.com/office/officeart/2005/8/layout/process5"/>
-    <dgm:cxn modelId="{5D8107DC-72ED-44FC-B6B1-2680F1159FAF}" srcId="{3EB77AA3-017C-4DEE-AA55-DAD10D4E4A30}" destId="{8FF7E635-EF16-4441-BD3B-EA792ED94C38}" srcOrd="4" destOrd="0" parTransId="{18370D3F-0556-410A-9202-E8FAE0B5A273}" sibTransId="{37AB7AAA-D541-4045-945C-69928BC5C82F}"/>
-    <dgm:cxn modelId="{B9F0CDDE-F935-4855-A74C-438F82497BDF}" type="presOf" srcId="{204073F1-1570-49CC-A4CA-A28E50C207FE}" destId="{6262C3D0-5E19-4086-9C53-CBFDEB92DE5D}" srcOrd="1" destOrd="0" presId="urn:microsoft.com/office/officeart/2005/8/layout/process5"/>
-    <dgm:cxn modelId="{9A3F4476-62BB-4D6D-83BD-0F332EB042CA}" type="presParOf" srcId="{CE936CBA-44A2-457E-80B0-2DA26300CE59}" destId="{D4106FE0-7A55-4F7C-94AC-6520E6AC6673}" srcOrd="0" destOrd="0" presId="urn:microsoft.com/office/officeart/2005/8/layout/process5"/>
-    <dgm:cxn modelId="{C7DE1C11-44AB-4DD3-A4BF-A605C6B9547A}" type="presParOf" srcId="{CE936CBA-44A2-457E-80B0-2DA26300CE59}" destId="{645F4115-D69C-43EF-A10C-5BF20E519F45}" srcOrd="1" destOrd="0" presId="urn:microsoft.com/office/officeart/2005/8/layout/process5"/>
-    <dgm:cxn modelId="{AD5B294C-DC56-4CDA-B05C-436E05561F9D}" type="presParOf" srcId="{645F4115-D69C-43EF-A10C-5BF20E519F45}" destId="{5515F6B8-BA5A-4254-99BD-ACFD12F12323}" srcOrd="0" destOrd="0" presId="urn:microsoft.com/office/officeart/2005/8/layout/process5"/>
-    <dgm:cxn modelId="{45759ECA-E196-4B72-BF6B-07851B3421C1}" type="presParOf" srcId="{CE936CBA-44A2-457E-80B0-2DA26300CE59}" destId="{DD5E048D-42BB-474D-B3CF-4E2A1B0A7C4B}" srcOrd="2" destOrd="0" presId="urn:microsoft.com/office/officeart/2005/8/layout/process5"/>
-    <dgm:cxn modelId="{8E33F690-A6BB-413B-959F-98CD0FA923D1}" type="presParOf" srcId="{CE936CBA-44A2-457E-80B0-2DA26300CE59}" destId="{28B2CEDC-E1E8-475C-943B-64D483DDD083}" srcOrd="3" destOrd="0" presId="urn:microsoft.com/office/officeart/2005/8/layout/process5"/>
-    <dgm:cxn modelId="{172A4FB8-6507-4135-BB1F-9353E3CAC7D3}" type="presParOf" srcId="{28B2CEDC-E1E8-475C-943B-64D483DDD083}" destId="{B9296936-9E56-4720-8BAC-417AFA7B9501}" srcOrd="0" destOrd="0" presId="urn:microsoft.com/office/officeart/2005/8/layout/process5"/>
-    <dgm:cxn modelId="{9C27CE82-BAF9-4C03-BD34-29463BC67832}" type="presParOf" srcId="{CE936CBA-44A2-457E-80B0-2DA26300CE59}" destId="{54ABB4D7-F70D-4C54-B16D-24BF8DECDA9F}" srcOrd="4" destOrd="0" presId="urn:microsoft.com/office/officeart/2005/8/layout/process5"/>
-    <dgm:cxn modelId="{5F67BF99-ABB7-4207-A74C-36B28531EB27}" type="presParOf" srcId="{CE936CBA-44A2-457E-80B0-2DA26300CE59}" destId="{FFA2EA42-A808-449F-B323-453336AB77B6}" srcOrd="5" destOrd="0" presId="urn:microsoft.com/office/officeart/2005/8/layout/process5"/>
-    <dgm:cxn modelId="{06B68FAD-47C4-4646-AA6B-9353FBEDA8F8}" type="presParOf" srcId="{FFA2EA42-A808-449F-B323-453336AB77B6}" destId="{41812C11-21E5-46F0-875B-B42BEBB77930}" srcOrd="0" destOrd="0" presId="urn:microsoft.com/office/officeart/2005/8/layout/process5"/>
-    <dgm:cxn modelId="{FBF4CDA6-C4BE-4B2F-87CC-4F614CAE9C5C}" type="presParOf" srcId="{CE936CBA-44A2-457E-80B0-2DA26300CE59}" destId="{CF3F11DE-0408-474D-8F18-529E407E4970}" srcOrd="6" destOrd="0" presId="urn:microsoft.com/office/officeart/2005/8/layout/process5"/>
-    <dgm:cxn modelId="{E43ADB4F-298D-49FD-80C6-9A47A5C39430}" type="presParOf" srcId="{CE936CBA-44A2-457E-80B0-2DA26300CE59}" destId="{22BF64BF-743E-4617-9FA1-569AE4AEA933}" srcOrd="7" destOrd="0" presId="urn:microsoft.com/office/officeart/2005/8/layout/process5"/>
-    <dgm:cxn modelId="{4CF19DF5-BC3C-470B-B2D3-A8A51D34584A}" type="presParOf" srcId="{22BF64BF-743E-4617-9FA1-569AE4AEA933}" destId="{6262C3D0-5E19-4086-9C53-CBFDEB92DE5D}" srcOrd="0" destOrd="0" presId="urn:microsoft.com/office/officeart/2005/8/layout/process5"/>
-    <dgm:cxn modelId="{23D76926-8781-4766-9106-F8AB70F798DB}" type="presParOf" srcId="{CE936CBA-44A2-457E-80B0-2DA26300CE59}" destId="{8A4DC5D6-C569-4E0D-A592-ADA09EE3FB65}" srcOrd="8" destOrd="0" presId="urn:microsoft.com/office/officeart/2005/8/layout/process5"/>
+    <dgm:cxn modelId="{EB7008CA-63BE-45D9-B294-B975B1CC8AAF}" type="presOf" srcId="{23C29978-2FBA-4A12-9A54-1897E99A9A96}" destId="{7EC0C1F7-4656-46F4-B5D7-1CA5631A5CB5}" srcOrd="0" destOrd="0" presId="urn:microsoft.com/office/officeart/2005/8/layout/process5"/>
+    <dgm:cxn modelId="{D60139D3-E20C-409A-B7E1-083ADC295C3B}" type="presOf" srcId="{6766C14A-5744-4A20-9537-5018C133B23B}" destId="{2D79B42C-261C-4506-84BF-83191063CFBB}" srcOrd="0" destOrd="0" presId="urn:microsoft.com/office/officeart/2005/8/layout/process5"/>
+    <dgm:cxn modelId="{A5328AEC-C79E-480E-A5E1-59400FF89E41}" type="presOf" srcId="{D7245D40-B906-4B05-9900-99C3F1EE6434}" destId="{C585330D-9064-419B-9214-73E90194F2BA}" srcOrd="1" destOrd="0" presId="urn:microsoft.com/office/officeart/2005/8/layout/process5"/>
+    <dgm:cxn modelId="{93E27FBD-704B-47B9-A2DD-BC1044899C13}" type="presParOf" srcId="{E30B3191-BE1E-4C04-94B3-F26189724A52}" destId="{7EC0C1F7-4656-46F4-B5D7-1CA5631A5CB5}" srcOrd="0" destOrd="0" presId="urn:microsoft.com/office/officeart/2005/8/layout/process5"/>
+    <dgm:cxn modelId="{0C902794-6AA7-45C2-8FD1-7E3641A1CA1B}" type="presParOf" srcId="{E30B3191-BE1E-4C04-94B3-F26189724A52}" destId="{09BE5A6C-2EDB-4EF1-B7E8-F05C5CF598BD}" srcOrd="1" destOrd="0" presId="urn:microsoft.com/office/officeart/2005/8/layout/process5"/>
+    <dgm:cxn modelId="{4990D896-AD92-4E0F-BE4A-FF449030E801}" type="presParOf" srcId="{09BE5A6C-2EDB-4EF1-B7E8-F05C5CF598BD}" destId="{2A61FE8E-CB94-4515-B179-4753AB35E149}" srcOrd="0" destOrd="0" presId="urn:microsoft.com/office/officeart/2005/8/layout/process5"/>
+    <dgm:cxn modelId="{DCDB1784-C26C-4150-AE7E-5E10F9E6969A}" type="presParOf" srcId="{E30B3191-BE1E-4C04-94B3-F26189724A52}" destId="{2D79B42C-261C-4506-84BF-83191063CFBB}" srcOrd="2" destOrd="0" presId="urn:microsoft.com/office/officeart/2005/8/layout/process5"/>
+    <dgm:cxn modelId="{5E4832CB-D311-46FA-9BFB-232C50808E72}" type="presParOf" srcId="{E30B3191-BE1E-4C04-94B3-F26189724A52}" destId="{C42412D2-663D-4CCD-9712-E6E567C0526A}" srcOrd="3" destOrd="0" presId="urn:microsoft.com/office/officeart/2005/8/layout/process5"/>
+    <dgm:cxn modelId="{E4A87F6A-1364-4CB5-A033-B0D3E3DA0C17}" type="presParOf" srcId="{C42412D2-663D-4CCD-9712-E6E567C0526A}" destId="{C585330D-9064-419B-9214-73E90194F2BA}" srcOrd="0" destOrd="0" presId="urn:microsoft.com/office/officeart/2005/8/layout/process5"/>
+    <dgm:cxn modelId="{62A0CA66-021F-4FD4-BC24-4E99C8BAD965}" type="presParOf" srcId="{E30B3191-BE1E-4C04-94B3-F26189724A52}" destId="{8214D17A-CE82-47B9-BB81-2F76D4E77653}" srcOrd="4" destOrd="0" presId="urn:microsoft.com/office/officeart/2005/8/layout/process5"/>
   </dgm:cxnLst>
   <dgm:bg/>
   <dgm:whole/>
@@ -2408,8 +2363,8 @@
       </dsp:nvSpPr>
       <dsp:spPr>
         <a:xfrm>
-          <a:off x="826911" y="635"/>
-          <a:ext cx="2216743" cy="1330046"/>
+          <a:off x="8857" y="979841"/>
+          <a:ext cx="2647298" cy="1588379"/>
         </a:xfrm>
         <a:prstGeom prst="roundRect">
           <a:avLst>
@@ -2453,12 +2408,12 @@
         </a:fontRef>
       </dsp:style>
       <dsp:txBody>
-        <a:bodyPr spcFirstLastPara="0" vert="horz" wrap="square" lIns="99060" tIns="99060" rIns="99060" bIns="99060" numCol="1" spcCol="1270" anchor="ctr" anchorCtr="0">
+        <a:bodyPr spcFirstLastPara="0" vert="horz" wrap="square" lIns="118110" tIns="118110" rIns="118110" bIns="118110" numCol="1" spcCol="1270" anchor="ctr" anchorCtr="0">
           <a:noAutofit/>
         </a:bodyPr>
         <a:lstStyle/>
         <a:p>
-          <a:pPr marL="0" lvl="0" indent="0" algn="ctr" defTabSz="1155700">
+          <a:pPr marL="0" lvl="0" indent="0" algn="ctr" defTabSz="1377950">
             <a:lnSpc>
               <a:spcPct val="90000"/>
             </a:lnSpc>
@@ -2471,17 +2426,17 @@
             <a:buNone/>
           </a:pPr>
           <a:r>
-            <a:rPr lang="en-US" sz="2600" kern="1200">
+            <a:rPr lang="en-US" sz="3100" kern="1200" dirty="0">
               <a:latin typeface="Georgia Pro Semibold"/>
             </a:rPr>
             <a:t>Selection of projects</a:t>
           </a:r>
-          <a:endParaRPr lang="en-US" sz="2600" kern="1200"/>
+          <a:endParaRPr lang="en-US" sz="3100" kern="1200" dirty="0"/>
         </a:p>
       </dsp:txBody>
       <dsp:txXfrm>
-        <a:off x="865867" y="39591"/>
-        <a:ext cx="2138831" cy="1252134"/>
+        <a:off x="55379" y="1026363"/>
+        <a:ext cx="2554254" cy="1495335"/>
       </dsp:txXfrm>
     </dsp:sp>
     <dsp:sp modelId="{09BE5A6C-2EDB-4EF1-B7E8-F05C5CF598BD}">
@@ -2491,8 +2446,8 @@
       </dsp:nvSpPr>
       <dsp:spPr>
         <a:xfrm>
-          <a:off x="3238729" y="390782"/>
-          <a:ext cx="469949" cy="549752"/>
+          <a:off x="2889118" y="1445765"/>
+          <a:ext cx="561227" cy="656530"/>
         </a:xfrm>
         <a:prstGeom prst="rightArrow">
           <a:avLst>
@@ -2533,7 +2488,7 @@
         </a:bodyPr>
         <a:lstStyle/>
         <a:p>
-          <a:pPr marL="0" lvl="0" indent="0" algn="ctr" defTabSz="933450">
+          <a:pPr marL="0" lvl="0" indent="0" algn="ctr" defTabSz="1111250">
             <a:lnSpc>
               <a:spcPct val="90000"/>
             </a:lnSpc>
@@ -2545,12 +2500,12 @@
             </a:spcAft>
             <a:buNone/>
           </a:pPr>
-          <a:endParaRPr lang="en-US" sz="2100" kern="1200"/>
+          <a:endParaRPr lang="en-US" sz="2500" kern="1200"/>
         </a:p>
       </dsp:txBody>
       <dsp:txXfrm>
-        <a:off x="3238729" y="500732"/>
-        <a:ext cx="328964" cy="329852"/>
+        <a:off x="2889118" y="1577071"/>
+        <a:ext cx="392859" cy="393918"/>
       </dsp:txXfrm>
     </dsp:sp>
     <dsp:sp modelId="{2D79B42C-261C-4506-84BF-83191063CFBB}">
@@ -2560,8 +2515,8 @@
       </dsp:nvSpPr>
       <dsp:spPr>
         <a:xfrm>
-          <a:off x="3930353" y="635"/>
-          <a:ext cx="2216743" cy="1330046"/>
+          <a:off x="3715075" y="979841"/>
+          <a:ext cx="2647298" cy="1588379"/>
         </a:xfrm>
         <a:prstGeom prst="roundRect">
           <a:avLst>
@@ -2605,12 +2560,12 @@
         </a:fontRef>
       </dsp:style>
       <dsp:txBody>
-        <a:bodyPr spcFirstLastPara="0" vert="horz" wrap="square" lIns="99060" tIns="99060" rIns="99060" bIns="99060" numCol="1" spcCol="1270" anchor="ctr" anchorCtr="0">
+        <a:bodyPr spcFirstLastPara="0" vert="horz" wrap="square" lIns="118110" tIns="118110" rIns="118110" bIns="118110" numCol="1" spcCol="1270" anchor="ctr" anchorCtr="0">
           <a:noAutofit/>
         </a:bodyPr>
         <a:lstStyle/>
         <a:p>
-          <a:pPr marL="0" lvl="0" indent="0" algn="ctr" defTabSz="1155700">
+          <a:pPr marL="0" lvl="0" indent="0" algn="ctr" defTabSz="1377950">
             <a:lnSpc>
               <a:spcPct val="90000"/>
             </a:lnSpc>
@@ -2623,17 +2578,17 @@
             <a:buNone/>
           </a:pPr>
           <a:r>
-            <a:rPr lang="en-US" sz="2600" kern="1200">
+            <a:rPr lang="en-US" sz="3100" kern="1200" dirty="0">
               <a:latin typeface="Georgia Pro Semibold"/>
             </a:rPr>
             <a:t>Execution of projects</a:t>
           </a:r>
-          <a:endParaRPr lang="en-US" sz="2600" kern="1200"/>
+          <a:endParaRPr lang="en-US" sz="3100" kern="1200" dirty="0"/>
         </a:p>
       </dsp:txBody>
       <dsp:txXfrm>
-        <a:off x="3969309" y="39591"/>
-        <a:ext cx="2138831" cy="1252134"/>
+        <a:off x="3761597" y="1026363"/>
+        <a:ext cx="2554254" cy="1495335"/>
       </dsp:txXfrm>
     </dsp:sp>
     <dsp:sp modelId="{C42412D2-663D-4CCD-9712-E6E567C0526A}">
@@ -2643,8 +2598,8 @@
       </dsp:nvSpPr>
       <dsp:spPr>
         <a:xfrm>
-          <a:off x="6342170" y="390782"/>
-          <a:ext cx="469949" cy="549752"/>
+          <a:off x="6595336" y="1445765"/>
+          <a:ext cx="561227" cy="656530"/>
         </a:xfrm>
         <a:prstGeom prst="rightArrow">
           <a:avLst>
@@ -2685,7 +2640,7 @@
         </a:bodyPr>
         <a:lstStyle/>
         <a:p>
-          <a:pPr marL="0" lvl="0" indent="0" algn="ctr" defTabSz="933450">
+          <a:pPr marL="0" lvl="0" indent="0" algn="ctr" defTabSz="1111250">
             <a:lnSpc>
               <a:spcPct val="90000"/>
             </a:lnSpc>
@@ -2697,12 +2652,12 @@
             </a:spcAft>
             <a:buNone/>
           </a:pPr>
-          <a:endParaRPr lang="en-US" sz="2100" kern="1200"/>
+          <a:endParaRPr lang="en-US" sz="2500" kern="1200"/>
         </a:p>
       </dsp:txBody>
       <dsp:txXfrm>
-        <a:off x="6342170" y="500732"/>
-        <a:ext cx="328964" cy="329852"/>
+        <a:off x="6595336" y="1577071"/>
+        <a:ext cx="392859" cy="393918"/>
       </dsp:txXfrm>
     </dsp:sp>
     <dsp:sp modelId="{8214D17A-CE82-47B9-BB81-2F76D4E77653}">
@@ -2712,8 +2667,8 @@
       </dsp:nvSpPr>
       <dsp:spPr>
         <a:xfrm>
-          <a:off x="7033794" y="635"/>
-          <a:ext cx="2216743" cy="1330046"/>
+          <a:off x="7421293" y="979841"/>
+          <a:ext cx="2647298" cy="1588379"/>
         </a:xfrm>
         <a:prstGeom prst="roundRect">
           <a:avLst>
@@ -2757,12 +2712,12 @@
         </a:fontRef>
       </dsp:style>
       <dsp:txBody>
-        <a:bodyPr spcFirstLastPara="0" vert="horz" wrap="square" lIns="99060" tIns="99060" rIns="99060" bIns="99060" numCol="1" spcCol="1270" anchor="ctr" anchorCtr="0">
+        <a:bodyPr spcFirstLastPara="0" vert="horz" wrap="square" lIns="118110" tIns="118110" rIns="118110" bIns="118110" numCol="1" spcCol="1270" anchor="ctr" anchorCtr="0">
           <a:noAutofit/>
         </a:bodyPr>
         <a:lstStyle/>
         <a:p>
-          <a:pPr marL="0" lvl="0" indent="0" algn="ctr" defTabSz="1155700">
+          <a:pPr marL="0" lvl="0" indent="0" algn="ctr" defTabSz="1377950">
             <a:lnSpc>
               <a:spcPct val="90000"/>
             </a:lnSpc>
@@ -2775,319 +2730,17 @@
             <a:buNone/>
           </a:pPr>
           <a:r>
-            <a:rPr lang="en-US" sz="2600" kern="1200">
+            <a:rPr lang="en-US" sz="3100" kern="1200" dirty="0">
               <a:latin typeface="Georgia Pro Semibold"/>
             </a:rPr>
             <a:t>Automation</a:t>
           </a:r>
-          <a:endParaRPr lang="en-US" sz="2600" kern="1200"/>
+          <a:endParaRPr lang="en-US" sz="3100" kern="1200" dirty="0"/>
         </a:p>
       </dsp:txBody>
       <dsp:txXfrm>
-        <a:off x="7072750" y="39591"/>
-        <a:ext cx="2138831" cy="1252134"/>
-      </dsp:txXfrm>
-    </dsp:sp>
-    <dsp:sp modelId="{F980015C-82D8-40A3-B594-647FC2467E0A}">
-      <dsp:nvSpPr>
-        <dsp:cNvPr id="0" name=""/>
-        <dsp:cNvSpPr/>
-      </dsp:nvSpPr>
-      <dsp:spPr>
-        <a:xfrm rot="5400000">
-          <a:off x="7907191" y="1485854"/>
-          <a:ext cx="469949" cy="549752"/>
-        </a:xfrm>
-        <a:prstGeom prst="rightArrow">
-          <a:avLst>
-            <a:gd name="adj1" fmla="val 60000"/>
-            <a:gd name="adj2" fmla="val 50000"/>
-          </a:avLst>
-        </a:prstGeom>
-        <a:solidFill>
-          <a:schemeClr val="accent4">
-            <a:hueOff val="0"/>
-            <a:satOff val="0"/>
-            <a:lumOff val="0"/>
-            <a:alphaOff val="0"/>
-          </a:schemeClr>
-        </a:solidFill>
-        <a:ln>
-          <a:noFill/>
-        </a:ln>
-        <a:effectLst/>
-      </dsp:spPr>
-      <dsp:style>
-        <a:lnRef idx="0">
-          <a:scrgbClr r="0" g="0" b="0"/>
-        </a:lnRef>
-        <a:fillRef idx="1">
-          <a:scrgbClr r="0" g="0" b="0"/>
-        </a:fillRef>
-        <a:effectRef idx="0">
-          <a:scrgbClr r="0" g="0" b="0"/>
-        </a:effectRef>
-        <a:fontRef idx="minor">
-          <a:schemeClr val="lt1"/>
-        </a:fontRef>
-      </dsp:style>
-      <dsp:txBody>
-        <a:bodyPr spcFirstLastPara="0" vert="horz" wrap="square" lIns="0" tIns="0" rIns="0" bIns="0" numCol="1" spcCol="1270" anchor="ctr" anchorCtr="0">
-          <a:noAutofit/>
-        </a:bodyPr>
-        <a:lstStyle/>
-        <a:p>
-          <a:pPr marL="0" lvl="0" indent="0" algn="ctr" defTabSz="933450">
-            <a:lnSpc>
-              <a:spcPct val="90000"/>
-            </a:lnSpc>
-            <a:spcBef>
-              <a:spcPct val="0"/>
-            </a:spcBef>
-            <a:spcAft>
-              <a:spcPct val="35000"/>
-            </a:spcAft>
-            <a:buNone/>
-          </a:pPr>
-          <a:endParaRPr lang="en-US" sz="2100" kern="1200"/>
-        </a:p>
-      </dsp:txBody>
-      <dsp:txXfrm rot="-5400000">
-        <a:off x="7977240" y="1525756"/>
-        <a:ext cx="329852" cy="328964"/>
-      </dsp:txXfrm>
-    </dsp:sp>
-    <dsp:sp modelId="{F4AF8AFE-0E7C-4571-958B-55795FA21160}">
-      <dsp:nvSpPr>
-        <dsp:cNvPr id="0" name=""/>
-        <dsp:cNvSpPr/>
-      </dsp:nvSpPr>
-      <dsp:spPr>
-        <a:xfrm>
-          <a:off x="7033794" y="2217379"/>
-          <a:ext cx="2216743" cy="1330046"/>
-        </a:xfrm>
-        <a:prstGeom prst="roundRect">
-          <a:avLst>
-            <a:gd name="adj" fmla="val 10000"/>
-          </a:avLst>
-        </a:prstGeom>
-        <a:solidFill>
-          <a:schemeClr val="accent5">
-            <a:hueOff val="0"/>
-            <a:satOff val="0"/>
-            <a:lumOff val="0"/>
-            <a:alphaOff val="0"/>
-          </a:schemeClr>
-        </a:solidFill>
-        <a:ln w="12700" cap="flat" cmpd="sng" algn="ctr">
-          <a:solidFill>
-            <a:schemeClr val="lt1">
-              <a:hueOff val="0"/>
-              <a:satOff val="0"/>
-              <a:lumOff val="0"/>
-              <a:alphaOff val="0"/>
-            </a:schemeClr>
-          </a:solidFill>
-          <a:prstDash val="solid"/>
-          <a:miter lim="800000"/>
-        </a:ln>
-        <a:effectLst/>
-      </dsp:spPr>
-      <dsp:style>
-        <a:lnRef idx="2">
-          <a:scrgbClr r="0" g="0" b="0"/>
-        </a:lnRef>
-        <a:fillRef idx="1">
-          <a:scrgbClr r="0" g="0" b="0"/>
-        </a:fillRef>
-        <a:effectRef idx="0">
-          <a:scrgbClr r="0" g="0" b="0"/>
-        </a:effectRef>
-        <a:fontRef idx="minor">
-          <a:schemeClr val="lt1"/>
-        </a:fontRef>
-      </dsp:style>
-      <dsp:txBody>
-        <a:bodyPr spcFirstLastPara="0" vert="horz" wrap="square" lIns="99060" tIns="99060" rIns="99060" bIns="99060" numCol="1" spcCol="1270" anchor="ctr" anchorCtr="0">
-          <a:noAutofit/>
-        </a:bodyPr>
-        <a:lstStyle/>
-        <a:p>
-          <a:pPr marL="0" lvl="0" indent="0" algn="ctr" defTabSz="1155700">
-            <a:lnSpc>
-              <a:spcPct val="90000"/>
-            </a:lnSpc>
-            <a:spcBef>
-              <a:spcPct val="0"/>
-            </a:spcBef>
-            <a:spcAft>
-              <a:spcPct val="35000"/>
-            </a:spcAft>
-            <a:buNone/>
-          </a:pPr>
-          <a:r>
-            <a:rPr lang="en-US" sz="2600" kern="1200">
-              <a:latin typeface="Georgia Pro Semibold"/>
-            </a:rPr>
-            <a:t>Creation of Framework</a:t>
-          </a:r>
-        </a:p>
-      </dsp:txBody>
-      <dsp:txXfrm>
-        <a:off x="7072750" y="2256335"/>
-        <a:ext cx="2138831" cy="1252134"/>
-      </dsp:txXfrm>
-    </dsp:sp>
-    <dsp:sp modelId="{C3FB28C0-66A8-46A0-BD82-69E18A400669}">
-      <dsp:nvSpPr>
-        <dsp:cNvPr id="0" name=""/>
-        <dsp:cNvSpPr/>
-      </dsp:nvSpPr>
-      <dsp:spPr>
-        <a:xfrm rot="10800000">
-          <a:off x="6368771" y="2607526"/>
-          <a:ext cx="469949" cy="549752"/>
-        </a:xfrm>
-        <a:prstGeom prst="rightArrow">
-          <a:avLst>
-            <a:gd name="adj1" fmla="val 60000"/>
-            <a:gd name="adj2" fmla="val 50000"/>
-          </a:avLst>
-        </a:prstGeom>
-        <a:solidFill>
-          <a:schemeClr val="accent5">
-            <a:hueOff val="0"/>
-            <a:satOff val="0"/>
-            <a:lumOff val="0"/>
-            <a:alphaOff val="0"/>
-          </a:schemeClr>
-        </a:solidFill>
-        <a:ln>
-          <a:noFill/>
-        </a:ln>
-        <a:effectLst/>
-      </dsp:spPr>
-      <dsp:style>
-        <a:lnRef idx="0">
-          <a:scrgbClr r="0" g="0" b="0"/>
-        </a:lnRef>
-        <a:fillRef idx="1">
-          <a:scrgbClr r="0" g="0" b="0"/>
-        </a:fillRef>
-        <a:effectRef idx="0">
-          <a:scrgbClr r="0" g="0" b="0"/>
-        </a:effectRef>
-        <a:fontRef idx="minor">
-          <a:schemeClr val="lt1"/>
-        </a:fontRef>
-      </dsp:style>
-      <dsp:txBody>
-        <a:bodyPr spcFirstLastPara="0" vert="horz" wrap="square" lIns="0" tIns="0" rIns="0" bIns="0" numCol="1" spcCol="1270" anchor="ctr" anchorCtr="0">
-          <a:noAutofit/>
-        </a:bodyPr>
-        <a:lstStyle/>
-        <a:p>
-          <a:pPr marL="0" lvl="0" indent="0" algn="ctr" defTabSz="933450">
-            <a:lnSpc>
-              <a:spcPct val="90000"/>
-            </a:lnSpc>
-            <a:spcBef>
-              <a:spcPct val="0"/>
-            </a:spcBef>
-            <a:spcAft>
-              <a:spcPct val="35000"/>
-            </a:spcAft>
-            <a:buNone/>
-          </a:pPr>
-          <a:endParaRPr lang="en-US" sz="2100" kern="1200"/>
-        </a:p>
-      </dsp:txBody>
-      <dsp:txXfrm rot="10800000">
-        <a:off x="6509756" y="2717476"/>
-        <a:ext cx="328964" cy="329852"/>
-      </dsp:txXfrm>
-    </dsp:sp>
-    <dsp:sp modelId="{B61C36D8-EAD2-4278-96A8-2D23FDD13C4F}">
-      <dsp:nvSpPr>
-        <dsp:cNvPr id="0" name=""/>
-        <dsp:cNvSpPr/>
-      </dsp:nvSpPr>
-      <dsp:spPr>
-        <a:xfrm>
-          <a:off x="3930353" y="2217379"/>
-          <a:ext cx="2216743" cy="1330046"/>
-        </a:xfrm>
-        <a:prstGeom prst="roundRect">
-          <a:avLst>
-            <a:gd name="adj" fmla="val 10000"/>
-          </a:avLst>
-        </a:prstGeom>
-        <a:solidFill>
-          <a:schemeClr val="accent6">
-            <a:hueOff val="0"/>
-            <a:satOff val="0"/>
-            <a:lumOff val="0"/>
-            <a:alphaOff val="0"/>
-          </a:schemeClr>
-        </a:solidFill>
-        <a:ln w="12700" cap="flat" cmpd="sng" algn="ctr">
-          <a:solidFill>
-            <a:schemeClr val="lt1">
-              <a:hueOff val="0"/>
-              <a:satOff val="0"/>
-              <a:lumOff val="0"/>
-              <a:alphaOff val="0"/>
-            </a:schemeClr>
-          </a:solidFill>
-          <a:prstDash val="solid"/>
-          <a:miter lim="800000"/>
-        </a:ln>
-        <a:effectLst/>
-      </dsp:spPr>
-      <dsp:style>
-        <a:lnRef idx="2">
-          <a:scrgbClr r="0" g="0" b="0"/>
-        </a:lnRef>
-        <a:fillRef idx="1">
-          <a:scrgbClr r="0" g="0" b="0"/>
-        </a:fillRef>
-        <a:effectRef idx="0">
-          <a:scrgbClr r="0" g="0" b="0"/>
-        </a:effectRef>
-        <a:fontRef idx="minor">
-          <a:schemeClr val="lt1"/>
-        </a:fontRef>
-      </dsp:style>
-      <dsp:txBody>
-        <a:bodyPr spcFirstLastPara="0" vert="horz" wrap="square" lIns="99060" tIns="99060" rIns="99060" bIns="99060" numCol="1" spcCol="1270" anchor="ctr" anchorCtr="0">
-          <a:noAutofit/>
-        </a:bodyPr>
-        <a:lstStyle/>
-        <a:p>
-          <a:pPr marL="0" lvl="0" indent="0" algn="ctr" defTabSz="1155700">
-            <a:lnSpc>
-              <a:spcPct val="90000"/>
-            </a:lnSpc>
-            <a:spcBef>
-              <a:spcPct val="0"/>
-            </a:spcBef>
-            <a:spcAft>
-              <a:spcPct val="35000"/>
-            </a:spcAft>
-            <a:buNone/>
-          </a:pPr>
-          <a:r>
-            <a:rPr lang="en-US" sz="2600" kern="1200">
-              <a:latin typeface="Georgia Pro Semibold"/>
-            </a:rPr>
-            <a:t>Empirical Study</a:t>
-          </a:r>
-        </a:p>
-      </dsp:txBody>
-      <dsp:txXfrm>
-        <a:off x="3969309" y="2256335"/>
-        <a:ext cx="2138831" cy="1252134"/>
+        <a:off x="7467815" y="1026363"/>
+        <a:ext cx="2554254" cy="1495335"/>
       </dsp:txXfrm>
     </dsp:sp>
   </dsp:spTree>
@@ -3102,15 +2755,15 @@
       <dsp:cNvGrpSpPr/>
     </dsp:nvGrpSpPr>
     <dsp:grpSpPr/>
-    <dsp:sp modelId="{D4106FE0-7A55-4F7C-94AC-6520E6AC6673}">
+    <dsp:sp modelId="{7EC0C1F7-4656-46F4-B5D7-1CA5631A5CB5}">
       <dsp:nvSpPr>
         <dsp:cNvPr id="0" name=""/>
         <dsp:cNvSpPr/>
       </dsp:nvSpPr>
       <dsp:spPr>
         <a:xfrm>
-          <a:off x="826911" y="635"/>
-          <a:ext cx="2216743" cy="1330046"/>
+          <a:off x="8857" y="979841"/>
+          <a:ext cx="2647298" cy="1588379"/>
         </a:xfrm>
         <a:prstGeom prst="roundRect">
           <a:avLst>
@@ -3149,12 +2802,12 @@
         </a:fontRef>
       </dsp:style>
       <dsp:txBody>
-        <a:bodyPr spcFirstLastPara="0" vert="horz" wrap="square" lIns="99060" tIns="99060" rIns="99060" bIns="99060" numCol="1" spcCol="1270" anchor="ctr" anchorCtr="0">
+        <a:bodyPr spcFirstLastPara="0" vert="horz" wrap="square" lIns="118110" tIns="118110" rIns="118110" bIns="118110" numCol="1" spcCol="1270" anchor="ctr" anchorCtr="0">
           <a:noAutofit/>
         </a:bodyPr>
         <a:lstStyle/>
         <a:p>
-          <a:pPr marL="0" lvl="0" indent="0" algn="ctr" defTabSz="1155700">
+          <a:pPr marL="0" lvl="0" indent="0" algn="ctr" defTabSz="1377950">
             <a:lnSpc>
               <a:spcPct val="90000"/>
             </a:lnSpc>
@@ -3167,28 +2820,28 @@
             <a:buNone/>
           </a:pPr>
           <a:r>
-            <a:rPr lang="en-US" sz="2600" kern="1200">
+            <a:rPr lang="en-US" sz="3100" kern="1200" dirty="0">
               <a:latin typeface="Georgia Pro Semibold"/>
             </a:rPr>
             <a:t>Selection of projects</a:t>
           </a:r>
-          <a:endParaRPr lang="en-US" sz="2600" kern="1200"/>
+          <a:endParaRPr lang="en-US" sz="3100" kern="1200" dirty="0"/>
         </a:p>
       </dsp:txBody>
       <dsp:txXfrm>
-        <a:off x="865867" y="39591"/>
-        <a:ext cx="2138831" cy="1252134"/>
+        <a:off x="55379" y="1026363"/>
+        <a:ext cx="2554254" cy="1495335"/>
       </dsp:txXfrm>
     </dsp:sp>
-    <dsp:sp modelId="{645F4115-D69C-43EF-A10C-5BF20E519F45}">
+    <dsp:sp modelId="{09BE5A6C-2EDB-4EF1-B7E8-F05C5CF598BD}">
       <dsp:nvSpPr>
         <dsp:cNvPr id="0" name=""/>
         <dsp:cNvSpPr/>
       </dsp:nvSpPr>
       <dsp:spPr>
         <a:xfrm>
-          <a:off x="3238729" y="390782"/>
-          <a:ext cx="469949" cy="549752"/>
+          <a:off x="2889118" y="1445765"/>
+          <a:ext cx="561227" cy="656530"/>
         </a:xfrm>
         <a:prstGeom prst="rightArrow">
           <a:avLst>
@@ -3197,8 +2850,7 @@
           </a:avLst>
         </a:prstGeom>
         <a:solidFill>
-          <a:schemeClr val="accent1">
-            <a:tint val="60000"/>
+          <a:schemeClr val="accent2">
             <a:hueOff val="0"/>
             <a:satOff val="0"/>
             <a:lumOff val="0"/>
@@ -3230,7 +2882,7 @@
         </a:bodyPr>
         <a:lstStyle/>
         <a:p>
-          <a:pPr marL="0" lvl="0" indent="0" algn="ctr" defTabSz="933450">
+          <a:pPr marL="0" lvl="0" indent="0" algn="ctr" defTabSz="1111250">
             <a:lnSpc>
               <a:spcPct val="90000"/>
             </a:lnSpc>
@@ -3242,23 +2894,23 @@
             </a:spcAft>
             <a:buNone/>
           </a:pPr>
-          <a:endParaRPr lang="en-US" sz="2100" kern="1200"/>
+          <a:endParaRPr lang="en-US" sz="2500" kern="1200"/>
         </a:p>
       </dsp:txBody>
       <dsp:txXfrm>
-        <a:off x="3238729" y="500732"/>
-        <a:ext cx="328964" cy="329852"/>
+        <a:off x="2889118" y="1577071"/>
+        <a:ext cx="392859" cy="393918"/>
       </dsp:txXfrm>
     </dsp:sp>
-    <dsp:sp modelId="{DD5E048D-42BB-474D-B3CF-4E2A1B0A7C4B}">
+    <dsp:sp modelId="{2D79B42C-261C-4506-84BF-83191063CFBB}">
       <dsp:nvSpPr>
         <dsp:cNvPr id="0" name=""/>
         <dsp:cNvSpPr/>
       </dsp:nvSpPr>
       <dsp:spPr>
         <a:xfrm>
-          <a:off x="3930353" y="635"/>
-          <a:ext cx="2216743" cy="1330046"/>
+          <a:off x="3715075" y="979841"/>
+          <a:ext cx="2647298" cy="1588379"/>
         </a:xfrm>
         <a:prstGeom prst="roundRect">
           <a:avLst>
@@ -3297,12 +2949,12 @@
         </a:fontRef>
       </dsp:style>
       <dsp:txBody>
-        <a:bodyPr spcFirstLastPara="0" vert="horz" wrap="square" lIns="99060" tIns="99060" rIns="99060" bIns="99060" numCol="1" spcCol="1270" anchor="ctr" anchorCtr="0">
+        <a:bodyPr spcFirstLastPara="0" vert="horz" wrap="square" lIns="118110" tIns="118110" rIns="118110" bIns="118110" numCol="1" spcCol="1270" anchor="ctr" anchorCtr="0">
           <a:noAutofit/>
         </a:bodyPr>
         <a:lstStyle/>
         <a:p>
-          <a:pPr marL="0" lvl="0" indent="0" algn="ctr" defTabSz="1155700">
+          <a:pPr marL="0" lvl="0" indent="0" algn="ctr" defTabSz="1377950">
             <a:lnSpc>
               <a:spcPct val="90000"/>
             </a:lnSpc>
@@ -3315,28 +2967,28 @@
             <a:buNone/>
           </a:pPr>
           <a:r>
-            <a:rPr lang="en-US" sz="2600" kern="1200">
+            <a:rPr lang="en-US" sz="3100" kern="1200" dirty="0">
               <a:latin typeface="Georgia Pro Semibold"/>
             </a:rPr>
             <a:t>Execution of projects</a:t>
           </a:r>
-          <a:endParaRPr lang="en-US" sz="2600" kern="1200"/>
+          <a:endParaRPr lang="en-US" sz="3100" kern="1200" dirty="0"/>
         </a:p>
       </dsp:txBody>
       <dsp:txXfrm>
-        <a:off x="3969309" y="39591"/>
-        <a:ext cx="2138831" cy="1252134"/>
+        <a:off x="3761597" y="1026363"/>
+        <a:ext cx="2554254" cy="1495335"/>
       </dsp:txXfrm>
     </dsp:sp>
-    <dsp:sp modelId="{28B2CEDC-E1E8-475C-943B-64D483DDD083}">
+    <dsp:sp modelId="{C42412D2-663D-4CCD-9712-E6E567C0526A}">
       <dsp:nvSpPr>
         <dsp:cNvPr id="0" name=""/>
         <dsp:cNvSpPr/>
       </dsp:nvSpPr>
       <dsp:spPr>
         <a:xfrm>
-          <a:off x="6342170" y="390782"/>
-          <a:ext cx="469949" cy="549752"/>
+          <a:off x="6595336" y="1445765"/>
+          <a:ext cx="561227" cy="656530"/>
         </a:xfrm>
         <a:prstGeom prst="rightArrow">
           <a:avLst>
@@ -3345,8 +2997,7 @@
           </a:avLst>
         </a:prstGeom>
         <a:solidFill>
-          <a:schemeClr val="accent1">
-            <a:tint val="60000"/>
+          <a:schemeClr val="accent3">
             <a:hueOff val="0"/>
             <a:satOff val="0"/>
             <a:lumOff val="0"/>
@@ -3378,7 +3029,7 @@
         </a:bodyPr>
         <a:lstStyle/>
         <a:p>
-          <a:pPr marL="0" lvl="0" indent="0" algn="ctr" defTabSz="933450">
+          <a:pPr marL="0" lvl="0" indent="0" algn="ctr" defTabSz="1111250">
             <a:lnSpc>
               <a:spcPct val="90000"/>
             </a:lnSpc>
@@ -3390,23 +3041,23 @@
             </a:spcAft>
             <a:buNone/>
           </a:pPr>
-          <a:endParaRPr lang="en-US" sz="2100" kern="1200"/>
+          <a:endParaRPr lang="en-US" sz="2500" kern="1200"/>
         </a:p>
       </dsp:txBody>
       <dsp:txXfrm>
-        <a:off x="6342170" y="500732"/>
-        <a:ext cx="328964" cy="329852"/>
+        <a:off x="6595336" y="1577071"/>
+        <a:ext cx="392859" cy="393918"/>
       </dsp:txXfrm>
     </dsp:sp>
-    <dsp:sp modelId="{54ABB4D7-F70D-4C54-B16D-24BF8DECDA9F}">
+    <dsp:sp modelId="{8214D17A-CE82-47B9-BB81-2F76D4E77653}">
       <dsp:nvSpPr>
         <dsp:cNvPr id="0" name=""/>
         <dsp:cNvSpPr/>
       </dsp:nvSpPr>
       <dsp:spPr>
         <a:xfrm>
-          <a:off x="7033794" y="635"/>
-          <a:ext cx="2216743" cy="1330046"/>
+          <a:off x="7421293" y="979841"/>
+          <a:ext cx="2647298" cy="1588379"/>
         </a:xfrm>
         <a:prstGeom prst="roundRect">
           <a:avLst>
@@ -3414,7 +3065,7 @@
           </a:avLst>
         </a:prstGeom>
         <a:solidFill>
-          <a:schemeClr val="accent1">
+          <a:schemeClr val="accent4">
             <a:hueOff val="0"/>
             <a:satOff val="0"/>
             <a:lumOff val="0"/>
@@ -3450,12 +3101,12 @@
         </a:fontRef>
       </dsp:style>
       <dsp:txBody>
-        <a:bodyPr spcFirstLastPara="0" vert="horz" wrap="square" lIns="99060" tIns="99060" rIns="99060" bIns="99060" numCol="1" spcCol="1270" anchor="ctr" anchorCtr="0">
+        <a:bodyPr spcFirstLastPara="0" vert="horz" wrap="square" lIns="118110" tIns="118110" rIns="118110" bIns="118110" numCol="1" spcCol="1270" anchor="ctr" anchorCtr="0">
           <a:noAutofit/>
         </a:bodyPr>
         <a:lstStyle/>
         <a:p>
-          <a:pPr marL="0" lvl="0" indent="0" algn="ctr" defTabSz="1155700">
+          <a:pPr marL="0" lvl="0" indent="0" algn="ctr" defTabSz="1377950">
             <a:lnSpc>
               <a:spcPct val="90000"/>
             </a:lnSpc>
@@ -3468,321 +3119,17 @@
             <a:buNone/>
           </a:pPr>
           <a:r>
-            <a:rPr lang="en-US" sz="2600" kern="1200">
+            <a:rPr lang="en-US" sz="3100" kern="1200" dirty="0">
               <a:latin typeface="Georgia Pro Semibold"/>
             </a:rPr>
             <a:t>Automation</a:t>
           </a:r>
-          <a:endParaRPr lang="en-US" sz="2600" kern="1200"/>
+          <a:endParaRPr lang="en-US" sz="3100" kern="1200" dirty="0"/>
         </a:p>
       </dsp:txBody>
       <dsp:txXfrm>
-        <a:off x="7072750" y="39591"/>
-        <a:ext cx="2138831" cy="1252134"/>
-      </dsp:txXfrm>
-    </dsp:sp>
-    <dsp:sp modelId="{FFA2EA42-A808-449F-B323-453336AB77B6}">
-      <dsp:nvSpPr>
-        <dsp:cNvPr id="0" name=""/>
-        <dsp:cNvSpPr/>
-      </dsp:nvSpPr>
-      <dsp:spPr>
-        <a:xfrm rot="5400000">
-          <a:off x="7907191" y="1485854"/>
-          <a:ext cx="469949" cy="549752"/>
-        </a:xfrm>
-        <a:prstGeom prst="rightArrow">
-          <a:avLst>
-            <a:gd name="adj1" fmla="val 60000"/>
-            <a:gd name="adj2" fmla="val 50000"/>
-          </a:avLst>
-        </a:prstGeom>
-        <a:solidFill>
-          <a:schemeClr val="accent1">
-            <a:tint val="60000"/>
-            <a:hueOff val="0"/>
-            <a:satOff val="0"/>
-            <a:lumOff val="0"/>
-            <a:alphaOff val="0"/>
-          </a:schemeClr>
-        </a:solidFill>
-        <a:ln>
-          <a:noFill/>
-        </a:ln>
-        <a:effectLst/>
-      </dsp:spPr>
-      <dsp:style>
-        <a:lnRef idx="0">
-          <a:scrgbClr r="0" g="0" b="0"/>
-        </a:lnRef>
-        <a:fillRef idx="1">
-          <a:scrgbClr r="0" g="0" b="0"/>
-        </a:fillRef>
-        <a:effectRef idx="0">
-          <a:scrgbClr r="0" g="0" b="0"/>
-        </a:effectRef>
-        <a:fontRef idx="minor">
-          <a:schemeClr val="lt1"/>
-        </a:fontRef>
-      </dsp:style>
-      <dsp:txBody>
-        <a:bodyPr spcFirstLastPara="0" vert="horz" wrap="square" lIns="0" tIns="0" rIns="0" bIns="0" numCol="1" spcCol="1270" anchor="ctr" anchorCtr="0">
-          <a:noAutofit/>
-        </a:bodyPr>
-        <a:lstStyle/>
-        <a:p>
-          <a:pPr marL="0" lvl="0" indent="0" algn="ctr" defTabSz="933450">
-            <a:lnSpc>
-              <a:spcPct val="90000"/>
-            </a:lnSpc>
-            <a:spcBef>
-              <a:spcPct val="0"/>
-            </a:spcBef>
-            <a:spcAft>
-              <a:spcPct val="35000"/>
-            </a:spcAft>
-            <a:buNone/>
-          </a:pPr>
-          <a:endParaRPr lang="en-US" sz="2100" kern="1200"/>
-        </a:p>
-      </dsp:txBody>
-      <dsp:txXfrm rot="-5400000">
-        <a:off x="7977240" y="1525756"/>
-        <a:ext cx="329852" cy="328964"/>
-      </dsp:txXfrm>
-    </dsp:sp>
-    <dsp:sp modelId="{CF3F11DE-0408-474D-8F18-529E407E4970}">
-      <dsp:nvSpPr>
-        <dsp:cNvPr id="0" name=""/>
-        <dsp:cNvSpPr/>
-      </dsp:nvSpPr>
-      <dsp:spPr>
-        <a:xfrm>
-          <a:off x="7033794" y="2217379"/>
-          <a:ext cx="2216743" cy="1330046"/>
-        </a:xfrm>
-        <a:prstGeom prst="roundRect">
-          <a:avLst>
-            <a:gd name="adj" fmla="val 10000"/>
-          </a:avLst>
-        </a:prstGeom>
-        <a:solidFill>
-          <a:schemeClr val="accent1">
-            <a:hueOff val="0"/>
-            <a:satOff val="0"/>
-            <a:lumOff val="0"/>
-            <a:alphaOff val="0"/>
-          </a:schemeClr>
-        </a:solidFill>
-        <a:ln w="12700" cap="flat" cmpd="sng" algn="ctr">
-          <a:solidFill>
-            <a:schemeClr val="lt1">
-              <a:hueOff val="0"/>
-              <a:satOff val="0"/>
-              <a:lumOff val="0"/>
-              <a:alphaOff val="0"/>
-            </a:schemeClr>
-          </a:solidFill>
-          <a:prstDash val="solid"/>
-          <a:miter lim="800000"/>
-        </a:ln>
-        <a:effectLst/>
-      </dsp:spPr>
-      <dsp:style>
-        <a:lnRef idx="2">
-          <a:scrgbClr r="0" g="0" b="0"/>
-        </a:lnRef>
-        <a:fillRef idx="1">
-          <a:scrgbClr r="0" g="0" b="0"/>
-        </a:fillRef>
-        <a:effectRef idx="0">
-          <a:scrgbClr r="0" g="0" b="0"/>
-        </a:effectRef>
-        <a:fontRef idx="minor">
-          <a:schemeClr val="lt1"/>
-        </a:fontRef>
-      </dsp:style>
-      <dsp:txBody>
-        <a:bodyPr spcFirstLastPara="0" vert="horz" wrap="square" lIns="99060" tIns="99060" rIns="99060" bIns="99060" numCol="1" spcCol="1270" anchor="ctr" anchorCtr="0">
-          <a:noAutofit/>
-        </a:bodyPr>
-        <a:lstStyle/>
-        <a:p>
-          <a:pPr marL="0" lvl="0" indent="0" algn="ctr" defTabSz="1155700">
-            <a:lnSpc>
-              <a:spcPct val="90000"/>
-            </a:lnSpc>
-            <a:spcBef>
-              <a:spcPct val="0"/>
-            </a:spcBef>
-            <a:spcAft>
-              <a:spcPct val="35000"/>
-            </a:spcAft>
-            <a:buNone/>
-          </a:pPr>
-          <a:r>
-            <a:rPr lang="en-US" sz="2600" kern="1200">
-              <a:latin typeface="Georgia Pro Semibold"/>
-            </a:rPr>
-            <a:t>Creation of Framework</a:t>
-          </a:r>
-        </a:p>
-      </dsp:txBody>
-      <dsp:txXfrm>
-        <a:off x="7072750" y="2256335"/>
-        <a:ext cx="2138831" cy="1252134"/>
-      </dsp:txXfrm>
-    </dsp:sp>
-    <dsp:sp modelId="{22BF64BF-743E-4617-9FA1-569AE4AEA933}">
-      <dsp:nvSpPr>
-        <dsp:cNvPr id="0" name=""/>
-        <dsp:cNvSpPr/>
-      </dsp:nvSpPr>
-      <dsp:spPr>
-        <a:xfrm rot="10800000">
-          <a:off x="6368771" y="2607526"/>
-          <a:ext cx="469949" cy="549752"/>
-        </a:xfrm>
-        <a:prstGeom prst="rightArrow">
-          <a:avLst>
-            <a:gd name="adj1" fmla="val 60000"/>
-            <a:gd name="adj2" fmla="val 50000"/>
-          </a:avLst>
-        </a:prstGeom>
-        <a:solidFill>
-          <a:schemeClr val="accent1">
-            <a:tint val="60000"/>
-            <a:hueOff val="0"/>
-            <a:satOff val="0"/>
-            <a:lumOff val="0"/>
-            <a:alphaOff val="0"/>
-          </a:schemeClr>
-        </a:solidFill>
-        <a:ln>
-          <a:noFill/>
-        </a:ln>
-        <a:effectLst/>
-      </dsp:spPr>
-      <dsp:style>
-        <a:lnRef idx="0">
-          <a:scrgbClr r="0" g="0" b="0"/>
-        </a:lnRef>
-        <a:fillRef idx="1">
-          <a:scrgbClr r="0" g="0" b="0"/>
-        </a:fillRef>
-        <a:effectRef idx="0">
-          <a:scrgbClr r="0" g="0" b="0"/>
-        </a:effectRef>
-        <a:fontRef idx="minor">
-          <a:schemeClr val="lt1"/>
-        </a:fontRef>
-      </dsp:style>
-      <dsp:txBody>
-        <a:bodyPr spcFirstLastPara="0" vert="horz" wrap="square" lIns="0" tIns="0" rIns="0" bIns="0" numCol="1" spcCol="1270" anchor="ctr" anchorCtr="0">
-          <a:noAutofit/>
-        </a:bodyPr>
-        <a:lstStyle/>
-        <a:p>
-          <a:pPr marL="0" lvl="0" indent="0" algn="ctr" defTabSz="933450">
-            <a:lnSpc>
-              <a:spcPct val="90000"/>
-            </a:lnSpc>
-            <a:spcBef>
-              <a:spcPct val="0"/>
-            </a:spcBef>
-            <a:spcAft>
-              <a:spcPct val="35000"/>
-            </a:spcAft>
-            <a:buNone/>
-          </a:pPr>
-          <a:endParaRPr lang="en-US" sz="2100" kern="1200"/>
-        </a:p>
-      </dsp:txBody>
-      <dsp:txXfrm rot="10800000">
-        <a:off x="6509756" y="2717476"/>
-        <a:ext cx="328964" cy="329852"/>
-      </dsp:txXfrm>
-    </dsp:sp>
-    <dsp:sp modelId="{8A4DC5D6-C569-4E0D-A592-ADA09EE3FB65}">
-      <dsp:nvSpPr>
-        <dsp:cNvPr id="0" name=""/>
-        <dsp:cNvSpPr/>
-      </dsp:nvSpPr>
-      <dsp:spPr>
-        <a:xfrm>
-          <a:off x="3930353" y="2217379"/>
-          <a:ext cx="2216743" cy="1330046"/>
-        </a:xfrm>
-        <a:prstGeom prst="roundRect">
-          <a:avLst>
-            <a:gd name="adj" fmla="val 10000"/>
-          </a:avLst>
-        </a:prstGeom>
-        <a:solidFill>
-          <a:schemeClr val="accent1">
-            <a:hueOff val="0"/>
-            <a:satOff val="0"/>
-            <a:lumOff val="0"/>
-            <a:alphaOff val="0"/>
-          </a:schemeClr>
-        </a:solidFill>
-        <a:ln w="12700" cap="flat" cmpd="sng" algn="ctr">
-          <a:solidFill>
-            <a:schemeClr val="lt1">
-              <a:hueOff val="0"/>
-              <a:satOff val="0"/>
-              <a:lumOff val="0"/>
-              <a:alphaOff val="0"/>
-            </a:schemeClr>
-          </a:solidFill>
-          <a:prstDash val="solid"/>
-          <a:miter lim="800000"/>
-        </a:ln>
-        <a:effectLst/>
-      </dsp:spPr>
-      <dsp:style>
-        <a:lnRef idx="2">
-          <a:scrgbClr r="0" g="0" b="0"/>
-        </a:lnRef>
-        <a:fillRef idx="1">
-          <a:scrgbClr r="0" g="0" b="0"/>
-        </a:fillRef>
-        <a:effectRef idx="0">
-          <a:scrgbClr r="0" g="0" b="0"/>
-        </a:effectRef>
-        <a:fontRef idx="minor">
-          <a:schemeClr val="lt1"/>
-        </a:fontRef>
-      </dsp:style>
-      <dsp:txBody>
-        <a:bodyPr spcFirstLastPara="0" vert="horz" wrap="square" lIns="99060" tIns="99060" rIns="99060" bIns="99060" numCol="1" spcCol="1270" anchor="ctr" anchorCtr="0">
-          <a:noAutofit/>
-        </a:bodyPr>
-        <a:lstStyle/>
-        <a:p>
-          <a:pPr marL="0" lvl="0" indent="0" algn="ctr" defTabSz="1155700">
-            <a:lnSpc>
-              <a:spcPct val="90000"/>
-            </a:lnSpc>
-            <a:spcBef>
-              <a:spcPct val="0"/>
-            </a:spcBef>
-            <a:spcAft>
-              <a:spcPct val="35000"/>
-            </a:spcAft>
-            <a:buNone/>
-          </a:pPr>
-          <a:r>
-            <a:rPr lang="en-US" sz="2600" kern="1200">
-              <a:latin typeface="Georgia Pro Semibold"/>
-            </a:rPr>
-            <a:t>Empirical Study</a:t>
-          </a:r>
-        </a:p>
-      </dsp:txBody>
-      <dsp:txXfrm>
-        <a:off x="3969309" y="2256335"/>
-        <a:ext cx="2138831" cy="1252134"/>
+        <a:off x="7467815" y="1026363"/>
+        <a:ext cx="2554254" cy="1495335"/>
       </dsp:txXfrm>
     </dsp:sp>
   </dsp:spTree>
@@ -6359,7 +5706,7 @@
           <a:p>
             <a:fld id="{524C6359-9BB8-4148-8114-537E698DA205}" type="datetime1">
               <a:rPr lang="en-US" smtClean="0"/>
-              <a:t>11/21/2022</a:t>
+              <a:t>11/22/2022</a:t>
             </a:fld>
             <a:endParaRPr lang="en-US"/>
           </a:p>
@@ -7418,7 +6765,7 @@
           <a:p>
             <a:fld id="{A4649BD0-10DB-43E7-8F22-40B3D51B8FC3}" type="datetime1">
               <a:rPr lang="en-US" smtClean="0"/>
-              <a:t>11/21/2022</a:t>
+              <a:t>11/22/2022</a:t>
             </a:fld>
             <a:endParaRPr lang="en-US"/>
           </a:p>
@@ -8478,7 +7825,7 @@
           <a:p>
             <a:fld id="{0A16C79C-F566-427A-93F6-434A4E613134}" type="datetime1">
               <a:rPr lang="en-US" smtClean="0"/>
-              <a:t>11/21/2022</a:t>
+              <a:t>11/22/2022</a:t>
             </a:fld>
             <a:endParaRPr lang="en-US"/>
           </a:p>
@@ -9533,7 +8880,7 @@
           <a:p>
             <a:fld id="{9376191F-481E-48E9-BB9A-369A67A7362D}" type="datetime1">
               <a:rPr lang="en-US" smtClean="0"/>
-              <a:t>11/21/2022</a:t>
+              <a:t>11/22/2022</a:t>
             </a:fld>
             <a:endParaRPr lang="en-US"/>
           </a:p>
@@ -10662,7 +10009,7 @@
           <a:p>
             <a:fld id="{6C5677DE-DD04-48CC-9C18-7BE9FF2DEB6B}" type="datetime1">
               <a:rPr lang="en-US" smtClean="0"/>
-              <a:t>11/21/2022</a:t>
+              <a:t>11/22/2022</a:t>
             </a:fld>
             <a:endParaRPr lang="en-US"/>
           </a:p>
@@ -11779,7 +11126,7 @@
           <a:p>
             <a:fld id="{463255ED-7101-4D18-A8AE-3B5E4CB87EA5}" type="datetime1">
               <a:rPr lang="en-US" smtClean="0"/>
-              <a:t>11/21/2022</a:t>
+              <a:t>11/22/2022</a:t>
             </a:fld>
             <a:endParaRPr lang="en-US"/>
           </a:p>
@@ -13083,7 +12430,7 @@
           <a:p>
             <a:fld id="{CD52F23D-51F6-4C94-8CD5-B9ABBF67EE23}" type="datetime1">
               <a:rPr lang="en-US" smtClean="0"/>
-              <a:t>11/21/2022</a:t>
+              <a:t>11/22/2022</a:t>
             </a:fld>
             <a:endParaRPr lang="en-US"/>
           </a:p>
@@ -13230,7 +12577,7 @@
           <a:p>
             <a:fld id="{D51A702F-6367-4FD1-89A8-3744BE6BA9A2}" type="datetime1">
               <a:rPr lang="en-US" smtClean="0"/>
-              <a:t>11/21/2022</a:t>
+              <a:t>11/22/2022</a:t>
             </a:fld>
             <a:endParaRPr lang="en-US"/>
           </a:p>
@@ -14195,7 +13542,7 @@
           <a:p>
             <a:fld id="{4A6E99BD-4B4F-4460-B452-0E8146ACCF8F}" type="datetime1">
               <a:rPr lang="en-US" smtClean="0"/>
-              <a:t>11/21/2022</a:t>
+              <a:t>11/22/2022</a:t>
             </a:fld>
             <a:endParaRPr lang="en-US"/>
           </a:p>
@@ -14513,7 +13860,7 @@
           <a:p>
             <a:fld id="{EB6FD34C-1867-42A9-AC54-D15ADD8A65E7}" type="datetime1">
               <a:rPr lang="en-US" smtClean="0"/>
-              <a:t>11/21/2022</a:t>
+              <a:t>11/22/2022</a:t>
             </a:fld>
             <a:endParaRPr lang="en-US"/>
           </a:p>
@@ -15660,7 +15007,7 @@
           <a:p>
             <a:fld id="{336133E9-A654-4C17-8C3C-DDCAC83D6EBF}" type="datetime1">
               <a:rPr lang="en-US" smtClean="0"/>
-              <a:t>11/21/2022</a:t>
+              <a:t>11/22/2022</a:t>
             </a:fld>
             <a:endParaRPr lang="en-US"/>
           </a:p>
@@ -18069,7 +17416,7 @@
           <a:p>
             <a:fld id="{8769D389-4C4C-4FD7-9E6B-9F44477F0EB8}" type="datetime1">
               <a:rPr lang="en-US" smtClean="0"/>
-              <a:t>11/21/2022</a:t>
+              <a:t>11/22/2022</a:t>
             </a:fld>
             <a:endParaRPr lang="en-US"/>
           </a:p>
@@ -20941,188 +20288,6 @@
           <p:cNvPr id="2" name="Title 1">
             <a:extLst>
               <a:ext uri="{FF2B5EF4-FFF2-40B4-BE49-F238E27FC236}">
-                <a16:creationId xmlns:a16="http://schemas.microsoft.com/office/drawing/2014/main" id="{A2E0A4C7-2365-53ED-6ECD-971BB99732B0}"/>
-              </a:ext>
-            </a:extLst>
-          </p:cNvPr>
-          <p:cNvSpPr>
-            <a:spLocks noGrp="1"/>
-          </p:cNvSpPr>
-          <p:nvPr>
-            <p:ph type="title"/>
-          </p:nvPr>
-        </p:nvSpPr>
-        <p:spPr/>
-        <p:txBody>
-          <a:bodyPr/>
-          <a:lstStyle/>
-          <a:p>
-            <a:r>
-              <a:rPr lang="en-US"/>
-              <a:t>Approach : Execution of Projects</a:t>
-            </a:r>
-          </a:p>
-        </p:txBody>
-      </p:sp>
-      <p:sp>
-        <p:nvSpPr>
-          <p:cNvPr id="3" name="Content Placeholder 2">
-            <a:extLst>
-              <a:ext uri="{FF2B5EF4-FFF2-40B4-BE49-F238E27FC236}">
-                <a16:creationId xmlns:a16="http://schemas.microsoft.com/office/drawing/2014/main" id="{A52A912C-8FDA-4718-45EA-095D8963E01E}"/>
-              </a:ext>
-            </a:extLst>
-          </p:cNvPr>
-          <p:cNvSpPr>
-            <a:spLocks noGrp="1"/>
-          </p:cNvSpPr>
-          <p:nvPr>
-            <p:ph idx="1"/>
-          </p:nvPr>
-        </p:nvSpPr>
-        <p:spPr/>
-        <p:txBody>
-          <a:bodyPr vert="horz" lIns="91440" tIns="45720" rIns="91440" bIns="45720" rtlCol="0" anchor="t">
-            <a:normAutofit/>
-          </a:bodyPr>
-          <a:lstStyle/>
-          <a:p>
-            <a:pPr marL="342900" indent="-342900">
-              <a:buChar char="•"/>
-            </a:pPr>
-            <a:r>
-              <a:rPr lang="en-US"/>
-              <a:t>Finding similarities and differences during setup and running of the selected python projects.</a:t>
-            </a:r>
-          </a:p>
-          <a:p>
-            <a:pPr marL="342900" indent="-342900">
-              <a:buChar char="•"/>
-            </a:pPr>
-            <a:r>
-              <a:rPr lang="en-US"/>
-              <a:t>Generic steps for setup and running of sample projects:</a:t>
-            </a:r>
-          </a:p>
-          <a:p>
-            <a:pPr marL="742950" lvl="2" indent="-285750">
-              <a:buChar char="•"/>
-            </a:pPr>
-            <a:r>
-              <a:rPr lang="en-US"/>
-              <a:t>Clone repository.</a:t>
-            </a:r>
-          </a:p>
-          <a:p>
-            <a:pPr marL="742950" lvl="2" indent="-285750">
-              <a:buChar char="•"/>
-            </a:pPr>
-            <a:r>
-              <a:rPr lang="en-US"/>
-              <a:t>Create and activate python virtual environment.</a:t>
-            </a:r>
-          </a:p>
-          <a:p>
-            <a:pPr marL="742950" lvl="2" indent="-285750">
-              <a:buChar char="•"/>
-            </a:pPr>
-            <a:r>
-              <a:rPr lang="en-US"/>
-              <a:t>Install requirements using pip or install the project using setup.py.</a:t>
-            </a:r>
-          </a:p>
-          <a:p>
-            <a:pPr marL="742950" lvl="2" indent="-285750">
-              <a:buChar char="•"/>
-            </a:pPr>
-            <a:r>
-              <a:rPr lang="en-US"/>
-              <a:t>Install </a:t>
-            </a:r>
-            <a:r>
-              <a:rPr lang="en-US" err="1"/>
-              <a:t>pytest</a:t>
-            </a:r>
-            <a:r>
-              <a:rPr lang="en-US"/>
-              <a:t> for testing.</a:t>
-            </a:r>
-          </a:p>
-          <a:p>
-            <a:pPr marL="742950" lvl="2" indent="-285750">
-              <a:buChar char="•"/>
-            </a:pPr>
-            <a:r>
-              <a:rPr lang="en-US"/>
-              <a:t>Run tests and observe result statistics such as number of test cases, success rate, time to run tests.</a:t>
-            </a:r>
-          </a:p>
-        </p:txBody>
-      </p:sp>
-      <p:sp>
-        <p:nvSpPr>
-          <p:cNvPr id="4" name="Slide Number Placeholder 3">
-            <a:extLst>
-              <a:ext uri="{FF2B5EF4-FFF2-40B4-BE49-F238E27FC236}">
-                <a16:creationId xmlns:a16="http://schemas.microsoft.com/office/drawing/2014/main" id="{6253C17F-7E2C-B943-8C08-1E60782496C0}"/>
-              </a:ext>
-            </a:extLst>
-          </p:cNvPr>
-          <p:cNvSpPr>
-            <a:spLocks noGrp="1"/>
-          </p:cNvSpPr>
-          <p:nvPr>
-            <p:ph type="sldNum" sz="quarter" idx="12"/>
-          </p:nvPr>
-        </p:nvSpPr>
-        <p:spPr/>
-        <p:txBody>
-          <a:bodyPr/>
-          <a:lstStyle/>
-          <a:p>
-            <a:fld id="{E1076ED0-0DB3-4879-AAE5-5C20D22C1DF4}" type="slidenum">
-              <a:rPr lang="en-US" smtClean="0"/>
-              <a:t>10</a:t>
-            </a:fld>
-            <a:endParaRPr lang="en-US"/>
-          </a:p>
-        </p:txBody>
-      </p:sp>
-    </p:spTree>
-    <p:extLst>
-      <p:ext uri="{BB962C8B-B14F-4D97-AF65-F5344CB8AC3E}">
-        <p14:creationId xmlns:p14="http://schemas.microsoft.com/office/powerpoint/2010/main" val="3611525401"/>
-      </p:ext>
-    </p:extLst>
-  </p:cSld>
-  <p:clrMapOvr>
-    <a:masterClrMapping/>
-  </p:clrMapOvr>
-</p:sld>
-</file>
-
-<file path=ppt/slides/slide11.xml><?xml version="1.0" encoding="utf-8"?>
-<p:sld xmlns:a="http://schemas.openxmlformats.org/drawingml/2006/main" xmlns:r="http://schemas.openxmlformats.org/officeDocument/2006/relationships" xmlns:p="http://schemas.openxmlformats.org/presentationml/2006/main">
-  <p:cSld>
-    <p:spTree>
-      <p:nvGrpSpPr>
-        <p:cNvPr id="1" name=""/>
-        <p:cNvGrpSpPr/>
-        <p:nvPr/>
-      </p:nvGrpSpPr>
-      <p:grpSpPr>
-        <a:xfrm>
-          <a:off x="0" y="0"/>
-          <a:ext cx="0" cy="0"/>
-          <a:chOff x="0" y="0"/>
-          <a:chExt cx="0" cy="0"/>
-        </a:xfrm>
-      </p:grpSpPr>
-      <p:sp>
-        <p:nvSpPr>
-          <p:cNvPr id="2" name="Title 1">
-            <a:extLst>
-              <a:ext uri="{FF2B5EF4-FFF2-40B4-BE49-F238E27FC236}">
                 <a16:creationId xmlns:a16="http://schemas.microsoft.com/office/drawing/2014/main" id="{B705268F-40A6-054C-91C9-68B33B6C1281}"/>
               </a:ext>
             </a:extLst>
@@ -21612,7 +20777,7 @@
           <a:p>
             <a:fld id="{E1076ED0-0DB3-4879-AAE5-5C20D22C1DF4}" type="slidenum">
               <a:rPr lang="en-US" smtClean="0"/>
-              <a:t>11</a:t>
+              <a:t>10</a:t>
             </a:fld>
             <a:endParaRPr lang="en-US"/>
           </a:p>
@@ -21631,7 +20796,7 @@
 </p:sld>
 </file>
 
-<file path=ppt/slides/slide12.xml><?xml version="1.0" encoding="utf-8"?>
+<file path=ppt/slides/slide11.xml><?xml version="1.0" encoding="utf-8"?>
 <p:sld xmlns:a="http://schemas.openxmlformats.org/drawingml/2006/main" xmlns:r="http://schemas.openxmlformats.org/officeDocument/2006/relationships" xmlns:p="http://schemas.openxmlformats.org/presentationml/2006/main">
   <p:cSld>
     <p:spTree>
@@ -21703,7 +20868,7 @@
               <a:buChar char="•"/>
             </a:pPr>
             <a:r>
-              <a:rPr lang="en-US"/>
+              <a:rPr lang="en-US" dirty="0"/>
               <a:t>Automate all the steps involved in setting up the selected python projects.</a:t>
             </a:r>
           </a:p>
@@ -21712,7 +20877,7 @@
               <a:buChar char="•"/>
             </a:pPr>
             <a:r>
-              <a:rPr lang="en-US"/>
+              <a:rPr lang="en-US" dirty="0"/>
               <a:t>Automate the steps involved for executing the test suites of selected python projects.</a:t>
             </a:r>
           </a:p>
@@ -21721,9 +20886,42 @@
               <a:buChar char="•"/>
             </a:pPr>
             <a:r>
-              <a:rPr lang="en-US"/>
+              <a:rPr lang="en-US" dirty="0"/>
               <a:t>Execute common steps automatically for executing tests of any new python project.</a:t>
             </a:r>
+          </a:p>
+          <a:p>
+            <a:pPr marL="342900" indent="-342900">
+              <a:buFont typeface="Arial,Sans-Serif" panose="020B0604020202020204" pitchFamily="34" charset="0"/>
+              <a:buChar char="•"/>
+            </a:pPr>
+            <a:r>
+              <a:rPr lang="en-US" dirty="0">
+                <a:ea typeface="+mn-lt"/>
+                <a:cs typeface="+mn-lt"/>
+              </a:rPr>
+              <a:t>Framework implements dynamic analysis using </a:t>
+            </a:r>
+            <a:r>
+              <a:rPr lang="en-US" dirty="0" err="1">
+                <a:ea typeface="+mn-lt"/>
+                <a:cs typeface="+mn-lt"/>
+              </a:rPr>
+              <a:t>DynaPyt</a:t>
+            </a:r>
+            <a:r>
+              <a:rPr lang="en-US" dirty="0">
+                <a:ea typeface="+mn-lt"/>
+                <a:cs typeface="+mn-lt"/>
+              </a:rPr>
+              <a:t> for different python projects.</a:t>
+            </a:r>
+          </a:p>
+          <a:p>
+            <a:pPr marL="342900" indent="-342900">
+              <a:buChar char="•"/>
+            </a:pPr>
+            <a:endParaRPr lang="en-US" dirty="0"/>
           </a:p>
         </p:txBody>
       </p:sp>
@@ -21750,7 +20948,7 @@
           <a:p>
             <a:fld id="{E1076ED0-0DB3-4879-AAE5-5C20D22C1DF4}" type="slidenum">
               <a:rPr lang="en-US" smtClean="0"/>
-              <a:t>12</a:t>
+              <a:t>11</a:t>
             </a:fld>
             <a:endParaRPr lang="en-US"/>
           </a:p>
@@ -21769,145 +20967,7 @@
 </p:sld>
 </file>
 
-<file path=ppt/slides/slide13.xml><?xml version="1.0" encoding="utf-8"?>
-<p:sld xmlns:a="http://schemas.openxmlformats.org/drawingml/2006/main" xmlns:r="http://schemas.openxmlformats.org/officeDocument/2006/relationships" xmlns:p="http://schemas.openxmlformats.org/presentationml/2006/main">
-  <p:cSld>
-    <p:spTree>
-      <p:nvGrpSpPr>
-        <p:cNvPr id="1" name=""/>
-        <p:cNvGrpSpPr/>
-        <p:nvPr/>
-      </p:nvGrpSpPr>
-      <p:grpSpPr>
-        <a:xfrm>
-          <a:off x="0" y="0"/>
-          <a:ext cx="0" cy="0"/>
-          <a:chOff x="0" y="0"/>
-          <a:chExt cx="0" cy="0"/>
-        </a:xfrm>
-      </p:grpSpPr>
-      <p:sp>
-        <p:nvSpPr>
-          <p:cNvPr id="2" name="Title 1">
-            <a:extLst>
-              <a:ext uri="{FF2B5EF4-FFF2-40B4-BE49-F238E27FC236}">
-                <a16:creationId xmlns:a16="http://schemas.microsoft.com/office/drawing/2014/main" id="{2897AB3B-A481-DF0C-73ED-578CAB958EC1}"/>
-              </a:ext>
-            </a:extLst>
-          </p:cNvPr>
-          <p:cNvSpPr>
-            <a:spLocks noGrp="1"/>
-          </p:cNvSpPr>
-          <p:nvPr>
-            <p:ph type="title"/>
-          </p:nvPr>
-        </p:nvSpPr>
-        <p:spPr/>
-        <p:txBody>
-          <a:bodyPr/>
-          <a:lstStyle/>
-          <a:p>
-            <a:r>
-              <a:rPr lang="en-US"/>
-              <a:t>Result of Project : Creation of Framework</a:t>
-            </a:r>
-          </a:p>
-        </p:txBody>
-      </p:sp>
-      <p:sp>
-        <p:nvSpPr>
-          <p:cNvPr id="3" name="Content Placeholder 2">
-            <a:extLst>
-              <a:ext uri="{FF2B5EF4-FFF2-40B4-BE49-F238E27FC236}">
-                <a16:creationId xmlns:a16="http://schemas.microsoft.com/office/drawing/2014/main" id="{69EE8EFF-6708-E96A-B2D5-21AA27EC1EDA}"/>
-              </a:ext>
-            </a:extLst>
-          </p:cNvPr>
-          <p:cNvSpPr>
-            <a:spLocks noGrp="1"/>
-          </p:cNvSpPr>
-          <p:nvPr>
-            <p:ph idx="1"/>
-          </p:nvPr>
-        </p:nvSpPr>
-        <p:spPr/>
-        <p:txBody>
-          <a:bodyPr vert="horz" lIns="91440" tIns="45720" rIns="91440" bIns="45720" rtlCol="0" anchor="t">
-            <a:normAutofit/>
-          </a:bodyPr>
-          <a:lstStyle/>
-          <a:p>
-            <a:pPr marL="342900" indent="-342900">
-              <a:buChar char="•"/>
-            </a:pPr>
-            <a:r>
-              <a:rPr lang="en-US"/>
-              <a:t>Create a framework for dynamic benchmarking.</a:t>
-            </a:r>
-          </a:p>
-          <a:p>
-            <a:pPr marL="342900" indent="-342900">
-              <a:buChar char="•"/>
-            </a:pPr>
-            <a:r>
-              <a:rPr lang="en-US"/>
-              <a:t>Framework should be able to run test cases for different python projects.</a:t>
-            </a:r>
-          </a:p>
-          <a:p>
-            <a:pPr marL="342900" indent="-342900">
-              <a:buChar char="•"/>
-            </a:pPr>
-            <a:r>
-              <a:rPr lang="en-US"/>
-              <a:t>Framework should be able to perform dynamic analysis of python projects.</a:t>
-            </a:r>
-          </a:p>
-        </p:txBody>
-      </p:sp>
-      <p:sp>
-        <p:nvSpPr>
-          <p:cNvPr id="4" name="Slide Number Placeholder 3">
-            <a:extLst>
-              <a:ext uri="{FF2B5EF4-FFF2-40B4-BE49-F238E27FC236}">
-                <a16:creationId xmlns:a16="http://schemas.microsoft.com/office/drawing/2014/main" id="{398B6D05-2772-C3B1-6236-BCBB34B90251}"/>
-              </a:ext>
-            </a:extLst>
-          </p:cNvPr>
-          <p:cNvSpPr>
-            <a:spLocks noGrp="1"/>
-          </p:cNvSpPr>
-          <p:nvPr>
-            <p:ph type="sldNum" sz="quarter" idx="12"/>
-          </p:nvPr>
-        </p:nvSpPr>
-        <p:spPr/>
-        <p:txBody>
-          <a:bodyPr/>
-          <a:lstStyle/>
-          <a:p>
-            <a:fld id="{E1076ED0-0DB3-4879-AAE5-5C20D22C1DF4}" type="slidenum">
-              <a:rPr lang="en-US" smtClean="0"/>
-              <a:t>13</a:t>
-            </a:fld>
-            <a:endParaRPr lang="en-US"/>
-          </a:p>
-        </p:txBody>
-      </p:sp>
-    </p:spTree>
-    <p:extLst>
-      <p:ext uri="{BB962C8B-B14F-4D97-AF65-F5344CB8AC3E}">
-        <p14:creationId xmlns:p14="http://schemas.microsoft.com/office/powerpoint/2010/main" val="500266789"/>
-      </p:ext>
-    </p:extLst>
-  </p:cSld>
-  <p:clrMapOvr>
-    <a:masterClrMapping/>
-  </p:clrMapOvr>
-</p:sld>
-</file>
-
-<file path=ppt/slides/slide14.xml><?xml version="1.0" encoding="utf-8"?>
+<file path=ppt/slides/slide12.xml><?xml version="1.0" encoding="utf-8"?>
 <p:sld xmlns:a="http://schemas.openxmlformats.org/drawingml/2006/main" xmlns:r="http://schemas.openxmlformats.org/officeDocument/2006/relationships" xmlns:p="http://schemas.openxmlformats.org/presentationml/2006/main">
   <p:cSld>
     <p:spTree>
@@ -21979,15 +21039,15 @@
               <a:buChar char="•"/>
             </a:pPr>
             <a:r>
-              <a:rPr lang="en-US"/>
+              <a:rPr lang="en-US" dirty="0"/>
               <a:t>Study dynamic properties of python using benchmark and </a:t>
             </a:r>
             <a:r>
-              <a:rPr lang="en-US" err="1"/>
+              <a:rPr lang="en-US" dirty="0" err="1"/>
               <a:t>DynaPyt</a:t>
             </a:r>
             <a:r>
-              <a:rPr lang="en-US"/>
+              <a:rPr lang="en-US" dirty="0"/>
               <a:t> framework.</a:t>
             </a:r>
           </a:p>
@@ -21996,7 +21056,7 @@
               <a:buChar char="•"/>
             </a:pPr>
             <a:r>
-              <a:rPr lang="en-US"/>
+              <a:rPr lang="en-US" dirty="0"/>
               <a:t>Some dynamic properties to be studied include:</a:t>
             </a:r>
           </a:p>
@@ -22005,7 +21065,7 @@
               <a:buChar char="•"/>
             </a:pPr>
             <a:r>
-              <a:rPr lang="en-US"/>
+              <a:rPr lang="en-US" dirty="0"/>
               <a:t>Objects</a:t>
             </a:r>
           </a:p>
@@ -22014,7 +21074,7 @@
               <a:buChar char="•"/>
             </a:pPr>
             <a:r>
-              <a:rPr lang="en-US"/>
+              <a:rPr lang="en-US" dirty="0"/>
               <a:t>Call Targets</a:t>
             </a:r>
           </a:p>
@@ -22023,8 +21083,15 @@
               <a:buChar char="•"/>
             </a:pPr>
             <a:r>
-              <a:rPr lang="en-US"/>
+              <a:rPr lang="en-US" dirty="0"/>
               <a:t>Variable usage</a:t>
+            </a:r>
+          </a:p>
+          <a:p>
+            <a:pPr marL="285750" lvl="1" indent="-285750"/>
+            <a:r>
+              <a:rPr lang="en-US" dirty="0"/>
+              <a:t>Any other suggestions ?</a:t>
             </a:r>
           </a:p>
         </p:txBody>
@@ -22052,7 +21119,7 @@
           <a:p>
             <a:fld id="{E1076ED0-0DB3-4879-AAE5-5C20D22C1DF4}" type="slidenum">
               <a:rPr lang="en-US" smtClean="0"/>
-              <a:t>14</a:t>
+              <a:t>12</a:t>
             </a:fld>
             <a:endParaRPr lang="en-US"/>
           </a:p>
@@ -22071,7 +21138,7 @@
 </p:sld>
 </file>
 
-<file path=ppt/slides/slide15.xml><?xml version="1.0" encoding="utf-8"?>
+<file path=ppt/slides/slide13.xml><?xml version="1.0" encoding="utf-8"?>
 <p:sld xmlns:a="http://schemas.openxmlformats.org/drawingml/2006/main" xmlns:r="http://schemas.openxmlformats.org/officeDocument/2006/relationships" xmlns:p="http://schemas.openxmlformats.org/presentationml/2006/main">
   <p:cSld>
     <p:spTree>
@@ -22116,37 +21183,6 @@
           </a:p>
         </p:txBody>
       </p:sp>
-      <p:graphicFrame>
-        <p:nvGraphicFramePr>
-          <p:cNvPr id="33" name="Diagram 4">
-            <a:extLst>
-              <a:ext uri="{FF2B5EF4-FFF2-40B4-BE49-F238E27FC236}">
-                <a16:creationId xmlns:a16="http://schemas.microsoft.com/office/drawing/2014/main" id="{AFE73923-9BB5-24B9-3692-0ED06D576BE9}"/>
-              </a:ext>
-            </a:extLst>
-          </p:cNvPr>
-          <p:cNvGraphicFramePr>
-            <a:graphicFrameLocks noGrp="1"/>
-          </p:cNvGraphicFramePr>
-          <p:nvPr>
-            <p:ph idx="1"/>
-            <p:extLst>
-              <p:ext uri="{D42A27DB-BD31-4B8C-83A1-F6EECF244321}">
-                <p14:modId xmlns:p14="http://schemas.microsoft.com/office/powerpoint/2010/main" val="2423330811"/>
-              </p:ext>
-            </p:extLst>
-          </p:nvPr>
-        </p:nvGraphicFramePr>
-        <p:xfrm>
-          <a:off x="580547" y="2651068"/>
-          <a:ext cx="10077450" cy="3548062"/>
-        </p:xfrm>
-        <a:graphic>
-          <a:graphicData uri="http://schemas.openxmlformats.org/drawingml/2006/diagram">
-            <dgm:relIds xmlns:dgm="http://schemas.openxmlformats.org/drawingml/2006/diagram" xmlns:r="http://schemas.openxmlformats.org/officeDocument/2006/relationships" r:dm="rId2" r:lo="rId3" r:qs="rId4" r:cs="rId5"/>
-          </a:graphicData>
-        </a:graphic>
-      </p:graphicFrame>
       <p:sp>
         <p:nvSpPr>
           <p:cNvPr id="34" name="Slide Number Placeholder 33">
@@ -22170,9 +21206,344 @@
           <a:p>
             <a:fld id="{E1076ED0-0DB3-4879-AAE5-5C20D22C1DF4}" type="slidenum">
               <a:rPr lang="en-US" smtClean="0"/>
-              <a:t>15</a:t>
+              <a:t>13</a:t>
             </a:fld>
             <a:endParaRPr lang="en-US"/>
+          </a:p>
+        </p:txBody>
+      </p:sp>
+      <p:graphicFrame>
+        <p:nvGraphicFramePr>
+          <p:cNvPr id="112" name="Diagram 4">
+            <a:extLst>
+              <a:ext uri="{FF2B5EF4-FFF2-40B4-BE49-F238E27FC236}">
+                <a16:creationId xmlns:a16="http://schemas.microsoft.com/office/drawing/2014/main" id="{0DECE738-D0F2-3FA3-F253-7343937AEA80}"/>
+              </a:ext>
+            </a:extLst>
+          </p:cNvPr>
+          <p:cNvGraphicFramePr>
+            <a:graphicFrameLocks noGrp="1"/>
+          </p:cNvGraphicFramePr>
+          <p:nvPr>
+            <p:ph idx="1"/>
+            <p:extLst>
+              <p:ext uri="{D42A27DB-BD31-4B8C-83A1-F6EECF244321}">
+                <p14:modId xmlns:p14="http://schemas.microsoft.com/office/powerpoint/2010/main" val="4015858319"/>
+              </p:ext>
+            </p:extLst>
+          </p:nvPr>
+        </p:nvGraphicFramePr>
+        <p:xfrm>
+          <a:off x="965078" y="2571384"/>
+          <a:ext cx="10077450" cy="3548062"/>
+        </p:xfrm>
+        <a:graphic>
+          <a:graphicData uri="http://schemas.openxmlformats.org/drawingml/2006/diagram">
+            <dgm:relIds xmlns:dgm="http://schemas.openxmlformats.org/drawingml/2006/diagram" xmlns:r="http://schemas.openxmlformats.org/officeDocument/2006/relationships" r:dm="rId2" r:lo="rId3" r:qs="rId4" r:cs="rId5"/>
+          </a:graphicData>
+        </a:graphic>
+      </p:graphicFrame>
+      <p:sp>
+        <p:nvSpPr>
+          <p:cNvPr id="120" name="Rectangle 119">
+            <a:extLst>
+              <a:ext uri="{FF2B5EF4-FFF2-40B4-BE49-F238E27FC236}">
+                <a16:creationId xmlns:a16="http://schemas.microsoft.com/office/drawing/2014/main" id="{07583C50-715E-7E2B-8B47-5E33D5CC72F1}"/>
+              </a:ext>
+            </a:extLst>
+          </p:cNvPr>
+          <p:cNvSpPr/>
+          <p:nvPr/>
+        </p:nvSpPr>
+        <p:spPr>
+          <a:xfrm>
+            <a:off x="185615" y="2793999"/>
+            <a:ext cx="11879383" cy="3028461"/>
+          </a:xfrm>
+          <a:prstGeom prst="rect">
+            <a:avLst/>
+          </a:prstGeom>
+          <a:noFill/>
+        </p:spPr>
+        <p:style>
+          <a:lnRef idx="2">
+            <a:schemeClr val="accent1">
+              <a:shade val="50000"/>
+            </a:schemeClr>
+          </a:lnRef>
+          <a:fillRef idx="1">
+            <a:schemeClr val="accent1"/>
+          </a:fillRef>
+          <a:effectRef idx="0">
+            <a:schemeClr val="accent1"/>
+          </a:effectRef>
+          <a:fontRef idx="minor">
+            <a:schemeClr val="lt1"/>
+          </a:fontRef>
+        </p:style>
+        <p:txBody>
+          <a:bodyPr rtlCol="0" anchor="ctr"/>
+          <a:lstStyle/>
+          <a:p>
+            <a:pPr algn="ctr"/>
+            <a:endParaRPr lang="en-US"/>
+          </a:p>
+        </p:txBody>
+      </p:sp>
+      <p:sp>
+        <p:nvSpPr>
+          <p:cNvPr id="122" name="Arrow: Right 121">
+            <a:extLst>
+              <a:ext uri="{FF2B5EF4-FFF2-40B4-BE49-F238E27FC236}">
+                <a16:creationId xmlns:a16="http://schemas.microsoft.com/office/drawing/2014/main" id="{745BE8F2-1E7A-3D5E-5742-932F5B8402C4}"/>
+              </a:ext>
+            </a:extLst>
+          </p:cNvPr>
+          <p:cNvSpPr/>
+          <p:nvPr/>
+        </p:nvSpPr>
+        <p:spPr>
+          <a:xfrm>
+            <a:off x="293077" y="4083538"/>
+            <a:ext cx="547076" cy="556845"/>
+          </a:xfrm>
+          <a:prstGeom prst="rightArrow">
+            <a:avLst/>
+          </a:prstGeom>
+          <a:solidFill>
+            <a:schemeClr val="tx2">
+              <a:lumMod val="60000"/>
+              <a:lumOff val="40000"/>
+            </a:schemeClr>
+          </a:solidFill>
+          <a:ln>
+            <a:noFill/>
+          </a:ln>
+        </p:spPr>
+        <p:style>
+          <a:lnRef idx="2">
+            <a:schemeClr val="accent1">
+              <a:shade val="50000"/>
+            </a:schemeClr>
+          </a:lnRef>
+          <a:fillRef idx="1">
+            <a:schemeClr val="accent1"/>
+          </a:fillRef>
+          <a:effectRef idx="0">
+            <a:schemeClr val="accent1"/>
+          </a:effectRef>
+          <a:fontRef idx="minor">
+            <a:schemeClr val="lt1"/>
+          </a:fontRef>
+        </p:style>
+        <p:txBody>
+          <a:bodyPr rtlCol="0" anchor="ctr"/>
+          <a:lstStyle/>
+          <a:p>
+            <a:pPr algn="ctr"/>
+            <a:endParaRPr lang="en-US"/>
+          </a:p>
+        </p:txBody>
+      </p:sp>
+      <p:sp>
+        <p:nvSpPr>
+          <p:cNvPr id="124" name="TextBox 123">
+            <a:extLst>
+              <a:ext uri="{FF2B5EF4-FFF2-40B4-BE49-F238E27FC236}">
+                <a16:creationId xmlns:a16="http://schemas.microsoft.com/office/drawing/2014/main" id="{368C8B6A-A4E8-0AE9-8813-C5DFD2B11F2A}"/>
+              </a:ext>
+            </a:extLst>
+          </p:cNvPr>
+          <p:cNvSpPr txBox="1"/>
+          <p:nvPr/>
+        </p:nvSpPr>
+        <p:spPr>
+          <a:xfrm>
+            <a:off x="5265615" y="2452077"/>
+            <a:ext cx="2564667" cy="338554"/>
+          </a:xfrm>
+          <a:prstGeom prst="rect">
+            <a:avLst/>
+          </a:prstGeom>
+          <a:noFill/>
+        </p:spPr>
+        <p:txBody>
+          <a:bodyPr rot="0" spcFirstLastPara="0" vertOverflow="overflow" horzOverflow="overflow" vert="horz" wrap="square" lIns="91440" tIns="45720" rIns="91440" bIns="45720" numCol="1" spcCol="0" rtlCol="0" fromWordArt="0" anchor="t" anchorCtr="0" forceAA="0" compatLnSpc="1">
+            <a:prstTxWarp prst="textNoShape">
+              <a:avLst/>
+            </a:prstTxWarp>
+            <a:spAutoFit/>
+          </a:bodyPr>
+          <a:lstStyle/>
+          <a:p>
+            <a:r>
+              <a:rPr lang="en-US" sz="1600" b="1" dirty="0">
+                <a:latin typeface="Georgia Pro Semibold"/>
+              </a:rPr>
+              <a:t>Creation of Framework</a:t>
+            </a:r>
+          </a:p>
+        </p:txBody>
+      </p:sp>
+      <p:sp>
+        <p:nvSpPr>
+          <p:cNvPr id="126" name="Arrow: Right 125">
+            <a:extLst>
+              <a:ext uri="{FF2B5EF4-FFF2-40B4-BE49-F238E27FC236}">
+                <a16:creationId xmlns:a16="http://schemas.microsoft.com/office/drawing/2014/main" id="{16128EAF-500F-21FA-58AD-770CA8A6BE07}"/>
+              </a:ext>
+            </a:extLst>
+          </p:cNvPr>
+          <p:cNvSpPr/>
+          <p:nvPr/>
+        </p:nvSpPr>
+        <p:spPr>
+          <a:xfrm>
+            <a:off x="11254153" y="3995615"/>
+            <a:ext cx="547076" cy="556845"/>
+          </a:xfrm>
+          <a:prstGeom prst="rightArrow">
+            <a:avLst/>
+          </a:prstGeom>
+        </p:spPr>
+        <p:style>
+          <a:lnRef idx="2">
+            <a:schemeClr val="accent1">
+              <a:shade val="50000"/>
+            </a:schemeClr>
+          </a:lnRef>
+          <a:fillRef idx="1">
+            <a:schemeClr val="accent1"/>
+          </a:fillRef>
+          <a:effectRef idx="0">
+            <a:schemeClr val="accent1"/>
+          </a:effectRef>
+          <a:fontRef idx="minor">
+            <a:schemeClr val="lt1"/>
+          </a:fontRef>
+        </p:style>
+        <p:txBody>
+          <a:bodyPr rtlCol="0" anchor="ctr"/>
+          <a:lstStyle/>
+          <a:p>
+            <a:pPr algn="ctr"/>
+            <a:endParaRPr lang="en-US"/>
+          </a:p>
+        </p:txBody>
+      </p:sp>
+      <p:sp>
+        <p:nvSpPr>
+          <p:cNvPr id="146" name="TextBox 145">
+            <a:extLst>
+              <a:ext uri="{FF2B5EF4-FFF2-40B4-BE49-F238E27FC236}">
+                <a16:creationId xmlns:a16="http://schemas.microsoft.com/office/drawing/2014/main" id="{A18F45BF-F55F-4AF6-CECF-67DAD721BA2A}"/>
+              </a:ext>
+            </a:extLst>
+          </p:cNvPr>
+          <p:cNvSpPr txBox="1"/>
+          <p:nvPr/>
+        </p:nvSpPr>
+        <p:spPr>
+          <a:xfrm>
+            <a:off x="185613" y="3438769"/>
+            <a:ext cx="962513" cy="600164"/>
+          </a:xfrm>
+          <a:prstGeom prst="rect">
+            <a:avLst/>
+          </a:prstGeom>
+          <a:noFill/>
+        </p:spPr>
+        <p:txBody>
+          <a:bodyPr rot="0" spcFirstLastPara="0" vertOverflow="overflow" horzOverflow="overflow" vert="horz" wrap="square" lIns="91440" tIns="45720" rIns="91440" bIns="45720" numCol="1" spcCol="0" rtlCol="0" fromWordArt="0" anchor="t" anchorCtr="0" forceAA="0" compatLnSpc="1">
+            <a:prstTxWarp prst="textNoShape">
+              <a:avLst/>
+            </a:prstTxWarp>
+            <a:spAutoFit/>
+          </a:bodyPr>
+          <a:lstStyle/>
+          <a:p>
+            <a:r>
+              <a:rPr lang="en-US" sz="1100" dirty="0"/>
+              <a:t>Awesome Python Projects</a:t>
+            </a:r>
+            <a:endParaRPr lang="en-US" dirty="0"/>
+          </a:p>
+        </p:txBody>
+      </p:sp>
+      <p:sp>
+        <p:nvSpPr>
+          <p:cNvPr id="148" name="TextBox 147">
+            <a:extLst>
+              <a:ext uri="{FF2B5EF4-FFF2-40B4-BE49-F238E27FC236}">
+                <a16:creationId xmlns:a16="http://schemas.microsoft.com/office/drawing/2014/main" id="{20D0895E-4FB2-4105-8D28-827D8622E9C6}"/>
+              </a:ext>
+            </a:extLst>
+          </p:cNvPr>
+          <p:cNvSpPr txBox="1"/>
+          <p:nvPr/>
+        </p:nvSpPr>
+        <p:spPr>
+          <a:xfrm>
+            <a:off x="3737705" y="3434861"/>
+            <a:ext cx="962513" cy="430887"/>
+          </a:xfrm>
+          <a:prstGeom prst="rect">
+            <a:avLst/>
+          </a:prstGeom>
+          <a:noFill/>
+        </p:spPr>
+        <p:txBody>
+          <a:bodyPr rot="0" spcFirstLastPara="0" vertOverflow="overflow" horzOverflow="overflow" vert="horz" wrap="square" lIns="91440" tIns="45720" rIns="91440" bIns="45720" numCol="1" spcCol="0" rtlCol="0" fromWordArt="0" anchor="t" anchorCtr="0" forceAA="0" compatLnSpc="1">
+            <a:prstTxWarp prst="textNoShape">
+              <a:avLst/>
+            </a:prstTxWarp>
+            <a:spAutoFit/>
+          </a:bodyPr>
+          <a:lstStyle/>
+          <a:p>
+            <a:r>
+              <a:rPr lang="en-US" sz="1100" dirty="0"/>
+              <a:t>9 diverse projects</a:t>
+            </a:r>
+            <a:endParaRPr lang="en-US" dirty="0"/>
+          </a:p>
+        </p:txBody>
+      </p:sp>
+      <p:sp>
+        <p:nvSpPr>
+          <p:cNvPr id="150" name="TextBox 149">
+            <a:extLst>
+              <a:ext uri="{FF2B5EF4-FFF2-40B4-BE49-F238E27FC236}">
+                <a16:creationId xmlns:a16="http://schemas.microsoft.com/office/drawing/2014/main" id="{9D35A9D0-FE78-7D2B-FCF9-A7FAC473C514}"/>
+              </a:ext>
+            </a:extLst>
+          </p:cNvPr>
+          <p:cNvSpPr txBox="1"/>
+          <p:nvPr/>
+        </p:nvSpPr>
+        <p:spPr>
+          <a:xfrm>
+            <a:off x="7459782" y="3395784"/>
+            <a:ext cx="962513" cy="600164"/>
+          </a:xfrm>
+          <a:prstGeom prst="rect">
+            <a:avLst/>
+          </a:prstGeom>
+          <a:noFill/>
+        </p:spPr>
+        <p:txBody>
+          <a:bodyPr rot="0" spcFirstLastPara="0" vertOverflow="overflow" horzOverflow="overflow" vert="horz" wrap="square" lIns="91440" tIns="45720" rIns="91440" bIns="45720" numCol="1" spcCol="0" rtlCol="0" fromWordArt="0" anchor="t" anchorCtr="0" forceAA="0" compatLnSpc="1">
+            <a:prstTxWarp prst="textNoShape">
+              <a:avLst/>
+            </a:prstTxWarp>
+            <a:spAutoFit/>
+          </a:bodyPr>
+          <a:lstStyle/>
+          <a:p>
+            <a:r>
+              <a:rPr lang="en-US" sz="1100" dirty="0"/>
+              <a:t>Steps for running tests</a:t>
+            </a:r>
           </a:p>
         </p:txBody>
       </p:sp>
@@ -22189,7 +21560,7 @@
 </p:sld>
 </file>
 
-<file path=ppt/slides/slide16.xml><?xml version="1.0" encoding="utf-8"?>
+<file path=ppt/slides/slide14.xml><?xml version="1.0" encoding="utf-8"?>
 <p:sld xmlns:a="http://schemas.openxmlformats.org/drawingml/2006/main" xmlns:r="http://schemas.openxmlformats.org/officeDocument/2006/relationships" xmlns:p="http://schemas.openxmlformats.org/presentationml/2006/main">
   <p:cSld>
     <p:spTree>
@@ -22269,7 +21640,7 @@
           <a:p>
             <a:fld id="{E1076ED0-0DB3-4879-AAE5-5C20D22C1DF4}" type="slidenum">
               <a:rPr lang="en-US" smtClean="0"/>
-              <a:t>16</a:t>
+              <a:t>14</a:t>
             </a:fld>
             <a:endParaRPr lang="en-US"/>
           </a:p>
@@ -22288,7 +21659,7 @@
 </p:sld>
 </file>
 
-<file path=ppt/slides/slide17.xml><?xml version="1.0" encoding="utf-8"?>
+<file path=ppt/slides/slide15.xml><?xml version="1.0" encoding="utf-8"?>
 <p:sld xmlns:a="http://schemas.openxmlformats.org/drawingml/2006/main" xmlns:r="http://schemas.openxmlformats.org/officeDocument/2006/relationships" xmlns:p="http://schemas.openxmlformats.org/presentationml/2006/main">
   <p:cSld>
     <p:spTree>
@@ -22368,7 +21739,7 @@
           <a:p>
             <a:fld id="{E1076ED0-0DB3-4879-AAE5-5C20D22C1DF4}" type="slidenum">
               <a:rPr lang="en-US" smtClean="0"/>
-              <a:t>17</a:t>
+              <a:t>15</a:t>
             </a:fld>
             <a:endParaRPr lang="en-US"/>
           </a:p>
@@ -22662,16 +22033,110 @@
           </a:bodyPr>
           <a:lstStyle/>
           <a:p>
-            <a:pPr marL="342900" indent="-342900">
+            <a:pPr marL="285750" lvl="1" indent="-285750">
               <a:buFont typeface="Arial,Sans-Serif"/>
               <a:buChar char="•"/>
             </a:pPr>
             <a:r>
-              <a:rPr lang="en-US">
+              <a:rPr lang="en-US" dirty="0">
                 <a:ea typeface="+mn-lt"/>
                 <a:cs typeface="+mn-lt"/>
               </a:rPr>
-              <a:t>Challenges faced in dynamic benchmarking</a:t>
+              <a:t>Time for setting up projects.</a:t>
+            </a:r>
+            <a:endParaRPr lang="en-US" dirty="0"/>
+          </a:p>
+          <a:p>
+            <a:pPr marL="742950" lvl="2">
+              <a:buFont typeface="Arial,Sans-Serif"/>
+              <a:buChar char="•"/>
+            </a:pPr>
+            <a:r>
+              <a:rPr lang="en-US" dirty="0">
+                <a:ea typeface="+mn-lt"/>
+                <a:cs typeface="+mn-lt"/>
+              </a:rPr>
+              <a:t> </a:t>
+            </a:r>
+            <a:r>
+              <a:rPr lang="en-US" dirty="0" err="1">
+                <a:ea typeface="+mn-lt"/>
+                <a:cs typeface="+mn-lt"/>
+              </a:rPr>
+              <a:t>PythonRobotics</a:t>
+            </a:r>
+            <a:r>
+              <a:rPr lang="en-US" dirty="0">
+                <a:ea typeface="+mn-lt"/>
+                <a:cs typeface="+mn-lt"/>
+              </a:rPr>
+              <a:t> setup completed in 15 minutes.</a:t>
+            </a:r>
+          </a:p>
+          <a:p>
+            <a:pPr marL="742950" lvl="2">
+              <a:buFont typeface="Arial,Sans-Serif"/>
+              <a:buChar char="•"/>
+            </a:pPr>
+            <a:r>
+              <a:rPr lang="en-US" dirty="0">
+                <a:ea typeface="+mn-lt"/>
+                <a:cs typeface="+mn-lt"/>
+              </a:rPr>
+              <a:t> Flask-Api setup completed in 5 mins.</a:t>
+            </a:r>
+            <a:endParaRPr lang="en-US" dirty="0"/>
+          </a:p>
+          <a:p>
+            <a:pPr marL="285750" lvl="1" indent="-285750">
+              <a:buFont typeface="Arial,Sans-Serif"/>
+              <a:buChar char="•"/>
+            </a:pPr>
+            <a:r>
+              <a:rPr lang="en-US" dirty="0">
+                <a:ea typeface="+mn-lt"/>
+                <a:cs typeface="+mn-lt"/>
+              </a:rPr>
+              <a:t>Different versions, dependencies and steps involved.</a:t>
+            </a:r>
+          </a:p>
+          <a:p>
+            <a:pPr marL="742950" lvl="2">
+              <a:buFont typeface="Arial,Sans-Serif"/>
+              <a:buChar char="•"/>
+            </a:pPr>
+            <a:r>
+              <a:rPr lang="en-US" dirty="0">
+                <a:ea typeface="+mn-lt"/>
+                <a:cs typeface="+mn-lt"/>
+              </a:rPr>
+              <a:t> Different version of libraries due to current development.</a:t>
+            </a:r>
+          </a:p>
+          <a:p>
+            <a:pPr marL="742950" lvl="2">
+              <a:buFont typeface="Arial,Sans-Serif"/>
+              <a:buChar char="•"/>
+            </a:pPr>
+            <a:r>
+              <a:rPr lang="en-US" dirty="0">
+                <a:ea typeface="+mn-lt"/>
+                <a:cs typeface="+mn-lt"/>
+              </a:rPr>
+              <a:t> Each project has its own set of dependencies, like web and deep learning.</a:t>
+            </a:r>
+          </a:p>
+          <a:p>
+            <a:pPr marL="285750" lvl="1" indent="-285750">
+              <a:buFont typeface="Arial,Sans-Serif"/>
+              <a:buChar char="•"/>
+            </a:pPr>
+            <a:r>
+              <a:rPr lang="en-US" dirty="0">
+                <a:ea typeface="+mn-lt"/>
+                <a:cs typeface="+mn-lt"/>
+              </a:rPr>
+              <a:t>Time for running test cases.</a:t>
             </a:r>
           </a:p>
           <a:p>
@@ -22680,11 +22145,12 @@
               <a:buChar char="•"/>
             </a:pPr>
             <a:r>
-              <a:rPr lang="en-US">
-                <a:ea typeface="+mn-lt"/>
-                <a:cs typeface="+mn-lt"/>
-              </a:rPr>
-              <a:t>Time for setting up projects.</a:t>
+              <a:rPr lang="en-US" dirty="0" err="1"/>
+              <a:t>PythonRobotics</a:t>
+            </a:r>
+            <a:r>
+              <a:rPr lang="en-US" dirty="0"/>
+              <a:t> : 103 tests in 314 seconds.</a:t>
             </a:r>
           </a:p>
           <a:p>
@@ -22693,24 +22159,12 @@
               <a:buChar char="•"/>
             </a:pPr>
             <a:r>
-              <a:rPr lang="en-US">
-                <a:ea typeface="+mn-lt"/>
-                <a:cs typeface="+mn-lt"/>
-              </a:rPr>
-              <a:t>Different versions, dependencies and steps involved.</a:t>
+              <a:rPr lang="en-US" dirty="0" err="1"/>
+              <a:t>Streamparse</a:t>
             </a:r>
-          </a:p>
-          <a:p>
-            <a:pPr marL="742950" lvl="2" indent="-285750">
-              <a:buFont typeface="Arial,Sans-Serif"/>
-              <a:buChar char="•"/>
-            </a:pPr>
             <a:r>
-              <a:rPr lang="en-US">
-                <a:ea typeface="+mn-lt"/>
-                <a:cs typeface="+mn-lt"/>
-              </a:rPr>
-              <a:t>Time for running test cases.</a:t>
+              <a:rPr lang="en-US" dirty="0"/>
+              <a:t> : 57 tests in 0.97 seconds</a:t>
             </a:r>
           </a:p>
           <a:p>
@@ -22992,7 +22446,7 @@
           <a:p>
             <a:r>
               <a:rPr lang="en-US" dirty="0"/>
-              <a:t>Introduction : Tasks Involved</a:t>
+              <a:t>Introduction : Concrete Steps</a:t>
             </a:r>
           </a:p>
         </p:txBody>
@@ -25573,13 +25027,13 @@
             <p:ph idx="1"/>
             <p:extLst>
               <p:ext uri="{D42A27DB-BD31-4B8C-83A1-F6EECF244321}">
-                <p14:modId xmlns:p14="http://schemas.microsoft.com/office/powerpoint/2010/main" val="1099886870"/>
+                <p14:modId xmlns:p14="http://schemas.microsoft.com/office/powerpoint/2010/main" val="3758021648"/>
               </p:ext>
             </p:extLst>
           </p:nvPr>
         </p:nvGraphicFramePr>
         <p:xfrm>
-          <a:off x="525463" y="2522538"/>
+          <a:off x="965078" y="2571384"/>
           <a:ext cx="10077450" cy="3548062"/>
         </p:xfrm>
         <a:graphic>
@@ -25614,6 +25068,346 @@
               <a:t>6</a:t>
             </a:fld>
             <a:endParaRPr lang="en-US"/>
+          </a:p>
+        </p:txBody>
+      </p:sp>
+      <p:sp>
+        <p:nvSpPr>
+          <p:cNvPr id="69" name="Rectangle 68">
+            <a:extLst>
+              <a:ext uri="{FF2B5EF4-FFF2-40B4-BE49-F238E27FC236}">
+                <a16:creationId xmlns:a16="http://schemas.microsoft.com/office/drawing/2014/main" id="{CCCD831B-210C-729F-56ED-41241524A06D}"/>
+              </a:ext>
+            </a:extLst>
+          </p:cNvPr>
+          <p:cNvSpPr/>
+          <p:nvPr/>
+        </p:nvSpPr>
+        <p:spPr>
+          <a:xfrm>
+            <a:off x="185615" y="2793999"/>
+            <a:ext cx="11879383" cy="3028461"/>
+          </a:xfrm>
+          <a:prstGeom prst="rect">
+            <a:avLst/>
+          </a:prstGeom>
+          <a:noFill/>
+        </p:spPr>
+        <p:style>
+          <a:lnRef idx="2">
+            <a:schemeClr val="accent1">
+              <a:shade val="50000"/>
+            </a:schemeClr>
+          </a:lnRef>
+          <a:fillRef idx="1">
+            <a:schemeClr val="accent1"/>
+          </a:fillRef>
+          <a:effectRef idx="0">
+            <a:schemeClr val="accent1"/>
+          </a:effectRef>
+          <a:fontRef idx="minor">
+            <a:schemeClr val="lt1"/>
+          </a:fontRef>
+        </p:style>
+        <p:txBody>
+          <a:bodyPr rtlCol="0" anchor="ctr"/>
+          <a:lstStyle/>
+          <a:p>
+            <a:pPr algn="ctr"/>
+            <a:endParaRPr lang="en-US"/>
+          </a:p>
+        </p:txBody>
+      </p:sp>
+      <p:sp>
+        <p:nvSpPr>
+          <p:cNvPr id="70" name="TextBox 69">
+            <a:extLst>
+              <a:ext uri="{FF2B5EF4-FFF2-40B4-BE49-F238E27FC236}">
+                <a16:creationId xmlns:a16="http://schemas.microsoft.com/office/drawing/2014/main" id="{57D2E6D8-7F56-52F9-7F34-D7119AB18EF9}"/>
+              </a:ext>
+            </a:extLst>
+          </p:cNvPr>
+          <p:cNvSpPr txBox="1"/>
+          <p:nvPr/>
+        </p:nvSpPr>
+        <p:spPr>
+          <a:xfrm>
+            <a:off x="5265615" y="2452077"/>
+            <a:ext cx="2564667" cy="338554"/>
+          </a:xfrm>
+          <a:prstGeom prst="rect">
+            <a:avLst/>
+          </a:prstGeom>
+          <a:noFill/>
+        </p:spPr>
+        <p:txBody>
+          <a:bodyPr rot="0" spcFirstLastPara="0" vertOverflow="overflow" horzOverflow="overflow" vert="horz" wrap="square" lIns="91440" tIns="45720" rIns="91440" bIns="45720" numCol="1" spcCol="0" rtlCol="0" fromWordArt="0" anchor="t" anchorCtr="0" forceAA="0" compatLnSpc="1">
+            <a:prstTxWarp prst="textNoShape">
+              <a:avLst/>
+            </a:prstTxWarp>
+            <a:spAutoFit/>
+          </a:bodyPr>
+          <a:lstStyle/>
+          <a:p>
+            <a:r>
+              <a:rPr lang="en-US" sz="1600" b="1" dirty="0">
+                <a:latin typeface="Georgia Pro Semibold"/>
+              </a:rPr>
+              <a:t>Creation of Framework</a:t>
+            </a:r>
+          </a:p>
+        </p:txBody>
+      </p:sp>
+      <p:sp>
+        <p:nvSpPr>
+          <p:cNvPr id="83" name="Arrow: Right 82">
+            <a:extLst>
+              <a:ext uri="{FF2B5EF4-FFF2-40B4-BE49-F238E27FC236}">
+                <a16:creationId xmlns:a16="http://schemas.microsoft.com/office/drawing/2014/main" id="{6FA6BD33-42DF-9E34-46E4-8C395D264009}"/>
+              </a:ext>
+            </a:extLst>
+          </p:cNvPr>
+          <p:cNvSpPr/>
+          <p:nvPr/>
+        </p:nvSpPr>
+        <p:spPr>
+          <a:xfrm>
+            <a:off x="293077" y="4083538"/>
+            <a:ext cx="547076" cy="556845"/>
+          </a:xfrm>
+          <a:prstGeom prst="rightArrow">
+            <a:avLst/>
+          </a:prstGeom>
+          <a:solidFill>
+            <a:schemeClr val="tx2">
+              <a:lumMod val="60000"/>
+              <a:lumOff val="40000"/>
+            </a:schemeClr>
+          </a:solidFill>
+          <a:ln>
+            <a:noFill/>
+          </a:ln>
+        </p:spPr>
+        <p:style>
+          <a:lnRef idx="2">
+            <a:schemeClr val="accent1">
+              <a:shade val="50000"/>
+            </a:schemeClr>
+          </a:lnRef>
+          <a:fillRef idx="1">
+            <a:schemeClr val="accent1"/>
+          </a:fillRef>
+          <a:effectRef idx="0">
+            <a:schemeClr val="accent1"/>
+          </a:effectRef>
+          <a:fontRef idx="minor">
+            <a:schemeClr val="lt1"/>
+          </a:fontRef>
+        </p:style>
+        <p:txBody>
+          <a:bodyPr rtlCol="0" anchor="ctr"/>
+          <a:lstStyle/>
+          <a:p>
+            <a:pPr algn="ctr"/>
+            <a:endParaRPr lang="en-US"/>
+          </a:p>
+        </p:txBody>
+      </p:sp>
+      <p:sp>
+        <p:nvSpPr>
+          <p:cNvPr id="148" name="Arrow: Right 147">
+            <a:extLst>
+              <a:ext uri="{FF2B5EF4-FFF2-40B4-BE49-F238E27FC236}">
+                <a16:creationId xmlns:a16="http://schemas.microsoft.com/office/drawing/2014/main" id="{35935E9D-E02A-87D8-01FB-2A77E63C5D37}"/>
+              </a:ext>
+            </a:extLst>
+          </p:cNvPr>
+          <p:cNvSpPr/>
+          <p:nvPr/>
+        </p:nvSpPr>
+        <p:spPr>
+          <a:xfrm>
+            <a:off x="11254153" y="3995615"/>
+            <a:ext cx="547076" cy="556845"/>
+          </a:xfrm>
+          <a:prstGeom prst="rightArrow">
+            <a:avLst/>
+          </a:prstGeom>
+        </p:spPr>
+        <p:style>
+          <a:lnRef idx="2">
+            <a:schemeClr val="accent1">
+              <a:shade val="50000"/>
+            </a:schemeClr>
+          </a:lnRef>
+          <a:fillRef idx="1">
+            <a:schemeClr val="accent1"/>
+          </a:fillRef>
+          <a:effectRef idx="0">
+            <a:schemeClr val="accent1"/>
+          </a:effectRef>
+          <a:fontRef idx="minor">
+            <a:schemeClr val="lt1"/>
+          </a:fontRef>
+        </p:style>
+        <p:txBody>
+          <a:bodyPr rtlCol="0" anchor="ctr"/>
+          <a:lstStyle/>
+          <a:p>
+            <a:pPr algn="ctr"/>
+            <a:endParaRPr lang="en-US"/>
+          </a:p>
+        </p:txBody>
+      </p:sp>
+      <p:sp>
+        <p:nvSpPr>
+          <p:cNvPr id="149" name="TextBox 148">
+            <a:extLst>
+              <a:ext uri="{FF2B5EF4-FFF2-40B4-BE49-F238E27FC236}">
+                <a16:creationId xmlns:a16="http://schemas.microsoft.com/office/drawing/2014/main" id="{C5CF6BF9-FC31-8EDB-06A8-CA502A9AD3B5}"/>
+              </a:ext>
+            </a:extLst>
+          </p:cNvPr>
+          <p:cNvSpPr txBox="1"/>
+          <p:nvPr/>
+        </p:nvSpPr>
+        <p:spPr>
+          <a:xfrm>
+            <a:off x="185613" y="3438769"/>
+            <a:ext cx="962513" cy="600164"/>
+          </a:xfrm>
+          <a:prstGeom prst="rect">
+            <a:avLst/>
+          </a:prstGeom>
+          <a:noFill/>
+        </p:spPr>
+        <p:txBody>
+          <a:bodyPr rot="0" spcFirstLastPara="0" vertOverflow="overflow" horzOverflow="overflow" vert="horz" wrap="square" lIns="91440" tIns="45720" rIns="91440" bIns="45720" numCol="1" spcCol="0" rtlCol="0" fromWordArt="0" anchor="t" anchorCtr="0" forceAA="0" compatLnSpc="1">
+            <a:prstTxWarp prst="textNoShape">
+              <a:avLst/>
+            </a:prstTxWarp>
+            <a:spAutoFit/>
+          </a:bodyPr>
+          <a:lstStyle/>
+          <a:p>
+            <a:r>
+              <a:rPr lang="en-US" sz="1100" dirty="0"/>
+              <a:t>Diverse python projects</a:t>
+            </a:r>
+          </a:p>
+        </p:txBody>
+      </p:sp>
+      <p:sp>
+        <p:nvSpPr>
+          <p:cNvPr id="150" name="TextBox 149">
+            <a:extLst>
+              <a:ext uri="{FF2B5EF4-FFF2-40B4-BE49-F238E27FC236}">
+                <a16:creationId xmlns:a16="http://schemas.microsoft.com/office/drawing/2014/main" id="{ADD6F838-A576-3747-87BB-A91D7A972A6E}"/>
+              </a:ext>
+            </a:extLst>
+          </p:cNvPr>
+          <p:cNvSpPr txBox="1"/>
+          <p:nvPr/>
+        </p:nvSpPr>
+        <p:spPr>
+          <a:xfrm>
+            <a:off x="3741613" y="3399692"/>
+            <a:ext cx="962513" cy="600164"/>
+          </a:xfrm>
+          <a:prstGeom prst="rect">
+            <a:avLst/>
+          </a:prstGeom>
+          <a:noFill/>
+        </p:spPr>
+        <p:txBody>
+          <a:bodyPr rot="0" spcFirstLastPara="0" vertOverflow="overflow" horzOverflow="overflow" vert="horz" wrap="square" lIns="91440" tIns="45720" rIns="91440" bIns="45720" numCol="1" spcCol="0" rtlCol="0" fromWordArt="0" anchor="t" anchorCtr="0" forceAA="0" compatLnSpc="1">
+            <a:prstTxWarp prst="textNoShape">
+              <a:avLst/>
+            </a:prstTxWarp>
+            <a:spAutoFit/>
+          </a:bodyPr>
+          <a:lstStyle/>
+          <a:p>
+            <a:r>
+              <a:rPr lang="en-US" sz="1100" dirty="0"/>
+              <a:t>50~100 python projects</a:t>
+            </a:r>
+          </a:p>
+        </p:txBody>
+      </p:sp>
+      <p:sp>
+        <p:nvSpPr>
+          <p:cNvPr id="151" name="TextBox 150">
+            <a:extLst>
+              <a:ext uri="{FF2B5EF4-FFF2-40B4-BE49-F238E27FC236}">
+                <a16:creationId xmlns:a16="http://schemas.microsoft.com/office/drawing/2014/main" id="{911066C5-3F30-7D72-4903-B2BEEC2C81BE}"/>
+              </a:ext>
+            </a:extLst>
+          </p:cNvPr>
+          <p:cNvSpPr txBox="1"/>
+          <p:nvPr/>
+        </p:nvSpPr>
+        <p:spPr>
+          <a:xfrm>
+            <a:off x="7532075" y="3350845"/>
+            <a:ext cx="962513" cy="769441"/>
+          </a:xfrm>
+          <a:prstGeom prst="rect">
+            <a:avLst/>
+          </a:prstGeom>
+          <a:noFill/>
+        </p:spPr>
+        <p:txBody>
+          <a:bodyPr rot="0" spcFirstLastPara="0" vertOverflow="overflow" horzOverflow="overflow" vert="horz" wrap="square" lIns="91440" tIns="45720" rIns="91440" bIns="45720" numCol="1" spcCol="0" rtlCol="0" fromWordArt="0" anchor="t" anchorCtr="0" forceAA="0" compatLnSpc="1">
+            <a:prstTxWarp prst="textNoShape">
+              <a:avLst/>
+            </a:prstTxWarp>
+            <a:spAutoFit/>
+          </a:bodyPr>
+          <a:lstStyle/>
+          <a:p>
+            <a:r>
+              <a:rPr lang="en-US" sz="1100" dirty="0"/>
+              <a:t>Steps to execute and run tests</a:t>
+            </a:r>
+          </a:p>
+        </p:txBody>
+      </p:sp>
+      <p:sp>
+        <p:nvSpPr>
+          <p:cNvPr id="152" name="TextBox 151">
+            <a:extLst>
+              <a:ext uri="{FF2B5EF4-FFF2-40B4-BE49-F238E27FC236}">
+                <a16:creationId xmlns:a16="http://schemas.microsoft.com/office/drawing/2014/main" id="{39818AB3-0D35-05DD-E5F0-520A81089DE8}"/>
+              </a:ext>
+            </a:extLst>
+          </p:cNvPr>
+          <p:cNvSpPr txBox="1"/>
+          <p:nvPr/>
+        </p:nvSpPr>
+        <p:spPr>
+          <a:xfrm>
+            <a:off x="11009920" y="3526691"/>
+            <a:ext cx="1128589" cy="430887"/>
+          </a:xfrm>
+          <a:prstGeom prst="rect">
+            <a:avLst/>
+          </a:prstGeom>
+          <a:noFill/>
+        </p:spPr>
+        <p:txBody>
+          <a:bodyPr rot="0" spcFirstLastPara="0" vertOverflow="overflow" horzOverflow="overflow" vert="horz" wrap="square" lIns="91440" tIns="45720" rIns="91440" bIns="45720" numCol="1" spcCol="0" rtlCol="0" fromWordArt="0" anchor="t" anchorCtr="0" forceAA="0" compatLnSpc="1">
+            <a:prstTxWarp prst="textNoShape">
+              <a:avLst/>
+            </a:prstTxWarp>
+            <a:spAutoFit/>
+          </a:bodyPr>
+          <a:lstStyle/>
+          <a:p>
+            <a:r>
+              <a:rPr lang="en-US" sz="1100" dirty="0"/>
+              <a:t>Benchmarking Framework</a:t>
+            </a:r>
           </a:p>
         </p:txBody>
       </p:sp>
@@ -25702,20 +25496,20 @@
               <a:buChar char="•"/>
             </a:pPr>
             <a:r>
-              <a:rPr lang="en-US">
+              <a:rPr lang="en-US" dirty="0">
                 <a:ea typeface="+mn-lt"/>
                 <a:cs typeface="+mn-lt"/>
               </a:rPr>
               <a:t>Popular and open source projects.</a:t>
             </a:r>
-            <a:endParaRPr lang="en-US"/>
+            <a:endParaRPr lang="en-US" dirty="0"/>
           </a:p>
           <a:p>
             <a:pPr marL="342900" indent="-342900">
               <a:buChar char="•"/>
             </a:pPr>
             <a:r>
-              <a:rPr lang="en-US"/>
+              <a:rPr lang="en-US" dirty="0"/>
               <a:t>Focus mainly on projects having test suites.</a:t>
             </a:r>
           </a:p>
@@ -25724,7 +25518,7 @@
               <a:buChar char="•"/>
             </a:pPr>
             <a:r>
-              <a:rPr lang="en-US"/>
+              <a:rPr lang="en-US" dirty="0"/>
               <a:t>Automatically create test suites for other projects.</a:t>
             </a:r>
           </a:p>
@@ -25733,8 +25527,15 @@
               <a:buChar char="•"/>
             </a:pPr>
             <a:r>
-              <a:rPr lang="en-US"/>
-              <a:t>Awesome python website projects.</a:t>
+              <a:rPr lang="en-US" dirty="0"/>
+              <a:t>Awesome python website projects provides the diverse set of projects. (</a:t>
+            </a:r>
+            <a:r>
+              <a:rPr lang="en-US" dirty="0">
+                <a:ea typeface="+mn-lt"/>
+                <a:cs typeface="+mn-lt"/>
+              </a:rPr>
+              <a:t>https://github.com/vinta/awesome-python/)</a:t>
             </a:r>
           </a:p>
           <a:p>
@@ -25742,8 +25543,8 @@
               <a:buChar char="•"/>
             </a:pPr>
             <a:r>
-              <a:rPr lang="en-US"/>
-              <a:t>Projects from different categories defined by awesome python.</a:t>
+              <a:rPr lang="en-US" dirty="0"/>
+              <a:t>Projects from different categories defined by awesome python also satisfy our selection the criteria.</a:t>
             </a:r>
           </a:p>
         </p:txBody>
@@ -25791,3533 +25592,6 @@
 </file>
 
 <file path=ppt/slides/slide8.xml><?xml version="1.0" encoding="utf-8"?>
-<p:sld xmlns:a="http://schemas.openxmlformats.org/drawingml/2006/main" xmlns:r="http://schemas.openxmlformats.org/officeDocument/2006/relationships" xmlns:p="http://schemas.openxmlformats.org/presentationml/2006/main">
-  <p:cSld>
-    <p:bg>
-      <p:bgPr>
-        <a:solidFill>
-          <a:schemeClr val="bg2"/>
-        </a:solidFill>
-        <a:effectLst/>
-      </p:bgPr>
-    </p:bg>
-    <p:spTree>
-      <p:nvGrpSpPr>
-        <p:cNvPr id="1" name=""/>
-        <p:cNvGrpSpPr/>
-        <p:nvPr/>
-      </p:nvGrpSpPr>
-      <p:grpSpPr>
-        <a:xfrm>
-          <a:off x="0" y="0"/>
-          <a:ext cx="0" cy="0"/>
-          <a:chOff x="0" y="0"/>
-          <a:chExt cx="0" cy="0"/>
-        </a:xfrm>
-      </p:grpSpPr>
-      <p:sp>
-        <p:nvSpPr>
-          <p:cNvPr id="9" name="Freeform: Shape 8">
-            <a:extLst>
-              <a:ext uri="{FF2B5EF4-FFF2-40B4-BE49-F238E27FC236}">
-                <a16:creationId xmlns:a16="http://schemas.microsoft.com/office/drawing/2014/main" id="{435959F4-53DA-47FF-BC24-1E5B75C69876}"/>
-              </a:ext>
-              <a:ext uri="{C183D7F6-B498-43B3-948B-1728B52AA6E4}">
-                <adec:decorative xmlns:adec="http://schemas.microsoft.com/office/drawing/2017/decorative" val="1"/>
-              </a:ext>
-            </a:extLst>
-          </p:cNvPr>
-          <p:cNvSpPr>
-            <a:spLocks noGrp="1" noRot="1" noChangeAspect="1" noMove="1" noResize="1" noEditPoints="1" noAdjustHandles="1" noChangeArrowheads="1" noChangeShapeType="1" noTextEdit="1"/>
-          </p:cNvSpPr>
-          <p:nvPr>
-            <p:extLst>
-              <p:ext uri="{386F3935-93C4-4BCD-93E2-E3B085C9AB24}">
-                <p16:designElem xmlns:p16="http://schemas.microsoft.com/office/powerpoint/2015/main" val="1"/>
-              </p:ext>
-            </p:extLst>
-          </p:nvPr>
-        </p:nvSpPr>
-        <p:spPr>
-          <a:xfrm>
-            <a:off x="9753030" y="5516668"/>
-            <a:ext cx="2438970" cy="1341332"/>
-          </a:xfrm>
-          <a:custGeom>
-            <a:avLst/>
-            <a:gdLst>
-              <a:gd name="connsiteX0" fmla="*/ 2025355 w 2438970"/>
-              <a:gd name="connsiteY0" fmla="*/ 235 h 1341332"/>
-              <a:gd name="connsiteX1" fmla="*/ 2381960 w 2438970"/>
-              <a:gd name="connsiteY1" fmla="*/ 44517 h 1341332"/>
-              <a:gd name="connsiteX2" fmla="*/ 2438970 w 2438970"/>
-              <a:gd name="connsiteY2" fmla="*/ 58872 h 1341332"/>
-              <a:gd name="connsiteX3" fmla="*/ 2438970 w 2438970"/>
-              <a:gd name="connsiteY3" fmla="*/ 1341332 h 1341332"/>
-              <a:gd name="connsiteX4" fmla="*/ 0 w 2438970"/>
-              <a:gd name="connsiteY4" fmla="*/ 1341332 h 1341332"/>
-              <a:gd name="connsiteX5" fmla="*/ 13333 w 2438970"/>
-              <a:gd name="connsiteY5" fmla="*/ 1328018 h 1341332"/>
-              <a:gd name="connsiteX6" fmla="*/ 936262 w 2438970"/>
-              <a:gd name="connsiteY6" fmla="*/ 459947 h 1341332"/>
-              <a:gd name="connsiteX7" fmla="*/ 1554028 w 2438970"/>
-              <a:gd name="connsiteY7" fmla="*/ 71153 h 1341332"/>
-              <a:gd name="connsiteX8" fmla="*/ 2025355 w 2438970"/>
-              <a:gd name="connsiteY8" fmla="*/ 235 h 1341332"/>
-            </a:gdLst>
-            <a:ahLst/>
-            <a:cxnLst>
-              <a:cxn ang="0">
-                <a:pos x="connsiteX0" y="connsiteY0"/>
-              </a:cxn>
-              <a:cxn ang="0">
-                <a:pos x="connsiteX1" y="connsiteY1"/>
-              </a:cxn>
-              <a:cxn ang="0">
-                <a:pos x="connsiteX2" y="connsiteY2"/>
-              </a:cxn>
-              <a:cxn ang="0">
-                <a:pos x="connsiteX3" y="connsiteY3"/>
-              </a:cxn>
-              <a:cxn ang="0">
-                <a:pos x="connsiteX4" y="connsiteY4"/>
-              </a:cxn>
-              <a:cxn ang="0">
-                <a:pos x="connsiteX5" y="connsiteY5"/>
-              </a:cxn>
-              <a:cxn ang="0">
-                <a:pos x="connsiteX6" y="connsiteY6"/>
-              </a:cxn>
-              <a:cxn ang="0">
-                <a:pos x="connsiteX7" y="connsiteY7"/>
-              </a:cxn>
-              <a:cxn ang="0">
-                <a:pos x="connsiteX8" y="connsiteY8"/>
-              </a:cxn>
-            </a:cxnLst>
-            <a:rect l="l" t="t" r="r" b="b"/>
-            <a:pathLst>
-              <a:path w="2438970" h="1341332">
-                <a:moveTo>
-                  <a:pt x="2025355" y="235"/>
-                </a:moveTo>
-                <a:cubicBezTo>
-                  <a:pt x="2143847" y="2306"/>
-                  <a:pt x="2262766" y="17993"/>
-                  <a:pt x="2381960" y="44517"/>
-                </a:cubicBezTo>
-                <a:lnTo>
-                  <a:pt x="2438970" y="58872"/>
-                </a:lnTo>
-                <a:lnTo>
-                  <a:pt x="2438970" y="1341332"/>
-                </a:lnTo>
-                <a:lnTo>
-                  <a:pt x="0" y="1341332"/>
-                </a:lnTo>
-                <a:lnTo>
-                  <a:pt x="13333" y="1328018"/>
-                </a:lnTo>
-                <a:cubicBezTo>
-                  <a:pt x="324723" y="1028950"/>
-                  <a:pt x="645390" y="738459"/>
-                  <a:pt x="936262" y="459947"/>
-                </a:cubicBezTo>
-                <a:cubicBezTo>
-                  <a:pt x="1139660" y="265152"/>
-                  <a:pt x="1345794" y="140817"/>
-                  <a:pt x="1554028" y="71153"/>
-                </a:cubicBezTo>
-                <a:cubicBezTo>
-                  <a:pt x="1710136" y="18918"/>
-                  <a:pt x="1867365" y="-2526"/>
-                  <a:pt x="2025355" y="235"/>
-                </a:cubicBezTo>
-                <a:close/>
-              </a:path>
-            </a:pathLst>
-          </a:custGeom>
-          <a:solidFill>
-            <a:schemeClr val="accent2">
-              <a:lumMod val="60000"/>
-              <a:lumOff val="40000"/>
-              <a:alpha val="50000"/>
-            </a:schemeClr>
-          </a:solidFill>
-          <a:ln>
-            <a:noFill/>
-          </a:ln>
-        </p:spPr>
-        <p:style>
-          <a:lnRef idx="2">
-            <a:schemeClr val="accent1">
-              <a:shade val="50000"/>
-            </a:schemeClr>
-          </a:lnRef>
-          <a:fillRef idx="1">
-            <a:schemeClr val="accent1"/>
-          </a:fillRef>
-          <a:effectRef idx="0">
-            <a:schemeClr val="accent1"/>
-          </a:effectRef>
-          <a:fontRef idx="minor">
-            <a:schemeClr val="lt1"/>
-          </a:fontRef>
-        </p:style>
-        <p:txBody>
-          <a:bodyPr wrap="square" rtlCol="0" anchor="ctr">
-            <a:noAutofit/>
-          </a:bodyPr>
-          <a:lstStyle/>
-          <a:p>
-            <a:pPr algn="ctr"/>
-            <a:endParaRPr lang="en-US"/>
-          </a:p>
-        </p:txBody>
-      </p:sp>
-      <p:grpSp>
-        <p:nvGrpSpPr>
-          <p:cNvPr id="11" name="Group 10">
-            <a:extLst>
-              <a:ext uri="{FF2B5EF4-FFF2-40B4-BE49-F238E27FC236}">
-                <a16:creationId xmlns:a16="http://schemas.microsoft.com/office/drawing/2014/main" id="{A7CF83E8-F6F0-41E3-B580-7412A04DDFB5}"/>
-              </a:ext>
-              <a:ext uri="{C183D7F6-B498-43B3-948B-1728B52AA6E4}">
-                <adec:decorative xmlns:adec="http://schemas.microsoft.com/office/drawing/2017/decorative" val="1"/>
-              </a:ext>
-            </a:extLst>
-          </p:cNvPr>
-          <p:cNvGrpSpPr>
-            <a:grpSpLocks noGrp="1" noUngrp="1" noRot="1" noChangeAspect="1" noMove="1" noResize="1"/>
-          </p:cNvGrpSpPr>
-          <p:nvPr>
-            <p:extLst>
-              <p:ext uri="{386F3935-93C4-4BCD-93E2-E3B085C9AB24}">
-                <p16:designElem xmlns:p16="http://schemas.microsoft.com/office/powerpoint/2015/main" val="1"/>
-              </p:ext>
-            </p:extLst>
-          </p:nvPr>
-        </p:nvGrpSpPr>
-        <p:grpSpPr>
-          <a:xfrm>
-            <a:off x="10776050" y="5204025"/>
-            <a:ext cx="886141" cy="802496"/>
-            <a:chOff x="10948005" y="3272152"/>
-            <a:chExt cx="868640" cy="786648"/>
-          </a:xfrm>
-          <a:solidFill>
-            <a:schemeClr val="accent1"/>
-          </a:solidFill>
-        </p:grpSpPr>
-        <p:sp>
-          <p:nvSpPr>
-            <p:cNvPr id="12" name="Freeform: Shape 11">
-              <a:extLst>
-                <a:ext uri="{FF2B5EF4-FFF2-40B4-BE49-F238E27FC236}">
-                  <a16:creationId xmlns:a16="http://schemas.microsoft.com/office/drawing/2014/main" id="{1A0B6DBB-705D-48D0-842C-F9DFA7684D19}"/>
-                </a:ext>
-                <a:ext uri="{C183D7F6-B498-43B3-948B-1728B52AA6E4}">
-                  <adec:decorative xmlns:adec="http://schemas.microsoft.com/office/drawing/2017/decorative" val="1"/>
-                </a:ext>
-              </a:extLst>
-            </p:cNvPr>
-            <p:cNvSpPr/>
-            <p:nvPr>
-              <p:extLst>
-                <p:ext uri="{386F3935-93C4-4BCD-93E2-E3B085C9AB24}">
-                  <p16:designElem xmlns:p16="http://schemas.microsoft.com/office/powerpoint/2015/main" val="1"/>
-                </p:ext>
-              </p:extLst>
-            </p:nvPr>
-          </p:nvSpPr>
-          <p:spPr>
-            <a:xfrm>
-              <a:off x="11194317" y="3944888"/>
-              <a:ext cx="128449" cy="113912"/>
-            </a:xfrm>
-            <a:custGeom>
-              <a:avLst/>
-              <a:gdLst>
-                <a:gd name="connsiteX0" fmla="*/ 237621 w 453152"/>
-                <a:gd name="connsiteY0" fmla="*/ 965 h 401867"/>
-                <a:gd name="connsiteX1" fmla="*/ 370246 w 453152"/>
-                <a:gd name="connsiteY1" fmla="*/ 23666 h 401867"/>
-                <a:gd name="connsiteX2" fmla="*/ 437392 w 453152"/>
-                <a:gd name="connsiteY2" fmla="*/ 198545 h 401867"/>
-                <a:gd name="connsiteX3" fmla="*/ 67745 w 453152"/>
-                <a:gd name="connsiteY3" fmla="*/ 392003 h 401867"/>
-                <a:gd name="connsiteX4" fmla="*/ 911 w 453152"/>
-                <a:gd name="connsiteY4" fmla="*/ 254095 h 401867"/>
-                <a:gd name="connsiteX5" fmla="*/ 115564 w 453152"/>
-                <a:gd name="connsiteY5" fmla="*/ 51160 h 401867"/>
-                <a:gd name="connsiteX6" fmla="*/ 237621 w 453152"/>
-                <a:gd name="connsiteY6" fmla="*/ 965 h 401867"/>
-              </a:gdLst>
-              <a:ahLst/>
-              <a:cxnLst>
-                <a:cxn ang="0">
-                  <a:pos x="connsiteX0" y="connsiteY0"/>
-                </a:cxn>
-                <a:cxn ang="0">
-                  <a:pos x="connsiteX1" y="connsiteY1"/>
-                </a:cxn>
-                <a:cxn ang="0">
-                  <a:pos x="connsiteX2" y="connsiteY2"/>
-                </a:cxn>
-                <a:cxn ang="0">
-                  <a:pos x="connsiteX3" y="connsiteY3"/>
-                </a:cxn>
-                <a:cxn ang="0">
-                  <a:pos x="connsiteX4" y="connsiteY4"/>
-                </a:cxn>
-                <a:cxn ang="0">
-                  <a:pos x="connsiteX5" y="connsiteY5"/>
-                </a:cxn>
-                <a:cxn ang="0">
-                  <a:pos x="connsiteX6" y="connsiteY6"/>
-                </a:cxn>
-              </a:cxnLst>
-              <a:rect l="l" t="t" r="r" b="b"/>
-              <a:pathLst>
-                <a:path w="453152" h="401867">
-                  <a:moveTo>
-                    <a:pt x="237621" y="965"/>
-                  </a:moveTo>
-                  <a:cubicBezTo>
-                    <a:pt x="283632" y="-2971"/>
-                    <a:pt x="331405" y="5243"/>
-                    <a:pt x="370246" y="23666"/>
-                  </a:cubicBezTo>
-                  <a:cubicBezTo>
-                    <a:pt x="436830" y="55275"/>
-                    <a:pt x="477168" y="116810"/>
-                    <a:pt x="437392" y="198545"/>
-                  </a:cubicBezTo>
-                  <a:cubicBezTo>
-                    <a:pt x="391568" y="292624"/>
-                    <a:pt x="176850" y="441630"/>
-                    <a:pt x="67745" y="392003"/>
-                  </a:cubicBezTo>
-                  <a:cubicBezTo>
-                    <a:pt x="18056" y="369372"/>
-                    <a:pt x="-5012" y="308398"/>
-                    <a:pt x="911" y="254095"/>
-                  </a:cubicBezTo>
-                  <a:cubicBezTo>
-                    <a:pt x="9203" y="178033"/>
-                    <a:pt x="61012" y="103094"/>
-                    <a:pt x="115564" y="51160"/>
-                  </a:cubicBezTo>
-                  <a:cubicBezTo>
-                    <a:pt x="147361" y="20985"/>
-                    <a:pt x="191610" y="4900"/>
-                    <a:pt x="237621" y="965"/>
-                  </a:cubicBezTo>
-                  <a:close/>
-                </a:path>
-              </a:pathLst>
-            </a:custGeom>
-            <a:grpFill/>
-            <a:ln>
-              <a:noFill/>
-            </a:ln>
-          </p:spPr>
-          <p:style>
-            <a:lnRef idx="2">
-              <a:schemeClr val="accent1">
-                <a:shade val="50000"/>
-              </a:schemeClr>
-            </a:lnRef>
-            <a:fillRef idx="1">
-              <a:schemeClr val="accent1"/>
-            </a:fillRef>
-            <a:effectRef idx="0">
-              <a:schemeClr val="accent1"/>
-            </a:effectRef>
-            <a:fontRef idx="minor">
-              <a:schemeClr val="lt1"/>
-            </a:fontRef>
-          </p:style>
-          <p:txBody>
-            <a:bodyPr rtlCol="0" anchor="ctr"/>
-            <a:lstStyle/>
-            <a:p>
-              <a:pPr marL="0" marR="0" lvl="0" indent="0" algn="ctr" defTabSz="914400" rtl="0" eaLnBrk="1" fontAlgn="auto" latinLnBrk="0" hangingPunct="1">
-                <a:lnSpc>
-                  <a:spcPct val="100000"/>
-                </a:lnSpc>
-                <a:spcBef>
-                  <a:spcPts val="0"/>
-                </a:spcBef>
-                <a:spcAft>
-                  <a:spcPts val="0"/>
-                </a:spcAft>
-                <a:buClrTx/>
-                <a:buSzTx/>
-                <a:buFontTx/>
-                <a:buNone/>
-                <a:tabLst/>
-                <a:defRPr/>
-              </a:pPr>
-              <a:endParaRPr kumimoji="0" lang="en-US" sz="1800" b="0" i="0" u="none" strike="noStrike" kern="1200" cap="none" spc="0" normalizeH="0" baseline="0" noProof="0">
-                <a:ln>
-                  <a:noFill/>
-                </a:ln>
-                <a:solidFill>
-                  <a:prstClr val="white"/>
-                </a:solidFill>
-                <a:effectLst/>
-                <a:uLnTx/>
-                <a:uFillTx/>
-                <a:latin typeface="Avenir Next LT Pro Light"/>
-                <a:ea typeface="+mn-ea"/>
-                <a:cs typeface="+mn-cs"/>
-              </a:endParaRPr>
-            </a:p>
-          </p:txBody>
-        </p:sp>
-        <p:sp>
-          <p:nvSpPr>
-            <p:cNvPr id="13" name="Freeform: Shape 12">
-              <a:extLst>
-                <a:ext uri="{FF2B5EF4-FFF2-40B4-BE49-F238E27FC236}">
-                  <a16:creationId xmlns:a16="http://schemas.microsoft.com/office/drawing/2014/main" id="{C194A764-16E1-4D0D-9357-76F80E6086C0}"/>
-                </a:ext>
-                <a:ext uri="{C183D7F6-B498-43B3-948B-1728B52AA6E4}">
-                  <adec:decorative xmlns:adec="http://schemas.microsoft.com/office/drawing/2017/decorative" val="1"/>
-                </a:ext>
-              </a:extLst>
-            </p:cNvPr>
-            <p:cNvSpPr/>
-            <p:nvPr>
-              <p:extLst>
-                <p:ext uri="{386F3935-93C4-4BCD-93E2-E3B085C9AB24}">
-                  <p16:designElem xmlns:p16="http://schemas.microsoft.com/office/powerpoint/2015/main" val="1"/>
-                </p:ext>
-              </p:extLst>
-            </p:nvPr>
-          </p:nvSpPr>
-          <p:spPr>
-            <a:xfrm>
-              <a:off x="10953045" y="3808430"/>
-              <a:ext cx="144912" cy="193414"/>
-            </a:xfrm>
-            <a:custGeom>
-              <a:avLst/>
-              <a:gdLst>
-                <a:gd name="connsiteX0" fmla="*/ 390625 w 511232"/>
-                <a:gd name="connsiteY0" fmla="*/ 1621 h 682341"/>
-                <a:gd name="connsiteX1" fmla="*/ 508142 w 511232"/>
-                <a:gd name="connsiteY1" fmla="*/ 64038 h 682341"/>
-                <a:gd name="connsiteX2" fmla="*/ 508453 w 511232"/>
-                <a:gd name="connsiteY2" fmla="*/ 121832 h 682341"/>
-                <a:gd name="connsiteX3" fmla="*/ 316492 w 511232"/>
-                <a:gd name="connsiteY3" fmla="*/ 567602 h 682341"/>
-                <a:gd name="connsiteX4" fmla="*/ 80265 w 511232"/>
-                <a:gd name="connsiteY4" fmla="*/ 640359 h 682341"/>
-                <a:gd name="connsiteX5" fmla="*/ 13306 w 511232"/>
-                <a:gd name="connsiteY5" fmla="*/ 274828 h 682341"/>
-                <a:gd name="connsiteX6" fmla="*/ 140989 w 511232"/>
-                <a:gd name="connsiteY6" fmla="*/ 107181 h 682341"/>
-                <a:gd name="connsiteX7" fmla="*/ 390625 w 511232"/>
-                <a:gd name="connsiteY7" fmla="*/ 1621 h 682341"/>
-              </a:gdLst>
-              <a:ahLst/>
-              <a:cxnLst>
-                <a:cxn ang="0">
-                  <a:pos x="connsiteX0" y="connsiteY0"/>
-                </a:cxn>
-                <a:cxn ang="0">
-                  <a:pos x="connsiteX1" y="connsiteY1"/>
-                </a:cxn>
-                <a:cxn ang="0">
-                  <a:pos x="connsiteX2" y="connsiteY2"/>
-                </a:cxn>
-                <a:cxn ang="0">
-                  <a:pos x="connsiteX3" y="connsiteY3"/>
-                </a:cxn>
-                <a:cxn ang="0">
-                  <a:pos x="connsiteX4" y="connsiteY4"/>
-                </a:cxn>
-                <a:cxn ang="0">
-                  <a:pos x="connsiteX5" y="connsiteY5"/>
-                </a:cxn>
-                <a:cxn ang="0">
-                  <a:pos x="connsiteX6" y="connsiteY6"/>
-                </a:cxn>
-                <a:cxn ang="0">
-                  <a:pos x="connsiteX7" y="connsiteY7"/>
-                </a:cxn>
-              </a:cxnLst>
-              <a:rect l="l" t="t" r="r" b="b"/>
-              <a:pathLst>
-                <a:path w="511232" h="682341">
-                  <a:moveTo>
-                    <a:pt x="390625" y="1621"/>
-                  </a:moveTo>
-                  <a:cubicBezTo>
-                    <a:pt x="446543" y="-5212"/>
-                    <a:pt x="493343" y="8441"/>
-                    <a:pt x="508142" y="64038"/>
-                  </a:cubicBezTo>
-                  <a:cubicBezTo>
-                    <a:pt x="513192" y="82866"/>
-                    <a:pt x="511134" y="102754"/>
-                    <a:pt x="508453" y="121832"/>
-                  </a:cubicBezTo>
-                  <a:cubicBezTo>
-                    <a:pt x="485324" y="287796"/>
-                    <a:pt x="417242" y="443971"/>
-                    <a:pt x="316492" y="567602"/>
-                  </a:cubicBezTo>
-                  <a:cubicBezTo>
-                    <a:pt x="253024" y="645534"/>
-                    <a:pt x="165055" y="737743"/>
-                    <a:pt x="80265" y="640359"/>
-                  </a:cubicBezTo>
-                  <a:cubicBezTo>
-                    <a:pt x="5014" y="553948"/>
-                    <a:pt x="-17368" y="383621"/>
-                    <a:pt x="13306" y="274828"/>
-                  </a:cubicBezTo>
-                  <a:cubicBezTo>
-                    <a:pt x="33443" y="203318"/>
-                    <a:pt x="83382" y="146521"/>
-                    <a:pt x="140989" y="107181"/>
-                  </a:cubicBezTo>
-                  <a:cubicBezTo>
-                    <a:pt x="178904" y="81308"/>
-                    <a:pt x="297428" y="13010"/>
-                    <a:pt x="390625" y="1621"/>
-                  </a:cubicBezTo>
-                  <a:close/>
-                </a:path>
-              </a:pathLst>
-            </a:custGeom>
-            <a:grpFill/>
-            <a:ln>
-              <a:noFill/>
-            </a:ln>
-          </p:spPr>
-          <p:style>
-            <a:lnRef idx="2">
-              <a:schemeClr val="accent1">
-                <a:shade val="50000"/>
-              </a:schemeClr>
-            </a:lnRef>
-            <a:fillRef idx="1">
-              <a:schemeClr val="accent1"/>
-            </a:fillRef>
-            <a:effectRef idx="0">
-              <a:schemeClr val="accent1"/>
-            </a:effectRef>
-            <a:fontRef idx="minor">
-              <a:schemeClr val="lt1"/>
-            </a:fontRef>
-          </p:style>
-          <p:txBody>
-            <a:bodyPr rtlCol="0" anchor="ctr"/>
-            <a:lstStyle/>
-            <a:p>
-              <a:pPr marL="0" marR="0" lvl="0" indent="0" algn="ctr" defTabSz="914400" rtl="0" eaLnBrk="1" fontAlgn="auto" latinLnBrk="0" hangingPunct="1">
-                <a:lnSpc>
-                  <a:spcPct val="100000"/>
-                </a:lnSpc>
-                <a:spcBef>
-                  <a:spcPts val="0"/>
-                </a:spcBef>
-                <a:spcAft>
-                  <a:spcPts val="0"/>
-                </a:spcAft>
-                <a:buClrTx/>
-                <a:buSzTx/>
-                <a:buFontTx/>
-                <a:buNone/>
-                <a:tabLst/>
-                <a:defRPr/>
-              </a:pPr>
-              <a:endParaRPr kumimoji="0" lang="en-US" sz="1800" b="0" i="0" u="none" strike="noStrike" kern="1200" cap="none" spc="0" normalizeH="0" baseline="0" noProof="0">
-                <a:ln>
-                  <a:noFill/>
-                </a:ln>
-                <a:solidFill>
-                  <a:prstClr val="white"/>
-                </a:solidFill>
-                <a:effectLst/>
-                <a:uLnTx/>
-                <a:uFillTx/>
-                <a:latin typeface="Avenir Next LT Pro Light"/>
-                <a:ea typeface="+mn-ea"/>
-                <a:cs typeface="+mn-cs"/>
-              </a:endParaRPr>
-            </a:p>
-          </p:txBody>
-        </p:sp>
-        <p:sp>
-          <p:nvSpPr>
-            <p:cNvPr id="14" name="Freeform: Shape 13">
-              <a:extLst>
-                <a:ext uri="{FF2B5EF4-FFF2-40B4-BE49-F238E27FC236}">
-                  <a16:creationId xmlns:a16="http://schemas.microsoft.com/office/drawing/2014/main" id="{115B7F3F-A40D-4F24-8536-E2420B433211}"/>
-                </a:ext>
-                <a:ext uri="{C183D7F6-B498-43B3-948B-1728B52AA6E4}">
-                  <adec:decorative xmlns:adec="http://schemas.microsoft.com/office/drawing/2017/decorative" val="1"/>
-                </a:ext>
-              </a:extLst>
-            </p:cNvPr>
-            <p:cNvSpPr/>
-            <p:nvPr>
-              <p:extLst>
-                <p:ext uri="{386F3935-93C4-4BCD-93E2-E3B085C9AB24}">
-                  <p16:designElem xmlns:p16="http://schemas.microsoft.com/office/powerpoint/2015/main" val="1"/>
-                </p:ext>
-              </p:extLst>
-            </p:nvPr>
-          </p:nvSpPr>
-          <p:spPr>
-            <a:xfrm>
-              <a:off x="11684524" y="3907536"/>
-              <a:ext cx="132121" cy="93006"/>
-            </a:xfrm>
-            <a:custGeom>
-              <a:avLst/>
-              <a:gdLst>
-                <a:gd name="connsiteX0" fmla="*/ 252822 w 466107"/>
-                <a:gd name="connsiteY0" fmla="*/ 1539 h 328114"/>
-                <a:gd name="connsiteX1" fmla="*/ 451641 w 466107"/>
-                <a:gd name="connsiteY1" fmla="*/ 122177 h 328114"/>
-                <a:gd name="connsiteX2" fmla="*/ 391790 w 466107"/>
-                <a:gd name="connsiteY2" fmla="*/ 297430 h 328114"/>
-                <a:gd name="connsiteX3" fmla="*/ 8614 w 466107"/>
-                <a:gd name="connsiteY3" fmla="*/ 243252 h 328114"/>
-                <a:gd name="connsiteX4" fmla="*/ 45897 w 466107"/>
-                <a:gd name="connsiteY4" fmla="*/ 97302 h 328114"/>
-                <a:gd name="connsiteX5" fmla="*/ 252822 w 466107"/>
-                <a:gd name="connsiteY5" fmla="*/ 1539 h 328114"/>
-              </a:gdLst>
-              <a:ahLst/>
-              <a:cxnLst>
-                <a:cxn ang="0">
-                  <a:pos x="connsiteX0" y="connsiteY0"/>
-                </a:cxn>
-                <a:cxn ang="0">
-                  <a:pos x="connsiteX1" y="connsiteY1"/>
-                </a:cxn>
-                <a:cxn ang="0">
-                  <a:pos x="connsiteX2" y="connsiteY2"/>
-                </a:cxn>
-                <a:cxn ang="0">
-                  <a:pos x="connsiteX3" y="connsiteY3"/>
-                </a:cxn>
-                <a:cxn ang="0">
-                  <a:pos x="connsiteX4" y="connsiteY4"/>
-                </a:cxn>
-                <a:cxn ang="0">
-                  <a:pos x="connsiteX5" y="connsiteY5"/>
-                </a:cxn>
-              </a:cxnLst>
-              <a:rect l="l" t="t" r="r" b="b"/>
-              <a:pathLst>
-                <a:path w="466107" h="328114">
-                  <a:moveTo>
-                    <a:pt x="252822" y="1539"/>
-                  </a:moveTo>
-                  <a:cubicBezTo>
-                    <a:pt x="335429" y="-10494"/>
-                    <a:pt x="418848" y="49794"/>
-                    <a:pt x="451641" y="122177"/>
-                  </a:cubicBezTo>
-                  <a:cubicBezTo>
-                    <a:pt x="479697" y="184273"/>
-                    <a:pt x="470594" y="255285"/>
-                    <a:pt x="391790" y="297430"/>
-                  </a:cubicBezTo>
-                  <a:cubicBezTo>
-                    <a:pt x="301077" y="345935"/>
-                    <a:pt x="55935" y="343254"/>
-                    <a:pt x="8614" y="243252"/>
-                  </a:cubicBezTo>
-                  <a:cubicBezTo>
-                    <a:pt x="-12895" y="197678"/>
-                    <a:pt x="8240" y="136766"/>
-                    <a:pt x="45897" y="97302"/>
-                  </a:cubicBezTo>
-                  <a:cubicBezTo>
-                    <a:pt x="98704" y="42064"/>
-                    <a:pt x="181872" y="11950"/>
-                    <a:pt x="252822" y="1539"/>
-                  </a:cubicBezTo>
-                  <a:close/>
-                </a:path>
-              </a:pathLst>
-            </a:custGeom>
-            <a:grpFill/>
-            <a:ln>
-              <a:noFill/>
-            </a:ln>
-          </p:spPr>
-          <p:style>
-            <a:lnRef idx="2">
-              <a:schemeClr val="accent1">
-                <a:shade val="50000"/>
-              </a:schemeClr>
-            </a:lnRef>
-            <a:fillRef idx="1">
-              <a:schemeClr val="accent1"/>
-            </a:fillRef>
-            <a:effectRef idx="0">
-              <a:schemeClr val="accent1"/>
-            </a:effectRef>
-            <a:fontRef idx="minor">
-              <a:schemeClr val="lt1"/>
-            </a:fontRef>
-          </p:style>
-          <p:txBody>
-            <a:bodyPr rtlCol="0" anchor="ctr"/>
-            <a:lstStyle/>
-            <a:p>
-              <a:pPr marL="0" marR="0" lvl="0" indent="0" algn="ctr" defTabSz="914400" rtl="0" eaLnBrk="1" fontAlgn="auto" latinLnBrk="0" hangingPunct="1">
-                <a:lnSpc>
-                  <a:spcPct val="100000"/>
-                </a:lnSpc>
-                <a:spcBef>
-                  <a:spcPts val="0"/>
-                </a:spcBef>
-                <a:spcAft>
-                  <a:spcPts val="0"/>
-                </a:spcAft>
-                <a:buClrTx/>
-                <a:buSzTx/>
-                <a:buFontTx/>
-                <a:buNone/>
-                <a:tabLst/>
-                <a:defRPr/>
-              </a:pPr>
-              <a:endParaRPr kumimoji="0" lang="en-US" sz="1800" b="0" i="0" u="none" strike="noStrike" kern="1200" cap="none" spc="0" normalizeH="0" baseline="0" noProof="0">
-                <a:ln>
-                  <a:noFill/>
-                </a:ln>
-                <a:solidFill>
-                  <a:prstClr val="white"/>
-                </a:solidFill>
-                <a:effectLst/>
-                <a:uLnTx/>
-                <a:uFillTx/>
-                <a:latin typeface="Avenir Next LT Pro Light"/>
-                <a:ea typeface="+mn-ea"/>
-                <a:cs typeface="+mn-cs"/>
-              </a:endParaRPr>
-            </a:p>
-          </p:txBody>
-        </p:sp>
-        <p:sp>
-          <p:nvSpPr>
-            <p:cNvPr id="15" name="Graphic 12">
-              <a:extLst>
-                <a:ext uri="{FF2B5EF4-FFF2-40B4-BE49-F238E27FC236}">
-                  <a16:creationId xmlns:a16="http://schemas.microsoft.com/office/drawing/2014/main" id="{CEF42844-A829-4ED2-A360-63BB2A7C45EE}"/>
-                </a:ext>
-                <a:ext uri="{C183D7F6-B498-43B3-948B-1728B52AA6E4}">
-                  <adec:decorative xmlns:adec="http://schemas.microsoft.com/office/drawing/2017/decorative" val="1"/>
-                </a:ext>
-              </a:extLst>
-            </p:cNvPr>
-            <p:cNvSpPr/>
-            <p:nvPr>
-              <p:extLst>
-                <p:ext uri="{386F3935-93C4-4BCD-93E2-E3B085C9AB24}">
-                  <p16:designElem xmlns:p16="http://schemas.microsoft.com/office/powerpoint/2015/main" val="1"/>
-                </p:ext>
-              </p:extLst>
-            </p:nvPr>
-          </p:nvSpPr>
-          <p:spPr>
-            <a:xfrm>
-              <a:off x="11142141" y="3272152"/>
-              <a:ext cx="180625" cy="158824"/>
-            </a:xfrm>
-            <a:custGeom>
-              <a:avLst/>
-              <a:gdLst>
-                <a:gd name="connsiteX0" fmla="*/ 63289 w 3341477"/>
-                <a:gd name="connsiteY0" fmla="*/ 1933384 h 2938167"/>
-                <a:gd name="connsiteX1" fmla="*/ 263314 w 3341477"/>
-                <a:gd name="connsiteY1" fmla="*/ 514159 h 2938167"/>
-                <a:gd name="connsiteX2" fmla="*/ 1098276 w 3341477"/>
-                <a:gd name="connsiteY2" fmla="*/ 952 h 2938167"/>
-                <a:gd name="connsiteX3" fmla="*/ 2654089 w 3341477"/>
-                <a:gd name="connsiteY3" fmla="*/ 371284 h 2938167"/>
-                <a:gd name="connsiteX4" fmla="*/ 3219398 w 3341477"/>
-                <a:gd name="connsiteY4" fmla="*/ 2080926 h 2938167"/>
-                <a:gd name="connsiteX5" fmla="*/ 2044489 w 3341477"/>
-                <a:gd name="connsiteY5" fmla="*/ 2933509 h 2938167"/>
-                <a:gd name="connsiteX6" fmla="*/ 453814 w 3341477"/>
-                <a:gd name="connsiteY6" fmla="*/ 2495359 h 2938167"/>
-                <a:gd name="connsiteX7" fmla="*/ 63289 w 3341477"/>
-                <a:gd name="connsiteY7" fmla="*/ 1933384 h 2938167"/>
-              </a:gdLst>
-              <a:ahLst/>
-              <a:cxnLst>
-                <a:cxn ang="0">
-                  <a:pos x="connsiteX0" y="connsiteY0"/>
-                </a:cxn>
-                <a:cxn ang="0">
-                  <a:pos x="connsiteX1" y="connsiteY1"/>
-                </a:cxn>
-                <a:cxn ang="0">
-                  <a:pos x="connsiteX2" y="connsiteY2"/>
-                </a:cxn>
-                <a:cxn ang="0">
-                  <a:pos x="connsiteX3" y="connsiteY3"/>
-                </a:cxn>
-                <a:cxn ang="0">
-                  <a:pos x="connsiteX4" y="connsiteY4"/>
-                </a:cxn>
-                <a:cxn ang="0">
-                  <a:pos x="connsiteX5" y="connsiteY5"/>
-                </a:cxn>
-                <a:cxn ang="0">
-                  <a:pos x="connsiteX6" y="connsiteY6"/>
-                </a:cxn>
-                <a:cxn ang="0">
-                  <a:pos x="connsiteX7" y="connsiteY7"/>
-                </a:cxn>
-              </a:cxnLst>
-              <a:rect l="l" t="t" r="r" b="b"/>
-              <a:pathLst>
-                <a:path w="3341477" h="2938167">
-                  <a:moveTo>
-                    <a:pt x="63289" y="1933384"/>
-                  </a:moveTo>
-                  <a:cubicBezTo>
-                    <a:pt x="56717" y="1895856"/>
-                    <a:pt x="-165311" y="914209"/>
-                    <a:pt x="263314" y="514159"/>
-                  </a:cubicBezTo>
-                  <a:cubicBezTo>
-                    <a:pt x="691939" y="114109"/>
-                    <a:pt x="609262" y="11620"/>
-                    <a:pt x="1098276" y="952"/>
-                  </a:cubicBezTo>
-                  <a:cubicBezTo>
-                    <a:pt x="1587289" y="-9716"/>
-                    <a:pt x="2320714" y="66484"/>
-                    <a:pt x="2654089" y="371284"/>
-                  </a:cubicBezTo>
-                  <a:cubicBezTo>
-                    <a:pt x="2987464" y="676084"/>
-                    <a:pt x="3603732" y="1514094"/>
-                    <a:pt x="3219398" y="2080926"/>
-                  </a:cubicBezTo>
-                  <a:cubicBezTo>
-                    <a:pt x="2835064" y="2647759"/>
-                    <a:pt x="2558839" y="2895409"/>
-                    <a:pt x="2044489" y="2933509"/>
-                  </a:cubicBezTo>
-                  <a:cubicBezTo>
-                    <a:pt x="1530139" y="2971609"/>
-                    <a:pt x="701464" y="2771584"/>
-                    <a:pt x="453814" y="2495359"/>
-                  </a:cubicBezTo>
-                  <a:cubicBezTo>
-                    <a:pt x="206164" y="2219134"/>
-                    <a:pt x="101389" y="2152459"/>
-                    <a:pt x="63289" y="1933384"/>
-                  </a:cubicBezTo>
-                  <a:close/>
-                </a:path>
-              </a:pathLst>
-            </a:custGeom>
-            <a:grpFill/>
-            <a:ln w="9525" cap="flat">
-              <a:noFill/>
-              <a:prstDash val="solid"/>
-              <a:miter/>
-            </a:ln>
-          </p:spPr>
-          <p:txBody>
-            <a:bodyPr rtlCol="0" anchor="ctr"/>
-            <a:lstStyle/>
-            <a:p>
-              <a:endParaRPr lang="en-US"/>
-            </a:p>
-          </p:txBody>
-        </p:sp>
-        <p:sp>
-          <p:nvSpPr>
-            <p:cNvPr id="16" name="Graphic 15">
-              <a:extLst>
-                <a:ext uri="{FF2B5EF4-FFF2-40B4-BE49-F238E27FC236}">
-                  <a16:creationId xmlns:a16="http://schemas.microsoft.com/office/drawing/2014/main" id="{57B23B52-A1C3-44EF-BC11-9094A0DA11AB}"/>
-                </a:ext>
-                <a:ext uri="{C183D7F6-B498-43B3-948B-1728B52AA6E4}">
-                  <adec:decorative xmlns:adec="http://schemas.microsoft.com/office/drawing/2017/decorative" val="1"/>
-                </a:ext>
-              </a:extLst>
-            </p:cNvPr>
-            <p:cNvSpPr/>
-            <p:nvPr>
-              <p:extLst>
-                <p:ext uri="{386F3935-93C4-4BCD-93E2-E3B085C9AB24}">
-                  <p16:designElem xmlns:p16="http://schemas.microsoft.com/office/powerpoint/2015/main" val="1"/>
-                </p:ext>
-              </p:extLst>
-            </p:nvPr>
-          </p:nvSpPr>
-          <p:spPr>
-            <a:xfrm>
-              <a:off x="11602136" y="3379098"/>
-              <a:ext cx="82388" cy="75292"/>
-            </a:xfrm>
-            <a:custGeom>
-              <a:avLst/>
-              <a:gdLst>
-                <a:gd name="connsiteX0" fmla="*/ 17664 w 5240764"/>
-                <a:gd name="connsiteY0" fmla="*/ 2947947 h 4789394"/>
-                <a:gd name="connsiteX1" fmla="*/ 903489 w 5240764"/>
-                <a:gd name="connsiteY1" fmla="*/ 195222 h 4789394"/>
-                <a:gd name="connsiteX2" fmla="*/ 3560964 w 5240764"/>
-                <a:gd name="connsiteY2" fmla="*/ 357147 h 4789394"/>
-                <a:gd name="connsiteX3" fmla="*/ 5240602 w 5240764"/>
-                <a:gd name="connsiteY3" fmla="*/ 2076409 h 4789394"/>
-                <a:gd name="connsiteX4" fmla="*/ 4568328 w 5240764"/>
-                <a:gd name="connsiteY4" fmla="*/ 3879397 h 4789394"/>
-                <a:gd name="connsiteX5" fmla="*/ 3284739 w 5240764"/>
-                <a:gd name="connsiteY5" fmla="*/ 4605297 h 4789394"/>
-                <a:gd name="connsiteX6" fmla="*/ 1074939 w 5240764"/>
-                <a:gd name="connsiteY6" fmla="*/ 4357647 h 4789394"/>
-                <a:gd name="connsiteX7" fmla="*/ 15187 w 5240764"/>
-                <a:gd name="connsiteY7" fmla="*/ 2830313 h 4789394"/>
-              </a:gdLst>
-              <a:ahLst/>
-              <a:cxnLst>
-                <a:cxn ang="0">
-                  <a:pos x="connsiteX0" y="connsiteY0"/>
-                </a:cxn>
-                <a:cxn ang="0">
-                  <a:pos x="connsiteX1" y="connsiteY1"/>
-                </a:cxn>
-                <a:cxn ang="0">
-                  <a:pos x="connsiteX2" y="connsiteY2"/>
-                </a:cxn>
-                <a:cxn ang="0">
-                  <a:pos x="connsiteX3" y="connsiteY3"/>
-                </a:cxn>
-                <a:cxn ang="0">
-                  <a:pos x="connsiteX4" y="connsiteY4"/>
-                </a:cxn>
-                <a:cxn ang="0">
-                  <a:pos x="connsiteX5" y="connsiteY5"/>
-                </a:cxn>
-                <a:cxn ang="0">
-                  <a:pos x="connsiteX6" y="connsiteY6"/>
-                </a:cxn>
-                <a:cxn ang="0">
-                  <a:pos x="connsiteX7" y="connsiteY7"/>
-                </a:cxn>
-              </a:cxnLst>
-              <a:rect l="l" t="t" r="r" b="b"/>
-              <a:pathLst>
-                <a:path w="5240764" h="4789394">
-                  <a:moveTo>
-                    <a:pt x="17664" y="2947947"/>
-                  </a:moveTo>
-                  <a:cubicBezTo>
-                    <a:pt x="17664" y="2900322"/>
-                    <a:pt x="-201411" y="490497"/>
-                    <a:pt x="903489" y="195222"/>
-                  </a:cubicBezTo>
-                  <a:cubicBezTo>
-                    <a:pt x="2008389" y="-100053"/>
-                    <a:pt x="2598939" y="-71478"/>
-                    <a:pt x="3560964" y="357147"/>
-                  </a:cubicBezTo>
-                  <a:cubicBezTo>
-                    <a:pt x="4522989" y="785772"/>
-                    <a:pt x="5253271" y="1338222"/>
-                    <a:pt x="5240602" y="2076409"/>
-                  </a:cubicBezTo>
-                  <a:cubicBezTo>
-                    <a:pt x="5227934" y="2814597"/>
-                    <a:pt x="4842267" y="3677276"/>
-                    <a:pt x="4568328" y="3879397"/>
-                  </a:cubicBezTo>
-                  <a:cubicBezTo>
-                    <a:pt x="4294389" y="4081422"/>
-                    <a:pt x="4065789" y="4548147"/>
-                    <a:pt x="3284739" y="4605297"/>
-                  </a:cubicBezTo>
-                  <a:cubicBezTo>
-                    <a:pt x="2503689" y="4662447"/>
-                    <a:pt x="1579764" y="5110122"/>
-                    <a:pt x="1074939" y="4357647"/>
-                  </a:cubicBezTo>
-                  <a:cubicBezTo>
-                    <a:pt x="570114" y="3605172"/>
-                    <a:pt x="12615" y="3617554"/>
-                    <a:pt x="15187" y="2830313"/>
-                  </a:cubicBezTo>
-                </a:path>
-              </a:pathLst>
-            </a:custGeom>
-            <a:grpFill/>
-            <a:ln w="9525" cap="flat">
-              <a:noFill/>
-              <a:prstDash val="solid"/>
-              <a:miter/>
-            </a:ln>
-          </p:spPr>
-          <p:txBody>
-            <a:bodyPr rtlCol="0" anchor="ctr"/>
-            <a:lstStyle/>
-            <a:p>
-              <a:endParaRPr lang="en-US"/>
-            </a:p>
-          </p:txBody>
-        </p:sp>
-        <p:sp>
-          <p:nvSpPr>
-            <p:cNvPr id="17" name="Graphic 15">
-              <a:extLst>
-                <a:ext uri="{FF2B5EF4-FFF2-40B4-BE49-F238E27FC236}">
-                  <a16:creationId xmlns:a16="http://schemas.microsoft.com/office/drawing/2014/main" id="{064E08E5-DA92-4CF2-A0BF-E341800227B2}"/>
-                </a:ext>
-                <a:ext uri="{C183D7F6-B498-43B3-948B-1728B52AA6E4}">
-                  <adec:decorative xmlns:adec="http://schemas.microsoft.com/office/drawing/2017/decorative" val="1"/>
-                </a:ext>
-              </a:extLst>
-            </p:cNvPr>
-            <p:cNvSpPr/>
-            <p:nvPr>
-              <p:extLst>
-                <p:ext uri="{386F3935-93C4-4BCD-93E2-E3B085C9AB24}">
-                  <p16:designElem xmlns:p16="http://schemas.microsoft.com/office/powerpoint/2015/main" val="1"/>
-                </p:ext>
-              </p:extLst>
-            </p:nvPr>
-          </p:nvSpPr>
-          <p:spPr>
-            <a:xfrm>
-              <a:off x="10948005" y="3504095"/>
-              <a:ext cx="82388" cy="75292"/>
-            </a:xfrm>
-            <a:custGeom>
-              <a:avLst/>
-              <a:gdLst>
-                <a:gd name="connsiteX0" fmla="*/ 17664 w 5240764"/>
-                <a:gd name="connsiteY0" fmla="*/ 2947947 h 4789394"/>
-                <a:gd name="connsiteX1" fmla="*/ 903489 w 5240764"/>
-                <a:gd name="connsiteY1" fmla="*/ 195222 h 4789394"/>
-                <a:gd name="connsiteX2" fmla="*/ 3560964 w 5240764"/>
-                <a:gd name="connsiteY2" fmla="*/ 357147 h 4789394"/>
-                <a:gd name="connsiteX3" fmla="*/ 5240602 w 5240764"/>
-                <a:gd name="connsiteY3" fmla="*/ 2076409 h 4789394"/>
-                <a:gd name="connsiteX4" fmla="*/ 4568328 w 5240764"/>
-                <a:gd name="connsiteY4" fmla="*/ 3879397 h 4789394"/>
-                <a:gd name="connsiteX5" fmla="*/ 3284739 w 5240764"/>
-                <a:gd name="connsiteY5" fmla="*/ 4605297 h 4789394"/>
-                <a:gd name="connsiteX6" fmla="*/ 1074939 w 5240764"/>
-                <a:gd name="connsiteY6" fmla="*/ 4357647 h 4789394"/>
-                <a:gd name="connsiteX7" fmla="*/ 15187 w 5240764"/>
-                <a:gd name="connsiteY7" fmla="*/ 2830313 h 4789394"/>
-              </a:gdLst>
-              <a:ahLst/>
-              <a:cxnLst>
-                <a:cxn ang="0">
-                  <a:pos x="connsiteX0" y="connsiteY0"/>
-                </a:cxn>
-                <a:cxn ang="0">
-                  <a:pos x="connsiteX1" y="connsiteY1"/>
-                </a:cxn>
-                <a:cxn ang="0">
-                  <a:pos x="connsiteX2" y="connsiteY2"/>
-                </a:cxn>
-                <a:cxn ang="0">
-                  <a:pos x="connsiteX3" y="connsiteY3"/>
-                </a:cxn>
-                <a:cxn ang="0">
-                  <a:pos x="connsiteX4" y="connsiteY4"/>
-                </a:cxn>
-                <a:cxn ang="0">
-                  <a:pos x="connsiteX5" y="connsiteY5"/>
-                </a:cxn>
-                <a:cxn ang="0">
-                  <a:pos x="connsiteX6" y="connsiteY6"/>
-                </a:cxn>
-                <a:cxn ang="0">
-                  <a:pos x="connsiteX7" y="connsiteY7"/>
-                </a:cxn>
-              </a:cxnLst>
-              <a:rect l="l" t="t" r="r" b="b"/>
-              <a:pathLst>
-                <a:path w="5240764" h="4789394">
-                  <a:moveTo>
-                    <a:pt x="17664" y="2947947"/>
-                  </a:moveTo>
-                  <a:cubicBezTo>
-                    <a:pt x="17664" y="2900322"/>
-                    <a:pt x="-201411" y="490497"/>
-                    <a:pt x="903489" y="195222"/>
-                  </a:cubicBezTo>
-                  <a:cubicBezTo>
-                    <a:pt x="2008389" y="-100053"/>
-                    <a:pt x="2598939" y="-71478"/>
-                    <a:pt x="3560964" y="357147"/>
-                  </a:cubicBezTo>
-                  <a:cubicBezTo>
-                    <a:pt x="4522989" y="785772"/>
-                    <a:pt x="5253271" y="1338222"/>
-                    <a:pt x="5240602" y="2076409"/>
-                  </a:cubicBezTo>
-                  <a:cubicBezTo>
-                    <a:pt x="5227934" y="2814597"/>
-                    <a:pt x="4842267" y="3677276"/>
-                    <a:pt x="4568328" y="3879397"/>
-                  </a:cubicBezTo>
-                  <a:cubicBezTo>
-                    <a:pt x="4294389" y="4081422"/>
-                    <a:pt x="4065789" y="4548147"/>
-                    <a:pt x="3284739" y="4605297"/>
-                  </a:cubicBezTo>
-                  <a:cubicBezTo>
-                    <a:pt x="2503689" y="4662447"/>
-                    <a:pt x="1579764" y="5110122"/>
-                    <a:pt x="1074939" y="4357647"/>
-                  </a:cubicBezTo>
-                  <a:cubicBezTo>
-                    <a:pt x="570114" y="3605172"/>
-                    <a:pt x="12615" y="3617554"/>
-                    <a:pt x="15187" y="2830313"/>
-                  </a:cubicBezTo>
-                </a:path>
-              </a:pathLst>
-            </a:custGeom>
-            <a:grpFill/>
-            <a:ln w="9525" cap="flat">
-              <a:noFill/>
-              <a:prstDash val="solid"/>
-              <a:miter/>
-            </a:ln>
-          </p:spPr>
-          <p:txBody>
-            <a:bodyPr rtlCol="0" anchor="ctr"/>
-            <a:lstStyle/>
-            <a:p>
-              <a:endParaRPr lang="en-US"/>
-            </a:p>
-          </p:txBody>
-        </p:sp>
-        <p:sp>
-          <p:nvSpPr>
-            <p:cNvPr id="18" name="Freeform: Shape 17">
-              <a:extLst>
-                <a:ext uri="{FF2B5EF4-FFF2-40B4-BE49-F238E27FC236}">
-                  <a16:creationId xmlns:a16="http://schemas.microsoft.com/office/drawing/2014/main" id="{7A222560-E657-4CAE-B667-7BE9E224B244}"/>
-                </a:ext>
-                <a:ext uri="{C183D7F6-B498-43B3-948B-1728B52AA6E4}">
-                  <adec:decorative xmlns:adec="http://schemas.microsoft.com/office/drawing/2017/decorative" val="1"/>
-                </a:ext>
-              </a:extLst>
-            </p:cNvPr>
-            <p:cNvSpPr/>
-            <p:nvPr>
-              <p:extLst>
-                <p:ext uri="{386F3935-93C4-4BCD-93E2-E3B085C9AB24}">
-                  <p16:designElem xmlns:p16="http://schemas.microsoft.com/office/powerpoint/2015/main" val="1"/>
-                </p:ext>
-              </p:extLst>
-            </p:nvPr>
-          </p:nvSpPr>
-          <p:spPr>
-            <a:xfrm>
-              <a:off x="11343727" y="3666564"/>
-              <a:ext cx="173527" cy="138496"/>
-            </a:xfrm>
-            <a:custGeom>
-              <a:avLst/>
-              <a:gdLst>
-                <a:gd name="connsiteX0" fmla="*/ 237392 w 789043"/>
-                <a:gd name="connsiteY0" fmla="*/ 81 h 629754"/>
-                <a:gd name="connsiteX1" fmla="*/ 758692 w 789043"/>
-                <a:gd name="connsiteY1" fmla="*/ 233550 h 629754"/>
-                <a:gd name="connsiteX2" fmla="*/ 650647 w 789043"/>
-                <a:gd name="connsiteY2" fmla="*/ 335111 h 629754"/>
-                <a:gd name="connsiteX3" fmla="*/ 315041 w 789043"/>
-                <a:gd name="connsiteY3" fmla="*/ 584992 h 629754"/>
-                <a:gd name="connsiteX4" fmla="*/ 192159 w 789043"/>
-                <a:gd name="connsiteY4" fmla="*/ 625953 h 629754"/>
-                <a:gd name="connsiteX5" fmla="*/ 124264 w 789043"/>
-                <a:gd name="connsiteY5" fmla="*/ 552260 h 629754"/>
-                <a:gd name="connsiteX6" fmla="*/ 1631 w 789043"/>
-                <a:gd name="connsiteY6" fmla="*/ 133735 h 629754"/>
-                <a:gd name="connsiteX7" fmla="*/ 35422 w 789043"/>
-                <a:gd name="connsiteY7" fmla="*/ 14157 h 629754"/>
-                <a:gd name="connsiteX8" fmla="*/ 113728 w 789043"/>
-                <a:gd name="connsiteY8" fmla="*/ 378 h 629754"/>
-                <a:gd name="connsiteX9" fmla="*/ 237392 w 789043"/>
-                <a:gd name="connsiteY9" fmla="*/ 81 h 629754"/>
-              </a:gdLst>
-              <a:ahLst/>
-              <a:cxnLst>
-                <a:cxn ang="0">
-                  <a:pos x="connsiteX0" y="connsiteY0"/>
-                </a:cxn>
-                <a:cxn ang="0">
-                  <a:pos x="connsiteX1" y="connsiteY1"/>
-                </a:cxn>
-                <a:cxn ang="0">
-                  <a:pos x="connsiteX2" y="connsiteY2"/>
-                </a:cxn>
-                <a:cxn ang="0">
-                  <a:pos x="connsiteX3" y="connsiteY3"/>
-                </a:cxn>
-                <a:cxn ang="0">
-                  <a:pos x="connsiteX4" y="connsiteY4"/>
-                </a:cxn>
-                <a:cxn ang="0">
-                  <a:pos x="connsiteX5" y="connsiteY5"/>
-                </a:cxn>
-                <a:cxn ang="0">
-                  <a:pos x="connsiteX6" y="connsiteY6"/>
-                </a:cxn>
-                <a:cxn ang="0">
-                  <a:pos x="connsiteX7" y="connsiteY7"/>
-                </a:cxn>
-                <a:cxn ang="0">
-                  <a:pos x="connsiteX8" y="connsiteY8"/>
-                </a:cxn>
-                <a:cxn ang="0">
-                  <a:pos x="connsiteX9" y="connsiteY9"/>
-                </a:cxn>
-              </a:cxnLst>
-              <a:rect l="l" t="t" r="r" b="b"/>
-              <a:pathLst>
-                <a:path w="789043" h="629754">
-                  <a:moveTo>
-                    <a:pt x="237392" y="81"/>
-                  </a:moveTo>
-                  <a:cubicBezTo>
-                    <a:pt x="474795" y="-992"/>
-                    <a:pt x="907215" y="10463"/>
-                    <a:pt x="758692" y="233550"/>
-                  </a:cubicBezTo>
-                  <a:cubicBezTo>
-                    <a:pt x="731135" y="274948"/>
-                    <a:pt x="690486" y="305435"/>
-                    <a:pt x="650647" y="335111"/>
-                  </a:cubicBezTo>
-                  <a:cubicBezTo>
-                    <a:pt x="538737" y="418405"/>
-                    <a:pt x="426889" y="501698"/>
-                    <a:pt x="315041" y="584992"/>
-                  </a:cubicBezTo>
-                  <a:cubicBezTo>
-                    <a:pt x="278943" y="611863"/>
-                    <a:pt x="234865" y="640167"/>
-                    <a:pt x="192159" y="625953"/>
-                  </a:cubicBezTo>
-                  <a:cubicBezTo>
-                    <a:pt x="159614" y="615105"/>
-                    <a:pt x="139851" y="582810"/>
-                    <a:pt x="124264" y="552260"/>
-                  </a:cubicBezTo>
-                  <a:cubicBezTo>
-                    <a:pt x="57742" y="422021"/>
-                    <a:pt x="15908" y="279250"/>
-                    <a:pt x="1631" y="133735"/>
-                  </a:cubicBezTo>
-                  <a:cubicBezTo>
-                    <a:pt x="-2671" y="90343"/>
-                    <a:pt x="-676" y="38596"/>
-                    <a:pt x="35422" y="14157"/>
-                  </a:cubicBezTo>
-                  <a:cubicBezTo>
-                    <a:pt x="57804" y="-931"/>
-                    <a:pt x="86795" y="-557"/>
-                    <a:pt x="113728" y="378"/>
-                  </a:cubicBezTo>
-                  <a:cubicBezTo>
-                    <a:pt x="138207" y="1243"/>
-                    <a:pt x="182606" y="328"/>
-                    <a:pt x="237392" y="81"/>
-                  </a:cubicBezTo>
-                  <a:close/>
-                </a:path>
-              </a:pathLst>
-            </a:custGeom>
-            <a:grpFill/>
-            <a:ln>
-              <a:noFill/>
-            </a:ln>
-          </p:spPr>
-          <p:style>
-            <a:lnRef idx="2">
-              <a:schemeClr val="accent1">
-                <a:shade val="50000"/>
-              </a:schemeClr>
-            </a:lnRef>
-            <a:fillRef idx="1">
-              <a:schemeClr val="accent1"/>
-            </a:fillRef>
-            <a:effectRef idx="0">
-              <a:schemeClr val="accent1"/>
-            </a:effectRef>
-            <a:fontRef idx="minor">
-              <a:schemeClr val="lt1"/>
-            </a:fontRef>
-          </p:style>
-          <p:txBody>
-            <a:bodyPr rtlCol="0" anchor="ctr"/>
-            <a:lstStyle/>
-            <a:p>
-              <a:pPr algn="ctr"/>
-              <a:endParaRPr lang="en-US"/>
-            </a:p>
-          </p:txBody>
-        </p:sp>
-      </p:grpSp>
-      <p:sp>
-        <p:nvSpPr>
-          <p:cNvPr id="20" name="Freeform: Shape 19">
-            <a:extLst>
-              <a:ext uri="{FF2B5EF4-FFF2-40B4-BE49-F238E27FC236}">
-                <a16:creationId xmlns:a16="http://schemas.microsoft.com/office/drawing/2014/main" id="{59226104-0061-4319-8237-9C001BF85D49}"/>
-              </a:ext>
-              <a:ext uri="{C183D7F6-B498-43B3-948B-1728B52AA6E4}">
-                <adec:decorative xmlns:adec="http://schemas.microsoft.com/office/drawing/2017/decorative" val="1"/>
-              </a:ext>
-            </a:extLst>
-          </p:cNvPr>
-          <p:cNvSpPr>
-            <a:spLocks noGrp="1" noRot="1" noChangeAspect="1" noMove="1" noResize="1" noEditPoints="1" noAdjustHandles="1" noChangeArrowheads="1" noChangeShapeType="1" noTextEdit="1"/>
-          </p:cNvSpPr>
-          <p:nvPr>
-            <p:extLst>
-              <p:ext uri="{386F3935-93C4-4BCD-93E2-E3B085C9AB24}">
-                <p16:designElem xmlns:p16="http://schemas.microsoft.com/office/powerpoint/2015/main" val="1"/>
-              </p:ext>
-            </p:extLst>
-          </p:nvPr>
-        </p:nvSpPr>
-        <p:spPr>
-          <a:xfrm rot="5400000">
-            <a:off x="615181" y="-615181"/>
-            <a:ext cx="1085312" cy="2315675"/>
-          </a:xfrm>
-          <a:custGeom>
-            <a:avLst/>
-            <a:gdLst>
-              <a:gd name="connsiteX0" fmla="*/ 0 w 1085312"/>
-              <a:gd name="connsiteY0" fmla="*/ 2315675 h 2315675"/>
-              <a:gd name="connsiteX1" fmla="*/ 0 w 1085312"/>
-              <a:gd name="connsiteY1" fmla="*/ 0 h 2315675"/>
-              <a:gd name="connsiteX2" fmla="*/ 53089 w 1085312"/>
-              <a:gd name="connsiteY2" fmla="*/ 4542 h 2315675"/>
-              <a:gd name="connsiteX3" fmla="*/ 790077 w 1085312"/>
-              <a:gd name="connsiteY3" fmla="*/ 872756 h 2315675"/>
-              <a:gd name="connsiteX4" fmla="*/ 1085252 w 1085312"/>
-              <a:gd name="connsiteY4" fmla="*/ 1943649 h 2315675"/>
-              <a:gd name="connsiteX5" fmla="*/ 1064832 w 1085312"/>
-              <a:gd name="connsiteY5" fmla="*/ 2198094 h 2315675"/>
-              <a:gd name="connsiteX6" fmla="*/ 1043734 w 1085312"/>
-              <a:gd name="connsiteY6" fmla="*/ 2315675 h 2315675"/>
-              <a:gd name="connsiteX7" fmla="*/ 0 w 1085312"/>
-              <a:gd name="connsiteY7" fmla="*/ 2315675 h 2315675"/>
-            </a:gdLst>
-            <a:ahLst/>
-            <a:cxnLst>
-              <a:cxn ang="0">
-                <a:pos x="connsiteX0" y="connsiteY0"/>
-              </a:cxn>
-              <a:cxn ang="0">
-                <a:pos x="connsiteX1" y="connsiteY1"/>
-              </a:cxn>
-              <a:cxn ang="0">
-                <a:pos x="connsiteX2" y="connsiteY2"/>
-              </a:cxn>
-              <a:cxn ang="0">
-                <a:pos x="connsiteX3" y="connsiteY3"/>
-              </a:cxn>
-              <a:cxn ang="0">
-                <a:pos x="connsiteX4" y="connsiteY4"/>
-              </a:cxn>
-              <a:cxn ang="0">
-                <a:pos x="connsiteX5" y="connsiteY5"/>
-              </a:cxn>
-              <a:cxn ang="0">
-                <a:pos x="connsiteX6" y="connsiteY6"/>
-              </a:cxn>
-              <a:cxn ang="0">
-                <a:pos x="connsiteX7" y="connsiteY7"/>
-              </a:cxn>
-            </a:cxnLst>
-            <a:rect l="l" t="t" r="r" b="b"/>
-            <a:pathLst>
-              <a:path w="1085312" h="2315675">
-                <a:moveTo>
-                  <a:pt x="0" y="2315675"/>
-                </a:moveTo>
-                <a:lnTo>
-                  <a:pt x="0" y="0"/>
-                </a:lnTo>
-                <a:lnTo>
-                  <a:pt x="53089" y="4542"/>
-                </a:lnTo>
-                <a:cubicBezTo>
-                  <a:pt x="405263" y="73503"/>
-                  <a:pt x="612623" y="486635"/>
-                  <a:pt x="790077" y="872756"/>
-                </a:cubicBezTo>
-                <a:cubicBezTo>
-                  <a:pt x="937425" y="1193596"/>
-                  <a:pt x="1088787" y="1533232"/>
-                  <a:pt x="1085252" y="1943649"/>
-                </a:cubicBezTo>
-                <a:cubicBezTo>
-                  <a:pt x="1084528" y="2029058"/>
-                  <a:pt x="1077341" y="2113833"/>
-                  <a:pt x="1064832" y="2198094"/>
-                </a:cubicBezTo>
-                <a:lnTo>
-                  <a:pt x="1043734" y="2315675"/>
-                </a:lnTo>
-                <a:lnTo>
-                  <a:pt x="0" y="2315675"/>
-                </a:lnTo>
-                <a:close/>
-              </a:path>
-            </a:pathLst>
-          </a:custGeom>
-          <a:solidFill>
-            <a:schemeClr val="accent5">
-              <a:lumMod val="40000"/>
-              <a:lumOff val="60000"/>
-              <a:alpha val="50000"/>
-            </a:schemeClr>
-          </a:solidFill>
-          <a:ln>
-            <a:noFill/>
-          </a:ln>
-        </p:spPr>
-        <p:style>
-          <a:lnRef idx="2">
-            <a:schemeClr val="accent1">
-              <a:shade val="50000"/>
-            </a:schemeClr>
-          </a:lnRef>
-          <a:fillRef idx="1">
-            <a:schemeClr val="accent1"/>
-          </a:fillRef>
-          <a:effectRef idx="0">
-            <a:schemeClr val="accent1"/>
-          </a:effectRef>
-          <a:fontRef idx="minor">
-            <a:schemeClr val="lt1"/>
-          </a:fontRef>
-        </p:style>
-        <p:txBody>
-          <a:bodyPr wrap="square" rtlCol="0" anchor="ctr">
-            <a:noAutofit/>
-          </a:bodyPr>
-          <a:lstStyle/>
-          <a:p>
-            <a:pPr algn="ctr"/>
-            <a:endParaRPr lang="en-US"/>
-          </a:p>
-        </p:txBody>
-      </p:sp>
-      <p:grpSp>
-        <p:nvGrpSpPr>
-          <p:cNvPr id="22" name="Graphic 78">
-            <a:extLst>
-              <a:ext uri="{FF2B5EF4-FFF2-40B4-BE49-F238E27FC236}">
-                <a16:creationId xmlns:a16="http://schemas.microsoft.com/office/drawing/2014/main" id="{51B01909-73B8-4486-A749-C643B1D7E361}"/>
-              </a:ext>
-              <a:ext uri="{C183D7F6-B498-43B3-948B-1728B52AA6E4}">
-                <adec:decorative xmlns:adec="http://schemas.microsoft.com/office/drawing/2017/decorative" val="1"/>
-              </a:ext>
-            </a:extLst>
-          </p:cNvPr>
-          <p:cNvGrpSpPr>
-            <a:grpSpLocks noGrp="1" noUngrp="1" noRot="1" noChangeAspect="1" noMove="1" noResize="1"/>
-          </p:cNvGrpSpPr>
-          <p:nvPr>
-            <p:extLst>
-              <p:ext uri="{386F3935-93C4-4BCD-93E2-E3B085C9AB24}">
-                <p16:designElem xmlns:p16="http://schemas.microsoft.com/office/powerpoint/2015/main" val="1"/>
-              </p:ext>
-            </p:extLst>
-          </p:nvPr>
-        </p:nvGrpSpPr>
-        <p:grpSpPr>
-          <a:xfrm>
-            <a:off x="530225" y="3267662"/>
-            <a:ext cx="972241" cy="45718"/>
-            <a:chOff x="4886325" y="3371754"/>
-            <a:chExt cx="2418492" cy="113728"/>
-          </a:xfrm>
-          <a:solidFill>
-            <a:schemeClr val="accent1"/>
-          </a:solidFill>
-        </p:grpSpPr>
-        <p:sp>
-          <p:nvSpPr>
-            <p:cNvPr id="23" name="Graphic 78">
-              <a:extLst>
-                <a:ext uri="{FF2B5EF4-FFF2-40B4-BE49-F238E27FC236}">
-                  <a16:creationId xmlns:a16="http://schemas.microsoft.com/office/drawing/2014/main" id="{5E279D86-4533-45F1-B0AA-D237399A5ED5}"/>
-                </a:ext>
-                <a:ext uri="{C183D7F6-B498-43B3-948B-1728B52AA6E4}">
-                  <adec:decorative xmlns:adec="http://schemas.microsoft.com/office/drawing/2017/decorative" val="1"/>
-                </a:ext>
-              </a:extLst>
-            </p:cNvPr>
-            <p:cNvSpPr/>
-            <p:nvPr>
-              <p:extLst>
-                <p:ext uri="{386F3935-93C4-4BCD-93E2-E3B085C9AB24}">
-                  <p16:designElem xmlns:p16="http://schemas.microsoft.com/office/powerpoint/2015/main" val="1"/>
-                </p:ext>
-              </p:extLst>
-            </p:nvPr>
-          </p:nvSpPr>
-          <p:spPr>
-            <a:xfrm>
-              <a:off x="4886325" y="3428428"/>
-              <a:ext cx="2418302" cy="9525"/>
-            </a:xfrm>
-            <a:custGeom>
-              <a:avLst/>
-              <a:gdLst>
-                <a:gd name="connsiteX0" fmla="*/ 0 w 2418302"/>
-                <a:gd name="connsiteY0" fmla="*/ 0 h 9525"/>
-                <a:gd name="connsiteX1" fmla="*/ 2418302 w 2418302"/>
-                <a:gd name="connsiteY1" fmla="*/ 0 h 9525"/>
-              </a:gdLst>
-              <a:ahLst/>
-              <a:cxnLst>
-                <a:cxn ang="0">
-                  <a:pos x="connsiteX0" y="connsiteY0"/>
-                </a:cxn>
-                <a:cxn ang="0">
-                  <a:pos x="connsiteX1" y="connsiteY1"/>
-                </a:cxn>
-              </a:cxnLst>
-              <a:rect l="l" t="t" r="r" b="b"/>
-              <a:pathLst>
-                <a:path w="2418302" h="9525">
-                  <a:moveTo>
-                    <a:pt x="0" y="0"/>
-                  </a:moveTo>
-                  <a:lnTo>
-                    <a:pt x="2418302" y="0"/>
-                  </a:lnTo>
-                </a:path>
-              </a:pathLst>
-            </a:custGeom>
-            <a:grpFill/>
-            <a:ln w="9525" cap="flat">
-              <a:noFill/>
-              <a:prstDash val="solid"/>
-              <a:miter/>
-            </a:ln>
-          </p:spPr>
-          <p:txBody>
-            <a:bodyPr rtlCol="0" anchor="ctr"/>
-            <a:lstStyle/>
-            <a:p>
-              <a:pPr algn="ctr"/>
-              <a:endParaRPr lang="en-US"/>
-            </a:p>
-          </p:txBody>
-        </p:sp>
-        <p:grpSp>
-          <p:nvGrpSpPr>
-            <p:cNvPr id="24" name="Graphic 78">
-              <a:extLst>
-                <a:ext uri="{FF2B5EF4-FFF2-40B4-BE49-F238E27FC236}">
-                  <a16:creationId xmlns:a16="http://schemas.microsoft.com/office/drawing/2014/main" id="{764FD722-CB31-4326-ADD8-CBA52FD1FF59}"/>
-                </a:ext>
-                <a:ext uri="{C183D7F6-B498-43B3-948B-1728B52AA6E4}">
-                  <adec:decorative xmlns:adec="http://schemas.microsoft.com/office/drawing/2017/decorative" val="1"/>
-                </a:ext>
-              </a:extLst>
-            </p:cNvPr>
-            <p:cNvGrpSpPr/>
-            <p:nvPr>
-              <p:extLst>
-                <p:ext uri="{386F3935-93C4-4BCD-93E2-E3B085C9AB24}">
-                  <p16:designElem xmlns:p16="http://schemas.microsoft.com/office/powerpoint/2015/main" val="1"/>
-                </p:ext>
-              </p:extLst>
-            </p:nvPr>
-          </p:nvGrpSpPr>
-          <p:grpSpPr>
-            <a:xfrm>
-              <a:off x="4886709" y="3371754"/>
-              <a:ext cx="2418108" cy="113728"/>
-              <a:chOff x="4886709" y="3371754"/>
-              <a:chExt cx="2418108" cy="113728"/>
-            </a:xfrm>
-            <a:grpFill/>
-          </p:grpSpPr>
-          <p:sp>
-            <p:nvSpPr>
-              <p:cNvPr id="25" name="Graphic 78">
-                <a:extLst>
-                  <a:ext uri="{FF2B5EF4-FFF2-40B4-BE49-F238E27FC236}">
-                    <a16:creationId xmlns:a16="http://schemas.microsoft.com/office/drawing/2014/main" id="{24E4BCEC-8B0A-444E-8509-1B3BB0449E5B}"/>
-                  </a:ext>
-                  <a:ext uri="{C183D7F6-B498-43B3-948B-1728B52AA6E4}">
-                    <adec:decorative xmlns:adec="http://schemas.microsoft.com/office/drawing/2017/decorative" val="1"/>
-                  </a:ext>
-                </a:extLst>
-              </p:cNvPr>
-              <p:cNvSpPr/>
-              <p:nvPr>
-                <p:extLst>
-                  <p:ext uri="{386F3935-93C4-4BCD-93E2-E3B085C9AB24}">
-                    <p16:designElem xmlns:p16="http://schemas.microsoft.com/office/powerpoint/2015/main" val="1"/>
-                  </p:ext>
-                </p:extLst>
-              </p:nvPr>
-            </p:nvSpPr>
-            <p:spPr>
-              <a:xfrm>
-                <a:off x="4895088" y="3474384"/>
-                <a:ext cx="32575" cy="2906"/>
-              </a:xfrm>
-              <a:custGeom>
-                <a:avLst/>
-                <a:gdLst>
-                  <a:gd name="connsiteX0" fmla="*/ 0 w 32575"/>
-                  <a:gd name="connsiteY0" fmla="*/ 49 h 2906"/>
-                  <a:gd name="connsiteX1" fmla="*/ 32576 w 32575"/>
-                  <a:gd name="connsiteY1" fmla="*/ 2907 h 2906"/>
-                  <a:gd name="connsiteX2" fmla="*/ 0 w 32575"/>
-                  <a:gd name="connsiteY2" fmla="*/ 49 h 2906"/>
-                </a:gdLst>
-                <a:ahLst/>
-                <a:cxnLst>
-                  <a:cxn ang="0">
-                    <a:pos x="connsiteX0" y="connsiteY0"/>
-                  </a:cxn>
-                  <a:cxn ang="0">
-                    <a:pos x="connsiteX1" y="connsiteY1"/>
-                  </a:cxn>
-                  <a:cxn ang="0">
-                    <a:pos x="connsiteX2" y="connsiteY2"/>
-                  </a:cxn>
-                </a:cxnLst>
-                <a:rect l="l" t="t" r="r" b="b"/>
-                <a:pathLst>
-                  <a:path w="32575" h="2906">
-                    <a:moveTo>
-                      <a:pt x="0" y="49"/>
-                    </a:moveTo>
-                    <a:cubicBezTo>
-                      <a:pt x="7430" y="2335"/>
-                      <a:pt x="20384" y="2526"/>
-                      <a:pt x="32576" y="2907"/>
-                    </a:cubicBezTo>
-                    <a:cubicBezTo>
-                      <a:pt x="23146" y="716"/>
-                      <a:pt x="13240" y="-236"/>
-                      <a:pt x="0" y="49"/>
-                    </a:cubicBezTo>
-                    <a:close/>
-                  </a:path>
-                </a:pathLst>
-              </a:custGeom>
-              <a:grpFill/>
-              <a:ln w="9525" cap="flat">
-                <a:noFill/>
-                <a:prstDash val="solid"/>
-                <a:miter/>
-              </a:ln>
-            </p:spPr>
-            <p:txBody>
-              <a:bodyPr rtlCol="0" anchor="ctr"/>
-              <a:lstStyle/>
-              <a:p>
-                <a:pPr algn="ctr"/>
-                <a:endParaRPr lang="en-US"/>
-              </a:p>
-            </p:txBody>
-          </p:sp>
-          <p:sp>
-            <p:nvSpPr>
-              <p:cNvPr id="26" name="Graphic 78">
-                <a:extLst>
-                  <a:ext uri="{FF2B5EF4-FFF2-40B4-BE49-F238E27FC236}">
-                    <a16:creationId xmlns:a16="http://schemas.microsoft.com/office/drawing/2014/main" id="{9DB36622-1DC7-4B17-8984-588BA8999FF6}"/>
-                  </a:ext>
-                  <a:ext uri="{C183D7F6-B498-43B3-948B-1728B52AA6E4}">
-                    <adec:decorative xmlns:adec="http://schemas.microsoft.com/office/drawing/2017/decorative" val="1"/>
-                  </a:ext>
-                </a:extLst>
-              </p:cNvPr>
-              <p:cNvSpPr/>
-              <p:nvPr>
-                <p:extLst>
-                  <p:ext uri="{386F3935-93C4-4BCD-93E2-E3B085C9AB24}">
-                    <p16:designElem xmlns:p16="http://schemas.microsoft.com/office/powerpoint/2015/main" val="1"/>
-                  </p:ext>
-                </p:extLst>
-              </p:nvPr>
-            </p:nvSpPr>
-            <p:spPr>
-              <a:xfrm>
-                <a:off x="4927758" y="3477344"/>
-                <a:ext cx="380" cy="42"/>
-              </a:xfrm>
-              <a:custGeom>
-                <a:avLst/>
-                <a:gdLst>
-                  <a:gd name="connsiteX0" fmla="*/ 190 w 380"/>
-                  <a:gd name="connsiteY0" fmla="*/ 42 h 42"/>
-                  <a:gd name="connsiteX1" fmla="*/ 381 w 380"/>
-                  <a:gd name="connsiteY1" fmla="*/ 42 h 42"/>
-                  <a:gd name="connsiteX2" fmla="*/ 0 w 380"/>
-                  <a:gd name="connsiteY2" fmla="*/ 42 h 42"/>
-                  <a:gd name="connsiteX3" fmla="*/ 190 w 380"/>
-                  <a:gd name="connsiteY3" fmla="*/ 42 h 42"/>
-                </a:gdLst>
-                <a:ahLst/>
-                <a:cxnLst>
-                  <a:cxn ang="0">
-                    <a:pos x="connsiteX0" y="connsiteY0"/>
-                  </a:cxn>
-                  <a:cxn ang="0">
-                    <a:pos x="connsiteX1" y="connsiteY1"/>
-                  </a:cxn>
-                  <a:cxn ang="0">
-                    <a:pos x="connsiteX2" y="connsiteY2"/>
-                  </a:cxn>
-                  <a:cxn ang="0">
-                    <a:pos x="connsiteX3" y="connsiteY3"/>
-                  </a:cxn>
-                </a:cxnLst>
-                <a:rect l="l" t="t" r="r" b="b"/>
-                <a:pathLst>
-                  <a:path w="380" h="42">
-                    <a:moveTo>
-                      <a:pt x="190" y="42"/>
-                    </a:moveTo>
-                    <a:cubicBezTo>
-                      <a:pt x="190" y="42"/>
-                      <a:pt x="286" y="42"/>
-                      <a:pt x="381" y="42"/>
-                    </a:cubicBezTo>
-                    <a:cubicBezTo>
-                      <a:pt x="190" y="42"/>
-                      <a:pt x="95" y="42"/>
-                      <a:pt x="0" y="42"/>
-                    </a:cubicBezTo>
-                    <a:cubicBezTo>
-                      <a:pt x="0" y="-53"/>
-                      <a:pt x="95" y="42"/>
-                      <a:pt x="190" y="42"/>
-                    </a:cubicBezTo>
-                    <a:close/>
-                  </a:path>
-                </a:pathLst>
-              </a:custGeom>
-              <a:grpFill/>
-              <a:ln w="9525" cap="flat">
-                <a:noFill/>
-                <a:prstDash val="solid"/>
-                <a:miter/>
-              </a:ln>
-            </p:spPr>
-            <p:txBody>
-              <a:bodyPr rtlCol="0" anchor="ctr"/>
-              <a:lstStyle/>
-              <a:p>
-                <a:pPr algn="ctr"/>
-                <a:endParaRPr lang="en-US"/>
-              </a:p>
-            </p:txBody>
-          </p:sp>
-          <p:sp>
-            <p:nvSpPr>
-              <p:cNvPr id="27" name="Graphic 78">
-                <a:extLst>
-                  <a:ext uri="{FF2B5EF4-FFF2-40B4-BE49-F238E27FC236}">
-                    <a16:creationId xmlns:a16="http://schemas.microsoft.com/office/drawing/2014/main" id="{51B97AF0-1974-42B9-B5FC-A332C52E8272}"/>
-                  </a:ext>
-                  <a:ext uri="{C183D7F6-B498-43B3-948B-1728B52AA6E4}">
-                    <adec:decorative xmlns:adec="http://schemas.microsoft.com/office/drawing/2017/decorative" val="1"/>
-                  </a:ext>
-                </a:extLst>
-              </p:cNvPr>
-              <p:cNvSpPr/>
-              <p:nvPr>
-                <p:extLst>
-                  <p:ext uri="{386F3935-93C4-4BCD-93E2-E3B085C9AB24}">
-                    <p16:designElem xmlns:p16="http://schemas.microsoft.com/office/powerpoint/2015/main" val="1"/>
-                  </p:ext>
-                </p:extLst>
-              </p:nvPr>
-            </p:nvSpPr>
-            <p:spPr>
-              <a:xfrm>
-                <a:off x="7285577" y="3374517"/>
-                <a:ext cx="10001" cy="190"/>
-              </a:xfrm>
-              <a:custGeom>
-                <a:avLst/>
-                <a:gdLst>
-                  <a:gd name="connsiteX0" fmla="*/ 10001 w 10001"/>
-                  <a:gd name="connsiteY0" fmla="*/ 0 h 190"/>
-                  <a:gd name="connsiteX1" fmla="*/ 0 w 10001"/>
-                  <a:gd name="connsiteY1" fmla="*/ 191 h 190"/>
-                  <a:gd name="connsiteX2" fmla="*/ 10001 w 10001"/>
-                  <a:gd name="connsiteY2" fmla="*/ 0 h 190"/>
-                </a:gdLst>
-                <a:ahLst/>
-                <a:cxnLst>
-                  <a:cxn ang="0">
-                    <a:pos x="connsiteX0" y="connsiteY0"/>
-                  </a:cxn>
-                  <a:cxn ang="0">
-                    <a:pos x="connsiteX1" y="connsiteY1"/>
-                  </a:cxn>
-                  <a:cxn ang="0">
-                    <a:pos x="connsiteX2" y="connsiteY2"/>
-                  </a:cxn>
-                </a:cxnLst>
-                <a:rect l="l" t="t" r="r" b="b"/>
-                <a:pathLst>
-                  <a:path w="10001" h="190">
-                    <a:moveTo>
-                      <a:pt x="10001" y="0"/>
-                    </a:moveTo>
-                    <a:cubicBezTo>
-                      <a:pt x="6953" y="0"/>
-                      <a:pt x="3524" y="95"/>
-                      <a:pt x="0" y="191"/>
-                    </a:cubicBezTo>
-                    <a:cubicBezTo>
-                      <a:pt x="3334" y="191"/>
-                      <a:pt x="6763" y="191"/>
-                      <a:pt x="10001" y="0"/>
-                    </a:cubicBezTo>
-                    <a:close/>
-                  </a:path>
-                </a:pathLst>
-              </a:custGeom>
-              <a:grpFill/>
-              <a:ln w="9525" cap="flat">
-                <a:noFill/>
-                <a:prstDash val="solid"/>
-                <a:miter/>
-              </a:ln>
-            </p:spPr>
-            <p:txBody>
-              <a:bodyPr rtlCol="0" anchor="ctr"/>
-              <a:lstStyle/>
-              <a:p>
-                <a:pPr algn="ctr"/>
-                <a:endParaRPr lang="en-US"/>
-              </a:p>
-            </p:txBody>
-          </p:sp>
-          <p:sp>
-            <p:nvSpPr>
-              <p:cNvPr id="28" name="Graphic 78">
-                <a:extLst>
-                  <a:ext uri="{FF2B5EF4-FFF2-40B4-BE49-F238E27FC236}">
-                    <a16:creationId xmlns:a16="http://schemas.microsoft.com/office/drawing/2014/main" id="{95A298AD-BE5D-4BE1-8CDF-DBFB42D63FEB}"/>
-                  </a:ext>
-                  <a:ext uri="{C183D7F6-B498-43B3-948B-1728B52AA6E4}">
-                    <adec:decorative xmlns:adec="http://schemas.microsoft.com/office/drawing/2017/decorative" val="1"/>
-                  </a:ext>
-                </a:extLst>
-              </p:cNvPr>
-              <p:cNvSpPr/>
-              <p:nvPr>
-                <p:extLst>
-                  <p:ext uri="{386F3935-93C4-4BCD-93E2-E3B085C9AB24}">
-                    <p16:designElem xmlns:p16="http://schemas.microsoft.com/office/powerpoint/2015/main" val="1"/>
-                  </p:ext>
-                </p:extLst>
-              </p:nvPr>
-            </p:nvSpPr>
-            <p:spPr>
-              <a:xfrm>
-                <a:off x="4886709" y="3371754"/>
-                <a:ext cx="2418108" cy="113728"/>
-              </a:xfrm>
-              <a:custGeom>
-                <a:avLst/>
-                <a:gdLst>
-                  <a:gd name="connsiteX0" fmla="*/ 632266 w 2418108"/>
-                  <a:gd name="connsiteY0" fmla="*/ 112205 h 113728"/>
-                  <a:gd name="connsiteX1" fmla="*/ 723039 w 2418108"/>
-                  <a:gd name="connsiteY1" fmla="*/ 109538 h 113728"/>
-                  <a:gd name="connsiteX2" fmla="*/ 735136 w 2418108"/>
-                  <a:gd name="connsiteY2" fmla="*/ 111823 h 113728"/>
-                  <a:gd name="connsiteX3" fmla="*/ 752471 w 2418108"/>
-                  <a:gd name="connsiteY3" fmla="*/ 108680 h 113728"/>
-                  <a:gd name="connsiteX4" fmla="*/ 772569 w 2418108"/>
-                  <a:gd name="connsiteY4" fmla="*/ 110585 h 113728"/>
-                  <a:gd name="connsiteX5" fmla="*/ 1112993 w 2418108"/>
-                  <a:gd name="connsiteY5" fmla="*/ 112967 h 113728"/>
-                  <a:gd name="connsiteX6" fmla="*/ 1083465 w 2418108"/>
-                  <a:gd name="connsiteY6" fmla="*/ 108776 h 113728"/>
-                  <a:gd name="connsiteX7" fmla="*/ 1296825 w 2418108"/>
-                  <a:gd name="connsiteY7" fmla="*/ 108966 h 113728"/>
-                  <a:gd name="connsiteX8" fmla="*/ 1346736 w 2418108"/>
-                  <a:gd name="connsiteY8" fmla="*/ 103632 h 113728"/>
-                  <a:gd name="connsiteX9" fmla="*/ 1360643 w 2418108"/>
-                  <a:gd name="connsiteY9" fmla="*/ 107633 h 113728"/>
-                  <a:gd name="connsiteX10" fmla="*/ 1381788 w 2418108"/>
-                  <a:gd name="connsiteY10" fmla="*/ 107442 h 113728"/>
-                  <a:gd name="connsiteX11" fmla="*/ 1371692 w 2418108"/>
-                  <a:gd name="connsiteY11" fmla="*/ 106490 h 113728"/>
-                  <a:gd name="connsiteX12" fmla="*/ 1430080 w 2418108"/>
-                  <a:gd name="connsiteY12" fmla="*/ 105537 h 113728"/>
-                  <a:gd name="connsiteX13" fmla="*/ 1420269 w 2418108"/>
-                  <a:gd name="connsiteY13" fmla="*/ 104108 h 113728"/>
-                  <a:gd name="connsiteX14" fmla="*/ 1455702 w 2418108"/>
-                  <a:gd name="connsiteY14" fmla="*/ 107061 h 113728"/>
-                  <a:gd name="connsiteX15" fmla="*/ 1439414 w 2418108"/>
-                  <a:gd name="connsiteY15" fmla="*/ 108109 h 113728"/>
-                  <a:gd name="connsiteX16" fmla="*/ 1503613 w 2418108"/>
-                  <a:gd name="connsiteY16" fmla="*/ 105918 h 113728"/>
-                  <a:gd name="connsiteX17" fmla="*/ 1495802 w 2418108"/>
-                  <a:gd name="connsiteY17" fmla="*/ 105823 h 113728"/>
-                  <a:gd name="connsiteX18" fmla="*/ 1695923 w 2418108"/>
-                  <a:gd name="connsiteY18" fmla="*/ 95155 h 113728"/>
-                  <a:gd name="connsiteX19" fmla="*/ 1684016 w 2418108"/>
-                  <a:gd name="connsiteY19" fmla="*/ 92488 h 113728"/>
-                  <a:gd name="connsiteX20" fmla="*/ 1706210 w 2418108"/>
-                  <a:gd name="connsiteY20" fmla="*/ 90202 h 113728"/>
-                  <a:gd name="connsiteX21" fmla="*/ 1693351 w 2418108"/>
-                  <a:gd name="connsiteY21" fmla="*/ 98108 h 113728"/>
-                  <a:gd name="connsiteX22" fmla="*/ 2058539 w 2418108"/>
-                  <a:gd name="connsiteY22" fmla="*/ 102203 h 113728"/>
-                  <a:gd name="connsiteX23" fmla="*/ 2064540 w 2418108"/>
-                  <a:gd name="connsiteY23" fmla="*/ 95060 h 113728"/>
-                  <a:gd name="connsiteX24" fmla="*/ 2227132 w 2418108"/>
-                  <a:gd name="connsiteY24" fmla="*/ 96203 h 113728"/>
-                  <a:gd name="connsiteX25" fmla="*/ 2245229 w 2418108"/>
-                  <a:gd name="connsiteY25" fmla="*/ 96869 h 113728"/>
-                  <a:gd name="connsiteX26" fmla="*/ 2254278 w 2418108"/>
-                  <a:gd name="connsiteY26" fmla="*/ 94393 h 113728"/>
-                  <a:gd name="connsiteX27" fmla="*/ 2418108 w 2418108"/>
-                  <a:gd name="connsiteY27" fmla="*/ 5810 h 113728"/>
-                  <a:gd name="connsiteX28" fmla="*/ 2399058 w 2418108"/>
-                  <a:gd name="connsiteY28" fmla="*/ 2858 h 113728"/>
-                  <a:gd name="connsiteX29" fmla="*/ 2241039 w 2418108"/>
-                  <a:gd name="connsiteY29" fmla="*/ 1905 h 113728"/>
-                  <a:gd name="connsiteX30" fmla="*/ 2243991 w 2418108"/>
-                  <a:gd name="connsiteY30" fmla="*/ 1048 h 113728"/>
-                  <a:gd name="connsiteX31" fmla="*/ 2197128 w 2418108"/>
-                  <a:gd name="connsiteY31" fmla="*/ 0 h 113728"/>
-                  <a:gd name="connsiteX32" fmla="*/ 1710591 w 2418108"/>
-                  <a:gd name="connsiteY32" fmla="*/ 6287 h 113728"/>
-                  <a:gd name="connsiteX33" fmla="*/ 1713353 w 2418108"/>
-                  <a:gd name="connsiteY33" fmla="*/ 5906 h 113728"/>
-                  <a:gd name="connsiteX34" fmla="*/ 1210814 w 2418108"/>
-                  <a:gd name="connsiteY34" fmla="*/ 7715 h 113728"/>
-                  <a:gd name="connsiteX35" fmla="*/ 684463 w 2418108"/>
-                  <a:gd name="connsiteY35" fmla="*/ 13716 h 113728"/>
-                  <a:gd name="connsiteX36" fmla="*/ 687511 w 2418108"/>
-                  <a:gd name="connsiteY36" fmla="*/ 12859 h 113728"/>
-                  <a:gd name="connsiteX37" fmla="*/ 435670 w 2418108"/>
-                  <a:gd name="connsiteY37" fmla="*/ 12192 h 113728"/>
-                  <a:gd name="connsiteX38" fmla="*/ 440718 w 2418108"/>
-                  <a:gd name="connsiteY38" fmla="*/ 12668 h 113728"/>
-                  <a:gd name="connsiteX39" fmla="*/ 386807 w 2418108"/>
-                  <a:gd name="connsiteY39" fmla="*/ 9906 h 113728"/>
-                  <a:gd name="connsiteX40" fmla="*/ 16856 w 2418108"/>
-                  <a:gd name="connsiteY40" fmla="*/ 12192 h 113728"/>
-                  <a:gd name="connsiteX41" fmla="*/ 63528 w 2418108"/>
-                  <a:gd name="connsiteY41" fmla="*/ 102870 h 113728"/>
-                  <a:gd name="connsiteX42" fmla="*/ 42668 w 2418108"/>
-                  <a:gd name="connsiteY42" fmla="*/ 102584 h 113728"/>
-                  <a:gd name="connsiteX43" fmla="*/ 41430 w 2418108"/>
-                  <a:gd name="connsiteY43" fmla="*/ 105537 h 113728"/>
-                  <a:gd name="connsiteX44" fmla="*/ 54575 w 2418108"/>
-                  <a:gd name="connsiteY44" fmla="*/ 105347 h 113728"/>
-                  <a:gd name="connsiteX45" fmla="*/ 388140 w 2418108"/>
-                  <a:gd name="connsiteY45" fmla="*/ 112109 h 113728"/>
-                  <a:gd name="connsiteX46" fmla="*/ 482152 w 2418108"/>
-                  <a:gd name="connsiteY46" fmla="*/ 113729 h 113728"/>
-                  <a:gd name="connsiteX47" fmla="*/ 632266 w 2418108"/>
-                  <a:gd name="connsiteY47" fmla="*/ 112205 h 113728"/>
-                </a:gdLst>
-                <a:ahLst/>
-                <a:cxnLst>
-                  <a:cxn ang="0">
-                    <a:pos x="connsiteX0" y="connsiteY0"/>
-                  </a:cxn>
-                  <a:cxn ang="0">
-                    <a:pos x="connsiteX1" y="connsiteY1"/>
-                  </a:cxn>
-                  <a:cxn ang="0">
-                    <a:pos x="connsiteX2" y="connsiteY2"/>
-                  </a:cxn>
-                  <a:cxn ang="0">
-                    <a:pos x="connsiteX3" y="connsiteY3"/>
-                  </a:cxn>
-                  <a:cxn ang="0">
-                    <a:pos x="connsiteX4" y="connsiteY4"/>
-                  </a:cxn>
-                  <a:cxn ang="0">
-                    <a:pos x="connsiteX5" y="connsiteY5"/>
-                  </a:cxn>
-                  <a:cxn ang="0">
-                    <a:pos x="connsiteX6" y="connsiteY6"/>
-                  </a:cxn>
-                  <a:cxn ang="0">
-                    <a:pos x="connsiteX7" y="connsiteY7"/>
-                  </a:cxn>
-                  <a:cxn ang="0">
-                    <a:pos x="connsiteX8" y="connsiteY8"/>
-                  </a:cxn>
-                  <a:cxn ang="0">
-                    <a:pos x="connsiteX9" y="connsiteY9"/>
-                  </a:cxn>
-                  <a:cxn ang="0">
-                    <a:pos x="connsiteX10" y="connsiteY10"/>
-                  </a:cxn>
-                  <a:cxn ang="0">
-                    <a:pos x="connsiteX11" y="connsiteY11"/>
-                  </a:cxn>
-                  <a:cxn ang="0">
-                    <a:pos x="connsiteX12" y="connsiteY12"/>
-                  </a:cxn>
-                  <a:cxn ang="0">
-                    <a:pos x="connsiteX13" y="connsiteY13"/>
-                  </a:cxn>
-                  <a:cxn ang="0">
-                    <a:pos x="connsiteX14" y="connsiteY14"/>
-                  </a:cxn>
-                  <a:cxn ang="0">
-                    <a:pos x="connsiteX15" y="connsiteY15"/>
-                  </a:cxn>
-                  <a:cxn ang="0">
-                    <a:pos x="connsiteX16" y="connsiteY16"/>
-                  </a:cxn>
-                  <a:cxn ang="0">
-                    <a:pos x="connsiteX17" y="connsiteY17"/>
-                  </a:cxn>
-                  <a:cxn ang="0">
-                    <a:pos x="connsiteX18" y="connsiteY18"/>
-                  </a:cxn>
-                  <a:cxn ang="0">
-                    <a:pos x="connsiteX19" y="connsiteY19"/>
-                  </a:cxn>
-                  <a:cxn ang="0">
-                    <a:pos x="connsiteX20" y="connsiteY20"/>
-                  </a:cxn>
-                  <a:cxn ang="0">
-                    <a:pos x="connsiteX21" y="connsiteY21"/>
-                  </a:cxn>
-                  <a:cxn ang="0">
-                    <a:pos x="connsiteX22" y="connsiteY22"/>
-                  </a:cxn>
-                  <a:cxn ang="0">
-                    <a:pos x="connsiteX23" y="connsiteY23"/>
-                  </a:cxn>
-                  <a:cxn ang="0">
-                    <a:pos x="connsiteX24" y="connsiteY24"/>
-                  </a:cxn>
-                  <a:cxn ang="0">
-                    <a:pos x="connsiteX25" y="connsiteY25"/>
-                  </a:cxn>
-                  <a:cxn ang="0">
-                    <a:pos x="connsiteX26" y="connsiteY26"/>
-                  </a:cxn>
-                  <a:cxn ang="0">
-                    <a:pos x="connsiteX27" y="connsiteY27"/>
-                  </a:cxn>
-                  <a:cxn ang="0">
-                    <a:pos x="connsiteX28" y="connsiteY28"/>
-                  </a:cxn>
-                  <a:cxn ang="0">
-                    <a:pos x="connsiteX29" y="connsiteY29"/>
-                  </a:cxn>
-                  <a:cxn ang="0">
-                    <a:pos x="connsiteX30" y="connsiteY30"/>
-                  </a:cxn>
-                  <a:cxn ang="0">
-                    <a:pos x="connsiteX31" y="connsiteY31"/>
-                  </a:cxn>
-                  <a:cxn ang="0">
-                    <a:pos x="connsiteX32" y="connsiteY32"/>
-                  </a:cxn>
-                  <a:cxn ang="0">
-                    <a:pos x="connsiteX33" y="connsiteY33"/>
-                  </a:cxn>
-                  <a:cxn ang="0">
-                    <a:pos x="connsiteX34" y="connsiteY34"/>
-                  </a:cxn>
-                  <a:cxn ang="0">
-                    <a:pos x="connsiteX35" y="connsiteY35"/>
-                  </a:cxn>
-                  <a:cxn ang="0">
-                    <a:pos x="connsiteX36" y="connsiteY36"/>
-                  </a:cxn>
-                  <a:cxn ang="0">
-                    <a:pos x="connsiteX37" y="connsiteY37"/>
-                  </a:cxn>
-                  <a:cxn ang="0">
-                    <a:pos x="connsiteX38" y="connsiteY38"/>
-                  </a:cxn>
-                  <a:cxn ang="0">
-                    <a:pos x="connsiteX39" y="connsiteY39"/>
-                  </a:cxn>
-                  <a:cxn ang="0">
-                    <a:pos x="connsiteX40" y="connsiteY40"/>
-                  </a:cxn>
-                  <a:cxn ang="0">
-                    <a:pos x="connsiteX41" y="connsiteY41"/>
-                  </a:cxn>
-                  <a:cxn ang="0">
-                    <a:pos x="connsiteX42" y="connsiteY42"/>
-                  </a:cxn>
-                  <a:cxn ang="0">
-                    <a:pos x="connsiteX43" y="connsiteY43"/>
-                  </a:cxn>
-                  <a:cxn ang="0">
-                    <a:pos x="connsiteX44" y="connsiteY44"/>
-                  </a:cxn>
-                  <a:cxn ang="0">
-                    <a:pos x="connsiteX45" y="connsiteY45"/>
-                  </a:cxn>
-                  <a:cxn ang="0">
-                    <a:pos x="connsiteX46" y="connsiteY46"/>
-                  </a:cxn>
-                  <a:cxn ang="0">
-                    <a:pos x="connsiteX47" y="connsiteY47"/>
-                  </a:cxn>
-                </a:cxnLst>
-                <a:rect l="l" t="t" r="r" b="b"/>
-                <a:pathLst>
-                  <a:path w="2418108" h="113728">
-                    <a:moveTo>
-                      <a:pt x="632266" y="112205"/>
-                    </a:moveTo>
-                    <a:cubicBezTo>
-                      <a:pt x="656364" y="104680"/>
-                      <a:pt x="694940" y="114110"/>
-                      <a:pt x="723039" y="109538"/>
-                    </a:cubicBezTo>
-                    <a:cubicBezTo>
-                      <a:pt x="722849" y="109919"/>
-                      <a:pt x="735898" y="110109"/>
-                      <a:pt x="735136" y="111823"/>
-                    </a:cubicBezTo>
-                    <a:cubicBezTo>
-                      <a:pt x="735041" y="108776"/>
-                      <a:pt x="767616" y="112300"/>
-                      <a:pt x="752471" y="108680"/>
-                    </a:cubicBezTo>
-                    <a:cubicBezTo>
-                      <a:pt x="754757" y="107633"/>
-                      <a:pt x="790571" y="107633"/>
-                      <a:pt x="772569" y="110585"/>
-                    </a:cubicBezTo>
-                    <a:cubicBezTo>
-                      <a:pt x="822099" y="111633"/>
-                      <a:pt x="1059653" y="114395"/>
-                      <a:pt x="1112993" y="112967"/>
-                    </a:cubicBezTo>
-                    <a:cubicBezTo>
-                      <a:pt x="1106135" y="110776"/>
-                      <a:pt x="1089656" y="112205"/>
-                      <a:pt x="1083465" y="108776"/>
-                    </a:cubicBezTo>
-                    <a:cubicBezTo>
-                      <a:pt x="1153950" y="111728"/>
-                      <a:pt x="1230626" y="113157"/>
-                      <a:pt x="1296825" y="108966"/>
-                    </a:cubicBezTo>
-                    <a:cubicBezTo>
-                      <a:pt x="1277680" y="103251"/>
-                      <a:pt x="1356071" y="110966"/>
-                      <a:pt x="1346736" y="103632"/>
-                    </a:cubicBezTo>
-                    <a:cubicBezTo>
-                      <a:pt x="1351213" y="105347"/>
-                      <a:pt x="1374454" y="106109"/>
-                      <a:pt x="1360643" y="107633"/>
-                    </a:cubicBezTo>
-                    <a:cubicBezTo>
-                      <a:pt x="1368548" y="107728"/>
-                      <a:pt x="1376168" y="108299"/>
-                      <a:pt x="1381788" y="107442"/>
-                    </a:cubicBezTo>
-                    <a:lnTo>
-                      <a:pt x="1371692" y="106490"/>
-                    </a:lnTo>
-                    <a:cubicBezTo>
-                      <a:pt x="1398266" y="106013"/>
-                      <a:pt x="1412744" y="108680"/>
-                      <a:pt x="1430080" y="105537"/>
-                    </a:cubicBezTo>
-                    <a:lnTo>
-                      <a:pt x="1420269" y="104108"/>
-                    </a:lnTo>
-                    <a:cubicBezTo>
-                      <a:pt x="1436176" y="103918"/>
-                      <a:pt x="1449416" y="103632"/>
-                      <a:pt x="1455702" y="107061"/>
-                    </a:cubicBezTo>
-                    <a:lnTo>
-                      <a:pt x="1439414" y="108109"/>
-                    </a:lnTo>
-                    <a:cubicBezTo>
-                      <a:pt x="1465799" y="108014"/>
-                      <a:pt x="1481610" y="107823"/>
-                      <a:pt x="1503613" y="105918"/>
-                    </a:cubicBezTo>
-                    <a:lnTo>
-                      <a:pt x="1495802" y="105823"/>
-                    </a:lnTo>
-                    <a:cubicBezTo>
-                      <a:pt x="1523806" y="102394"/>
-                      <a:pt x="1670110" y="99441"/>
-                      <a:pt x="1695923" y="95155"/>
-                    </a:cubicBezTo>
-                    <a:lnTo>
-                      <a:pt x="1684016" y="92488"/>
-                    </a:lnTo>
-                    <a:lnTo>
-                      <a:pt x="1706210" y="90202"/>
-                    </a:lnTo>
-                    <a:cubicBezTo>
-                      <a:pt x="1703543" y="90202"/>
-                      <a:pt x="1695542" y="98965"/>
-                      <a:pt x="1693351" y="98108"/>
-                    </a:cubicBezTo>
-                    <a:cubicBezTo>
-                      <a:pt x="1757549" y="99441"/>
-                      <a:pt x="2045109" y="91345"/>
-                      <a:pt x="2058539" y="102203"/>
-                    </a:cubicBezTo>
-                    <a:cubicBezTo>
-                      <a:pt x="2079780" y="101917"/>
-                      <a:pt x="2071303" y="103918"/>
-                      <a:pt x="2064540" y="95060"/>
-                    </a:cubicBezTo>
-                    <a:cubicBezTo>
-                      <a:pt x="2086638" y="95441"/>
-                      <a:pt x="2259707" y="88773"/>
-                      <a:pt x="2227132" y="96203"/>
-                    </a:cubicBezTo>
-                    <a:cubicBezTo>
-                      <a:pt x="2232371" y="96298"/>
-                      <a:pt x="2240372" y="95917"/>
-                      <a:pt x="2245229" y="96869"/>
-                    </a:cubicBezTo>
-                    <a:cubicBezTo>
-                      <a:pt x="2235704" y="94583"/>
-                      <a:pt x="2261708" y="95345"/>
-                      <a:pt x="2254278" y="94393"/>
-                    </a:cubicBezTo>
-                    <a:cubicBezTo>
-                      <a:pt x="2395724" y="108776"/>
-                      <a:pt x="2341527" y="36576"/>
-                      <a:pt x="2418108" y="5810"/>
-                    </a:cubicBezTo>
-                    <a:cubicBezTo>
-                      <a:pt x="2398772" y="4763"/>
-                      <a:pt x="2335717" y="7239"/>
-                      <a:pt x="2399058" y="2858"/>
-                    </a:cubicBezTo>
-                    <a:cubicBezTo>
-                      <a:pt x="2343527" y="-572"/>
-                      <a:pt x="2296283" y="1238"/>
-                      <a:pt x="2241039" y="1905"/>
-                    </a:cubicBezTo>
-                    <a:lnTo>
-                      <a:pt x="2243991" y="1048"/>
-                    </a:lnTo>
-                    <a:cubicBezTo>
-                      <a:pt x="2234181" y="-381"/>
-                      <a:pt x="2214845" y="1524"/>
-                      <a:pt x="2197128" y="0"/>
-                    </a:cubicBezTo>
-                    <a:cubicBezTo>
-                      <a:pt x="2115880" y="6096"/>
-                      <a:pt x="1816128" y="3524"/>
-                      <a:pt x="1710591" y="6287"/>
-                    </a:cubicBezTo>
-                    <a:lnTo>
-                      <a:pt x="1713353" y="5906"/>
-                    </a:lnTo>
-                    <a:cubicBezTo>
-                      <a:pt x="1577146" y="5429"/>
-                      <a:pt x="1349308" y="11240"/>
-                      <a:pt x="1210814" y="7715"/>
-                    </a:cubicBezTo>
-                    <a:cubicBezTo>
-                      <a:pt x="1095848" y="23717"/>
-                      <a:pt x="819051" y="5429"/>
-                      <a:pt x="684463" y="13716"/>
-                    </a:cubicBezTo>
-                    <a:lnTo>
-                      <a:pt x="687511" y="12859"/>
-                    </a:lnTo>
-                    <a:cubicBezTo>
-                      <a:pt x="655316" y="14192"/>
-                      <a:pt x="473008" y="10954"/>
-                      <a:pt x="435670" y="12192"/>
-                    </a:cubicBezTo>
-                    <a:lnTo>
-                      <a:pt x="440718" y="12668"/>
-                    </a:lnTo>
-                    <a:cubicBezTo>
-                      <a:pt x="408047" y="14764"/>
-                      <a:pt x="412524" y="11049"/>
-                      <a:pt x="386807" y="9906"/>
-                    </a:cubicBezTo>
-                    <a:cubicBezTo>
-                      <a:pt x="275174" y="28004"/>
-                      <a:pt x="142395" y="18764"/>
-                      <a:pt x="16856" y="12192"/>
-                    </a:cubicBezTo>
-                    <a:cubicBezTo>
-                      <a:pt x="-6195" y="35528"/>
-                      <a:pt x="-17434" y="114395"/>
-                      <a:pt x="63528" y="102870"/>
-                    </a:cubicBezTo>
-                    <a:cubicBezTo>
-                      <a:pt x="63528" y="102870"/>
-                      <a:pt x="42668" y="102584"/>
-                      <a:pt x="42668" y="102584"/>
-                    </a:cubicBezTo>
-                    <a:cubicBezTo>
-                      <a:pt x="58004" y="103156"/>
-                      <a:pt x="47336" y="104299"/>
-                      <a:pt x="41430" y="105537"/>
-                    </a:cubicBezTo>
-                    <a:cubicBezTo>
-                      <a:pt x="46764" y="105537"/>
-                      <a:pt x="68386" y="107442"/>
-                      <a:pt x="54575" y="105347"/>
-                    </a:cubicBezTo>
-                    <a:cubicBezTo>
-                      <a:pt x="158588" y="108109"/>
-                      <a:pt x="297462" y="110109"/>
-                      <a:pt x="388140" y="112109"/>
-                    </a:cubicBezTo>
-                    <a:cubicBezTo>
-                      <a:pt x="420525" y="113348"/>
-                      <a:pt x="453577" y="106680"/>
-                      <a:pt x="482152" y="113729"/>
-                    </a:cubicBezTo>
-                    <a:cubicBezTo>
-                      <a:pt x="477580" y="111919"/>
-                      <a:pt x="629885" y="111728"/>
-                      <a:pt x="632266" y="112205"/>
-                    </a:cubicBezTo>
-                    <a:close/>
-                  </a:path>
-                </a:pathLst>
-              </a:custGeom>
-              <a:grpFill/>
-              <a:ln w="9525" cap="flat">
-                <a:noFill/>
-                <a:prstDash val="solid"/>
-                <a:miter/>
-              </a:ln>
-            </p:spPr>
-            <p:txBody>
-              <a:bodyPr rtlCol="0" anchor="ctr"/>
-              <a:lstStyle/>
-              <a:p>
-                <a:pPr algn="ctr"/>
-                <a:endParaRPr lang="en-US"/>
-              </a:p>
-            </p:txBody>
-          </p:sp>
-        </p:grpSp>
-      </p:grpSp>
-      <p:sp useBgFill="1">
-        <p:nvSpPr>
-          <p:cNvPr id="30" name="Rectangle 29">
-            <a:extLst>
-              <a:ext uri="{FF2B5EF4-FFF2-40B4-BE49-F238E27FC236}">
-                <a16:creationId xmlns:a16="http://schemas.microsoft.com/office/drawing/2014/main" id="{A5D0B0D3-D735-4619-AA45-B57B791E1744}"/>
-              </a:ext>
-              <a:ext uri="{C183D7F6-B498-43B3-948B-1728B52AA6E4}">
-                <adec:decorative xmlns:adec="http://schemas.microsoft.com/office/drawing/2017/decorative" val="1"/>
-              </a:ext>
-            </a:extLst>
-          </p:cNvPr>
-          <p:cNvSpPr>
-            <a:spLocks noGrp="1" noRot="1" noChangeAspect="1" noMove="1" noResize="1" noEditPoints="1" noAdjustHandles="1" noChangeArrowheads="1" noChangeShapeType="1" noTextEdit="1"/>
-          </p:cNvSpPr>
-          <p:nvPr>
-            <p:extLst>
-              <p:ext uri="{386F3935-93C4-4BCD-93E2-E3B085C9AB24}">
-                <p16:designElem xmlns:p16="http://schemas.microsoft.com/office/powerpoint/2015/main" val="1"/>
-              </p:ext>
-            </p:extLst>
-          </p:nvPr>
-        </p:nvSpPr>
-        <p:spPr>
-          <a:xfrm>
-            <a:off x="0" y="0"/>
-            <a:ext cx="12192000" cy="6858000"/>
-          </a:xfrm>
-          <a:prstGeom prst="rect">
-            <a:avLst/>
-          </a:prstGeom>
-          <a:ln w="12700" cap="flat" cmpd="sng" algn="ctr">
-            <a:noFill/>
-            <a:prstDash val="solid"/>
-            <a:miter lim="800000"/>
-          </a:ln>
-          <a:effectLst/>
-          <a:extLst>
-            <a:ext uri="{91240B29-F687-4F45-9708-019B960494DF}">
-              <a14:hiddenLine xmlns:a14="http://schemas.microsoft.com/office/drawing/2010/main" w="12700" cap="flat" cmpd="sng" algn="ctr">
-                <a:solidFill>
-                  <a:schemeClr val="accent1">
-                    <a:shade val="50000"/>
-                  </a:schemeClr>
-                </a:solidFill>
-                <a:prstDash val="solid"/>
-                <a:miter lim="800000"/>
-              </a14:hiddenLine>
-            </a:ext>
-          </a:extLst>
-        </p:spPr>
-        <p:style>
-          <a:lnRef idx="2">
-            <a:schemeClr val="accent1">
-              <a:shade val="50000"/>
-            </a:schemeClr>
-          </a:lnRef>
-          <a:fillRef idx="1">
-            <a:schemeClr val="accent1"/>
-          </a:fillRef>
-          <a:effectRef idx="0">
-            <a:schemeClr val="accent1"/>
-          </a:effectRef>
-          <a:fontRef idx="minor">
-            <a:schemeClr val="lt1"/>
-          </a:fontRef>
-        </p:style>
-        <p:txBody>
-          <a:bodyPr rtlCol="0" anchor="ctr"/>
-          <a:lstStyle/>
-          <a:p>
-            <a:endParaRPr lang="en-US"/>
-          </a:p>
-        </p:txBody>
-      </p:sp>
-      <p:pic>
-        <p:nvPicPr>
-          <p:cNvPr id="4" name="Picture 4" descr="Graphical user interface, text, application, email&#10;&#10;Description automatically generated">
-            <a:extLst>
-              <a:ext uri="{FF2B5EF4-FFF2-40B4-BE49-F238E27FC236}">
-                <a16:creationId xmlns:a16="http://schemas.microsoft.com/office/drawing/2014/main" id="{E99D4A35-90A9-15A8-9EC7-F925BEB288B2}"/>
-              </a:ext>
-            </a:extLst>
-          </p:cNvPr>
-          <p:cNvPicPr>
-            <a:picLocks noGrp="1" noChangeAspect="1"/>
-          </p:cNvPicPr>
-          <p:nvPr>
-            <p:ph idx="1"/>
-          </p:nvPr>
-        </p:nvPicPr>
-        <p:blipFill rotWithShape="1">
-          <a:blip r:embed="rId2"/>
-          <a:srcRect l="2130" r="9031"/>
-          <a:stretch/>
-        </p:blipFill>
-        <p:spPr>
-          <a:xfrm>
-            <a:off x="20" y="10"/>
-            <a:ext cx="12185156" cy="6857990"/>
-          </a:xfrm>
-          <a:prstGeom prst="rect">
-            <a:avLst/>
-          </a:prstGeom>
-        </p:spPr>
-      </p:pic>
-      <p:sp>
-        <p:nvSpPr>
-          <p:cNvPr id="32" name="Rectangle 31">
-            <a:extLst>
-              <a:ext uri="{FF2B5EF4-FFF2-40B4-BE49-F238E27FC236}">
-                <a16:creationId xmlns:a16="http://schemas.microsoft.com/office/drawing/2014/main" id="{948AEA76-67F2-4344-A189-9BFFE0076388}"/>
-              </a:ext>
-              <a:ext uri="{C183D7F6-B498-43B3-948B-1728B52AA6E4}">
-                <adec:decorative xmlns:adec="http://schemas.microsoft.com/office/drawing/2017/decorative" val="1"/>
-              </a:ext>
-            </a:extLst>
-          </p:cNvPr>
-          <p:cNvSpPr>
-            <a:spLocks noGrp="1" noRot="1" noChangeAspect="1" noMove="1" noResize="1" noEditPoints="1" noAdjustHandles="1" noChangeArrowheads="1" noChangeShapeType="1" noTextEdit="1"/>
-          </p:cNvSpPr>
-          <p:nvPr>
-            <p:extLst>
-              <p:ext uri="{386F3935-93C4-4BCD-93E2-E3B085C9AB24}">
-                <p16:designElem xmlns:p16="http://schemas.microsoft.com/office/powerpoint/2015/main" val="1"/>
-              </p:ext>
-            </p:extLst>
-          </p:nvPr>
-        </p:nvSpPr>
-        <p:spPr>
-          <a:xfrm rot="16200000">
-            <a:off x="389239" y="-389238"/>
-            <a:ext cx="6858000" cy="7636476"/>
-          </a:xfrm>
-          <a:prstGeom prst="rect">
-            <a:avLst/>
-          </a:prstGeom>
-          <a:gradFill>
-            <a:gsLst>
-              <a:gs pos="100000">
-                <a:srgbClr val="000000">
-                  <a:alpha val="0"/>
-                </a:srgbClr>
-              </a:gs>
-              <a:gs pos="0">
-                <a:schemeClr val="tx1"/>
-              </a:gs>
-              <a:gs pos="0">
-                <a:srgbClr val="000000">
-                  <a:alpha val="70000"/>
-                </a:srgbClr>
-              </a:gs>
-            </a:gsLst>
-            <a:lin ang="5400000" scaled="1"/>
-          </a:gradFill>
-          <a:ln>
-            <a:noFill/>
-          </a:ln>
-        </p:spPr>
-        <p:style>
-          <a:lnRef idx="2">
-            <a:schemeClr val="accent1">
-              <a:shade val="50000"/>
-            </a:schemeClr>
-          </a:lnRef>
-          <a:fillRef idx="1">
-            <a:schemeClr val="accent1"/>
-          </a:fillRef>
-          <a:effectRef idx="0">
-            <a:schemeClr val="accent1"/>
-          </a:effectRef>
-          <a:fontRef idx="minor">
-            <a:schemeClr val="lt1"/>
-          </a:fontRef>
-        </p:style>
-        <p:txBody>
-          <a:bodyPr rtlCol="0" anchor="ctr"/>
-          <a:lstStyle/>
-          <a:p>
-            <a:pPr algn="ctr"/>
-            <a:endParaRPr lang="en-US"/>
-          </a:p>
-        </p:txBody>
-      </p:sp>
-      <p:sp>
-        <p:nvSpPr>
-          <p:cNvPr id="2" name="Title 1">
-            <a:extLst>
-              <a:ext uri="{FF2B5EF4-FFF2-40B4-BE49-F238E27FC236}">
-                <a16:creationId xmlns:a16="http://schemas.microsoft.com/office/drawing/2014/main" id="{4F901BA6-722A-8671-50FF-06CCB406C5E5}"/>
-              </a:ext>
-            </a:extLst>
-          </p:cNvPr>
-          <p:cNvSpPr>
-            <a:spLocks noGrp="1"/>
-          </p:cNvSpPr>
-          <p:nvPr>
-            <p:ph type="title"/>
-          </p:nvPr>
-        </p:nvSpPr>
-        <p:spPr>
-          <a:xfrm>
-            <a:off x="530352" y="799521"/>
-            <a:ext cx="5565648" cy="2179601"/>
-          </a:xfrm>
-        </p:spPr>
-        <p:txBody>
-          <a:bodyPr vert="horz" lIns="91440" tIns="45720" rIns="91440" bIns="45720" rtlCol="0" anchor="b">
-            <a:normAutofit/>
-          </a:bodyPr>
-          <a:lstStyle/>
-          <a:p>
-            <a:r>
-              <a:rPr lang="en-US" sz="4400">
-                <a:solidFill>
-                  <a:srgbClr val="FFFFFF"/>
-                </a:solidFill>
-              </a:rPr>
-              <a:t>Awesome Python : Website</a:t>
-            </a:r>
-          </a:p>
-        </p:txBody>
-      </p:sp>
-      <p:grpSp>
-        <p:nvGrpSpPr>
-          <p:cNvPr id="34" name="Graphic 78">
-            <a:extLst>
-              <a:ext uri="{FF2B5EF4-FFF2-40B4-BE49-F238E27FC236}">
-                <a16:creationId xmlns:a16="http://schemas.microsoft.com/office/drawing/2014/main" id="{DBBA0A0D-8F6A-400A-9E49-8C008E2C7DB1}"/>
-              </a:ext>
-              <a:ext uri="{C183D7F6-B498-43B3-948B-1728B52AA6E4}">
-                <adec:decorative xmlns:adec="http://schemas.microsoft.com/office/drawing/2017/decorative" val="1"/>
-              </a:ext>
-            </a:extLst>
-          </p:cNvPr>
-          <p:cNvGrpSpPr>
-            <a:grpSpLocks noGrp="1" noUngrp="1" noRot="1" noChangeAspect="1" noMove="1" noResize="1"/>
-          </p:cNvGrpSpPr>
-          <p:nvPr>
-            <p:extLst>
-              <p:ext uri="{386F3935-93C4-4BCD-93E2-E3B085C9AB24}">
-                <p16:designElem xmlns:p16="http://schemas.microsoft.com/office/powerpoint/2015/main" val="1"/>
-              </p:ext>
-            </p:extLst>
-          </p:nvPr>
-        </p:nvGrpSpPr>
-        <p:grpSpPr>
-          <a:xfrm>
-            <a:off x="530225" y="3267662"/>
-            <a:ext cx="972241" cy="45718"/>
-            <a:chOff x="4886325" y="3371754"/>
-            <a:chExt cx="2418492" cy="113728"/>
-          </a:xfrm>
-          <a:solidFill>
-            <a:schemeClr val="accent1"/>
-          </a:solidFill>
-        </p:grpSpPr>
-        <p:sp>
-          <p:nvSpPr>
-            <p:cNvPr id="35" name="Graphic 78">
-              <a:extLst>
-                <a:ext uri="{FF2B5EF4-FFF2-40B4-BE49-F238E27FC236}">
-                  <a16:creationId xmlns:a16="http://schemas.microsoft.com/office/drawing/2014/main" id="{A5DD701E-4BC9-48E3-AF4F-013B52D63D4B}"/>
-                </a:ext>
-                <a:ext uri="{C183D7F6-B498-43B3-948B-1728B52AA6E4}">
-                  <adec:decorative xmlns:adec="http://schemas.microsoft.com/office/drawing/2017/decorative" val="1"/>
-                </a:ext>
-              </a:extLst>
-            </p:cNvPr>
-            <p:cNvSpPr/>
-            <p:nvPr>
-              <p:extLst>
-                <p:ext uri="{386F3935-93C4-4BCD-93E2-E3B085C9AB24}">
-                  <p16:designElem xmlns:p16="http://schemas.microsoft.com/office/powerpoint/2015/main" val="1"/>
-                </p:ext>
-              </p:extLst>
-            </p:nvPr>
-          </p:nvSpPr>
-          <p:spPr>
-            <a:xfrm>
-              <a:off x="4886325" y="3428428"/>
-              <a:ext cx="2418302" cy="9525"/>
-            </a:xfrm>
-            <a:custGeom>
-              <a:avLst/>
-              <a:gdLst>
-                <a:gd name="connsiteX0" fmla="*/ 0 w 2418302"/>
-                <a:gd name="connsiteY0" fmla="*/ 0 h 9525"/>
-                <a:gd name="connsiteX1" fmla="*/ 2418302 w 2418302"/>
-                <a:gd name="connsiteY1" fmla="*/ 0 h 9525"/>
-              </a:gdLst>
-              <a:ahLst/>
-              <a:cxnLst>
-                <a:cxn ang="0">
-                  <a:pos x="connsiteX0" y="connsiteY0"/>
-                </a:cxn>
-                <a:cxn ang="0">
-                  <a:pos x="connsiteX1" y="connsiteY1"/>
-                </a:cxn>
-              </a:cxnLst>
-              <a:rect l="l" t="t" r="r" b="b"/>
-              <a:pathLst>
-                <a:path w="2418302" h="9525">
-                  <a:moveTo>
-                    <a:pt x="0" y="0"/>
-                  </a:moveTo>
-                  <a:lnTo>
-                    <a:pt x="2418302" y="0"/>
-                  </a:lnTo>
-                </a:path>
-              </a:pathLst>
-            </a:custGeom>
-            <a:grpFill/>
-            <a:ln w="9525" cap="flat">
-              <a:noFill/>
-              <a:prstDash val="solid"/>
-              <a:miter/>
-            </a:ln>
-          </p:spPr>
-          <p:txBody>
-            <a:bodyPr rtlCol="0" anchor="ctr"/>
-            <a:lstStyle/>
-            <a:p>
-              <a:pPr algn="ctr"/>
-              <a:endParaRPr lang="en-US"/>
-            </a:p>
-          </p:txBody>
-        </p:sp>
-        <p:grpSp>
-          <p:nvGrpSpPr>
-            <p:cNvPr id="36" name="Graphic 78">
-              <a:extLst>
-                <a:ext uri="{FF2B5EF4-FFF2-40B4-BE49-F238E27FC236}">
-                  <a16:creationId xmlns:a16="http://schemas.microsoft.com/office/drawing/2014/main" id="{FB658B62-664D-4B3B-BBDA-235666290B4A}"/>
-                </a:ext>
-                <a:ext uri="{C183D7F6-B498-43B3-948B-1728B52AA6E4}">
-                  <adec:decorative xmlns:adec="http://schemas.microsoft.com/office/drawing/2017/decorative" val="1"/>
-                </a:ext>
-              </a:extLst>
-            </p:cNvPr>
-            <p:cNvGrpSpPr/>
-            <p:nvPr>
-              <p:extLst>
-                <p:ext uri="{386F3935-93C4-4BCD-93E2-E3B085C9AB24}">
-                  <p16:designElem xmlns:p16="http://schemas.microsoft.com/office/powerpoint/2015/main" val="1"/>
-                </p:ext>
-              </p:extLst>
-            </p:nvPr>
-          </p:nvGrpSpPr>
-          <p:grpSpPr>
-            <a:xfrm>
-              <a:off x="4886709" y="3371754"/>
-              <a:ext cx="2418108" cy="113728"/>
-              <a:chOff x="4886709" y="3371754"/>
-              <a:chExt cx="2418108" cy="113728"/>
-            </a:xfrm>
-            <a:grpFill/>
-          </p:grpSpPr>
-          <p:sp>
-            <p:nvSpPr>
-              <p:cNvPr id="37" name="Graphic 78">
-                <a:extLst>
-                  <a:ext uri="{FF2B5EF4-FFF2-40B4-BE49-F238E27FC236}">
-                    <a16:creationId xmlns:a16="http://schemas.microsoft.com/office/drawing/2014/main" id="{B11F9D25-67B1-4BDB-A290-97B93A19DFAE}"/>
-                  </a:ext>
-                  <a:ext uri="{C183D7F6-B498-43B3-948B-1728B52AA6E4}">
-                    <adec:decorative xmlns:adec="http://schemas.microsoft.com/office/drawing/2017/decorative" val="1"/>
-                  </a:ext>
-                </a:extLst>
-              </p:cNvPr>
-              <p:cNvSpPr/>
-              <p:nvPr>
-                <p:extLst>
-                  <p:ext uri="{386F3935-93C4-4BCD-93E2-E3B085C9AB24}">
-                    <p16:designElem xmlns:p16="http://schemas.microsoft.com/office/powerpoint/2015/main" val="1"/>
-                  </p:ext>
-                </p:extLst>
-              </p:nvPr>
-            </p:nvSpPr>
-            <p:spPr>
-              <a:xfrm>
-                <a:off x="4895088" y="3474384"/>
-                <a:ext cx="32575" cy="2906"/>
-              </a:xfrm>
-              <a:custGeom>
-                <a:avLst/>
-                <a:gdLst>
-                  <a:gd name="connsiteX0" fmla="*/ 0 w 32575"/>
-                  <a:gd name="connsiteY0" fmla="*/ 49 h 2906"/>
-                  <a:gd name="connsiteX1" fmla="*/ 32576 w 32575"/>
-                  <a:gd name="connsiteY1" fmla="*/ 2907 h 2906"/>
-                  <a:gd name="connsiteX2" fmla="*/ 0 w 32575"/>
-                  <a:gd name="connsiteY2" fmla="*/ 49 h 2906"/>
-                </a:gdLst>
-                <a:ahLst/>
-                <a:cxnLst>
-                  <a:cxn ang="0">
-                    <a:pos x="connsiteX0" y="connsiteY0"/>
-                  </a:cxn>
-                  <a:cxn ang="0">
-                    <a:pos x="connsiteX1" y="connsiteY1"/>
-                  </a:cxn>
-                  <a:cxn ang="0">
-                    <a:pos x="connsiteX2" y="connsiteY2"/>
-                  </a:cxn>
-                </a:cxnLst>
-                <a:rect l="l" t="t" r="r" b="b"/>
-                <a:pathLst>
-                  <a:path w="32575" h="2906">
-                    <a:moveTo>
-                      <a:pt x="0" y="49"/>
-                    </a:moveTo>
-                    <a:cubicBezTo>
-                      <a:pt x="7430" y="2335"/>
-                      <a:pt x="20384" y="2526"/>
-                      <a:pt x="32576" y="2907"/>
-                    </a:cubicBezTo>
-                    <a:cubicBezTo>
-                      <a:pt x="23146" y="716"/>
-                      <a:pt x="13240" y="-236"/>
-                      <a:pt x="0" y="49"/>
-                    </a:cubicBezTo>
-                    <a:close/>
-                  </a:path>
-                </a:pathLst>
-              </a:custGeom>
-              <a:grpFill/>
-              <a:ln w="9525" cap="flat">
-                <a:noFill/>
-                <a:prstDash val="solid"/>
-                <a:miter/>
-              </a:ln>
-            </p:spPr>
-            <p:txBody>
-              <a:bodyPr rtlCol="0" anchor="ctr"/>
-              <a:lstStyle/>
-              <a:p>
-                <a:pPr algn="ctr"/>
-                <a:endParaRPr lang="en-US"/>
-              </a:p>
-            </p:txBody>
-          </p:sp>
-          <p:sp>
-            <p:nvSpPr>
-              <p:cNvPr id="38" name="Graphic 78">
-                <a:extLst>
-                  <a:ext uri="{FF2B5EF4-FFF2-40B4-BE49-F238E27FC236}">
-                    <a16:creationId xmlns:a16="http://schemas.microsoft.com/office/drawing/2014/main" id="{B9D5C40A-1B1B-4C25-9707-E8F1CF6EEC93}"/>
-                  </a:ext>
-                  <a:ext uri="{C183D7F6-B498-43B3-948B-1728B52AA6E4}">
-                    <adec:decorative xmlns:adec="http://schemas.microsoft.com/office/drawing/2017/decorative" val="1"/>
-                  </a:ext>
-                </a:extLst>
-              </p:cNvPr>
-              <p:cNvSpPr/>
-              <p:nvPr>
-                <p:extLst>
-                  <p:ext uri="{386F3935-93C4-4BCD-93E2-E3B085C9AB24}">
-                    <p16:designElem xmlns:p16="http://schemas.microsoft.com/office/powerpoint/2015/main" val="1"/>
-                  </p:ext>
-                </p:extLst>
-              </p:nvPr>
-            </p:nvSpPr>
-            <p:spPr>
-              <a:xfrm>
-                <a:off x="4927758" y="3477344"/>
-                <a:ext cx="380" cy="42"/>
-              </a:xfrm>
-              <a:custGeom>
-                <a:avLst/>
-                <a:gdLst>
-                  <a:gd name="connsiteX0" fmla="*/ 190 w 380"/>
-                  <a:gd name="connsiteY0" fmla="*/ 42 h 42"/>
-                  <a:gd name="connsiteX1" fmla="*/ 381 w 380"/>
-                  <a:gd name="connsiteY1" fmla="*/ 42 h 42"/>
-                  <a:gd name="connsiteX2" fmla="*/ 0 w 380"/>
-                  <a:gd name="connsiteY2" fmla="*/ 42 h 42"/>
-                  <a:gd name="connsiteX3" fmla="*/ 190 w 380"/>
-                  <a:gd name="connsiteY3" fmla="*/ 42 h 42"/>
-                </a:gdLst>
-                <a:ahLst/>
-                <a:cxnLst>
-                  <a:cxn ang="0">
-                    <a:pos x="connsiteX0" y="connsiteY0"/>
-                  </a:cxn>
-                  <a:cxn ang="0">
-                    <a:pos x="connsiteX1" y="connsiteY1"/>
-                  </a:cxn>
-                  <a:cxn ang="0">
-                    <a:pos x="connsiteX2" y="connsiteY2"/>
-                  </a:cxn>
-                  <a:cxn ang="0">
-                    <a:pos x="connsiteX3" y="connsiteY3"/>
-                  </a:cxn>
-                </a:cxnLst>
-                <a:rect l="l" t="t" r="r" b="b"/>
-                <a:pathLst>
-                  <a:path w="380" h="42">
-                    <a:moveTo>
-                      <a:pt x="190" y="42"/>
-                    </a:moveTo>
-                    <a:cubicBezTo>
-                      <a:pt x="190" y="42"/>
-                      <a:pt x="286" y="42"/>
-                      <a:pt x="381" y="42"/>
-                    </a:cubicBezTo>
-                    <a:cubicBezTo>
-                      <a:pt x="190" y="42"/>
-                      <a:pt x="95" y="42"/>
-                      <a:pt x="0" y="42"/>
-                    </a:cubicBezTo>
-                    <a:cubicBezTo>
-                      <a:pt x="0" y="-53"/>
-                      <a:pt x="95" y="42"/>
-                      <a:pt x="190" y="42"/>
-                    </a:cubicBezTo>
-                    <a:close/>
-                  </a:path>
-                </a:pathLst>
-              </a:custGeom>
-              <a:grpFill/>
-              <a:ln w="9525" cap="flat">
-                <a:noFill/>
-                <a:prstDash val="solid"/>
-                <a:miter/>
-              </a:ln>
-            </p:spPr>
-            <p:txBody>
-              <a:bodyPr rtlCol="0" anchor="ctr"/>
-              <a:lstStyle/>
-              <a:p>
-                <a:pPr algn="ctr"/>
-                <a:endParaRPr lang="en-US"/>
-              </a:p>
-            </p:txBody>
-          </p:sp>
-          <p:sp>
-            <p:nvSpPr>
-              <p:cNvPr id="39" name="Graphic 78">
-                <a:extLst>
-                  <a:ext uri="{FF2B5EF4-FFF2-40B4-BE49-F238E27FC236}">
-                    <a16:creationId xmlns:a16="http://schemas.microsoft.com/office/drawing/2014/main" id="{2DD0C1D6-FF64-45AB-8775-83AB3C470B89}"/>
-                  </a:ext>
-                  <a:ext uri="{C183D7F6-B498-43B3-948B-1728B52AA6E4}">
-                    <adec:decorative xmlns:adec="http://schemas.microsoft.com/office/drawing/2017/decorative" val="1"/>
-                  </a:ext>
-                </a:extLst>
-              </p:cNvPr>
-              <p:cNvSpPr/>
-              <p:nvPr>
-                <p:extLst>
-                  <p:ext uri="{386F3935-93C4-4BCD-93E2-E3B085C9AB24}">
-                    <p16:designElem xmlns:p16="http://schemas.microsoft.com/office/powerpoint/2015/main" val="1"/>
-                  </p:ext>
-                </p:extLst>
-              </p:nvPr>
-            </p:nvSpPr>
-            <p:spPr>
-              <a:xfrm>
-                <a:off x="7285577" y="3374517"/>
-                <a:ext cx="10001" cy="190"/>
-              </a:xfrm>
-              <a:custGeom>
-                <a:avLst/>
-                <a:gdLst>
-                  <a:gd name="connsiteX0" fmla="*/ 10001 w 10001"/>
-                  <a:gd name="connsiteY0" fmla="*/ 0 h 190"/>
-                  <a:gd name="connsiteX1" fmla="*/ 0 w 10001"/>
-                  <a:gd name="connsiteY1" fmla="*/ 191 h 190"/>
-                  <a:gd name="connsiteX2" fmla="*/ 10001 w 10001"/>
-                  <a:gd name="connsiteY2" fmla="*/ 0 h 190"/>
-                </a:gdLst>
-                <a:ahLst/>
-                <a:cxnLst>
-                  <a:cxn ang="0">
-                    <a:pos x="connsiteX0" y="connsiteY0"/>
-                  </a:cxn>
-                  <a:cxn ang="0">
-                    <a:pos x="connsiteX1" y="connsiteY1"/>
-                  </a:cxn>
-                  <a:cxn ang="0">
-                    <a:pos x="connsiteX2" y="connsiteY2"/>
-                  </a:cxn>
-                </a:cxnLst>
-                <a:rect l="l" t="t" r="r" b="b"/>
-                <a:pathLst>
-                  <a:path w="10001" h="190">
-                    <a:moveTo>
-                      <a:pt x="10001" y="0"/>
-                    </a:moveTo>
-                    <a:cubicBezTo>
-                      <a:pt x="6953" y="0"/>
-                      <a:pt x="3524" y="95"/>
-                      <a:pt x="0" y="191"/>
-                    </a:cubicBezTo>
-                    <a:cubicBezTo>
-                      <a:pt x="3334" y="191"/>
-                      <a:pt x="6763" y="191"/>
-                      <a:pt x="10001" y="0"/>
-                    </a:cubicBezTo>
-                    <a:close/>
-                  </a:path>
-                </a:pathLst>
-              </a:custGeom>
-              <a:grpFill/>
-              <a:ln w="9525" cap="flat">
-                <a:noFill/>
-                <a:prstDash val="solid"/>
-                <a:miter/>
-              </a:ln>
-            </p:spPr>
-            <p:txBody>
-              <a:bodyPr rtlCol="0" anchor="ctr"/>
-              <a:lstStyle/>
-              <a:p>
-                <a:pPr algn="ctr"/>
-                <a:endParaRPr lang="en-US"/>
-              </a:p>
-            </p:txBody>
-          </p:sp>
-          <p:sp>
-            <p:nvSpPr>
-              <p:cNvPr id="40" name="Graphic 78">
-                <a:extLst>
-                  <a:ext uri="{FF2B5EF4-FFF2-40B4-BE49-F238E27FC236}">
-                    <a16:creationId xmlns:a16="http://schemas.microsoft.com/office/drawing/2014/main" id="{15AFBB84-8485-4329-89FC-04663D985BA3}"/>
-                  </a:ext>
-                  <a:ext uri="{C183D7F6-B498-43B3-948B-1728B52AA6E4}">
-                    <adec:decorative xmlns:adec="http://schemas.microsoft.com/office/drawing/2017/decorative" val="1"/>
-                  </a:ext>
-                </a:extLst>
-              </p:cNvPr>
-              <p:cNvSpPr/>
-              <p:nvPr>
-                <p:extLst>
-                  <p:ext uri="{386F3935-93C4-4BCD-93E2-E3B085C9AB24}">
-                    <p16:designElem xmlns:p16="http://schemas.microsoft.com/office/powerpoint/2015/main" val="1"/>
-                  </p:ext>
-                </p:extLst>
-              </p:nvPr>
-            </p:nvSpPr>
-            <p:spPr>
-              <a:xfrm>
-                <a:off x="4886709" y="3371754"/>
-                <a:ext cx="2418108" cy="113728"/>
-              </a:xfrm>
-              <a:custGeom>
-                <a:avLst/>
-                <a:gdLst>
-                  <a:gd name="connsiteX0" fmla="*/ 632266 w 2418108"/>
-                  <a:gd name="connsiteY0" fmla="*/ 112205 h 113728"/>
-                  <a:gd name="connsiteX1" fmla="*/ 723039 w 2418108"/>
-                  <a:gd name="connsiteY1" fmla="*/ 109538 h 113728"/>
-                  <a:gd name="connsiteX2" fmla="*/ 735136 w 2418108"/>
-                  <a:gd name="connsiteY2" fmla="*/ 111823 h 113728"/>
-                  <a:gd name="connsiteX3" fmla="*/ 752471 w 2418108"/>
-                  <a:gd name="connsiteY3" fmla="*/ 108680 h 113728"/>
-                  <a:gd name="connsiteX4" fmla="*/ 772569 w 2418108"/>
-                  <a:gd name="connsiteY4" fmla="*/ 110585 h 113728"/>
-                  <a:gd name="connsiteX5" fmla="*/ 1112993 w 2418108"/>
-                  <a:gd name="connsiteY5" fmla="*/ 112967 h 113728"/>
-                  <a:gd name="connsiteX6" fmla="*/ 1083465 w 2418108"/>
-                  <a:gd name="connsiteY6" fmla="*/ 108776 h 113728"/>
-                  <a:gd name="connsiteX7" fmla="*/ 1296825 w 2418108"/>
-                  <a:gd name="connsiteY7" fmla="*/ 108966 h 113728"/>
-                  <a:gd name="connsiteX8" fmla="*/ 1346736 w 2418108"/>
-                  <a:gd name="connsiteY8" fmla="*/ 103632 h 113728"/>
-                  <a:gd name="connsiteX9" fmla="*/ 1360643 w 2418108"/>
-                  <a:gd name="connsiteY9" fmla="*/ 107633 h 113728"/>
-                  <a:gd name="connsiteX10" fmla="*/ 1381788 w 2418108"/>
-                  <a:gd name="connsiteY10" fmla="*/ 107442 h 113728"/>
-                  <a:gd name="connsiteX11" fmla="*/ 1371692 w 2418108"/>
-                  <a:gd name="connsiteY11" fmla="*/ 106490 h 113728"/>
-                  <a:gd name="connsiteX12" fmla="*/ 1430080 w 2418108"/>
-                  <a:gd name="connsiteY12" fmla="*/ 105537 h 113728"/>
-                  <a:gd name="connsiteX13" fmla="*/ 1420269 w 2418108"/>
-                  <a:gd name="connsiteY13" fmla="*/ 104108 h 113728"/>
-                  <a:gd name="connsiteX14" fmla="*/ 1455702 w 2418108"/>
-                  <a:gd name="connsiteY14" fmla="*/ 107061 h 113728"/>
-                  <a:gd name="connsiteX15" fmla="*/ 1439414 w 2418108"/>
-                  <a:gd name="connsiteY15" fmla="*/ 108109 h 113728"/>
-                  <a:gd name="connsiteX16" fmla="*/ 1503613 w 2418108"/>
-                  <a:gd name="connsiteY16" fmla="*/ 105918 h 113728"/>
-                  <a:gd name="connsiteX17" fmla="*/ 1495802 w 2418108"/>
-                  <a:gd name="connsiteY17" fmla="*/ 105823 h 113728"/>
-                  <a:gd name="connsiteX18" fmla="*/ 1695923 w 2418108"/>
-                  <a:gd name="connsiteY18" fmla="*/ 95155 h 113728"/>
-                  <a:gd name="connsiteX19" fmla="*/ 1684016 w 2418108"/>
-                  <a:gd name="connsiteY19" fmla="*/ 92488 h 113728"/>
-                  <a:gd name="connsiteX20" fmla="*/ 1706210 w 2418108"/>
-                  <a:gd name="connsiteY20" fmla="*/ 90202 h 113728"/>
-                  <a:gd name="connsiteX21" fmla="*/ 1693351 w 2418108"/>
-                  <a:gd name="connsiteY21" fmla="*/ 98108 h 113728"/>
-                  <a:gd name="connsiteX22" fmla="*/ 2058539 w 2418108"/>
-                  <a:gd name="connsiteY22" fmla="*/ 102203 h 113728"/>
-                  <a:gd name="connsiteX23" fmla="*/ 2064540 w 2418108"/>
-                  <a:gd name="connsiteY23" fmla="*/ 95060 h 113728"/>
-                  <a:gd name="connsiteX24" fmla="*/ 2227132 w 2418108"/>
-                  <a:gd name="connsiteY24" fmla="*/ 96203 h 113728"/>
-                  <a:gd name="connsiteX25" fmla="*/ 2245229 w 2418108"/>
-                  <a:gd name="connsiteY25" fmla="*/ 96869 h 113728"/>
-                  <a:gd name="connsiteX26" fmla="*/ 2254278 w 2418108"/>
-                  <a:gd name="connsiteY26" fmla="*/ 94393 h 113728"/>
-                  <a:gd name="connsiteX27" fmla="*/ 2418108 w 2418108"/>
-                  <a:gd name="connsiteY27" fmla="*/ 5810 h 113728"/>
-                  <a:gd name="connsiteX28" fmla="*/ 2399058 w 2418108"/>
-                  <a:gd name="connsiteY28" fmla="*/ 2858 h 113728"/>
-                  <a:gd name="connsiteX29" fmla="*/ 2241039 w 2418108"/>
-                  <a:gd name="connsiteY29" fmla="*/ 1905 h 113728"/>
-                  <a:gd name="connsiteX30" fmla="*/ 2243991 w 2418108"/>
-                  <a:gd name="connsiteY30" fmla="*/ 1048 h 113728"/>
-                  <a:gd name="connsiteX31" fmla="*/ 2197128 w 2418108"/>
-                  <a:gd name="connsiteY31" fmla="*/ 0 h 113728"/>
-                  <a:gd name="connsiteX32" fmla="*/ 1710591 w 2418108"/>
-                  <a:gd name="connsiteY32" fmla="*/ 6287 h 113728"/>
-                  <a:gd name="connsiteX33" fmla="*/ 1713353 w 2418108"/>
-                  <a:gd name="connsiteY33" fmla="*/ 5906 h 113728"/>
-                  <a:gd name="connsiteX34" fmla="*/ 1210814 w 2418108"/>
-                  <a:gd name="connsiteY34" fmla="*/ 7715 h 113728"/>
-                  <a:gd name="connsiteX35" fmla="*/ 684463 w 2418108"/>
-                  <a:gd name="connsiteY35" fmla="*/ 13716 h 113728"/>
-                  <a:gd name="connsiteX36" fmla="*/ 687511 w 2418108"/>
-                  <a:gd name="connsiteY36" fmla="*/ 12859 h 113728"/>
-                  <a:gd name="connsiteX37" fmla="*/ 435670 w 2418108"/>
-                  <a:gd name="connsiteY37" fmla="*/ 12192 h 113728"/>
-                  <a:gd name="connsiteX38" fmla="*/ 440718 w 2418108"/>
-                  <a:gd name="connsiteY38" fmla="*/ 12668 h 113728"/>
-                  <a:gd name="connsiteX39" fmla="*/ 386807 w 2418108"/>
-                  <a:gd name="connsiteY39" fmla="*/ 9906 h 113728"/>
-                  <a:gd name="connsiteX40" fmla="*/ 16856 w 2418108"/>
-                  <a:gd name="connsiteY40" fmla="*/ 12192 h 113728"/>
-                  <a:gd name="connsiteX41" fmla="*/ 63528 w 2418108"/>
-                  <a:gd name="connsiteY41" fmla="*/ 102870 h 113728"/>
-                  <a:gd name="connsiteX42" fmla="*/ 42668 w 2418108"/>
-                  <a:gd name="connsiteY42" fmla="*/ 102584 h 113728"/>
-                  <a:gd name="connsiteX43" fmla="*/ 41430 w 2418108"/>
-                  <a:gd name="connsiteY43" fmla="*/ 105537 h 113728"/>
-                  <a:gd name="connsiteX44" fmla="*/ 54575 w 2418108"/>
-                  <a:gd name="connsiteY44" fmla="*/ 105347 h 113728"/>
-                  <a:gd name="connsiteX45" fmla="*/ 388140 w 2418108"/>
-                  <a:gd name="connsiteY45" fmla="*/ 112109 h 113728"/>
-                  <a:gd name="connsiteX46" fmla="*/ 482152 w 2418108"/>
-                  <a:gd name="connsiteY46" fmla="*/ 113729 h 113728"/>
-                  <a:gd name="connsiteX47" fmla="*/ 632266 w 2418108"/>
-                  <a:gd name="connsiteY47" fmla="*/ 112205 h 113728"/>
-                </a:gdLst>
-                <a:ahLst/>
-                <a:cxnLst>
-                  <a:cxn ang="0">
-                    <a:pos x="connsiteX0" y="connsiteY0"/>
-                  </a:cxn>
-                  <a:cxn ang="0">
-                    <a:pos x="connsiteX1" y="connsiteY1"/>
-                  </a:cxn>
-                  <a:cxn ang="0">
-                    <a:pos x="connsiteX2" y="connsiteY2"/>
-                  </a:cxn>
-                  <a:cxn ang="0">
-                    <a:pos x="connsiteX3" y="connsiteY3"/>
-                  </a:cxn>
-                  <a:cxn ang="0">
-                    <a:pos x="connsiteX4" y="connsiteY4"/>
-                  </a:cxn>
-                  <a:cxn ang="0">
-                    <a:pos x="connsiteX5" y="connsiteY5"/>
-                  </a:cxn>
-                  <a:cxn ang="0">
-                    <a:pos x="connsiteX6" y="connsiteY6"/>
-                  </a:cxn>
-                  <a:cxn ang="0">
-                    <a:pos x="connsiteX7" y="connsiteY7"/>
-                  </a:cxn>
-                  <a:cxn ang="0">
-                    <a:pos x="connsiteX8" y="connsiteY8"/>
-                  </a:cxn>
-                  <a:cxn ang="0">
-                    <a:pos x="connsiteX9" y="connsiteY9"/>
-                  </a:cxn>
-                  <a:cxn ang="0">
-                    <a:pos x="connsiteX10" y="connsiteY10"/>
-                  </a:cxn>
-                  <a:cxn ang="0">
-                    <a:pos x="connsiteX11" y="connsiteY11"/>
-                  </a:cxn>
-                  <a:cxn ang="0">
-                    <a:pos x="connsiteX12" y="connsiteY12"/>
-                  </a:cxn>
-                  <a:cxn ang="0">
-                    <a:pos x="connsiteX13" y="connsiteY13"/>
-                  </a:cxn>
-                  <a:cxn ang="0">
-                    <a:pos x="connsiteX14" y="connsiteY14"/>
-                  </a:cxn>
-                  <a:cxn ang="0">
-                    <a:pos x="connsiteX15" y="connsiteY15"/>
-                  </a:cxn>
-                  <a:cxn ang="0">
-                    <a:pos x="connsiteX16" y="connsiteY16"/>
-                  </a:cxn>
-                  <a:cxn ang="0">
-                    <a:pos x="connsiteX17" y="connsiteY17"/>
-                  </a:cxn>
-                  <a:cxn ang="0">
-                    <a:pos x="connsiteX18" y="connsiteY18"/>
-                  </a:cxn>
-                  <a:cxn ang="0">
-                    <a:pos x="connsiteX19" y="connsiteY19"/>
-                  </a:cxn>
-                  <a:cxn ang="0">
-                    <a:pos x="connsiteX20" y="connsiteY20"/>
-                  </a:cxn>
-                  <a:cxn ang="0">
-                    <a:pos x="connsiteX21" y="connsiteY21"/>
-                  </a:cxn>
-                  <a:cxn ang="0">
-                    <a:pos x="connsiteX22" y="connsiteY22"/>
-                  </a:cxn>
-                  <a:cxn ang="0">
-                    <a:pos x="connsiteX23" y="connsiteY23"/>
-                  </a:cxn>
-                  <a:cxn ang="0">
-                    <a:pos x="connsiteX24" y="connsiteY24"/>
-                  </a:cxn>
-                  <a:cxn ang="0">
-                    <a:pos x="connsiteX25" y="connsiteY25"/>
-                  </a:cxn>
-                  <a:cxn ang="0">
-                    <a:pos x="connsiteX26" y="connsiteY26"/>
-                  </a:cxn>
-                  <a:cxn ang="0">
-                    <a:pos x="connsiteX27" y="connsiteY27"/>
-                  </a:cxn>
-                  <a:cxn ang="0">
-                    <a:pos x="connsiteX28" y="connsiteY28"/>
-                  </a:cxn>
-                  <a:cxn ang="0">
-                    <a:pos x="connsiteX29" y="connsiteY29"/>
-                  </a:cxn>
-                  <a:cxn ang="0">
-                    <a:pos x="connsiteX30" y="connsiteY30"/>
-                  </a:cxn>
-                  <a:cxn ang="0">
-                    <a:pos x="connsiteX31" y="connsiteY31"/>
-                  </a:cxn>
-                  <a:cxn ang="0">
-                    <a:pos x="connsiteX32" y="connsiteY32"/>
-                  </a:cxn>
-                  <a:cxn ang="0">
-                    <a:pos x="connsiteX33" y="connsiteY33"/>
-                  </a:cxn>
-                  <a:cxn ang="0">
-                    <a:pos x="connsiteX34" y="connsiteY34"/>
-                  </a:cxn>
-                  <a:cxn ang="0">
-                    <a:pos x="connsiteX35" y="connsiteY35"/>
-                  </a:cxn>
-                  <a:cxn ang="0">
-                    <a:pos x="connsiteX36" y="connsiteY36"/>
-                  </a:cxn>
-                  <a:cxn ang="0">
-                    <a:pos x="connsiteX37" y="connsiteY37"/>
-                  </a:cxn>
-                  <a:cxn ang="0">
-                    <a:pos x="connsiteX38" y="connsiteY38"/>
-                  </a:cxn>
-                  <a:cxn ang="0">
-                    <a:pos x="connsiteX39" y="connsiteY39"/>
-                  </a:cxn>
-                  <a:cxn ang="0">
-                    <a:pos x="connsiteX40" y="connsiteY40"/>
-                  </a:cxn>
-                  <a:cxn ang="0">
-                    <a:pos x="connsiteX41" y="connsiteY41"/>
-                  </a:cxn>
-                  <a:cxn ang="0">
-                    <a:pos x="connsiteX42" y="connsiteY42"/>
-                  </a:cxn>
-                  <a:cxn ang="0">
-                    <a:pos x="connsiteX43" y="connsiteY43"/>
-                  </a:cxn>
-                  <a:cxn ang="0">
-                    <a:pos x="connsiteX44" y="connsiteY44"/>
-                  </a:cxn>
-                  <a:cxn ang="0">
-                    <a:pos x="connsiteX45" y="connsiteY45"/>
-                  </a:cxn>
-                  <a:cxn ang="0">
-                    <a:pos x="connsiteX46" y="connsiteY46"/>
-                  </a:cxn>
-                  <a:cxn ang="0">
-                    <a:pos x="connsiteX47" y="connsiteY47"/>
-                  </a:cxn>
-                </a:cxnLst>
-                <a:rect l="l" t="t" r="r" b="b"/>
-                <a:pathLst>
-                  <a:path w="2418108" h="113728">
-                    <a:moveTo>
-                      <a:pt x="632266" y="112205"/>
-                    </a:moveTo>
-                    <a:cubicBezTo>
-                      <a:pt x="656364" y="104680"/>
-                      <a:pt x="694940" y="114110"/>
-                      <a:pt x="723039" y="109538"/>
-                    </a:cubicBezTo>
-                    <a:cubicBezTo>
-                      <a:pt x="722849" y="109919"/>
-                      <a:pt x="735898" y="110109"/>
-                      <a:pt x="735136" y="111823"/>
-                    </a:cubicBezTo>
-                    <a:cubicBezTo>
-                      <a:pt x="735041" y="108776"/>
-                      <a:pt x="767616" y="112300"/>
-                      <a:pt x="752471" y="108680"/>
-                    </a:cubicBezTo>
-                    <a:cubicBezTo>
-                      <a:pt x="754757" y="107633"/>
-                      <a:pt x="790571" y="107633"/>
-                      <a:pt x="772569" y="110585"/>
-                    </a:cubicBezTo>
-                    <a:cubicBezTo>
-                      <a:pt x="822099" y="111633"/>
-                      <a:pt x="1059653" y="114395"/>
-                      <a:pt x="1112993" y="112967"/>
-                    </a:cubicBezTo>
-                    <a:cubicBezTo>
-                      <a:pt x="1106135" y="110776"/>
-                      <a:pt x="1089656" y="112205"/>
-                      <a:pt x="1083465" y="108776"/>
-                    </a:cubicBezTo>
-                    <a:cubicBezTo>
-                      <a:pt x="1153950" y="111728"/>
-                      <a:pt x="1230626" y="113157"/>
-                      <a:pt x="1296825" y="108966"/>
-                    </a:cubicBezTo>
-                    <a:cubicBezTo>
-                      <a:pt x="1277680" y="103251"/>
-                      <a:pt x="1356071" y="110966"/>
-                      <a:pt x="1346736" y="103632"/>
-                    </a:cubicBezTo>
-                    <a:cubicBezTo>
-                      <a:pt x="1351213" y="105347"/>
-                      <a:pt x="1374454" y="106109"/>
-                      <a:pt x="1360643" y="107633"/>
-                    </a:cubicBezTo>
-                    <a:cubicBezTo>
-                      <a:pt x="1368548" y="107728"/>
-                      <a:pt x="1376168" y="108299"/>
-                      <a:pt x="1381788" y="107442"/>
-                    </a:cubicBezTo>
-                    <a:lnTo>
-                      <a:pt x="1371692" y="106490"/>
-                    </a:lnTo>
-                    <a:cubicBezTo>
-                      <a:pt x="1398266" y="106013"/>
-                      <a:pt x="1412744" y="108680"/>
-                      <a:pt x="1430080" y="105537"/>
-                    </a:cubicBezTo>
-                    <a:lnTo>
-                      <a:pt x="1420269" y="104108"/>
-                    </a:lnTo>
-                    <a:cubicBezTo>
-                      <a:pt x="1436176" y="103918"/>
-                      <a:pt x="1449416" y="103632"/>
-                      <a:pt x="1455702" y="107061"/>
-                    </a:cubicBezTo>
-                    <a:lnTo>
-                      <a:pt x="1439414" y="108109"/>
-                    </a:lnTo>
-                    <a:cubicBezTo>
-                      <a:pt x="1465799" y="108014"/>
-                      <a:pt x="1481610" y="107823"/>
-                      <a:pt x="1503613" y="105918"/>
-                    </a:cubicBezTo>
-                    <a:lnTo>
-                      <a:pt x="1495802" y="105823"/>
-                    </a:lnTo>
-                    <a:cubicBezTo>
-                      <a:pt x="1523806" y="102394"/>
-                      <a:pt x="1670110" y="99441"/>
-                      <a:pt x="1695923" y="95155"/>
-                    </a:cubicBezTo>
-                    <a:lnTo>
-                      <a:pt x="1684016" y="92488"/>
-                    </a:lnTo>
-                    <a:lnTo>
-                      <a:pt x="1706210" y="90202"/>
-                    </a:lnTo>
-                    <a:cubicBezTo>
-                      <a:pt x="1703543" y="90202"/>
-                      <a:pt x="1695542" y="98965"/>
-                      <a:pt x="1693351" y="98108"/>
-                    </a:cubicBezTo>
-                    <a:cubicBezTo>
-                      <a:pt x="1757549" y="99441"/>
-                      <a:pt x="2045109" y="91345"/>
-                      <a:pt x="2058539" y="102203"/>
-                    </a:cubicBezTo>
-                    <a:cubicBezTo>
-                      <a:pt x="2079780" y="101917"/>
-                      <a:pt x="2071303" y="103918"/>
-                      <a:pt x="2064540" y="95060"/>
-                    </a:cubicBezTo>
-                    <a:cubicBezTo>
-                      <a:pt x="2086638" y="95441"/>
-                      <a:pt x="2259707" y="88773"/>
-                      <a:pt x="2227132" y="96203"/>
-                    </a:cubicBezTo>
-                    <a:cubicBezTo>
-                      <a:pt x="2232371" y="96298"/>
-                      <a:pt x="2240372" y="95917"/>
-                      <a:pt x="2245229" y="96869"/>
-                    </a:cubicBezTo>
-                    <a:cubicBezTo>
-                      <a:pt x="2235704" y="94583"/>
-                      <a:pt x="2261708" y="95345"/>
-                      <a:pt x="2254278" y="94393"/>
-                    </a:cubicBezTo>
-                    <a:cubicBezTo>
-                      <a:pt x="2395724" y="108776"/>
-                      <a:pt x="2341527" y="36576"/>
-                      <a:pt x="2418108" y="5810"/>
-                    </a:cubicBezTo>
-                    <a:cubicBezTo>
-                      <a:pt x="2398772" y="4763"/>
-                      <a:pt x="2335717" y="7239"/>
-                      <a:pt x="2399058" y="2858"/>
-                    </a:cubicBezTo>
-                    <a:cubicBezTo>
-                      <a:pt x="2343527" y="-572"/>
-                      <a:pt x="2296283" y="1238"/>
-                      <a:pt x="2241039" y="1905"/>
-                    </a:cubicBezTo>
-                    <a:lnTo>
-                      <a:pt x="2243991" y="1048"/>
-                    </a:lnTo>
-                    <a:cubicBezTo>
-                      <a:pt x="2234181" y="-381"/>
-                      <a:pt x="2214845" y="1524"/>
-                      <a:pt x="2197128" y="0"/>
-                    </a:cubicBezTo>
-                    <a:cubicBezTo>
-                      <a:pt x="2115880" y="6096"/>
-                      <a:pt x="1816128" y="3524"/>
-                      <a:pt x="1710591" y="6287"/>
-                    </a:cubicBezTo>
-                    <a:lnTo>
-                      <a:pt x="1713353" y="5906"/>
-                    </a:lnTo>
-                    <a:cubicBezTo>
-                      <a:pt x="1577146" y="5429"/>
-                      <a:pt x="1349308" y="11240"/>
-                      <a:pt x="1210814" y="7715"/>
-                    </a:cubicBezTo>
-                    <a:cubicBezTo>
-                      <a:pt x="1095848" y="23717"/>
-                      <a:pt x="819051" y="5429"/>
-                      <a:pt x="684463" y="13716"/>
-                    </a:cubicBezTo>
-                    <a:lnTo>
-                      <a:pt x="687511" y="12859"/>
-                    </a:lnTo>
-                    <a:cubicBezTo>
-                      <a:pt x="655316" y="14192"/>
-                      <a:pt x="473008" y="10954"/>
-                      <a:pt x="435670" y="12192"/>
-                    </a:cubicBezTo>
-                    <a:lnTo>
-                      <a:pt x="440718" y="12668"/>
-                    </a:lnTo>
-                    <a:cubicBezTo>
-                      <a:pt x="408047" y="14764"/>
-                      <a:pt x="412524" y="11049"/>
-                      <a:pt x="386807" y="9906"/>
-                    </a:cubicBezTo>
-                    <a:cubicBezTo>
-                      <a:pt x="275174" y="28004"/>
-                      <a:pt x="142395" y="18764"/>
-                      <a:pt x="16856" y="12192"/>
-                    </a:cubicBezTo>
-                    <a:cubicBezTo>
-                      <a:pt x="-6195" y="35528"/>
-                      <a:pt x="-17434" y="114395"/>
-                      <a:pt x="63528" y="102870"/>
-                    </a:cubicBezTo>
-                    <a:cubicBezTo>
-                      <a:pt x="63528" y="102870"/>
-                      <a:pt x="42668" y="102584"/>
-                      <a:pt x="42668" y="102584"/>
-                    </a:cubicBezTo>
-                    <a:cubicBezTo>
-                      <a:pt x="58004" y="103156"/>
-                      <a:pt x="47336" y="104299"/>
-                      <a:pt x="41430" y="105537"/>
-                    </a:cubicBezTo>
-                    <a:cubicBezTo>
-                      <a:pt x="46764" y="105537"/>
-                      <a:pt x="68386" y="107442"/>
-                      <a:pt x="54575" y="105347"/>
-                    </a:cubicBezTo>
-                    <a:cubicBezTo>
-                      <a:pt x="158588" y="108109"/>
-                      <a:pt x="297462" y="110109"/>
-                      <a:pt x="388140" y="112109"/>
-                    </a:cubicBezTo>
-                    <a:cubicBezTo>
-                      <a:pt x="420525" y="113348"/>
-                      <a:pt x="453577" y="106680"/>
-                      <a:pt x="482152" y="113729"/>
-                    </a:cubicBezTo>
-                    <a:cubicBezTo>
-                      <a:pt x="477580" y="111919"/>
-                      <a:pt x="629885" y="111728"/>
-                      <a:pt x="632266" y="112205"/>
-                    </a:cubicBezTo>
-                    <a:close/>
-                  </a:path>
-                </a:pathLst>
-              </a:custGeom>
-              <a:grpFill/>
-              <a:ln w="9525" cap="flat">
-                <a:noFill/>
-                <a:prstDash val="solid"/>
-                <a:miter/>
-              </a:ln>
-            </p:spPr>
-            <p:txBody>
-              <a:bodyPr rtlCol="0" anchor="ctr"/>
-              <a:lstStyle/>
-              <a:p>
-                <a:pPr algn="ctr"/>
-                <a:endParaRPr lang="en-US"/>
-              </a:p>
-            </p:txBody>
-          </p:sp>
-        </p:grpSp>
-      </p:grpSp>
-      <p:sp>
-        <p:nvSpPr>
-          <p:cNvPr id="3" name="Slide Number Placeholder 2">
-            <a:extLst>
-              <a:ext uri="{FF2B5EF4-FFF2-40B4-BE49-F238E27FC236}">
-                <a16:creationId xmlns:a16="http://schemas.microsoft.com/office/drawing/2014/main" id="{F2614E7D-0C81-FFF8-4FBE-8170342C5A62}"/>
-              </a:ext>
-            </a:extLst>
-          </p:cNvPr>
-          <p:cNvSpPr>
-            <a:spLocks noGrp="1"/>
-          </p:cNvSpPr>
-          <p:nvPr>
-            <p:ph type="sldNum" sz="quarter" idx="12"/>
-          </p:nvPr>
-        </p:nvSpPr>
-        <p:spPr/>
-        <p:txBody>
-          <a:bodyPr/>
-          <a:lstStyle/>
-          <a:p>
-            <a:fld id="{E1076ED0-0DB3-4879-AAE5-5C20D22C1DF4}" type="slidenum">
-              <a:rPr lang="en-US" smtClean="0"/>
-              <a:t>8</a:t>
-            </a:fld>
-            <a:endParaRPr lang="en-US"/>
-          </a:p>
-        </p:txBody>
-      </p:sp>
-    </p:spTree>
-    <p:extLst>
-      <p:ext uri="{BB962C8B-B14F-4D97-AF65-F5344CB8AC3E}">
-        <p14:creationId xmlns:p14="http://schemas.microsoft.com/office/powerpoint/2010/main" val="2394492029"/>
-      </p:ext>
-    </p:extLst>
-  </p:cSld>
-  <p:clrMapOvr>
-    <a:masterClrMapping/>
-  </p:clrMapOvr>
-</p:sld>
-</file>
-
-<file path=ppt/slides/slide9.xml><?xml version="1.0" encoding="utf-8"?>
 <p:sld xmlns:a="http://schemas.openxmlformats.org/drawingml/2006/main" xmlns:r="http://schemas.openxmlformats.org/officeDocument/2006/relationships" xmlns:p="http://schemas.openxmlformats.org/presentationml/2006/main">
   <p:cSld>
     <p:spTree>
@@ -29982,6 +26256,194 @@
           <a:p>
             <a:fld id="{E1076ED0-0DB3-4879-AAE5-5C20D22C1DF4}" type="slidenum">
               <a:rPr lang="en-US" smtClean="0"/>
+              <a:t>8</a:t>
+            </a:fld>
+            <a:endParaRPr lang="en-US"/>
+          </a:p>
+        </p:txBody>
+      </p:sp>
+    </p:spTree>
+    <p:extLst>
+      <p:ext uri="{BB962C8B-B14F-4D97-AF65-F5344CB8AC3E}">
+        <p14:creationId xmlns:p14="http://schemas.microsoft.com/office/powerpoint/2010/main" val="1352093332"/>
+      </p:ext>
+    </p:extLst>
+  </p:cSld>
+  <p:clrMapOvr>
+    <a:masterClrMapping/>
+  </p:clrMapOvr>
+</p:sld>
+</file>
+
+<file path=ppt/slides/slide9.xml><?xml version="1.0" encoding="utf-8"?>
+<p:sld xmlns:a="http://schemas.openxmlformats.org/drawingml/2006/main" xmlns:r="http://schemas.openxmlformats.org/officeDocument/2006/relationships" xmlns:p="http://schemas.openxmlformats.org/presentationml/2006/main">
+  <p:cSld>
+    <p:spTree>
+      <p:nvGrpSpPr>
+        <p:cNvPr id="1" name=""/>
+        <p:cNvGrpSpPr/>
+        <p:nvPr/>
+      </p:nvGrpSpPr>
+      <p:grpSpPr>
+        <a:xfrm>
+          <a:off x="0" y="0"/>
+          <a:ext cx="0" cy="0"/>
+          <a:chOff x="0" y="0"/>
+          <a:chExt cx="0" cy="0"/>
+        </a:xfrm>
+      </p:grpSpPr>
+      <p:sp>
+        <p:nvSpPr>
+          <p:cNvPr id="2" name="Title 1">
+            <a:extLst>
+              <a:ext uri="{FF2B5EF4-FFF2-40B4-BE49-F238E27FC236}">
+                <a16:creationId xmlns:a16="http://schemas.microsoft.com/office/drawing/2014/main" id="{A2E0A4C7-2365-53ED-6ECD-971BB99732B0}"/>
+              </a:ext>
+            </a:extLst>
+          </p:cNvPr>
+          <p:cNvSpPr>
+            <a:spLocks noGrp="1"/>
+          </p:cNvSpPr>
+          <p:nvPr>
+            <p:ph type="title"/>
+          </p:nvPr>
+        </p:nvSpPr>
+        <p:spPr/>
+        <p:txBody>
+          <a:bodyPr/>
+          <a:lstStyle/>
+          <a:p>
+            <a:r>
+              <a:rPr lang="en-US"/>
+              <a:t>Approach : Execution of Projects</a:t>
+            </a:r>
+          </a:p>
+        </p:txBody>
+      </p:sp>
+      <p:sp>
+        <p:nvSpPr>
+          <p:cNvPr id="3" name="Content Placeholder 2">
+            <a:extLst>
+              <a:ext uri="{FF2B5EF4-FFF2-40B4-BE49-F238E27FC236}">
+                <a16:creationId xmlns:a16="http://schemas.microsoft.com/office/drawing/2014/main" id="{A52A912C-8FDA-4718-45EA-095D8963E01E}"/>
+              </a:ext>
+            </a:extLst>
+          </p:cNvPr>
+          <p:cNvSpPr>
+            <a:spLocks noGrp="1"/>
+          </p:cNvSpPr>
+          <p:nvPr>
+            <p:ph idx="1"/>
+          </p:nvPr>
+        </p:nvSpPr>
+        <p:spPr/>
+        <p:txBody>
+          <a:bodyPr vert="horz" lIns="91440" tIns="45720" rIns="91440" bIns="45720" rtlCol="0" anchor="t">
+            <a:normAutofit/>
+          </a:bodyPr>
+          <a:lstStyle/>
+          <a:p>
+            <a:pPr marL="342900" indent="-342900">
+              <a:buChar char="•"/>
+            </a:pPr>
+            <a:r>
+              <a:rPr lang="en-US" dirty="0"/>
+              <a:t>Finding similarities and differences during setup and running of the selected python projects.</a:t>
+            </a:r>
+          </a:p>
+          <a:p>
+            <a:pPr marL="342900" indent="-342900">
+              <a:buChar char="•"/>
+            </a:pPr>
+            <a:r>
+              <a:rPr lang="en-US" dirty="0"/>
+              <a:t>Generic steps for setup and running of sample projects:</a:t>
+            </a:r>
+          </a:p>
+          <a:p>
+            <a:pPr marL="742950" lvl="2" indent="-285750">
+              <a:buChar char="•"/>
+            </a:pPr>
+            <a:r>
+              <a:rPr lang="en-US" dirty="0"/>
+              <a:t>Clone repository.</a:t>
+            </a:r>
+          </a:p>
+          <a:p>
+            <a:pPr marL="742950" lvl="2" indent="-285750">
+              <a:buChar char="•"/>
+            </a:pPr>
+            <a:r>
+              <a:rPr lang="en-US" dirty="0"/>
+              <a:t>Create and activate python virtual environment.</a:t>
+            </a:r>
+          </a:p>
+          <a:p>
+            <a:pPr marL="742950" lvl="2" indent="-285750">
+              <a:buChar char="•"/>
+            </a:pPr>
+            <a:r>
+              <a:rPr lang="en-US" dirty="0"/>
+              <a:t>Install requirements using pip or install the project using setup.py.</a:t>
+            </a:r>
+          </a:p>
+          <a:p>
+            <a:pPr marL="742950" lvl="2" indent="-285750">
+              <a:buChar char="•"/>
+            </a:pPr>
+            <a:r>
+              <a:rPr lang="en-US" dirty="0"/>
+              <a:t>Install </a:t>
+            </a:r>
+            <a:r>
+              <a:rPr lang="en-US" dirty="0" err="1"/>
+              <a:t>pytest</a:t>
+            </a:r>
+            <a:r>
+              <a:rPr lang="en-US" dirty="0"/>
+              <a:t> for testing.</a:t>
+            </a:r>
+          </a:p>
+          <a:p>
+            <a:pPr marL="742950" lvl="2" indent="-285750">
+              <a:buChar char="•"/>
+            </a:pPr>
+            <a:r>
+              <a:rPr lang="en-US" dirty="0"/>
+              <a:t>Run tests and observe result statistics such as number of test cases, success rate, time to run tests.</a:t>
+            </a:r>
+          </a:p>
+          <a:p>
+            <a:pPr marL="742950" lvl="2" indent="-285750">
+              <a:buChar char="•"/>
+            </a:pPr>
+            <a:endParaRPr lang="en-US" dirty="0"/>
+          </a:p>
+        </p:txBody>
+      </p:sp>
+      <p:sp>
+        <p:nvSpPr>
+          <p:cNvPr id="4" name="Slide Number Placeholder 3">
+            <a:extLst>
+              <a:ext uri="{FF2B5EF4-FFF2-40B4-BE49-F238E27FC236}">
+                <a16:creationId xmlns:a16="http://schemas.microsoft.com/office/drawing/2014/main" id="{6253C17F-7E2C-B943-8C08-1E60782496C0}"/>
+              </a:ext>
+            </a:extLst>
+          </p:cNvPr>
+          <p:cNvSpPr>
+            <a:spLocks noGrp="1"/>
+          </p:cNvSpPr>
+          <p:nvPr>
+            <p:ph type="sldNum" sz="quarter" idx="12"/>
+          </p:nvPr>
+        </p:nvSpPr>
+        <p:spPr/>
+        <p:txBody>
+          <a:bodyPr/>
+          <a:lstStyle/>
+          <a:p>
+            <a:fld id="{E1076ED0-0DB3-4879-AAE5-5C20D22C1DF4}" type="slidenum">
+              <a:rPr lang="en-US" smtClean="0"/>
               <a:t>9</a:t>
             </a:fld>
             <a:endParaRPr lang="en-US"/>
@@ -29991,7 +26453,7 @@
     </p:spTree>
     <p:extLst>
       <p:ext uri="{BB962C8B-B14F-4D97-AF65-F5344CB8AC3E}">
-        <p14:creationId xmlns:p14="http://schemas.microsoft.com/office/powerpoint/2010/main" val="1352093332"/>
+        <p14:creationId xmlns:p14="http://schemas.microsoft.com/office/powerpoint/2010/main" val="3611525401"/>
       </p:ext>
     </p:extLst>
   </p:cSld>

--- a/Kick-Off Presentation.pptx
+++ b/Kick-Off Presentation.pptx
@@ -131,7 +131,7 @@
   <p1510:revLst>
     <p1510:client id="{0C50F5AC-F121-4ABC-82C3-800D9A2726C8}" v="275" dt="2022-11-21T23:57:56.972"/>
     <p1510:client id="{65FD3D1F-3F58-416E-8288-5E877AD1D4B9}" v="2711" dt="2022-11-20T14:18:51.338"/>
-    <p1510:client id="{E8C0E4EF-C312-4263-BEEA-47D1B63374EF}" v="750" dt="2022-11-22T10:03:21.597"/>
+    <p1510:client id="{E8C0E4EF-C312-4263-BEEA-47D1B63374EF}" v="765" dt="2022-11-22T12:04:04.104"/>
   </p1510:revLst>
 </p1510:revInfo>
 </file>
@@ -1989,12 +1989,12 @@
         <a:lstStyle/>
         <a:p>
           <a:r>
-            <a:rPr lang="en-US" dirty="0">
+            <a:rPr lang="en-US">
               <a:latin typeface="Georgia Pro Semibold"/>
             </a:rPr>
             <a:t>Selection of projects</a:t>
           </a:r>
-          <a:endParaRPr lang="en-US" dirty="0"/>
+          <a:endParaRPr lang="en-US"/>
         </a:p>
       </dgm:t>
     </dgm:pt>
@@ -2021,12 +2021,12 @@
         <a:lstStyle/>
         <a:p>
           <a:r>
-            <a:rPr lang="en-US" dirty="0">
+            <a:rPr lang="en-US">
               <a:latin typeface="Georgia Pro Semibold"/>
             </a:rPr>
             <a:t>Execution of projects</a:t>
           </a:r>
-          <a:endParaRPr lang="en-US" dirty="0"/>
+          <a:endParaRPr lang="en-US"/>
         </a:p>
       </dgm:t>
     </dgm:pt>
@@ -2053,12 +2053,12 @@
         <a:lstStyle/>
         <a:p>
           <a:r>
-            <a:rPr lang="en-US" dirty="0">
+            <a:rPr lang="en-US">
               <a:latin typeface="Georgia Pro Semibold"/>
             </a:rPr>
             <a:t>Automation</a:t>
           </a:r>
-          <a:endParaRPr lang="en-US" dirty="0"/>
+          <a:endParaRPr lang="en-US"/>
         </a:p>
       </dgm:t>
     </dgm:pt>
@@ -2172,12 +2172,12 @@
         <a:lstStyle/>
         <a:p>
           <a:r>
-            <a:rPr lang="en-US" dirty="0">
+            <a:rPr lang="en-US">
               <a:latin typeface="Georgia Pro Semibold"/>
             </a:rPr>
             <a:t>Selection of projects</a:t>
           </a:r>
-          <a:endParaRPr lang="en-US" dirty="0"/>
+          <a:endParaRPr lang="en-US"/>
         </a:p>
       </dgm:t>
     </dgm:pt>
@@ -2204,12 +2204,12 @@
         <a:lstStyle/>
         <a:p>
           <a:r>
-            <a:rPr lang="en-US" dirty="0">
+            <a:rPr lang="en-US">
               <a:latin typeface="Georgia Pro Semibold"/>
             </a:rPr>
             <a:t>Execution of projects</a:t>
           </a:r>
-          <a:endParaRPr lang="en-US" dirty="0"/>
+          <a:endParaRPr lang="en-US"/>
         </a:p>
       </dgm:t>
     </dgm:pt>
@@ -2236,12 +2236,12 @@
         <a:lstStyle/>
         <a:p>
           <a:r>
-            <a:rPr lang="en-US" dirty="0">
+            <a:rPr lang="en-US">
               <a:latin typeface="Georgia Pro Semibold"/>
             </a:rPr>
             <a:t>Automation</a:t>
           </a:r>
-          <a:endParaRPr lang="en-US" dirty="0"/>
+          <a:endParaRPr lang="en-US"/>
         </a:p>
       </dgm:t>
     </dgm:pt>
@@ -2426,12 +2426,12 @@
             <a:buNone/>
           </a:pPr>
           <a:r>
-            <a:rPr lang="en-US" sz="3100" kern="1200" dirty="0">
+            <a:rPr lang="en-US" sz="3100" kern="1200">
               <a:latin typeface="Georgia Pro Semibold"/>
             </a:rPr>
             <a:t>Selection of projects</a:t>
           </a:r>
-          <a:endParaRPr lang="en-US" sz="3100" kern="1200" dirty="0"/>
+          <a:endParaRPr lang="en-US" sz="3100" kern="1200"/>
         </a:p>
       </dsp:txBody>
       <dsp:txXfrm>
@@ -2578,12 +2578,12 @@
             <a:buNone/>
           </a:pPr>
           <a:r>
-            <a:rPr lang="en-US" sz="3100" kern="1200" dirty="0">
+            <a:rPr lang="en-US" sz="3100" kern="1200">
               <a:latin typeface="Georgia Pro Semibold"/>
             </a:rPr>
             <a:t>Execution of projects</a:t>
           </a:r>
-          <a:endParaRPr lang="en-US" sz="3100" kern="1200" dirty="0"/>
+          <a:endParaRPr lang="en-US" sz="3100" kern="1200"/>
         </a:p>
       </dsp:txBody>
       <dsp:txXfrm>
@@ -2730,12 +2730,12 @@
             <a:buNone/>
           </a:pPr>
           <a:r>
-            <a:rPr lang="en-US" sz="3100" kern="1200" dirty="0">
+            <a:rPr lang="en-US" sz="3100" kern="1200">
               <a:latin typeface="Georgia Pro Semibold"/>
             </a:rPr>
             <a:t>Automation</a:t>
           </a:r>
-          <a:endParaRPr lang="en-US" sz="3100" kern="1200" dirty="0"/>
+          <a:endParaRPr lang="en-US" sz="3100" kern="1200"/>
         </a:p>
       </dsp:txBody>
       <dsp:txXfrm>
@@ -2820,12 +2820,12 @@
             <a:buNone/>
           </a:pPr>
           <a:r>
-            <a:rPr lang="en-US" sz="3100" kern="1200" dirty="0">
+            <a:rPr lang="en-US" sz="3100" kern="1200">
               <a:latin typeface="Georgia Pro Semibold"/>
             </a:rPr>
             <a:t>Selection of projects</a:t>
           </a:r>
-          <a:endParaRPr lang="en-US" sz="3100" kern="1200" dirty="0"/>
+          <a:endParaRPr lang="en-US" sz="3100" kern="1200"/>
         </a:p>
       </dsp:txBody>
       <dsp:txXfrm>
@@ -2967,12 +2967,12 @@
             <a:buNone/>
           </a:pPr>
           <a:r>
-            <a:rPr lang="en-US" sz="3100" kern="1200" dirty="0">
+            <a:rPr lang="en-US" sz="3100" kern="1200">
               <a:latin typeface="Georgia Pro Semibold"/>
             </a:rPr>
             <a:t>Execution of projects</a:t>
           </a:r>
-          <a:endParaRPr lang="en-US" sz="3100" kern="1200" dirty="0"/>
+          <a:endParaRPr lang="en-US" sz="3100" kern="1200"/>
         </a:p>
       </dsp:txBody>
       <dsp:txXfrm>
@@ -3119,12 +3119,12 @@
             <a:buNone/>
           </a:pPr>
           <a:r>
-            <a:rPr lang="en-US" sz="3100" kern="1200" dirty="0">
+            <a:rPr lang="en-US" sz="3100" kern="1200">
               <a:latin typeface="Georgia Pro Semibold"/>
             </a:rPr>
             <a:t>Automation</a:t>
           </a:r>
-          <a:endParaRPr lang="en-US" sz="3100" kern="1200" dirty="0"/>
+          <a:endParaRPr lang="en-US" sz="3100" kern="1200"/>
         </a:p>
       </dsp:txBody>
       <dsp:txXfrm>
@@ -20868,7 +20868,7 @@
               <a:buChar char="•"/>
             </a:pPr>
             <a:r>
-              <a:rPr lang="en-US" dirty="0"/>
+              <a:rPr lang="en-US"/>
               <a:t>Automate all the steps involved in setting up the selected python projects.</a:t>
             </a:r>
           </a:p>
@@ -20877,7 +20877,7 @@
               <a:buChar char="•"/>
             </a:pPr>
             <a:r>
-              <a:rPr lang="en-US" dirty="0"/>
+              <a:rPr lang="en-US"/>
               <a:t>Automate the steps involved for executing the test suites of selected python projects.</a:t>
             </a:r>
           </a:p>
@@ -20886,7 +20886,7 @@
               <a:buChar char="•"/>
             </a:pPr>
             <a:r>
-              <a:rPr lang="en-US" dirty="0"/>
+              <a:rPr lang="en-US"/>
               <a:t>Execute common steps automatically for executing tests of any new python project.</a:t>
             </a:r>
           </a:p>
@@ -20896,21 +20896,21 @@
               <a:buChar char="•"/>
             </a:pPr>
             <a:r>
-              <a:rPr lang="en-US" dirty="0">
+              <a:rPr lang="en-US">
                 <a:ea typeface="+mn-lt"/>
                 <a:cs typeface="+mn-lt"/>
               </a:rPr>
               <a:t>Framework implements dynamic analysis using </a:t>
             </a:r>
             <a:r>
-              <a:rPr lang="en-US" dirty="0" err="1">
+              <a:rPr lang="en-US" err="1">
                 <a:ea typeface="+mn-lt"/>
                 <a:cs typeface="+mn-lt"/>
               </a:rPr>
               <a:t>DynaPyt</a:t>
             </a:r>
             <a:r>
-              <a:rPr lang="en-US" dirty="0">
+              <a:rPr lang="en-US">
                 <a:ea typeface="+mn-lt"/>
                 <a:cs typeface="+mn-lt"/>
               </a:rPr>
@@ -20921,7 +20921,7 @@
             <a:pPr marL="342900" indent="-342900">
               <a:buChar char="•"/>
             </a:pPr>
-            <a:endParaRPr lang="en-US" dirty="0"/>
+            <a:endParaRPr lang="en-US"/>
           </a:p>
         </p:txBody>
       </p:sp>
@@ -21039,15 +21039,15 @@
               <a:buChar char="•"/>
             </a:pPr>
             <a:r>
-              <a:rPr lang="en-US" dirty="0"/>
+              <a:rPr lang="en-US"/>
               <a:t>Study dynamic properties of python using benchmark and </a:t>
             </a:r>
             <a:r>
-              <a:rPr lang="en-US" dirty="0" err="1"/>
+              <a:rPr lang="en-US" err="1"/>
               <a:t>DynaPyt</a:t>
             </a:r>
             <a:r>
-              <a:rPr lang="en-US" dirty="0"/>
+              <a:rPr lang="en-US"/>
               <a:t> framework.</a:t>
             </a:r>
           </a:p>
@@ -21056,7 +21056,7 @@
               <a:buChar char="•"/>
             </a:pPr>
             <a:r>
-              <a:rPr lang="en-US" dirty="0"/>
+              <a:rPr lang="en-US"/>
               <a:t>Some dynamic properties to be studied include:</a:t>
             </a:r>
           </a:p>
@@ -21065,7 +21065,7 @@
               <a:buChar char="•"/>
             </a:pPr>
             <a:r>
-              <a:rPr lang="en-US" dirty="0"/>
+              <a:rPr lang="en-US"/>
               <a:t>Objects</a:t>
             </a:r>
           </a:p>
@@ -21074,7 +21074,7 @@
               <a:buChar char="•"/>
             </a:pPr>
             <a:r>
-              <a:rPr lang="en-US" dirty="0"/>
+              <a:rPr lang="en-US"/>
               <a:t>Call Targets</a:t>
             </a:r>
           </a:p>
@@ -21083,14 +21083,14 @@
               <a:buChar char="•"/>
             </a:pPr>
             <a:r>
-              <a:rPr lang="en-US" dirty="0"/>
+              <a:rPr lang="en-US"/>
               <a:t>Variable usage</a:t>
             </a:r>
           </a:p>
           <a:p>
             <a:pPr marL="285750" lvl="1" indent="-285750"/>
             <a:r>
-              <a:rPr lang="en-US" dirty="0"/>
+              <a:rPr lang="en-US"/>
               <a:t>Any other suggestions ?</a:t>
             </a:r>
           </a:p>
@@ -21359,7 +21359,7 @@
         </p:nvSpPr>
         <p:spPr>
           <a:xfrm>
-            <a:off x="5265615" y="2452077"/>
+            <a:off x="4635799" y="2483179"/>
             <a:ext cx="2564667" cy="338554"/>
           </a:xfrm>
           <a:prstGeom prst="rect">
@@ -21377,7 +21377,7 @@
           <a:lstStyle/>
           <a:p>
             <a:r>
-              <a:rPr lang="en-US" sz="1600" b="1" dirty="0">
+              <a:rPr lang="en-US" sz="1600" b="1">
                 <a:latin typeface="Georgia Pro Semibold"/>
               </a:rPr>
               <a:t>Creation of Framework</a:t>
@@ -21463,10 +21463,10 @@
           <a:lstStyle/>
           <a:p>
             <a:r>
-              <a:rPr lang="en-US" sz="1100" dirty="0"/>
+              <a:rPr lang="en-US" sz="1100"/>
               <a:t>Awesome Python Projects</a:t>
             </a:r>
-            <a:endParaRPr lang="en-US" dirty="0"/>
+            <a:endParaRPr lang="en-US"/>
           </a:p>
         </p:txBody>
       </p:sp>
@@ -21502,10 +21502,10 @@
           <a:lstStyle/>
           <a:p>
             <a:r>
-              <a:rPr lang="en-US" sz="1100" dirty="0"/>
+              <a:rPr lang="en-US" sz="1100"/>
               <a:t>9 diverse projects</a:t>
             </a:r>
-            <a:endParaRPr lang="en-US" dirty="0"/>
+            <a:endParaRPr lang="en-US"/>
           </a:p>
         </p:txBody>
       </p:sp>
@@ -21541,7 +21541,7 @@
           <a:lstStyle/>
           <a:p>
             <a:r>
-              <a:rPr lang="en-US" sz="1100" dirty="0"/>
+              <a:rPr lang="en-US" sz="1100"/>
               <a:t>Steps for running tests</a:t>
             </a:r>
           </a:p>
@@ -22038,13 +22038,13 @@
               <a:buChar char="•"/>
             </a:pPr>
             <a:r>
-              <a:rPr lang="en-US" dirty="0">
+              <a:rPr lang="en-US">
                 <a:ea typeface="+mn-lt"/>
                 <a:cs typeface="+mn-lt"/>
               </a:rPr>
               <a:t>Time for setting up projects.</a:t>
             </a:r>
-            <a:endParaRPr lang="en-US" dirty="0"/>
+            <a:endParaRPr lang="en-US"/>
           </a:p>
           <a:p>
             <a:pPr marL="742950" lvl="2">
@@ -22052,21 +22052,21 @@
               <a:buChar char="•"/>
             </a:pPr>
             <a:r>
-              <a:rPr lang="en-US" dirty="0">
+              <a:rPr lang="en-US">
                 <a:ea typeface="+mn-lt"/>
                 <a:cs typeface="+mn-lt"/>
               </a:rPr>
               <a:t> </a:t>
             </a:r>
             <a:r>
-              <a:rPr lang="en-US" dirty="0" err="1">
+              <a:rPr lang="en-US" err="1">
                 <a:ea typeface="+mn-lt"/>
                 <a:cs typeface="+mn-lt"/>
               </a:rPr>
               <a:t>PythonRobotics</a:t>
             </a:r>
             <a:r>
-              <a:rPr lang="en-US" dirty="0">
+              <a:rPr lang="en-US">
                 <a:ea typeface="+mn-lt"/>
                 <a:cs typeface="+mn-lt"/>
               </a:rPr>
@@ -22079,13 +22079,13 @@
               <a:buChar char="•"/>
             </a:pPr>
             <a:r>
-              <a:rPr lang="en-US" dirty="0">
+              <a:rPr lang="en-US">
                 <a:ea typeface="+mn-lt"/>
                 <a:cs typeface="+mn-lt"/>
               </a:rPr>
               <a:t> Flask-Api setup completed in 5 mins.</a:t>
             </a:r>
-            <a:endParaRPr lang="en-US" dirty="0"/>
+            <a:endParaRPr lang="en-US"/>
           </a:p>
           <a:p>
             <a:pPr marL="285750" lvl="1" indent="-285750">
@@ -22093,7 +22093,7 @@
               <a:buChar char="•"/>
             </a:pPr>
             <a:r>
-              <a:rPr lang="en-US" dirty="0">
+              <a:rPr lang="en-US">
                 <a:ea typeface="+mn-lt"/>
                 <a:cs typeface="+mn-lt"/>
               </a:rPr>
@@ -22106,7 +22106,7 @@
               <a:buChar char="•"/>
             </a:pPr>
             <a:r>
-              <a:rPr lang="en-US" dirty="0">
+              <a:rPr lang="en-US">
                 <a:ea typeface="+mn-lt"/>
                 <a:cs typeface="+mn-lt"/>
               </a:rPr>
@@ -22119,7 +22119,7 @@
               <a:buChar char="•"/>
             </a:pPr>
             <a:r>
-              <a:rPr lang="en-US" dirty="0">
+              <a:rPr lang="en-US">
                 <a:ea typeface="+mn-lt"/>
                 <a:cs typeface="+mn-lt"/>
               </a:rPr>
@@ -22132,7 +22132,7 @@
               <a:buChar char="•"/>
             </a:pPr>
             <a:r>
-              <a:rPr lang="en-US" dirty="0">
+              <a:rPr lang="en-US">
                 <a:ea typeface="+mn-lt"/>
                 <a:cs typeface="+mn-lt"/>
               </a:rPr>
@@ -22145,11 +22145,11 @@
               <a:buChar char="•"/>
             </a:pPr>
             <a:r>
-              <a:rPr lang="en-US" dirty="0" err="1"/>
+              <a:rPr lang="en-US" err="1"/>
               <a:t>PythonRobotics</a:t>
             </a:r>
             <a:r>
-              <a:rPr lang="en-US" dirty="0"/>
+              <a:rPr lang="en-US"/>
               <a:t> : 103 tests in 314 seconds.</a:t>
             </a:r>
           </a:p>
@@ -22159,11 +22159,11 @@
               <a:buChar char="•"/>
             </a:pPr>
             <a:r>
-              <a:rPr lang="en-US" dirty="0" err="1"/>
+              <a:rPr lang="en-US" err="1"/>
               <a:t>Streamparse</a:t>
             </a:r>
             <a:r>
-              <a:rPr lang="en-US" dirty="0"/>
+              <a:rPr lang="en-US"/>
               <a:t> : 57 tests in 0.97 seconds</a:t>
             </a:r>
           </a:p>
@@ -22286,7 +22286,7 @@
               <a:buChar char="•"/>
             </a:pPr>
             <a:r>
-              <a:rPr lang="en-US" dirty="0"/>
+              <a:rPr lang="en-US"/>
               <a:t>With this project, we aim to solve the challenges faced in execution of Python projects and focus on performing dynamic benchmarking.</a:t>
             </a:r>
           </a:p>
@@ -22295,7 +22295,7 @@
               <a:buChar char="•"/>
             </a:pPr>
             <a:r>
-              <a:rPr lang="en-US" dirty="0"/>
+              <a:rPr lang="en-US"/>
               <a:t>The Dynamic benchmark should consists of the following characteristics:</a:t>
             </a:r>
           </a:p>
@@ -22304,7 +22304,7 @@
               <a:buChar char="•"/>
             </a:pPr>
             <a:r>
-              <a:rPr lang="en-US" dirty="0"/>
+              <a:rPr lang="en-US"/>
               <a:t>Large Scale</a:t>
             </a:r>
           </a:p>
@@ -22313,7 +22313,7 @@
               <a:buChar char="•"/>
             </a:pPr>
             <a:r>
-              <a:rPr lang="en-US" dirty="0"/>
+              <a:rPr lang="en-US"/>
               <a:t>Diverse</a:t>
             </a:r>
           </a:p>
@@ -22322,7 +22322,7 @@
               <a:buChar char="•"/>
             </a:pPr>
             <a:r>
-              <a:rPr lang="en-US" dirty="0"/>
+              <a:rPr lang="en-US"/>
               <a:t>One Click Run</a:t>
             </a:r>
           </a:p>
@@ -22331,28 +22331,28 @@
               <a:buChar char="•"/>
             </a:pPr>
             <a:r>
-              <a:rPr lang="en-US" dirty="0">
+              <a:rPr lang="en-US">
                 <a:ea typeface="+mn-lt"/>
                 <a:cs typeface="+mn-lt"/>
               </a:rPr>
               <a:t>Longevity</a:t>
             </a:r>
-            <a:endParaRPr lang="en-US" dirty="0" err="1"/>
+            <a:endParaRPr lang="en-US" err="1"/>
           </a:p>
           <a:p>
             <a:pPr marL="742950" lvl="2" indent="-285750">
               <a:buChar char="•"/>
             </a:pPr>
             <a:r>
-              <a:rPr lang="en-US" dirty="0"/>
+              <a:rPr lang="en-US"/>
               <a:t>Code Analysis with </a:t>
             </a:r>
             <a:r>
-              <a:rPr lang="en-US" dirty="0" err="1"/>
+              <a:rPr lang="en-US" err="1"/>
               <a:t>DynaPyt</a:t>
             </a:r>
             <a:r>
-              <a:rPr lang="en-US" dirty="0"/>
+              <a:rPr lang="en-US"/>
               <a:t> Framework</a:t>
             </a:r>
           </a:p>
@@ -22445,7 +22445,7 @@
           <a:lstStyle/>
           <a:p>
             <a:r>
-              <a:rPr lang="en-US" dirty="0"/>
+              <a:rPr lang="en-US"/>
               <a:t>Introduction : Concrete Steps</a:t>
             </a:r>
           </a:p>
@@ -22478,7 +22478,7 @@
               <a:buChar char="•"/>
             </a:pPr>
             <a:r>
-              <a:rPr lang="en-US"/>
+              <a:rPr lang="en-US" dirty="0"/>
               <a:t>Gathering a set of 50 to 100 popular and diverse python projects and execute their code and test suites.</a:t>
             </a:r>
           </a:p>
@@ -22487,8 +22487,8 @@
               <a:buChar char="•"/>
             </a:pPr>
             <a:r>
-              <a:rPr lang="en-US"/>
-              <a:t>Design and implement a benchmark with a unique interface to setup, run and analyze different python projects.</a:t>
+              <a:rPr lang="en-US" dirty="0"/>
+              <a:t>Design and implement a framework for benchmark with a unique interface to setup, run and analyze different python projects.</a:t>
             </a:r>
           </a:p>
           <a:p>
@@ -22496,15 +22496,15 @@
               <a:buChar char="•"/>
             </a:pPr>
             <a:r>
-              <a:rPr lang="en-US"/>
+              <a:rPr lang="en-US" dirty="0"/>
               <a:t>Perform empirical study of dynamic features, call targets, objects and other features of Python using the benchmark and </a:t>
             </a:r>
             <a:r>
-              <a:rPr lang="en-US" err="1"/>
+              <a:rPr lang="en-US" dirty="0" err="1"/>
               <a:t>DynaPyt</a:t>
             </a:r>
             <a:r>
-              <a:rPr lang="en-US"/>
+              <a:rPr lang="en-US" dirty="0"/>
               <a:t> framework. </a:t>
             </a:r>
           </a:p>
@@ -25150,7 +25150,7 @@
           <a:lstStyle/>
           <a:p>
             <a:r>
-              <a:rPr lang="en-US" sz="1600" b="1" dirty="0">
+              <a:rPr lang="en-US" sz="1600" b="1">
                 <a:latin typeface="Georgia Pro Semibold"/>
               </a:rPr>
               <a:t>Creation of Framework</a:t>
@@ -25291,7 +25291,7 @@
           <a:lstStyle/>
           <a:p>
             <a:r>
-              <a:rPr lang="en-US" sz="1100" dirty="0"/>
+              <a:rPr lang="en-US" sz="1100"/>
               <a:t>Diverse python projects</a:t>
             </a:r>
           </a:p>
@@ -25329,7 +25329,7 @@
           <a:lstStyle/>
           <a:p>
             <a:r>
-              <a:rPr lang="en-US" sz="1100" dirty="0"/>
+              <a:rPr lang="en-US" sz="1100"/>
               <a:t>50~100 python projects</a:t>
             </a:r>
           </a:p>
@@ -25367,7 +25367,7 @@
           <a:lstStyle/>
           <a:p>
             <a:r>
-              <a:rPr lang="en-US" sz="1100" dirty="0"/>
+              <a:rPr lang="en-US" sz="1100"/>
               <a:t>Steps to execute and run tests</a:t>
             </a:r>
           </a:p>
@@ -25405,7 +25405,7 @@
           <a:lstStyle/>
           <a:p>
             <a:r>
-              <a:rPr lang="en-US" sz="1100" dirty="0"/>
+              <a:rPr lang="en-US" sz="1100"/>
               <a:t>Benchmarking Framework</a:t>
             </a:r>
           </a:p>
@@ -25496,20 +25496,20 @@
               <a:buChar char="•"/>
             </a:pPr>
             <a:r>
-              <a:rPr lang="en-US" dirty="0">
+              <a:rPr lang="en-US">
                 <a:ea typeface="+mn-lt"/>
                 <a:cs typeface="+mn-lt"/>
               </a:rPr>
               <a:t>Popular and open source projects.</a:t>
             </a:r>
-            <a:endParaRPr lang="en-US" dirty="0"/>
+            <a:endParaRPr lang="en-US"/>
           </a:p>
           <a:p>
             <a:pPr marL="342900" indent="-342900">
               <a:buChar char="•"/>
             </a:pPr>
             <a:r>
-              <a:rPr lang="en-US" dirty="0"/>
+              <a:rPr lang="en-US"/>
               <a:t>Focus mainly on projects having test suites.</a:t>
             </a:r>
           </a:p>
@@ -25518,7 +25518,7 @@
               <a:buChar char="•"/>
             </a:pPr>
             <a:r>
-              <a:rPr lang="en-US" dirty="0"/>
+              <a:rPr lang="en-US"/>
               <a:t>Automatically create test suites for other projects.</a:t>
             </a:r>
           </a:p>
@@ -25527,11 +25527,11 @@
               <a:buChar char="•"/>
             </a:pPr>
             <a:r>
-              <a:rPr lang="en-US" dirty="0"/>
+              <a:rPr lang="en-US"/>
               <a:t>Awesome python website projects provides the diverse set of projects. (</a:t>
             </a:r>
             <a:r>
-              <a:rPr lang="en-US" dirty="0">
+              <a:rPr lang="en-US">
                 <a:ea typeface="+mn-lt"/>
                 <a:cs typeface="+mn-lt"/>
               </a:rPr>
@@ -25543,8 +25543,8 @@
               <a:buChar char="•"/>
             </a:pPr>
             <a:r>
-              <a:rPr lang="en-US" dirty="0"/>
-              <a:t>Projects from different categories defined by awesome python also satisfy our selection the criteria.</a:t>
+              <a:rPr lang="en-US"/>
+              <a:t>Projects from different categories defined by awesome python satisfy our selection criteria.</a:t>
             </a:r>
           </a:p>
         </p:txBody>
@@ -26348,7 +26348,7 @@
             </a:pPr>
             <a:r>
               <a:rPr lang="en-US" dirty="0"/>
-              <a:t>Finding similarities and differences during setup and running of the selected python projects.</a:t>
+              <a:t>Finding similarities and differences during setup and running of the selected python projects and their test suites.</a:t>
             </a:r>
           </a:p>
           <a:p>
@@ -26417,7 +26417,7 @@
             <a:pPr marL="742950" lvl="2" indent="-285750">
               <a:buChar char="•"/>
             </a:pPr>
-            <a:endParaRPr lang="en-US" dirty="0"/>
+            <a:endParaRPr lang="en-US"/>
           </a:p>
         </p:txBody>
       </p:sp>
